--- a/Project report and presentation/TreasureHunt_Presentation.pptx
+++ b/Project report and presentation/TreasureHunt_Presentation.pptx
@@ -12,16 +12,21 @@
     <p:sldId id="274" r:id="rId6"/>
     <p:sldId id="275" r:id="rId7"/>
     <p:sldId id="276" r:id="rId8"/>
-    <p:sldId id="278" r:id="rId9"/>
-    <p:sldId id="279" r:id="rId10"/>
+    <p:sldId id="288" r:id="rId9"/>
+    <p:sldId id="278" r:id="rId10"/>
     <p:sldId id="280" r:id="rId11"/>
-    <p:sldId id="282" r:id="rId12"/>
-    <p:sldId id="281" r:id="rId13"/>
-    <p:sldId id="287" r:id="rId14"/>
-    <p:sldId id="283" r:id="rId15"/>
-    <p:sldId id="284" r:id="rId16"/>
-    <p:sldId id="285" r:id="rId17"/>
-    <p:sldId id="286" r:id="rId18"/>
+    <p:sldId id="290" r:id="rId12"/>
+    <p:sldId id="289" r:id="rId13"/>
+    <p:sldId id="282" r:id="rId14"/>
+    <p:sldId id="281" r:id="rId15"/>
+    <p:sldId id="287" r:id="rId16"/>
+    <p:sldId id="294" r:id="rId17"/>
+    <p:sldId id="295" r:id="rId18"/>
+    <p:sldId id="292" r:id="rId19"/>
+    <p:sldId id="283" r:id="rId20"/>
+    <p:sldId id="284" r:id="rId21"/>
+    <p:sldId id="285" r:id="rId22"/>
+    <p:sldId id="286" r:id="rId23"/>
   </p:sldIdLst>
   <p:sldSz cx="12192000" cy="6858000"/>
   <p:notesSz cx="6858000" cy="9144000"/>
@@ -8059,7 +8064,7 @@
           <a:p>
             <a:fld id="{D7C9943A-C746-4BCE-9F86-929CEC97D476}" type="datetimeFigureOut">
               <a:rPr lang="en-US" smtClean="0"/>
-              <a:t>6/7/2020</a:t>
+              <a:t>6/8/2020</a:t>
             </a:fld>
             <a:endParaRPr lang="en-US"/>
           </a:p>
@@ -8310,7 +8315,7 @@
           <a:p>
             <a:fld id="{D7C9943A-C746-4BCE-9F86-929CEC97D476}" type="datetimeFigureOut">
               <a:rPr lang="en-US" smtClean="0"/>
-              <a:t>6/7/2020</a:t>
+              <a:t>6/8/2020</a:t>
             </a:fld>
             <a:endParaRPr lang="en-US"/>
           </a:p>
@@ -8624,7 +8629,7 @@
           <a:p>
             <a:fld id="{D7C9943A-C746-4BCE-9F86-929CEC97D476}" type="datetimeFigureOut">
               <a:rPr lang="en-US" smtClean="0"/>
-              <a:t>6/7/2020</a:t>
+              <a:t>6/8/2020</a:t>
             </a:fld>
             <a:endParaRPr lang="en-US"/>
           </a:p>
@@ -8965,7 +8970,7 @@
           <a:p>
             <a:fld id="{D7C9943A-C746-4BCE-9F86-929CEC97D476}" type="datetimeFigureOut">
               <a:rPr lang="en-US" smtClean="0"/>
-              <a:t>6/7/2020</a:t>
+              <a:t>6/8/2020</a:t>
             </a:fld>
             <a:endParaRPr lang="en-US"/>
           </a:p>
@@ -9279,7 +9284,7 @@
           <a:p>
             <a:fld id="{D7C9943A-C746-4BCE-9F86-929CEC97D476}" type="datetimeFigureOut">
               <a:rPr lang="en-US" smtClean="0"/>
-              <a:t>6/7/2020</a:t>
+              <a:t>6/8/2020</a:t>
             </a:fld>
             <a:endParaRPr lang="en-US"/>
           </a:p>
@@ -9672,7 +9677,7 @@
           <a:p>
             <a:fld id="{D7C9943A-C746-4BCE-9F86-929CEC97D476}" type="datetimeFigureOut">
               <a:rPr lang="en-US" smtClean="0"/>
-              <a:t>6/7/2020</a:t>
+              <a:t>6/8/2020</a:t>
             </a:fld>
             <a:endParaRPr lang="en-US"/>
           </a:p>
@@ -9842,7 +9847,7 @@
           <a:p>
             <a:fld id="{D7C9943A-C746-4BCE-9F86-929CEC97D476}" type="datetimeFigureOut">
               <a:rPr lang="en-US" smtClean="0"/>
-              <a:t>6/7/2020</a:t>
+              <a:t>6/8/2020</a:t>
             </a:fld>
             <a:endParaRPr lang="en-US"/>
           </a:p>
@@ -10022,7 +10027,7 @@
           <a:p>
             <a:fld id="{D7C9943A-C746-4BCE-9F86-929CEC97D476}" type="datetimeFigureOut">
               <a:rPr lang="en-US" smtClean="0"/>
-              <a:t>6/7/2020</a:t>
+              <a:t>6/8/2020</a:t>
             </a:fld>
             <a:endParaRPr lang="en-US"/>
           </a:p>
@@ -10198,7 +10203,7 @@
           <a:p>
             <a:fld id="{D7C9943A-C746-4BCE-9F86-929CEC97D476}" type="datetimeFigureOut">
               <a:rPr lang="en-US" smtClean="0"/>
-              <a:t>6/7/2020</a:t>
+              <a:t>6/8/2020</a:t>
             </a:fld>
             <a:endParaRPr lang="en-US"/>
           </a:p>
@@ -10445,7 +10450,7 @@
           <a:p>
             <a:fld id="{D7C9943A-C746-4BCE-9F86-929CEC97D476}" type="datetimeFigureOut">
               <a:rPr lang="en-US" smtClean="0"/>
-              <a:t>6/7/2020</a:t>
+              <a:t>6/8/2020</a:t>
             </a:fld>
             <a:endParaRPr lang="en-US"/>
           </a:p>
@@ -10677,7 +10682,7 @@
           <a:p>
             <a:fld id="{D7C9943A-C746-4BCE-9F86-929CEC97D476}" type="datetimeFigureOut">
               <a:rPr lang="en-US" smtClean="0"/>
-              <a:t>6/7/2020</a:t>
+              <a:t>6/8/2020</a:t>
             </a:fld>
             <a:endParaRPr lang="en-US"/>
           </a:p>
@@ -11051,7 +11056,7 @@
           <a:p>
             <a:fld id="{D7C9943A-C746-4BCE-9F86-929CEC97D476}" type="datetimeFigureOut">
               <a:rPr lang="en-US" smtClean="0"/>
-              <a:t>6/7/2020</a:t>
+              <a:t>6/8/2020</a:t>
             </a:fld>
             <a:endParaRPr lang="en-US"/>
           </a:p>
@@ -11174,7 +11179,7 @@
           <a:p>
             <a:fld id="{D7C9943A-C746-4BCE-9F86-929CEC97D476}" type="datetimeFigureOut">
               <a:rPr lang="en-US" smtClean="0"/>
-              <a:t>6/7/2020</a:t>
+              <a:t>6/8/2020</a:t>
             </a:fld>
             <a:endParaRPr lang="en-US"/>
           </a:p>
@@ -11269,7 +11274,7 @@
           <a:p>
             <a:fld id="{D7C9943A-C746-4BCE-9F86-929CEC97D476}" type="datetimeFigureOut">
               <a:rPr lang="en-US" smtClean="0"/>
-              <a:t>6/7/2020</a:t>
+              <a:t>6/8/2020</a:t>
             </a:fld>
             <a:endParaRPr lang="en-US"/>
           </a:p>
@@ -11524,7 +11529,7 @@
           <a:p>
             <a:fld id="{D7C9943A-C746-4BCE-9F86-929CEC97D476}" type="datetimeFigureOut">
               <a:rPr lang="en-US" smtClean="0"/>
-              <a:t>6/7/2020</a:t>
+              <a:t>6/8/2020</a:t>
             </a:fld>
             <a:endParaRPr lang="en-US"/>
           </a:p>
@@ -11787,7 +11792,7 @@
           <a:p>
             <a:fld id="{D7C9943A-C746-4BCE-9F86-929CEC97D476}" type="datetimeFigureOut">
               <a:rPr lang="en-US" smtClean="0"/>
-              <a:t>6/7/2020</a:t>
+              <a:t>6/8/2020</a:t>
             </a:fld>
             <a:endParaRPr lang="en-US"/>
           </a:p>
@@ -12530,7 +12535,7 @@
           <a:p>
             <a:fld id="{D7C9943A-C746-4BCE-9F86-929CEC97D476}" type="datetimeFigureOut">
               <a:rPr lang="en-US" smtClean="0"/>
-              <a:t>6/7/2020</a:t>
+              <a:t>6/8/2020</a:t>
             </a:fld>
             <a:endParaRPr lang="en-US"/>
           </a:p>
@@ -13521,8 +13526,8 @@
         </p:blipFill>
         <p:spPr>
           <a:xfrm>
-            <a:off x="1621811" y="2773573"/>
-            <a:ext cx="8360382" cy="3880773"/>
+            <a:off x="1797666" y="2716058"/>
+            <a:ext cx="8596668" cy="3990454"/>
           </a:xfrm>
           <a:prstGeom prst="rect">
             <a:avLst/>
@@ -13715,6 +13720,694 @@
           <a:p>
             <a:r>
               <a:rPr lang="en-GB" dirty="0"/>
+              <a:t>Hunts stored in the database contain the hunt name, a short description and the locations in order.</a:t>
+            </a:r>
+          </a:p>
+          <a:p>
+            <a:endParaRPr lang="en-AU" dirty="0"/>
+          </a:p>
+        </p:txBody>
+      </p:sp>
+      <p:sp>
+        <p:nvSpPr>
+          <p:cNvPr id="12" name="Isosceles Triangle 11">
+            <a:extLst>
+              <a:ext uri="{FF2B5EF4-FFF2-40B4-BE49-F238E27FC236}">
+                <a16:creationId xmlns:a16="http://schemas.microsoft.com/office/drawing/2014/main" id="{7E2C7115-5336-410C-AD71-0F0952A2E5A7}"/>
+              </a:ext>
+              <a:ext uri="{C183D7F6-B498-43B3-948B-1728B52AA6E4}">
+                <adec:decorative xmlns:adec="http://schemas.microsoft.com/office/drawing/2017/decorative" val="1"/>
+              </a:ext>
+            </a:extLst>
+          </p:cNvPr>
+          <p:cNvSpPr>
+            <a:spLocks noGrp="1" noRot="1" noChangeAspect="1" noMove="1" noResize="1" noEditPoints="1" noAdjustHandles="1" noChangeArrowheads="1" noChangeShapeType="1" noTextEdit="1"/>
+          </p:cNvSpPr>
+          <p:nvPr>
+            <p:extLst>
+              <p:ext uri="{386F3935-93C4-4BCD-93E2-E3B085C9AB24}">
+                <p16:designElem xmlns:p16="http://schemas.microsoft.com/office/powerpoint/2015/main" val="1"/>
+              </p:ext>
+            </p:extLst>
+          </p:nvPr>
+        </p:nvSpPr>
+        <p:spPr>
+          <a:xfrm flipH="1">
+            <a:off x="11743267" y="4013200"/>
+            <a:ext cx="448733" cy="2844800"/>
+          </a:xfrm>
+          <a:prstGeom prst="triangle">
+            <a:avLst>
+              <a:gd name="adj" fmla="val 0"/>
+            </a:avLst>
+          </a:prstGeom>
+          <a:solidFill>
+            <a:schemeClr val="accent1">
+              <a:alpha val="85000"/>
+            </a:schemeClr>
+          </a:solidFill>
+          <a:ln>
+            <a:noFill/>
+          </a:ln>
+          <a:effectLst/>
+        </p:spPr>
+        <p:style>
+          <a:lnRef idx="1">
+            <a:schemeClr val="accent1"/>
+          </a:lnRef>
+          <a:fillRef idx="3">
+            <a:schemeClr val="accent1"/>
+          </a:fillRef>
+          <a:effectRef idx="2">
+            <a:schemeClr val="accent1"/>
+          </a:effectRef>
+          <a:fontRef idx="minor">
+            <a:schemeClr val="lt1"/>
+          </a:fontRef>
+        </p:style>
+      </p:sp>
+      <p:pic>
+        <p:nvPicPr>
+          <p:cNvPr id="4" name="Picture 3">
+            <a:extLst>
+              <a:ext uri="{FF2B5EF4-FFF2-40B4-BE49-F238E27FC236}">
+                <a16:creationId xmlns:a16="http://schemas.microsoft.com/office/drawing/2014/main" id="{F54F5F26-D13E-4FE3-8216-A6CA85940AD7}"/>
+              </a:ext>
+            </a:extLst>
+          </p:cNvPr>
+          <p:cNvPicPr>
+            <a:picLocks noChangeAspect="1"/>
+          </p:cNvPicPr>
+          <p:nvPr/>
+        </p:nvPicPr>
+        <p:blipFill>
+          <a:blip r:embed="rId2"/>
+          <a:stretch>
+            <a:fillRect/>
+          </a:stretch>
+        </p:blipFill>
+        <p:spPr>
+          <a:xfrm>
+            <a:off x="1255356" y="354808"/>
+            <a:ext cx="4840644" cy="1450974"/>
+          </a:xfrm>
+          <a:prstGeom prst="rect">
+            <a:avLst/>
+          </a:prstGeom>
+        </p:spPr>
+      </p:pic>
+      <p:pic>
+        <p:nvPicPr>
+          <p:cNvPr id="5" name="Picture 4" descr="A screenshot of a computer screen&#10;&#10;Description automatically generated">
+            <a:extLst>
+              <a:ext uri="{FF2B5EF4-FFF2-40B4-BE49-F238E27FC236}">
+                <a16:creationId xmlns:a16="http://schemas.microsoft.com/office/drawing/2014/main" id="{E9D95E2F-00C9-4B02-BF8E-2ED05256D93B}"/>
+              </a:ext>
+            </a:extLst>
+          </p:cNvPr>
+          <p:cNvPicPr>
+            <a:picLocks noChangeAspect="1"/>
+          </p:cNvPicPr>
+          <p:nvPr/>
+        </p:nvPicPr>
+        <p:blipFill>
+          <a:blip r:embed="rId3">
+            <a:extLst>
+              <a:ext uri="{28A0092B-C50C-407E-A947-70E740481C1C}">
+                <a14:useLocalDpi xmlns:a14="http://schemas.microsoft.com/office/drawing/2010/main" val="0"/>
+              </a:ext>
+            </a:extLst>
+          </a:blip>
+          <a:stretch>
+            <a:fillRect/>
+          </a:stretch>
+        </p:blipFill>
+        <p:spPr>
+          <a:xfrm>
+            <a:off x="1861359" y="2684263"/>
+            <a:ext cx="8469281" cy="3973925"/>
+          </a:xfrm>
+          <a:prstGeom prst="rect">
+            <a:avLst/>
+          </a:prstGeom>
+        </p:spPr>
+      </p:pic>
+    </p:spTree>
+    <p:extLst>
+      <p:ext uri="{BB962C8B-B14F-4D97-AF65-F5344CB8AC3E}">
+        <p14:creationId xmlns:p14="http://schemas.microsoft.com/office/powerpoint/2010/main" val="2270057137"/>
+      </p:ext>
+    </p:extLst>
+  </p:cSld>
+  <p:clrMapOvr>
+    <a:masterClrMapping/>
+  </p:clrMapOvr>
+</p:sld>
+</file>
+
+<file path=ppt/slides/slide12.xml><?xml version="1.0" encoding="utf-8"?>
+<p:sld xmlns:a="http://schemas.openxmlformats.org/drawingml/2006/main" xmlns:r="http://schemas.openxmlformats.org/officeDocument/2006/relationships" xmlns:p="http://schemas.openxmlformats.org/presentationml/2006/main">
+  <p:cSld>
+    <p:bg>
+      <p:bgPr>
+        <a:solidFill>
+          <a:schemeClr val="bg1"/>
+        </a:solidFill>
+        <a:effectLst/>
+      </p:bgPr>
+    </p:bg>
+    <p:spTree>
+      <p:nvGrpSpPr>
+        <p:cNvPr id="1" name=""/>
+        <p:cNvGrpSpPr/>
+        <p:nvPr/>
+      </p:nvGrpSpPr>
+      <p:grpSpPr>
+        <a:xfrm>
+          <a:off x="0" y="0"/>
+          <a:ext cx="0" cy="0"/>
+          <a:chOff x="0" y="0"/>
+          <a:chExt cx="0" cy="0"/>
+        </a:xfrm>
+      </p:grpSpPr>
+      <p:sp useBgFill="1">
+        <p:nvSpPr>
+          <p:cNvPr id="8" name="Rectangle 7">
+            <a:extLst>
+              <a:ext uri="{FF2B5EF4-FFF2-40B4-BE49-F238E27FC236}">
+                <a16:creationId xmlns:a16="http://schemas.microsoft.com/office/drawing/2014/main" id="{E80B86A7-A1EC-475B-9166-88902B033A38}"/>
+              </a:ext>
+              <a:ext uri="{C183D7F6-B498-43B3-948B-1728B52AA6E4}">
+                <adec:decorative xmlns:adec="http://schemas.microsoft.com/office/drawing/2017/decorative" val="1"/>
+              </a:ext>
+            </a:extLst>
+          </p:cNvPr>
+          <p:cNvSpPr>
+            <a:spLocks noGrp="1" noRot="1" noChangeAspect="1" noMove="1" noResize="1" noEditPoints="1" noAdjustHandles="1" noChangeArrowheads="1" noChangeShapeType="1" noTextEdit="1"/>
+          </p:cNvSpPr>
+          <p:nvPr>
+            <p:extLst>
+              <p:ext uri="{386F3935-93C4-4BCD-93E2-E3B085C9AB24}">
+                <p16:designElem xmlns:p16="http://schemas.microsoft.com/office/powerpoint/2015/main" val="1"/>
+              </p:ext>
+            </p:extLst>
+          </p:nvPr>
+        </p:nvSpPr>
+        <p:spPr>
+          <a:xfrm>
+            <a:off x="0" y="0"/>
+            <a:ext cx="12192000" cy="6858000"/>
+          </a:xfrm>
+          <a:prstGeom prst="rect">
+            <a:avLst/>
+          </a:prstGeom>
+          <a:ln>
+            <a:noFill/>
+          </a:ln>
+        </p:spPr>
+        <p:style>
+          <a:lnRef idx="2">
+            <a:schemeClr val="accent1">
+              <a:shade val="50000"/>
+            </a:schemeClr>
+          </a:lnRef>
+          <a:fillRef idx="1">
+            <a:schemeClr val="accent1"/>
+          </a:fillRef>
+          <a:effectRef idx="0">
+            <a:schemeClr val="accent1"/>
+          </a:effectRef>
+          <a:fontRef idx="minor">
+            <a:schemeClr val="lt1"/>
+          </a:fontRef>
+        </p:style>
+        <p:txBody>
+          <a:bodyPr rtlCol="0" anchor="ctr"/>
+          <a:lstStyle/>
+          <a:p>
+            <a:pPr algn="ctr"/>
+            <a:endParaRPr lang="en-US"/>
+          </a:p>
+        </p:txBody>
+      </p:sp>
+      <p:sp>
+        <p:nvSpPr>
+          <p:cNvPr id="10" name="Isosceles Triangle 9">
+            <a:extLst>
+              <a:ext uri="{FF2B5EF4-FFF2-40B4-BE49-F238E27FC236}">
+                <a16:creationId xmlns:a16="http://schemas.microsoft.com/office/drawing/2014/main" id="{C2C29CB1-9F74-4879-A6AF-AEA67B6F1F4D}"/>
+              </a:ext>
+              <a:ext uri="{C183D7F6-B498-43B3-948B-1728B52AA6E4}">
+                <adec:decorative xmlns:adec="http://schemas.microsoft.com/office/drawing/2017/decorative" val="1"/>
+              </a:ext>
+            </a:extLst>
+          </p:cNvPr>
+          <p:cNvSpPr>
+            <a:spLocks noGrp="1" noRot="1" noChangeAspect="1" noMove="1" noResize="1" noEditPoints="1" noAdjustHandles="1" noChangeArrowheads="1" noChangeShapeType="1" noTextEdit="1"/>
+          </p:cNvSpPr>
+          <p:nvPr>
+            <p:extLst>
+              <p:ext uri="{386F3935-93C4-4BCD-93E2-E3B085C9AB24}">
+                <p16:designElem xmlns:p16="http://schemas.microsoft.com/office/powerpoint/2015/main" val="1"/>
+              </p:ext>
+            </p:extLst>
+          </p:nvPr>
+        </p:nvSpPr>
+        <p:spPr>
+          <a:xfrm rot="10800000">
+            <a:off x="0" y="0"/>
+            <a:ext cx="842596" cy="5666154"/>
+          </a:xfrm>
+          <a:prstGeom prst="triangle">
+            <a:avLst>
+              <a:gd name="adj" fmla="val 100000"/>
+            </a:avLst>
+          </a:prstGeom>
+          <a:solidFill>
+            <a:schemeClr val="accent1">
+              <a:alpha val="85000"/>
+            </a:schemeClr>
+          </a:solidFill>
+          <a:ln>
+            <a:noFill/>
+          </a:ln>
+          <a:effectLst/>
+        </p:spPr>
+        <p:style>
+          <a:lnRef idx="1">
+            <a:schemeClr val="accent1"/>
+          </a:lnRef>
+          <a:fillRef idx="3">
+            <a:schemeClr val="accent1"/>
+          </a:fillRef>
+          <a:effectRef idx="2">
+            <a:schemeClr val="accent1"/>
+          </a:effectRef>
+          <a:fontRef idx="minor">
+            <a:schemeClr val="lt1"/>
+          </a:fontRef>
+        </p:style>
+      </p:sp>
+      <p:sp>
+        <p:nvSpPr>
+          <p:cNvPr id="3" name="Content Placeholder 2">
+            <a:extLst>
+              <a:ext uri="{FF2B5EF4-FFF2-40B4-BE49-F238E27FC236}">
+                <a16:creationId xmlns:a16="http://schemas.microsoft.com/office/drawing/2014/main" id="{98E34D42-279B-4470-8DA3-8F9B0642ABB8}"/>
+              </a:ext>
+            </a:extLst>
+          </p:cNvPr>
+          <p:cNvSpPr>
+            <a:spLocks noGrp="1"/>
+          </p:cNvSpPr>
+          <p:nvPr>
+            <p:ph idx="1"/>
+          </p:nvPr>
+        </p:nvSpPr>
+        <p:spPr>
+          <a:xfrm>
+            <a:off x="1333501" y="1963642"/>
+            <a:ext cx="8596668" cy="3880773"/>
+          </a:xfrm>
+        </p:spPr>
+        <p:txBody>
+          <a:bodyPr>
+            <a:normAutofit/>
+          </a:bodyPr>
+          <a:lstStyle/>
+          <a:p>
+            <a:r>
+              <a:rPr lang="en-GB" dirty="0"/>
+              <a:t>Each hunt location has contains a link to its corresponding photo in the Cloud Storage</a:t>
+            </a:r>
+          </a:p>
+          <a:p>
+            <a:endParaRPr lang="en-AU" dirty="0"/>
+          </a:p>
+        </p:txBody>
+      </p:sp>
+      <p:sp>
+        <p:nvSpPr>
+          <p:cNvPr id="12" name="Isosceles Triangle 11">
+            <a:extLst>
+              <a:ext uri="{FF2B5EF4-FFF2-40B4-BE49-F238E27FC236}">
+                <a16:creationId xmlns:a16="http://schemas.microsoft.com/office/drawing/2014/main" id="{7E2C7115-5336-410C-AD71-0F0952A2E5A7}"/>
+              </a:ext>
+              <a:ext uri="{C183D7F6-B498-43B3-948B-1728B52AA6E4}">
+                <adec:decorative xmlns:adec="http://schemas.microsoft.com/office/drawing/2017/decorative" val="1"/>
+              </a:ext>
+            </a:extLst>
+          </p:cNvPr>
+          <p:cNvSpPr>
+            <a:spLocks noGrp="1" noRot="1" noChangeAspect="1" noMove="1" noResize="1" noEditPoints="1" noAdjustHandles="1" noChangeArrowheads="1" noChangeShapeType="1" noTextEdit="1"/>
+          </p:cNvSpPr>
+          <p:nvPr>
+            <p:extLst>
+              <p:ext uri="{386F3935-93C4-4BCD-93E2-E3B085C9AB24}">
+                <p16:designElem xmlns:p16="http://schemas.microsoft.com/office/powerpoint/2015/main" val="1"/>
+              </p:ext>
+            </p:extLst>
+          </p:nvPr>
+        </p:nvSpPr>
+        <p:spPr>
+          <a:xfrm flipH="1">
+            <a:off x="11743267" y="4013200"/>
+            <a:ext cx="448733" cy="2844800"/>
+          </a:xfrm>
+          <a:prstGeom prst="triangle">
+            <a:avLst>
+              <a:gd name="adj" fmla="val 0"/>
+            </a:avLst>
+          </a:prstGeom>
+          <a:solidFill>
+            <a:schemeClr val="accent1">
+              <a:alpha val="85000"/>
+            </a:schemeClr>
+          </a:solidFill>
+          <a:ln>
+            <a:noFill/>
+          </a:ln>
+          <a:effectLst/>
+        </p:spPr>
+        <p:style>
+          <a:lnRef idx="1">
+            <a:schemeClr val="accent1"/>
+          </a:lnRef>
+          <a:fillRef idx="3">
+            <a:schemeClr val="accent1"/>
+          </a:fillRef>
+          <a:effectRef idx="2">
+            <a:schemeClr val="accent1"/>
+          </a:effectRef>
+          <a:fontRef idx="minor">
+            <a:schemeClr val="lt1"/>
+          </a:fontRef>
+        </p:style>
+      </p:sp>
+      <p:pic>
+        <p:nvPicPr>
+          <p:cNvPr id="4" name="Picture 3">
+            <a:extLst>
+              <a:ext uri="{FF2B5EF4-FFF2-40B4-BE49-F238E27FC236}">
+                <a16:creationId xmlns:a16="http://schemas.microsoft.com/office/drawing/2014/main" id="{F54F5F26-D13E-4FE3-8216-A6CA85940AD7}"/>
+              </a:ext>
+            </a:extLst>
+          </p:cNvPr>
+          <p:cNvPicPr>
+            <a:picLocks noChangeAspect="1"/>
+          </p:cNvPicPr>
+          <p:nvPr/>
+        </p:nvPicPr>
+        <p:blipFill>
+          <a:blip r:embed="rId2"/>
+          <a:stretch>
+            <a:fillRect/>
+          </a:stretch>
+        </p:blipFill>
+        <p:spPr>
+          <a:xfrm>
+            <a:off x="1255356" y="354808"/>
+            <a:ext cx="4840644" cy="1450974"/>
+          </a:xfrm>
+          <a:prstGeom prst="rect">
+            <a:avLst/>
+          </a:prstGeom>
+        </p:spPr>
+      </p:pic>
+      <p:pic>
+        <p:nvPicPr>
+          <p:cNvPr id="5" name="Picture 4" descr="A screenshot of a cell phone&#10;&#10;Description automatically generated">
+            <a:extLst>
+              <a:ext uri="{FF2B5EF4-FFF2-40B4-BE49-F238E27FC236}">
+                <a16:creationId xmlns:a16="http://schemas.microsoft.com/office/drawing/2014/main" id="{A6098B94-8E34-469A-8557-8DB12079B7F7}"/>
+              </a:ext>
+            </a:extLst>
+          </p:cNvPr>
+          <p:cNvPicPr>
+            <a:picLocks noChangeAspect="1"/>
+          </p:cNvPicPr>
+          <p:nvPr/>
+        </p:nvPicPr>
+        <p:blipFill>
+          <a:blip r:embed="rId3">
+            <a:extLst>
+              <a:ext uri="{28A0092B-C50C-407E-A947-70E740481C1C}">
+                <a14:useLocalDpi xmlns:a14="http://schemas.microsoft.com/office/drawing/2010/main" val="0"/>
+              </a:ext>
+            </a:extLst>
+          </a:blip>
+          <a:stretch>
+            <a:fillRect/>
+          </a:stretch>
+        </p:blipFill>
+        <p:spPr>
+          <a:xfrm>
+            <a:off x="1781290" y="2614863"/>
+            <a:ext cx="8629420" cy="4021166"/>
+          </a:xfrm>
+          <a:prstGeom prst="rect">
+            <a:avLst/>
+          </a:prstGeom>
+        </p:spPr>
+      </p:pic>
+      <p:sp>
+        <p:nvSpPr>
+          <p:cNvPr id="7" name="Oval 6">
+            <a:extLst>
+              <a:ext uri="{FF2B5EF4-FFF2-40B4-BE49-F238E27FC236}">
+                <a16:creationId xmlns:a16="http://schemas.microsoft.com/office/drawing/2014/main" id="{BA05BEA6-C46A-4857-85A2-49E837075043}"/>
+              </a:ext>
+            </a:extLst>
+          </p:cNvPr>
+          <p:cNvSpPr/>
+          <p:nvPr/>
+        </p:nvSpPr>
+        <p:spPr>
+          <a:xfrm>
+            <a:off x="7021210" y="4915744"/>
+            <a:ext cx="2597426" cy="609171"/>
+          </a:xfrm>
+          <a:prstGeom prst="ellipse">
+            <a:avLst/>
+          </a:prstGeom>
+          <a:noFill/>
+          <a:ln>
+            <a:solidFill>
+              <a:srgbClr val="FF0000"/>
+            </a:solidFill>
+          </a:ln>
+        </p:spPr>
+        <p:style>
+          <a:lnRef idx="2">
+            <a:schemeClr val="accent1">
+              <a:shade val="50000"/>
+            </a:schemeClr>
+          </a:lnRef>
+          <a:fillRef idx="1">
+            <a:schemeClr val="accent1"/>
+          </a:fillRef>
+          <a:effectRef idx="0">
+            <a:schemeClr val="accent1"/>
+          </a:effectRef>
+          <a:fontRef idx="minor">
+            <a:schemeClr val="lt1"/>
+          </a:fontRef>
+        </p:style>
+        <p:txBody>
+          <a:bodyPr rtlCol="0" anchor="ctr"/>
+          <a:lstStyle/>
+          <a:p>
+            <a:pPr algn="ctr"/>
+            <a:endParaRPr lang="en-AU"/>
+          </a:p>
+        </p:txBody>
+      </p:sp>
+    </p:spTree>
+    <p:extLst>
+      <p:ext uri="{BB962C8B-B14F-4D97-AF65-F5344CB8AC3E}">
+        <p14:creationId xmlns:p14="http://schemas.microsoft.com/office/powerpoint/2010/main" val="1978374067"/>
+      </p:ext>
+    </p:extLst>
+  </p:cSld>
+  <p:clrMapOvr>
+    <a:masterClrMapping/>
+  </p:clrMapOvr>
+</p:sld>
+</file>
+
+<file path=ppt/slides/slide13.xml><?xml version="1.0" encoding="utf-8"?>
+<p:sld xmlns:a="http://schemas.openxmlformats.org/drawingml/2006/main" xmlns:r="http://schemas.openxmlformats.org/officeDocument/2006/relationships" xmlns:p="http://schemas.openxmlformats.org/presentationml/2006/main">
+  <p:cSld>
+    <p:bg>
+      <p:bgPr>
+        <a:solidFill>
+          <a:schemeClr val="bg1"/>
+        </a:solidFill>
+        <a:effectLst/>
+      </p:bgPr>
+    </p:bg>
+    <p:spTree>
+      <p:nvGrpSpPr>
+        <p:cNvPr id="1" name=""/>
+        <p:cNvGrpSpPr/>
+        <p:nvPr/>
+      </p:nvGrpSpPr>
+      <p:grpSpPr>
+        <a:xfrm>
+          <a:off x="0" y="0"/>
+          <a:ext cx="0" cy="0"/>
+          <a:chOff x="0" y="0"/>
+          <a:chExt cx="0" cy="0"/>
+        </a:xfrm>
+      </p:grpSpPr>
+      <p:sp useBgFill="1">
+        <p:nvSpPr>
+          <p:cNvPr id="8" name="Rectangle 7">
+            <a:extLst>
+              <a:ext uri="{FF2B5EF4-FFF2-40B4-BE49-F238E27FC236}">
+                <a16:creationId xmlns:a16="http://schemas.microsoft.com/office/drawing/2014/main" id="{E80B86A7-A1EC-475B-9166-88902B033A38}"/>
+              </a:ext>
+              <a:ext uri="{C183D7F6-B498-43B3-948B-1728B52AA6E4}">
+                <adec:decorative xmlns:adec="http://schemas.microsoft.com/office/drawing/2017/decorative" val="1"/>
+              </a:ext>
+            </a:extLst>
+          </p:cNvPr>
+          <p:cNvSpPr>
+            <a:spLocks noGrp="1" noRot="1" noChangeAspect="1" noMove="1" noResize="1" noEditPoints="1" noAdjustHandles="1" noChangeArrowheads="1" noChangeShapeType="1" noTextEdit="1"/>
+          </p:cNvSpPr>
+          <p:nvPr>
+            <p:extLst>
+              <p:ext uri="{386F3935-93C4-4BCD-93E2-E3B085C9AB24}">
+                <p16:designElem xmlns:p16="http://schemas.microsoft.com/office/powerpoint/2015/main" val="1"/>
+              </p:ext>
+            </p:extLst>
+          </p:nvPr>
+        </p:nvSpPr>
+        <p:spPr>
+          <a:xfrm>
+            <a:off x="0" y="0"/>
+            <a:ext cx="12192000" cy="6858000"/>
+          </a:xfrm>
+          <a:prstGeom prst="rect">
+            <a:avLst/>
+          </a:prstGeom>
+          <a:ln>
+            <a:noFill/>
+          </a:ln>
+        </p:spPr>
+        <p:style>
+          <a:lnRef idx="2">
+            <a:schemeClr val="accent1">
+              <a:shade val="50000"/>
+            </a:schemeClr>
+          </a:lnRef>
+          <a:fillRef idx="1">
+            <a:schemeClr val="accent1"/>
+          </a:fillRef>
+          <a:effectRef idx="0">
+            <a:schemeClr val="accent1"/>
+          </a:effectRef>
+          <a:fontRef idx="minor">
+            <a:schemeClr val="lt1"/>
+          </a:fontRef>
+        </p:style>
+        <p:txBody>
+          <a:bodyPr rtlCol="0" anchor="ctr"/>
+          <a:lstStyle/>
+          <a:p>
+            <a:pPr algn="ctr"/>
+            <a:endParaRPr lang="en-US"/>
+          </a:p>
+        </p:txBody>
+      </p:sp>
+      <p:sp>
+        <p:nvSpPr>
+          <p:cNvPr id="10" name="Isosceles Triangle 9">
+            <a:extLst>
+              <a:ext uri="{FF2B5EF4-FFF2-40B4-BE49-F238E27FC236}">
+                <a16:creationId xmlns:a16="http://schemas.microsoft.com/office/drawing/2014/main" id="{C2C29CB1-9F74-4879-A6AF-AEA67B6F1F4D}"/>
+              </a:ext>
+              <a:ext uri="{C183D7F6-B498-43B3-948B-1728B52AA6E4}">
+                <adec:decorative xmlns:adec="http://schemas.microsoft.com/office/drawing/2017/decorative" val="1"/>
+              </a:ext>
+            </a:extLst>
+          </p:cNvPr>
+          <p:cNvSpPr>
+            <a:spLocks noGrp="1" noRot="1" noChangeAspect="1" noMove="1" noResize="1" noEditPoints="1" noAdjustHandles="1" noChangeArrowheads="1" noChangeShapeType="1" noTextEdit="1"/>
+          </p:cNvSpPr>
+          <p:nvPr>
+            <p:extLst>
+              <p:ext uri="{386F3935-93C4-4BCD-93E2-E3B085C9AB24}">
+                <p16:designElem xmlns:p16="http://schemas.microsoft.com/office/powerpoint/2015/main" val="1"/>
+              </p:ext>
+            </p:extLst>
+          </p:nvPr>
+        </p:nvSpPr>
+        <p:spPr>
+          <a:xfrm rot="10800000">
+            <a:off x="0" y="0"/>
+            <a:ext cx="842596" cy="5666154"/>
+          </a:xfrm>
+          <a:prstGeom prst="triangle">
+            <a:avLst>
+              <a:gd name="adj" fmla="val 100000"/>
+            </a:avLst>
+          </a:prstGeom>
+          <a:solidFill>
+            <a:schemeClr val="accent1">
+              <a:alpha val="85000"/>
+            </a:schemeClr>
+          </a:solidFill>
+          <a:ln>
+            <a:noFill/>
+          </a:ln>
+          <a:effectLst/>
+        </p:spPr>
+        <p:style>
+          <a:lnRef idx="1">
+            <a:schemeClr val="accent1"/>
+          </a:lnRef>
+          <a:fillRef idx="3">
+            <a:schemeClr val="accent1"/>
+          </a:fillRef>
+          <a:effectRef idx="2">
+            <a:schemeClr val="accent1"/>
+          </a:effectRef>
+          <a:fontRef idx="minor">
+            <a:schemeClr val="lt1"/>
+          </a:fontRef>
+        </p:style>
+      </p:sp>
+      <p:sp>
+        <p:nvSpPr>
+          <p:cNvPr id="3" name="Content Placeholder 2">
+            <a:extLst>
+              <a:ext uri="{FF2B5EF4-FFF2-40B4-BE49-F238E27FC236}">
+                <a16:creationId xmlns:a16="http://schemas.microsoft.com/office/drawing/2014/main" id="{98E34D42-279B-4470-8DA3-8F9B0642ABB8}"/>
+              </a:ext>
+            </a:extLst>
+          </p:cNvPr>
+          <p:cNvSpPr>
+            <a:spLocks noGrp="1"/>
+          </p:cNvSpPr>
+          <p:nvPr>
+            <p:ph idx="1"/>
+          </p:nvPr>
+        </p:nvSpPr>
+        <p:spPr>
+          <a:xfrm>
+            <a:off x="1333501" y="1963642"/>
+            <a:ext cx="8596668" cy="3880773"/>
+          </a:xfrm>
+        </p:spPr>
+        <p:txBody>
+          <a:bodyPr>
+            <a:normAutofit/>
+          </a:bodyPr>
+          <a:lstStyle/>
+          <a:p>
+            <a:r>
+              <a:rPr lang="en-GB" dirty="0"/>
               <a:t>Photos are store in Google Cloud storage</a:t>
             </a:r>
           </a:p>
@@ -13839,8 +14532,8 @@
         </p:blipFill>
         <p:spPr>
           <a:xfrm>
-            <a:off x="1644689" y="2511188"/>
-            <a:ext cx="8776384" cy="4102695"/>
+            <a:off x="1632471" y="2463062"/>
+            <a:ext cx="8927058" cy="4173131"/>
           </a:xfrm>
           <a:prstGeom prst="rect">
             <a:avLst/>
@@ -13860,7 +14553,7 @@
 </p:sld>
 </file>
 
-<file path=ppt/slides/slide12.xml><?xml version="1.0" encoding="utf-8"?>
+<file path=ppt/slides/slide14.xml><?xml version="1.0" encoding="utf-8"?>
 <p:sld xmlns:a="http://schemas.openxmlformats.org/drawingml/2006/main" xmlns:r="http://schemas.openxmlformats.org/officeDocument/2006/relationships" xmlns:p="http://schemas.openxmlformats.org/presentationml/2006/main">
   <p:cSld>
     <p:bg>
@@ -13976,6 +14669,12 @@
             <a:r>
               <a:rPr lang="en-GB" dirty="0"/>
               <a:t>Browse existing hunts</a:t>
+            </a:r>
+          </a:p>
+          <a:p>
+            <a:r>
+              <a:rPr lang="en-GB" dirty="0"/>
+              <a:t>Administrators can edit and delete inappropriate content</a:t>
             </a:r>
           </a:p>
         </p:txBody>
@@ -14111,7 +14810,7 @@
 </p:sld>
 </file>
 
-<file path=ppt/slides/slide13.xml><?xml version="1.0" encoding="utf-8"?>
+<file path=ppt/slides/slide15.xml><?xml version="1.0" encoding="utf-8"?>
 <p:sld xmlns:a="http://schemas.openxmlformats.org/drawingml/2006/main" xmlns:r="http://schemas.openxmlformats.org/officeDocument/2006/relationships" xmlns:p="http://schemas.openxmlformats.org/presentationml/2006/main">
   <p:cSld>
     <p:bg>
@@ -14893,6 +15592,11 @@
               </a:rPr>
               <a:t>TreasureHunt web application</a:t>
             </a:r>
+            <a:endParaRPr lang="en-AU" dirty="0">
+              <a:solidFill>
+                <a:srgbClr val="FFFFFF"/>
+              </a:solidFill>
+            </a:endParaRPr>
           </a:p>
         </p:txBody>
       </p:sp>
@@ -14988,6 +15692,42 @@
           </a:p>
         </p:txBody>
       </p:sp>
+      <p:pic>
+        <p:nvPicPr>
+          <p:cNvPr id="5" name="Picture 4" descr="A close up of a sign&#10;&#10;Description automatically generated">
+            <a:extLst>
+              <a:ext uri="{FF2B5EF4-FFF2-40B4-BE49-F238E27FC236}">
+                <a16:creationId xmlns:a16="http://schemas.microsoft.com/office/drawing/2014/main" id="{09C67F5F-F5A6-46A9-AB19-FFA534C6B9AF}"/>
+              </a:ext>
+            </a:extLst>
+          </p:cNvPr>
+          <p:cNvPicPr>
+            <a:picLocks noChangeAspect="1"/>
+          </p:cNvPicPr>
+          <p:nvPr/>
+        </p:nvPicPr>
+        <p:blipFill>
+          <a:blip r:embed="rId3">
+            <a:extLst>
+              <a:ext uri="{28A0092B-C50C-407E-A947-70E740481C1C}">
+                <a14:useLocalDpi xmlns:a14="http://schemas.microsoft.com/office/drawing/2010/main" val="0"/>
+              </a:ext>
+            </a:extLst>
+          </a:blip>
+          <a:stretch>
+            <a:fillRect/>
+          </a:stretch>
+        </p:blipFill>
+        <p:spPr>
+          <a:xfrm>
+            <a:off x="7115395" y="4082312"/>
+            <a:ext cx="4763558" cy="1804378"/>
+          </a:xfrm>
+          <a:prstGeom prst="rect">
+            <a:avLst/>
+          </a:prstGeom>
+        </p:spPr>
+      </p:pic>
     </p:spTree>
     <p:extLst>
       <p:ext uri="{BB962C8B-B14F-4D97-AF65-F5344CB8AC3E}">
@@ -15001,7 +15741,1240 @@
 </p:sld>
 </file>
 
-<file path=ppt/slides/slide14.xml><?xml version="1.0" encoding="utf-8"?>
+<file path=ppt/slides/slide16.xml><?xml version="1.0" encoding="utf-8"?>
+<p:sld xmlns:a="http://schemas.openxmlformats.org/drawingml/2006/main" xmlns:r="http://schemas.openxmlformats.org/officeDocument/2006/relationships" xmlns:p="http://schemas.openxmlformats.org/presentationml/2006/main">
+  <p:cSld>
+    <p:bg>
+      <p:bgPr>
+        <a:solidFill>
+          <a:schemeClr val="bg1"/>
+        </a:solidFill>
+        <a:effectLst/>
+      </p:bgPr>
+    </p:bg>
+    <p:spTree>
+      <p:nvGrpSpPr>
+        <p:cNvPr id="1" name=""/>
+        <p:cNvGrpSpPr/>
+        <p:nvPr/>
+      </p:nvGrpSpPr>
+      <p:grpSpPr>
+        <a:xfrm>
+          <a:off x="0" y="0"/>
+          <a:ext cx="0" cy="0"/>
+          <a:chOff x="0" y="0"/>
+          <a:chExt cx="0" cy="0"/>
+        </a:xfrm>
+      </p:grpSpPr>
+      <p:sp useBgFill="1">
+        <p:nvSpPr>
+          <p:cNvPr id="70" name="Rectangle 61">
+            <a:extLst>
+              <a:ext uri="{FF2B5EF4-FFF2-40B4-BE49-F238E27FC236}">
+                <a16:creationId xmlns:a16="http://schemas.microsoft.com/office/drawing/2014/main" id="{E80B86A7-A1EC-475B-9166-88902B033A38}"/>
+              </a:ext>
+              <a:ext uri="{C183D7F6-B498-43B3-948B-1728B52AA6E4}">
+                <adec:decorative xmlns:adec="http://schemas.microsoft.com/office/drawing/2017/decorative" val="1"/>
+              </a:ext>
+            </a:extLst>
+          </p:cNvPr>
+          <p:cNvSpPr>
+            <a:spLocks noGrp="1" noRot="1" noChangeAspect="1" noMove="1" noResize="1" noEditPoints="1" noAdjustHandles="1" noChangeArrowheads="1" noChangeShapeType="1" noTextEdit="1"/>
+          </p:cNvSpPr>
+          <p:nvPr>
+            <p:extLst>
+              <p:ext uri="{386F3935-93C4-4BCD-93E2-E3B085C9AB24}">
+                <p16:designElem xmlns:p16="http://schemas.microsoft.com/office/powerpoint/2015/main" val="1"/>
+              </p:ext>
+            </p:extLst>
+          </p:nvPr>
+        </p:nvSpPr>
+        <p:spPr>
+          <a:xfrm>
+            <a:off x="0" y="0"/>
+            <a:ext cx="12192000" cy="6858000"/>
+          </a:xfrm>
+          <a:prstGeom prst="rect">
+            <a:avLst/>
+          </a:prstGeom>
+          <a:ln>
+            <a:noFill/>
+          </a:ln>
+        </p:spPr>
+        <p:style>
+          <a:lnRef idx="2">
+            <a:schemeClr val="accent1">
+              <a:shade val="50000"/>
+            </a:schemeClr>
+          </a:lnRef>
+          <a:fillRef idx="1">
+            <a:schemeClr val="accent1"/>
+          </a:fillRef>
+          <a:effectRef idx="0">
+            <a:schemeClr val="accent1"/>
+          </a:effectRef>
+          <a:fontRef idx="minor">
+            <a:schemeClr val="lt1"/>
+          </a:fontRef>
+        </p:style>
+        <p:txBody>
+          <a:bodyPr rtlCol="0" anchor="ctr"/>
+          <a:lstStyle/>
+          <a:p>
+            <a:pPr marL="0" marR="0" lvl="0" indent="0" algn="ctr" defTabSz="457200" rtl="0" eaLnBrk="1" fontAlgn="auto" latinLnBrk="0" hangingPunct="1">
+              <a:lnSpc>
+                <a:spcPct val="100000"/>
+              </a:lnSpc>
+              <a:spcBef>
+                <a:spcPts val="0"/>
+              </a:spcBef>
+              <a:spcAft>
+                <a:spcPts val="0"/>
+              </a:spcAft>
+              <a:buClrTx/>
+              <a:buSzTx/>
+              <a:buFontTx/>
+              <a:buNone/>
+              <a:tabLst/>
+              <a:defRPr/>
+            </a:pPr>
+            <a:endParaRPr kumimoji="0" lang="en-US" sz="1800" b="0" i="0" u="none" strike="noStrike" kern="1200" cap="none" spc="0" normalizeH="0" baseline="0" noProof="0">
+              <a:ln>
+                <a:noFill/>
+              </a:ln>
+              <a:solidFill>
+                <a:prstClr val="white"/>
+              </a:solidFill>
+              <a:effectLst/>
+              <a:uLnTx/>
+              <a:uFillTx/>
+              <a:latin typeface="Trebuchet MS" panose="020B0603020202020204"/>
+              <a:ea typeface="+mn-ea"/>
+              <a:cs typeface="+mn-cs"/>
+            </a:endParaRPr>
+          </a:p>
+        </p:txBody>
+      </p:sp>
+      <p:sp>
+        <p:nvSpPr>
+          <p:cNvPr id="2" name="Title 1">
+            <a:extLst>
+              <a:ext uri="{FF2B5EF4-FFF2-40B4-BE49-F238E27FC236}">
+                <a16:creationId xmlns:a16="http://schemas.microsoft.com/office/drawing/2014/main" id="{AA746351-EAA2-4E3F-B9C4-5C5B36A9CC06}"/>
+              </a:ext>
+            </a:extLst>
+          </p:cNvPr>
+          <p:cNvSpPr>
+            <a:spLocks noGrp="1"/>
+          </p:cNvSpPr>
+          <p:nvPr>
+            <p:ph type="title"/>
+          </p:nvPr>
+        </p:nvSpPr>
+        <p:spPr>
+          <a:xfrm>
+            <a:off x="1333502" y="246075"/>
+            <a:ext cx="8596668" cy="1320800"/>
+          </a:xfrm>
+        </p:spPr>
+        <p:txBody>
+          <a:bodyPr>
+            <a:normAutofit/>
+          </a:bodyPr>
+          <a:lstStyle/>
+          <a:p>
+            <a:r>
+              <a:rPr lang="en-US" dirty="0" err="1"/>
+              <a:t>TreasureHunt</a:t>
+            </a:r>
+            <a:r>
+              <a:rPr lang="en-US" dirty="0"/>
+              <a:t> web application</a:t>
+            </a:r>
+            <a:endParaRPr lang="en-AU" dirty="0"/>
+          </a:p>
+        </p:txBody>
+      </p:sp>
+      <p:sp>
+        <p:nvSpPr>
+          <p:cNvPr id="71" name="Isosceles Triangle 63">
+            <a:extLst>
+              <a:ext uri="{FF2B5EF4-FFF2-40B4-BE49-F238E27FC236}">
+                <a16:creationId xmlns:a16="http://schemas.microsoft.com/office/drawing/2014/main" id="{C2C29CB1-9F74-4879-A6AF-AEA67B6F1F4D}"/>
+              </a:ext>
+              <a:ext uri="{C183D7F6-B498-43B3-948B-1728B52AA6E4}">
+                <adec:decorative xmlns:adec="http://schemas.microsoft.com/office/drawing/2017/decorative" val="1"/>
+              </a:ext>
+            </a:extLst>
+          </p:cNvPr>
+          <p:cNvSpPr>
+            <a:spLocks noGrp="1" noRot="1" noChangeAspect="1" noMove="1" noResize="1" noEditPoints="1" noAdjustHandles="1" noChangeArrowheads="1" noChangeShapeType="1" noTextEdit="1"/>
+          </p:cNvSpPr>
+          <p:nvPr>
+            <p:extLst>
+              <p:ext uri="{386F3935-93C4-4BCD-93E2-E3B085C9AB24}">
+                <p16:designElem xmlns:p16="http://schemas.microsoft.com/office/powerpoint/2015/main" val="1"/>
+              </p:ext>
+            </p:extLst>
+          </p:nvPr>
+        </p:nvSpPr>
+        <p:spPr>
+          <a:xfrm rot="10800000">
+            <a:off x="0" y="0"/>
+            <a:ext cx="842596" cy="5666154"/>
+          </a:xfrm>
+          <a:prstGeom prst="triangle">
+            <a:avLst>
+              <a:gd name="adj" fmla="val 100000"/>
+            </a:avLst>
+          </a:prstGeom>
+          <a:solidFill>
+            <a:schemeClr val="accent1">
+              <a:alpha val="85000"/>
+            </a:schemeClr>
+          </a:solidFill>
+          <a:ln>
+            <a:noFill/>
+          </a:ln>
+          <a:effectLst/>
+        </p:spPr>
+        <p:style>
+          <a:lnRef idx="1">
+            <a:schemeClr val="accent1"/>
+          </a:lnRef>
+          <a:fillRef idx="3">
+            <a:schemeClr val="accent1"/>
+          </a:fillRef>
+          <a:effectRef idx="2">
+            <a:schemeClr val="accent1"/>
+          </a:effectRef>
+          <a:fontRef idx="minor">
+            <a:schemeClr val="lt1"/>
+          </a:fontRef>
+        </p:style>
+      </p:sp>
+      <p:sp>
+        <p:nvSpPr>
+          <p:cNvPr id="57" name="Content Placeholder 2">
+            <a:extLst>
+              <a:ext uri="{FF2B5EF4-FFF2-40B4-BE49-F238E27FC236}">
+                <a16:creationId xmlns:a16="http://schemas.microsoft.com/office/drawing/2014/main" id="{96C3A22E-CF60-4733-8E86-48B15246AE95}"/>
+              </a:ext>
+            </a:extLst>
+          </p:cNvPr>
+          <p:cNvSpPr>
+            <a:spLocks noGrp="1"/>
+          </p:cNvSpPr>
+          <p:nvPr>
+            <p:ph idx="1"/>
+          </p:nvPr>
+        </p:nvSpPr>
+        <p:spPr>
+          <a:xfrm>
+            <a:off x="1333502" y="1036841"/>
+            <a:ext cx="8596668" cy="3880773"/>
+          </a:xfrm>
+        </p:spPr>
+        <p:txBody>
+          <a:bodyPr>
+            <a:normAutofit/>
+          </a:bodyPr>
+          <a:lstStyle/>
+          <a:p>
+            <a:r>
+              <a:rPr lang="en-GB" dirty="0"/>
+              <a:t>Creating and browsing hunts works functionally the same as in the Android </a:t>
+            </a:r>
+          </a:p>
+        </p:txBody>
+      </p:sp>
+      <p:sp>
+        <p:nvSpPr>
+          <p:cNvPr id="72" name="Isosceles Triangle 65">
+            <a:extLst>
+              <a:ext uri="{FF2B5EF4-FFF2-40B4-BE49-F238E27FC236}">
+                <a16:creationId xmlns:a16="http://schemas.microsoft.com/office/drawing/2014/main" id="{7E2C7115-5336-410C-AD71-0F0952A2E5A7}"/>
+              </a:ext>
+              <a:ext uri="{C183D7F6-B498-43B3-948B-1728B52AA6E4}">
+                <adec:decorative xmlns:adec="http://schemas.microsoft.com/office/drawing/2017/decorative" val="1"/>
+              </a:ext>
+            </a:extLst>
+          </p:cNvPr>
+          <p:cNvSpPr>
+            <a:spLocks noGrp="1" noRot="1" noChangeAspect="1" noMove="1" noResize="1" noEditPoints="1" noAdjustHandles="1" noChangeArrowheads="1" noChangeShapeType="1" noTextEdit="1"/>
+          </p:cNvSpPr>
+          <p:nvPr>
+            <p:extLst>
+              <p:ext uri="{386F3935-93C4-4BCD-93E2-E3B085C9AB24}">
+                <p16:designElem xmlns:p16="http://schemas.microsoft.com/office/powerpoint/2015/main" val="1"/>
+              </p:ext>
+            </p:extLst>
+          </p:nvPr>
+        </p:nvSpPr>
+        <p:spPr>
+          <a:xfrm flipH="1">
+            <a:off x="11743267" y="4013200"/>
+            <a:ext cx="448733" cy="2844800"/>
+          </a:xfrm>
+          <a:prstGeom prst="triangle">
+            <a:avLst>
+              <a:gd name="adj" fmla="val 0"/>
+            </a:avLst>
+          </a:prstGeom>
+          <a:solidFill>
+            <a:schemeClr val="accent1">
+              <a:alpha val="85000"/>
+            </a:schemeClr>
+          </a:solidFill>
+          <a:ln>
+            <a:noFill/>
+          </a:ln>
+          <a:effectLst/>
+        </p:spPr>
+        <p:style>
+          <a:lnRef idx="1">
+            <a:schemeClr val="accent1"/>
+          </a:lnRef>
+          <a:fillRef idx="3">
+            <a:schemeClr val="accent1"/>
+          </a:fillRef>
+          <a:effectRef idx="2">
+            <a:schemeClr val="accent1"/>
+          </a:effectRef>
+          <a:fontRef idx="minor">
+            <a:schemeClr val="lt1"/>
+          </a:fontRef>
+        </p:style>
+      </p:sp>
+      <p:pic>
+        <p:nvPicPr>
+          <p:cNvPr id="5" name="Picture 4" descr="A close up of a map&#10;&#10;Description automatically generated">
+            <a:extLst>
+              <a:ext uri="{FF2B5EF4-FFF2-40B4-BE49-F238E27FC236}">
+                <a16:creationId xmlns:a16="http://schemas.microsoft.com/office/drawing/2014/main" id="{48277436-64EA-4043-9FE5-7EEEC43B413E}"/>
+              </a:ext>
+            </a:extLst>
+          </p:cNvPr>
+          <p:cNvPicPr>
+            <a:picLocks noChangeAspect="1"/>
+          </p:cNvPicPr>
+          <p:nvPr/>
+        </p:nvPicPr>
+        <p:blipFill>
+          <a:blip r:embed="rId2">
+            <a:extLst>
+              <a:ext uri="{28A0092B-C50C-407E-A947-70E740481C1C}">
+                <a14:useLocalDpi xmlns:a14="http://schemas.microsoft.com/office/drawing/2010/main" val="0"/>
+              </a:ext>
+            </a:extLst>
+          </a:blip>
+          <a:stretch>
+            <a:fillRect/>
+          </a:stretch>
+        </p:blipFill>
+        <p:spPr>
+          <a:xfrm>
+            <a:off x="673768" y="2198117"/>
+            <a:ext cx="7813889" cy="3630166"/>
+          </a:xfrm>
+          <a:prstGeom prst="rect">
+            <a:avLst/>
+          </a:prstGeom>
+        </p:spPr>
+      </p:pic>
+      <p:pic>
+        <p:nvPicPr>
+          <p:cNvPr id="7" name="Picture 6" descr="A picture containing monitor, black, sitting, sign&#10;&#10;Description automatically generated">
+            <a:extLst>
+              <a:ext uri="{FF2B5EF4-FFF2-40B4-BE49-F238E27FC236}">
+                <a16:creationId xmlns:a16="http://schemas.microsoft.com/office/drawing/2014/main" id="{2E05299F-3CDB-4B79-BB47-27FBBA6B6BA5}"/>
+              </a:ext>
+            </a:extLst>
+          </p:cNvPr>
+          <p:cNvPicPr>
+            <a:picLocks noChangeAspect="1"/>
+          </p:cNvPicPr>
+          <p:nvPr/>
+        </p:nvPicPr>
+        <p:blipFill>
+          <a:blip r:embed="rId3">
+            <a:extLst>
+              <a:ext uri="{28A0092B-C50C-407E-A947-70E740481C1C}">
+                <a14:useLocalDpi xmlns:a14="http://schemas.microsoft.com/office/drawing/2010/main" val="0"/>
+              </a:ext>
+            </a:extLst>
+          </a:blip>
+          <a:stretch>
+            <a:fillRect/>
+          </a:stretch>
+        </p:blipFill>
+        <p:spPr>
+          <a:xfrm>
+            <a:off x="8848340" y="2198117"/>
+            <a:ext cx="2983050" cy="3630166"/>
+          </a:xfrm>
+          <a:prstGeom prst="rect">
+            <a:avLst/>
+          </a:prstGeom>
+        </p:spPr>
+      </p:pic>
+    </p:spTree>
+    <p:extLst>
+      <p:ext uri="{BB962C8B-B14F-4D97-AF65-F5344CB8AC3E}">
+        <p14:creationId xmlns:p14="http://schemas.microsoft.com/office/powerpoint/2010/main" val="4282273179"/>
+      </p:ext>
+    </p:extLst>
+  </p:cSld>
+  <p:clrMapOvr>
+    <a:masterClrMapping/>
+  </p:clrMapOvr>
+</p:sld>
+</file>
+
+<file path=ppt/slides/slide17.xml><?xml version="1.0" encoding="utf-8"?>
+<p:sld xmlns:a="http://schemas.openxmlformats.org/drawingml/2006/main" xmlns:r="http://schemas.openxmlformats.org/officeDocument/2006/relationships" xmlns:p="http://schemas.openxmlformats.org/presentationml/2006/main">
+  <p:cSld>
+    <p:bg>
+      <p:bgPr>
+        <a:solidFill>
+          <a:schemeClr val="bg1"/>
+        </a:solidFill>
+        <a:effectLst/>
+      </p:bgPr>
+    </p:bg>
+    <p:spTree>
+      <p:nvGrpSpPr>
+        <p:cNvPr id="1" name=""/>
+        <p:cNvGrpSpPr/>
+        <p:nvPr/>
+      </p:nvGrpSpPr>
+      <p:grpSpPr>
+        <a:xfrm>
+          <a:off x="0" y="0"/>
+          <a:ext cx="0" cy="0"/>
+          <a:chOff x="0" y="0"/>
+          <a:chExt cx="0" cy="0"/>
+        </a:xfrm>
+      </p:grpSpPr>
+      <p:sp useBgFill="1">
+        <p:nvSpPr>
+          <p:cNvPr id="10" name="Rectangle 9">
+            <a:extLst>
+              <a:ext uri="{FF2B5EF4-FFF2-40B4-BE49-F238E27FC236}">
+                <a16:creationId xmlns:a16="http://schemas.microsoft.com/office/drawing/2014/main" id="{9F4444CE-BC8D-4D61-B303-4C05614E62AB}"/>
+              </a:ext>
+              <a:ext uri="{C183D7F6-B498-43B3-948B-1728B52AA6E4}">
+                <adec:decorative xmlns:adec="http://schemas.microsoft.com/office/drawing/2017/decorative" val="1"/>
+              </a:ext>
+            </a:extLst>
+          </p:cNvPr>
+          <p:cNvSpPr>
+            <a:spLocks noGrp="1" noRot="1" noChangeAspect="1" noMove="1" noResize="1" noEditPoints="1" noAdjustHandles="1" noChangeArrowheads="1" noChangeShapeType="1" noTextEdit="1"/>
+          </p:cNvSpPr>
+          <p:nvPr>
+            <p:extLst>
+              <p:ext uri="{386F3935-93C4-4BCD-93E2-E3B085C9AB24}">
+                <p16:designElem xmlns:p16="http://schemas.microsoft.com/office/powerpoint/2015/main" val="1"/>
+              </p:ext>
+            </p:extLst>
+          </p:nvPr>
+        </p:nvSpPr>
+        <p:spPr>
+          <a:xfrm>
+            <a:off x="0" y="0"/>
+            <a:ext cx="12192000" cy="6858000"/>
+          </a:xfrm>
+          <a:prstGeom prst="rect">
+            <a:avLst/>
+          </a:prstGeom>
+          <a:ln>
+            <a:noFill/>
+          </a:ln>
+        </p:spPr>
+        <p:style>
+          <a:lnRef idx="2">
+            <a:schemeClr val="accent1">
+              <a:shade val="50000"/>
+            </a:schemeClr>
+          </a:lnRef>
+          <a:fillRef idx="1">
+            <a:schemeClr val="accent1"/>
+          </a:fillRef>
+          <a:effectRef idx="0">
+            <a:schemeClr val="accent1"/>
+          </a:effectRef>
+          <a:fontRef idx="minor">
+            <a:schemeClr val="lt1"/>
+          </a:fontRef>
+        </p:style>
+        <p:txBody>
+          <a:bodyPr rtlCol="0" anchor="ctr"/>
+          <a:lstStyle/>
+          <a:p>
+            <a:pPr algn="ctr"/>
+            <a:endParaRPr lang="en-US"/>
+          </a:p>
+        </p:txBody>
+      </p:sp>
+      <p:sp>
+        <p:nvSpPr>
+          <p:cNvPr id="28" name="Rectangle 11">
+            <a:extLst>
+              <a:ext uri="{FF2B5EF4-FFF2-40B4-BE49-F238E27FC236}">
+                <a16:creationId xmlns:a16="http://schemas.microsoft.com/office/drawing/2014/main" id="{62423CA5-E2E1-4789-B759-9906C1C94063}"/>
+              </a:ext>
+              <a:ext uri="{C183D7F6-B498-43B3-948B-1728B52AA6E4}">
+                <adec:decorative xmlns:adec="http://schemas.microsoft.com/office/drawing/2017/decorative" val="1"/>
+              </a:ext>
+            </a:extLst>
+          </p:cNvPr>
+          <p:cNvSpPr>
+            <a:spLocks noGrp="1" noRot="1" noChangeAspect="1" noMove="1" noResize="1" noEditPoints="1" noAdjustHandles="1" noChangeArrowheads="1" noChangeShapeType="1" noTextEdit="1"/>
+          </p:cNvSpPr>
+          <p:nvPr>
+            <p:extLst>
+              <p:ext uri="{386F3935-93C4-4BCD-93E2-E3B085C9AB24}">
+                <p16:designElem xmlns:p16="http://schemas.microsoft.com/office/powerpoint/2015/main" val="1"/>
+              </p:ext>
+            </p:extLst>
+          </p:nvPr>
+        </p:nvSpPr>
+        <p:spPr>
+          <a:xfrm>
+            <a:off x="0" y="-3"/>
+            <a:ext cx="4660126" cy="6858000"/>
+          </a:xfrm>
+          <a:prstGeom prst="rect">
+            <a:avLst/>
+          </a:prstGeom>
+          <a:solidFill>
+            <a:schemeClr val="tx2"/>
+          </a:solidFill>
+          <a:ln>
+            <a:noFill/>
+          </a:ln>
+          <a:effectLst/>
+        </p:spPr>
+        <p:style>
+          <a:lnRef idx="1">
+            <a:schemeClr val="accent1"/>
+          </a:lnRef>
+          <a:fillRef idx="3">
+            <a:schemeClr val="accent1"/>
+          </a:fillRef>
+          <a:effectRef idx="2">
+            <a:schemeClr val="accent1"/>
+          </a:effectRef>
+          <a:fontRef idx="minor">
+            <a:schemeClr val="lt1"/>
+          </a:fontRef>
+        </p:style>
+        <p:txBody>
+          <a:bodyPr/>
+          <a:lstStyle/>
+          <a:p>
+            <a:endParaRPr lang="en-US"/>
+          </a:p>
+        </p:txBody>
+      </p:sp>
+      <p:sp>
+        <p:nvSpPr>
+          <p:cNvPr id="29" name="Isosceles Triangle 13">
+            <a:extLst>
+              <a:ext uri="{FF2B5EF4-FFF2-40B4-BE49-F238E27FC236}">
+                <a16:creationId xmlns:a16="http://schemas.microsoft.com/office/drawing/2014/main" id="{73772B81-181F-48B7-8826-4D9686D15DF5}"/>
+              </a:ext>
+              <a:ext uri="{C183D7F6-B498-43B3-948B-1728B52AA6E4}">
+                <adec:decorative xmlns:adec="http://schemas.microsoft.com/office/drawing/2017/decorative" val="1"/>
+              </a:ext>
+            </a:extLst>
+          </p:cNvPr>
+          <p:cNvSpPr>
+            <a:spLocks noGrp="1" noRot="1" noChangeAspect="1" noMove="1" noResize="1" noEditPoints="1" noAdjustHandles="1" noChangeArrowheads="1" noChangeShapeType="1" noTextEdit="1"/>
+          </p:cNvSpPr>
+          <p:nvPr>
+            <p:extLst>
+              <p:ext uri="{386F3935-93C4-4BCD-93E2-E3B085C9AB24}">
+                <p16:designElem xmlns:p16="http://schemas.microsoft.com/office/powerpoint/2015/main" val="1"/>
+              </p:ext>
+            </p:extLst>
+          </p:nvPr>
+        </p:nvSpPr>
+        <p:spPr>
+          <a:xfrm rot="10800000">
+            <a:off x="4660127" y="-3"/>
+            <a:ext cx="1056745" cy="6858001"/>
+          </a:xfrm>
+          <a:prstGeom prst="triangle">
+            <a:avLst>
+              <a:gd name="adj" fmla="val 100000"/>
+            </a:avLst>
+          </a:prstGeom>
+          <a:solidFill>
+            <a:schemeClr val="tx2"/>
+          </a:solidFill>
+          <a:ln>
+            <a:noFill/>
+          </a:ln>
+          <a:effectLst/>
+        </p:spPr>
+        <p:style>
+          <a:lnRef idx="1">
+            <a:schemeClr val="accent1"/>
+          </a:lnRef>
+          <a:fillRef idx="3">
+            <a:schemeClr val="accent1"/>
+          </a:fillRef>
+          <a:effectRef idx="2">
+            <a:schemeClr val="accent1"/>
+          </a:effectRef>
+          <a:fontRef idx="minor">
+            <a:schemeClr val="lt1"/>
+          </a:fontRef>
+        </p:style>
+        <p:txBody>
+          <a:bodyPr/>
+          <a:lstStyle/>
+          <a:p>
+            <a:endParaRPr lang="en-US" dirty="0"/>
+          </a:p>
+        </p:txBody>
+      </p:sp>
+      <p:sp>
+        <p:nvSpPr>
+          <p:cNvPr id="2" name="Title 1">
+            <a:extLst>
+              <a:ext uri="{FF2B5EF4-FFF2-40B4-BE49-F238E27FC236}">
+                <a16:creationId xmlns:a16="http://schemas.microsoft.com/office/drawing/2014/main" id="{F90D6050-4D76-47F6-81E5-DCEDCF21FE39}"/>
+              </a:ext>
+            </a:extLst>
+          </p:cNvPr>
+          <p:cNvSpPr>
+            <a:spLocks noGrp="1"/>
+          </p:cNvSpPr>
+          <p:nvPr>
+            <p:ph type="title"/>
+          </p:nvPr>
+        </p:nvSpPr>
+        <p:spPr>
+          <a:xfrm>
+            <a:off x="673754" y="643467"/>
+            <a:ext cx="4203045" cy="1375608"/>
+          </a:xfrm>
+        </p:spPr>
+        <p:txBody>
+          <a:bodyPr anchor="ctr">
+            <a:normAutofit/>
+          </a:bodyPr>
+          <a:lstStyle/>
+          <a:p>
+            <a:r>
+              <a:rPr lang="en-AU">
+                <a:solidFill>
+                  <a:schemeClr val="bg1"/>
+                </a:solidFill>
+              </a:rPr>
+              <a:t>TreasureHunt web application</a:t>
+            </a:r>
+          </a:p>
+        </p:txBody>
+      </p:sp>
+      <p:sp>
+        <p:nvSpPr>
+          <p:cNvPr id="3" name="Content Placeholder 2">
+            <a:extLst>
+              <a:ext uri="{FF2B5EF4-FFF2-40B4-BE49-F238E27FC236}">
+                <a16:creationId xmlns:a16="http://schemas.microsoft.com/office/drawing/2014/main" id="{CBD0E891-0091-4D1F-AF79-3AE0FFBDAD6B}"/>
+              </a:ext>
+            </a:extLst>
+          </p:cNvPr>
+          <p:cNvSpPr>
+            <a:spLocks noGrp="1"/>
+          </p:cNvSpPr>
+          <p:nvPr>
+            <p:ph idx="1"/>
+          </p:nvPr>
+        </p:nvSpPr>
+        <p:spPr>
+          <a:xfrm>
+            <a:off x="673754" y="2160590"/>
+            <a:ext cx="3973943" cy="3440110"/>
+          </a:xfrm>
+        </p:spPr>
+        <p:txBody>
+          <a:bodyPr>
+            <a:normAutofit/>
+          </a:bodyPr>
+          <a:lstStyle/>
+          <a:p>
+            <a:r>
+              <a:rPr lang="en-AU">
+                <a:solidFill>
+                  <a:schemeClr val="bg1"/>
+                </a:solidFill>
+              </a:rPr>
+              <a:t>Administrators can edit hunts and remove inappropriate content</a:t>
+            </a:r>
+          </a:p>
+        </p:txBody>
+      </p:sp>
+      <p:pic>
+        <p:nvPicPr>
+          <p:cNvPr id="5" name="Picture 4" descr="A screenshot of a social media post&#10;&#10;Description automatically generated">
+            <a:extLst>
+              <a:ext uri="{FF2B5EF4-FFF2-40B4-BE49-F238E27FC236}">
+                <a16:creationId xmlns:a16="http://schemas.microsoft.com/office/drawing/2014/main" id="{A08708E9-2007-4090-8B16-ECB3820F34FC}"/>
+              </a:ext>
+            </a:extLst>
+          </p:cNvPr>
+          <p:cNvPicPr>
+            <a:picLocks noChangeAspect="1"/>
+          </p:cNvPicPr>
+          <p:nvPr/>
+        </p:nvPicPr>
+        <p:blipFill>
+          <a:blip r:embed="rId2">
+            <a:extLst>
+              <a:ext uri="{28A0092B-C50C-407E-A947-70E740481C1C}">
+                <a14:useLocalDpi xmlns:a14="http://schemas.microsoft.com/office/drawing/2010/main" val="0"/>
+              </a:ext>
+            </a:extLst>
+          </a:blip>
+          <a:stretch>
+            <a:fillRect/>
+          </a:stretch>
+        </p:blipFill>
+        <p:spPr>
+          <a:xfrm>
+            <a:off x="998370" y="3590007"/>
+            <a:ext cx="10195259" cy="2497838"/>
+          </a:xfrm>
+          <a:prstGeom prst="rect">
+            <a:avLst/>
+          </a:prstGeom>
+        </p:spPr>
+      </p:pic>
+      <p:sp>
+        <p:nvSpPr>
+          <p:cNvPr id="30" name="Isosceles Triangle 15">
+            <a:extLst>
+              <a:ext uri="{FF2B5EF4-FFF2-40B4-BE49-F238E27FC236}">
+                <a16:creationId xmlns:a16="http://schemas.microsoft.com/office/drawing/2014/main" id="{B2205F6E-03C6-4E92-877C-E2482F6599AA}"/>
+              </a:ext>
+              <a:ext uri="{C183D7F6-B498-43B3-948B-1728B52AA6E4}">
+                <adec:decorative xmlns:adec="http://schemas.microsoft.com/office/drawing/2017/decorative" val="1"/>
+              </a:ext>
+            </a:extLst>
+          </p:cNvPr>
+          <p:cNvSpPr>
+            <a:spLocks noGrp="1" noRot="1" noChangeAspect="1" noMove="1" noResize="1" noEditPoints="1" noAdjustHandles="1" noChangeArrowheads="1" noChangeShapeType="1" noTextEdit="1"/>
+          </p:cNvSpPr>
+          <p:nvPr>
+            <p:extLst>
+              <p:ext uri="{386F3935-93C4-4BCD-93E2-E3B085C9AB24}">
+                <p16:designElem xmlns:p16="http://schemas.microsoft.com/office/powerpoint/2015/main" val="1"/>
+              </p:ext>
+            </p:extLst>
+          </p:nvPr>
+        </p:nvSpPr>
+        <p:spPr>
+          <a:xfrm flipH="1">
+            <a:off x="11755696" y="4013200"/>
+            <a:ext cx="448733" cy="2844800"/>
+          </a:xfrm>
+          <a:prstGeom prst="triangle">
+            <a:avLst>
+              <a:gd name="adj" fmla="val 0"/>
+            </a:avLst>
+          </a:prstGeom>
+          <a:solidFill>
+            <a:schemeClr val="accent1">
+              <a:alpha val="85000"/>
+            </a:schemeClr>
+          </a:solidFill>
+          <a:ln>
+            <a:noFill/>
+          </a:ln>
+          <a:effectLst/>
+        </p:spPr>
+        <p:style>
+          <a:lnRef idx="1">
+            <a:schemeClr val="accent1"/>
+          </a:lnRef>
+          <a:fillRef idx="3">
+            <a:schemeClr val="accent1"/>
+          </a:fillRef>
+          <a:effectRef idx="2">
+            <a:schemeClr val="accent1"/>
+          </a:effectRef>
+          <a:fontRef idx="minor">
+            <a:schemeClr val="lt1"/>
+          </a:fontRef>
+        </p:style>
+        <p:txBody>
+          <a:bodyPr/>
+          <a:lstStyle/>
+          <a:p>
+            <a:endParaRPr lang="en-US" dirty="0"/>
+          </a:p>
+        </p:txBody>
+      </p:sp>
+      <p:pic>
+        <p:nvPicPr>
+          <p:cNvPr id="7" name="Picture 6">
+            <a:extLst>
+              <a:ext uri="{FF2B5EF4-FFF2-40B4-BE49-F238E27FC236}">
+                <a16:creationId xmlns:a16="http://schemas.microsoft.com/office/drawing/2014/main" id="{23D71502-3EBE-443B-9243-25709E5EBBDB}"/>
+              </a:ext>
+            </a:extLst>
+          </p:cNvPr>
+          <p:cNvPicPr>
+            <a:picLocks noChangeAspect="1"/>
+          </p:cNvPicPr>
+          <p:nvPr/>
+        </p:nvPicPr>
+        <p:blipFill>
+          <a:blip r:embed="rId3">
+            <a:extLst>
+              <a:ext uri="{28A0092B-C50C-407E-A947-70E740481C1C}">
+                <a14:useLocalDpi xmlns:a14="http://schemas.microsoft.com/office/drawing/2010/main" val="0"/>
+              </a:ext>
+            </a:extLst>
+          </a:blip>
+          <a:stretch>
+            <a:fillRect/>
+          </a:stretch>
+        </p:blipFill>
+        <p:spPr>
+          <a:xfrm>
+            <a:off x="5817063" y="544541"/>
+            <a:ext cx="5376566" cy="2497838"/>
+          </a:xfrm>
+          <a:prstGeom prst="rect">
+            <a:avLst/>
+          </a:prstGeom>
+        </p:spPr>
+      </p:pic>
+      <p:sp>
+        <p:nvSpPr>
+          <p:cNvPr id="8" name="Oval 7">
+            <a:extLst>
+              <a:ext uri="{FF2B5EF4-FFF2-40B4-BE49-F238E27FC236}">
+                <a16:creationId xmlns:a16="http://schemas.microsoft.com/office/drawing/2014/main" id="{85EA628D-E867-4182-B5C1-BE2D7CE33D8B}"/>
+              </a:ext>
+            </a:extLst>
+          </p:cNvPr>
+          <p:cNvSpPr/>
+          <p:nvPr/>
+        </p:nvSpPr>
+        <p:spPr>
+          <a:xfrm>
+            <a:off x="7861692" y="378660"/>
+            <a:ext cx="593558" cy="529613"/>
+          </a:xfrm>
+          <a:prstGeom prst="ellipse">
+            <a:avLst/>
+          </a:prstGeom>
+          <a:noFill/>
+          <a:ln>
+            <a:solidFill>
+              <a:srgbClr val="FF0000"/>
+            </a:solidFill>
+          </a:ln>
+        </p:spPr>
+        <p:style>
+          <a:lnRef idx="2">
+            <a:schemeClr val="accent1">
+              <a:shade val="50000"/>
+            </a:schemeClr>
+          </a:lnRef>
+          <a:fillRef idx="1">
+            <a:schemeClr val="accent1"/>
+          </a:fillRef>
+          <a:effectRef idx="0">
+            <a:schemeClr val="accent1"/>
+          </a:effectRef>
+          <a:fontRef idx="minor">
+            <a:schemeClr val="lt1"/>
+          </a:fontRef>
+        </p:style>
+        <p:txBody>
+          <a:bodyPr rtlCol="0" anchor="ctr"/>
+          <a:lstStyle/>
+          <a:p>
+            <a:pPr algn="ctr"/>
+            <a:endParaRPr lang="en-AU"/>
+          </a:p>
+        </p:txBody>
+      </p:sp>
+    </p:spTree>
+    <p:extLst>
+      <p:ext uri="{BB962C8B-B14F-4D97-AF65-F5344CB8AC3E}">
+        <p14:creationId xmlns:p14="http://schemas.microsoft.com/office/powerpoint/2010/main" val="2979027439"/>
+      </p:ext>
+    </p:extLst>
+  </p:cSld>
+  <p:clrMapOvr>
+    <a:masterClrMapping/>
+  </p:clrMapOvr>
+</p:sld>
+</file>
+
+<file path=ppt/slides/slide18.xml><?xml version="1.0" encoding="utf-8"?>
+<p:sld xmlns:a="http://schemas.openxmlformats.org/drawingml/2006/main" xmlns:r="http://schemas.openxmlformats.org/officeDocument/2006/relationships" xmlns:p="http://schemas.openxmlformats.org/presentationml/2006/main">
+  <p:cSld>
+    <p:bg>
+      <p:bgPr>
+        <a:solidFill>
+          <a:schemeClr val="bg1"/>
+        </a:solidFill>
+        <a:effectLst/>
+      </p:bgPr>
+    </p:bg>
+    <p:spTree>
+      <p:nvGrpSpPr>
+        <p:cNvPr id="1" name=""/>
+        <p:cNvGrpSpPr/>
+        <p:nvPr/>
+      </p:nvGrpSpPr>
+      <p:grpSpPr>
+        <a:xfrm>
+          <a:off x="0" y="0"/>
+          <a:ext cx="0" cy="0"/>
+          <a:chOff x="0" y="0"/>
+          <a:chExt cx="0" cy="0"/>
+        </a:xfrm>
+      </p:grpSpPr>
+      <p:sp useBgFill="1">
+        <p:nvSpPr>
+          <p:cNvPr id="70" name="Rectangle 61">
+            <a:extLst>
+              <a:ext uri="{FF2B5EF4-FFF2-40B4-BE49-F238E27FC236}">
+                <a16:creationId xmlns:a16="http://schemas.microsoft.com/office/drawing/2014/main" id="{E80B86A7-A1EC-475B-9166-88902B033A38}"/>
+              </a:ext>
+              <a:ext uri="{C183D7F6-B498-43B3-948B-1728B52AA6E4}">
+                <adec:decorative xmlns:adec="http://schemas.microsoft.com/office/drawing/2017/decorative" val="1"/>
+              </a:ext>
+            </a:extLst>
+          </p:cNvPr>
+          <p:cNvSpPr>
+            <a:spLocks noGrp="1" noRot="1" noChangeAspect="1" noMove="1" noResize="1" noEditPoints="1" noAdjustHandles="1" noChangeArrowheads="1" noChangeShapeType="1" noTextEdit="1"/>
+          </p:cNvSpPr>
+          <p:nvPr>
+            <p:extLst>
+              <p:ext uri="{386F3935-93C4-4BCD-93E2-E3B085C9AB24}">
+                <p16:designElem xmlns:p16="http://schemas.microsoft.com/office/powerpoint/2015/main" val="1"/>
+              </p:ext>
+            </p:extLst>
+          </p:nvPr>
+        </p:nvSpPr>
+        <p:spPr>
+          <a:xfrm>
+            <a:off x="0" y="0"/>
+            <a:ext cx="12192000" cy="6858000"/>
+          </a:xfrm>
+          <a:prstGeom prst="rect">
+            <a:avLst/>
+          </a:prstGeom>
+          <a:ln>
+            <a:noFill/>
+          </a:ln>
+        </p:spPr>
+        <p:style>
+          <a:lnRef idx="2">
+            <a:schemeClr val="accent1">
+              <a:shade val="50000"/>
+            </a:schemeClr>
+          </a:lnRef>
+          <a:fillRef idx="1">
+            <a:schemeClr val="accent1"/>
+          </a:fillRef>
+          <a:effectRef idx="0">
+            <a:schemeClr val="accent1"/>
+          </a:effectRef>
+          <a:fontRef idx="minor">
+            <a:schemeClr val="lt1"/>
+          </a:fontRef>
+        </p:style>
+        <p:txBody>
+          <a:bodyPr rtlCol="0" anchor="ctr"/>
+          <a:lstStyle/>
+          <a:p>
+            <a:pPr marL="0" marR="0" lvl="0" indent="0" algn="ctr" defTabSz="457200" rtl="0" eaLnBrk="1" fontAlgn="auto" latinLnBrk="0" hangingPunct="1">
+              <a:lnSpc>
+                <a:spcPct val="100000"/>
+              </a:lnSpc>
+              <a:spcBef>
+                <a:spcPts val="0"/>
+              </a:spcBef>
+              <a:spcAft>
+                <a:spcPts val="0"/>
+              </a:spcAft>
+              <a:buClrTx/>
+              <a:buSzTx/>
+              <a:buFontTx/>
+              <a:buNone/>
+              <a:tabLst/>
+              <a:defRPr/>
+            </a:pPr>
+            <a:endParaRPr kumimoji="0" lang="en-US" sz="1800" b="0" i="0" u="none" strike="noStrike" kern="1200" cap="none" spc="0" normalizeH="0" baseline="0" noProof="0">
+              <a:ln>
+                <a:noFill/>
+              </a:ln>
+              <a:solidFill>
+                <a:prstClr val="white"/>
+              </a:solidFill>
+              <a:effectLst/>
+              <a:uLnTx/>
+              <a:uFillTx/>
+              <a:latin typeface="Trebuchet MS" panose="020B0603020202020204"/>
+              <a:ea typeface="+mn-ea"/>
+              <a:cs typeface="+mn-cs"/>
+            </a:endParaRPr>
+          </a:p>
+        </p:txBody>
+      </p:sp>
+      <p:sp>
+        <p:nvSpPr>
+          <p:cNvPr id="2" name="Title 1">
+            <a:extLst>
+              <a:ext uri="{FF2B5EF4-FFF2-40B4-BE49-F238E27FC236}">
+                <a16:creationId xmlns:a16="http://schemas.microsoft.com/office/drawing/2014/main" id="{AA746351-EAA2-4E3F-B9C4-5C5B36A9CC06}"/>
+              </a:ext>
+            </a:extLst>
+          </p:cNvPr>
+          <p:cNvSpPr>
+            <a:spLocks noGrp="1"/>
+          </p:cNvSpPr>
+          <p:nvPr>
+            <p:ph type="title"/>
+          </p:nvPr>
+        </p:nvSpPr>
+        <p:spPr>
+          <a:xfrm>
+            <a:off x="1333502" y="246075"/>
+            <a:ext cx="8596668" cy="1320800"/>
+          </a:xfrm>
+        </p:spPr>
+        <p:txBody>
+          <a:bodyPr>
+            <a:normAutofit/>
+          </a:bodyPr>
+          <a:lstStyle/>
+          <a:p>
+            <a:r>
+              <a:rPr lang="en-US" dirty="0" err="1"/>
+              <a:t>TreasureHunt</a:t>
+            </a:r>
+            <a:r>
+              <a:rPr lang="en-US" dirty="0"/>
+              <a:t> web application</a:t>
+            </a:r>
+            <a:endParaRPr lang="en-AU" dirty="0"/>
+          </a:p>
+        </p:txBody>
+      </p:sp>
+      <p:sp>
+        <p:nvSpPr>
+          <p:cNvPr id="71" name="Isosceles Triangle 63">
+            <a:extLst>
+              <a:ext uri="{FF2B5EF4-FFF2-40B4-BE49-F238E27FC236}">
+                <a16:creationId xmlns:a16="http://schemas.microsoft.com/office/drawing/2014/main" id="{C2C29CB1-9F74-4879-A6AF-AEA67B6F1F4D}"/>
+              </a:ext>
+              <a:ext uri="{C183D7F6-B498-43B3-948B-1728B52AA6E4}">
+                <adec:decorative xmlns:adec="http://schemas.microsoft.com/office/drawing/2017/decorative" val="1"/>
+              </a:ext>
+            </a:extLst>
+          </p:cNvPr>
+          <p:cNvSpPr>
+            <a:spLocks noGrp="1" noRot="1" noChangeAspect="1" noMove="1" noResize="1" noEditPoints="1" noAdjustHandles="1" noChangeArrowheads="1" noChangeShapeType="1" noTextEdit="1"/>
+          </p:cNvSpPr>
+          <p:nvPr>
+            <p:extLst>
+              <p:ext uri="{386F3935-93C4-4BCD-93E2-E3B085C9AB24}">
+                <p16:designElem xmlns:p16="http://schemas.microsoft.com/office/powerpoint/2015/main" val="1"/>
+              </p:ext>
+            </p:extLst>
+          </p:nvPr>
+        </p:nvSpPr>
+        <p:spPr>
+          <a:xfrm rot="10800000">
+            <a:off x="0" y="0"/>
+            <a:ext cx="842596" cy="5666154"/>
+          </a:xfrm>
+          <a:prstGeom prst="triangle">
+            <a:avLst>
+              <a:gd name="adj" fmla="val 100000"/>
+            </a:avLst>
+          </a:prstGeom>
+          <a:solidFill>
+            <a:schemeClr val="accent1">
+              <a:alpha val="85000"/>
+            </a:schemeClr>
+          </a:solidFill>
+          <a:ln>
+            <a:noFill/>
+          </a:ln>
+          <a:effectLst/>
+        </p:spPr>
+        <p:style>
+          <a:lnRef idx="1">
+            <a:schemeClr val="accent1"/>
+          </a:lnRef>
+          <a:fillRef idx="3">
+            <a:schemeClr val="accent1"/>
+          </a:fillRef>
+          <a:effectRef idx="2">
+            <a:schemeClr val="accent1"/>
+          </a:effectRef>
+          <a:fontRef idx="minor">
+            <a:schemeClr val="lt1"/>
+          </a:fontRef>
+        </p:style>
+      </p:sp>
+      <p:sp>
+        <p:nvSpPr>
+          <p:cNvPr id="57" name="Content Placeholder 2">
+            <a:extLst>
+              <a:ext uri="{FF2B5EF4-FFF2-40B4-BE49-F238E27FC236}">
+                <a16:creationId xmlns:a16="http://schemas.microsoft.com/office/drawing/2014/main" id="{96C3A22E-CF60-4733-8E86-48B15246AE95}"/>
+              </a:ext>
+            </a:extLst>
+          </p:cNvPr>
+          <p:cNvSpPr>
+            <a:spLocks noGrp="1"/>
+          </p:cNvSpPr>
+          <p:nvPr>
+            <p:ph idx="1"/>
+          </p:nvPr>
+        </p:nvSpPr>
+        <p:spPr>
+          <a:xfrm>
+            <a:off x="1333502" y="1036841"/>
+            <a:ext cx="8596668" cy="3880773"/>
+          </a:xfrm>
+        </p:spPr>
+        <p:txBody>
+          <a:bodyPr>
+            <a:normAutofit/>
+          </a:bodyPr>
+          <a:lstStyle/>
+          <a:p>
+            <a:r>
+              <a:rPr lang="en-GB" dirty="0"/>
+              <a:t>All calls to the database made using a single class in JavaScript</a:t>
+            </a:r>
+          </a:p>
+        </p:txBody>
+      </p:sp>
+      <p:sp>
+        <p:nvSpPr>
+          <p:cNvPr id="72" name="Isosceles Triangle 65">
+            <a:extLst>
+              <a:ext uri="{FF2B5EF4-FFF2-40B4-BE49-F238E27FC236}">
+                <a16:creationId xmlns:a16="http://schemas.microsoft.com/office/drawing/2014/main" id="{7E2C7115-5336-410C-AD71-0F0952A2E5A7}"/>
+              </a:ext>
+              <a:ext uri="{C183D7F6-B498-43B3-948B-1728B52AA6E4}">
+                <adec:decorative xmlns:adec="http://schemas.microsoft.com/office/drawing/2017/decorative" val="1"/>
+              </a:ext>
+            </a:extLst>
+          </p:cNvPr>
+          <p:cNvSpPr>
+            <a:spLocks noGrp="1" noRot="1" noChangeAspect="1" noMove="1" noResize="1" noEditPoints="1" noAdjustHandles="1" noChangeArrowheads="1" noChangeShapeType="1" noTextEdit="1"/>
+          </p:cNvSpPr>
+          <p:nvPr>
+            <p:extLst>
+              <p:ext uri="{386F3935-93C4-4BCD-93E2-E3B085C9AB24}">
+                <p16:designElem xmlns:p16="http://schemas.microsoft.com/office/powerpoint/2015/main" val="1"/>
+              </p:ext>
+            </p:extLst>
+          </p:nvPr>
+        </p:nvSpPr>
+        <p:spPr>
+          <a:xfrm flipH="1">
+            <a:off x="11743267" y="4013200"/>
+            <a:ext cx="448733" cy="2844800"/>
+          </a:xfrm>
+          <a:prstGeom prst="triangle">
+            <a:avLst>
+              <a:gd name="adj" fmla="val 0"/>
+            </a:avLst>
+          </a:prstGeom>
+          <a:solidFill>
+            <a:schemeClr val="accent1">
+              <a:alpha val="85000"/>
+            </a:schemeClr>
+          </a:solidFill>
+          <a:ln>
+            <a:noFill/>
+          </a:ln>
+          <a:effectLst/>
+        </p:spPr>
+        <p:style>
+          <a:lnRef idx="1">
+            <a:schemeClr val="accent1"/>
+          </a:lnRef>
+          <a:fillRef idx="3">
+            <a:schemeClr val="accent1"/>
+          </a:fillRef>
+          <a:effectRef idx="2">
+            <a:schemeClr val="accent1"/>
+          </a:effectRef>
+          <a:fontRef idx="minor">
+            <a:schemeClr val="lt1"/>
+          </a:fontRef>
+        </p:style>
+      </p:sp>
+      <p:pic>
+        <p:nvPicPr>
+          <p:cNvPr id="4" name="Picture 3" descr="A screenshot of a cell phone&#10;&#10;Description automatically generated">
+            <a:extLst>
+              <a:ext uri="{FF2B5EF4-FFF2-40B4-BE49-F238E27FC236}">
+                <a16:creationId xmlns:a16="http://schemas.microsoft.com/office/drawing/2014/main" id="{EBFC3AA2-D50E-4F3B-8E35-1D230508BF3D}"/>
+              </a:ext>
+            </a:extLst>
+          </p:cNvPr>
+          <p:cNvPicPr>
+            <a:picLocks noChangeAspect="1"/>
+          </p:cNvPicPr>
+          <p:nvPr/>
+        </p:nvPicPr>
+        <p:blipFill>
+          <a:blip r:embed="rId2">
+            <a:extLst>
+              <a:ext uri="{28A0092B-C50C-407E-A947-70E740481C1C}">
+                <a14:useLocalDpi xmlns:a14="http://schemas.microsoft.com/office/drawing/2010/main" val="0"/>
+              </a:ext>
+            </a:extLst>
+          </a:blip>
+          <a:stretch>
+            <a:fillRect/>
+          </a:stretch>
+        </p:blipFill>
+        <p:spPr>
+          <a:xfrm>
+            <a:off x="1191320" y="1520044"/>
+            <a:ext cx="9809360" cy="5091881"/>
+          </a:xfrm>
+          <a:prstGeom prst="rect">
+            <a:avLst/>
+          </a:prstGeom>
+        </p:spPr>
+      </p:pic>
+    </p:spTree>
+    <p:extLst>
+      <p:ext uri="{BB962C8B-B14F-4D97-AF65-F5344CB8AC3E}">
+        <p14:creationId xmlns:p14="http://schemas.microsoft.com/office/powerpoint/2010/main" val="3585256837"/>
+      </p:ext>
+    </p:extLst>
+  </p:cSld>
+  <p:clrMapOvr>
+    <a:masterClrMapping/>
+  </p:clrMapOvr>
+</p:sld>
+</file>
+
+<file path=ppt/slides/slide19.xml><?xml version="1.0" encoding="utf-8"?>
 <p:sld xmlns:a="http://schemas.openxmlformats.org/drawingml/2006/main" xmlns:r="http://schemas.openxmlformats.org/officeDocument/2006/relationships" xmlns:p="http://schemas.openxmlformats.org/presentationml/2006/main">
   <p:cSld>
     <p:bg>
@@ -15091,28 +17064,35 @@
           <a:lstStyle/>
           <a:p>
             <a:r>
-              <a:rPr lang="en-AU"/>
+              <a:rPr lang="en-AU" dirty="0"/>
               <a:t>Login session management is handled automatically by Firebase</a:t>
             </a:r>
           </a:p>
           <a:p>
             <a:r>
-              <a:rPr lang="en-AU"/>
-              <a:t>All user and hunt data is held in the cloud database</a:t>
+              <a:rPr lang="en-AU" dirty="0"/>
+              <a:t>All user and hunt data is held server-side in the cloud database</a:t>
             </a:r>
           </a:p>
           <a:p>
             <a:r>
-              <a:rPr lang="en-GB"/>
-              <a:t>Cloud Firestore automatically encrypts all data before it is written to disk</a:t>
+              <a:rPr lang="en-GB" dirty="0"/>
+              <a:t>Cloud </a:t>
             </a:r>
-          </a:p>
-          <a:p>
             <a:r>
-              <a:rPr lang="en-GB"/>
+              <a:rPr lang="en-GB" dirty="0" err="1"/>
+              <a:t>Firestore</a:t>
+            </a:r>
+            <a:r>
+              <a:rPr lang="en-GB" dirty="0"/>
+              <a:t> automatically encrypts all data before it is written to disk</a:t>
+            </a:r>
+          </a:p>
+          <a:p>
+            <a:r>
+              <a:rPr lang="en-GB" dirty="0"/>
               <a:t>The data is automatically and transparently decrypted when read by an authorised user</a:t>
             </a:r>
-            <a:endParaRPr lang="en-GB" dirty="0"/>
           </a:p>
         </p:txBody>
       </p:sp>
@@ -15247,7 +17227,7 @@
 </p:sld>
 </file>
 
-<file path=ppt/slides/slide15.xml><?xml version="1.0" encoding="utf-8"?>
+<file path=ppt/slides/slide2.xml><?xml version="1.0" encoding="utf-8"?>
 <p:sld xmlns:a="http://schemas.openxmlformats.org/drawingml/2006/main" xmlns:r="http://schemas.openxmlformats.org/officeDocument/2006/relationships" xmlns:p="http://schemas.openxmlformats.org/presentationml/2006/main">
   <p:cSld>
     <p:bg>
@@ -15272,12 +17252,72 @@
           <a:chExt cx="0" cy="0"/>
         </a:xfrm>
       </p:grpSpPr>
+      <p:sp useBgFill="1">
+        <p:nvSpPr>
+          <p:cNvPr id="70" name="Rectangle 61">
+            <a:extLst>
+              <a:ext uri="{FF2B5EF4-FFF2-40B4-BE49-F238E27FC236}">
+                <a16:creationId xmlns:a16="http://schemas.microsoft.com/office/drawing/2014/main" id="{E80B86A7-A1EC-475B-9166-88902B033A38}"/>
+              </a:ext>
+              <a:ext uri="{C183D7F6-B498-43B3-948B-1728B52AA6E4}">
+                <adec:decorative xmlns:adec="http://schemas.microsoft.com/office/drawing/2017/decorative" val="1"/>
+              </a:ext>
+            </a:extLst>
+          </p:cNvPr>
+          <p:cNvSpPr>
+            <a:spLocks noGrp="1" noRot="1" noChangeAspect="1" noMove="1" noResize="1" noEditPoints="1" noAdjustHandles="1" noChangeArrowheads="1" noChangeShapeType="1" noTextEdit="1"/>
+          </p:cNvSpPr>
+          <p:nvPr>
+            <p:extLst>
+              <p:ext uri="{386F3935-93C4-4BCD-93E2-E3B085C9AB24}">
+                <p16:designElem xmlns:p16="http://schemas.microsoft.com/office/powerpoint/2015/main" val="1"/>
+              </p:ext>
+            </p:extLst>
+          </p:nvPr>
+        </p:nvSpPr>
+        <p:spPr>
+          <a:xfrm>
+            <a:off x="0" y="0"/>
+            <a:ext cx="12192000" cy="6858000"/>
+          </a:xfrm>
+          <a:prstGeom prst="rect">
+            <a:avLst/>
+          </a:prstGeom>
+          <a:ln>
+            <a:noFill/>
+          </a:ln>
+        </p:spPr>
+        <p:style>
+          <a:lnRef idx="2">
+            <a:schemeClr val="accent1">
+              <a:shade val="50000"/>
+            </a:schemeClr>
+          </a:lnRef>
+          <a:fillRef idx="1">
+            <a:schemeClr val="accent1"/>
+          </a:fillRef>
+          <a:effectRef idx="0">
+            <a:schemeClr val="accent1"/>
+          </a:effectRef>
+          <a:fontRef idx="minor">
+            <a:schemeClr val="lt1"/>
+          </a:fontRef>
+        </p:style>
+        <p:txBody>
+          <a:bodyPr rtlCol="0" anchor="ctr"/>
+          <a:lstStyle/>
+          <a:p>
+            <a:pPr algn="ctr"/>
+            <a:endParaRPr lang="en-US"/>
+          </a:p>
+        </p:txBody>
+      </p:sp>
       <p:sp>
         <p:nvSpPr>
           <p:cNvPr id="2" name="Title 1">
             <a:extLst>
               <a:ext uri="{FF2B5EF4-FFF2-40B4-BE49-F238E27FC236}">
-                <a16:creationId xmlns:a16="http://schemas.microsoft.com/office/drawing/2014/main" id="{0EEF76FD-FD9E-4FFA-B9EB-DF7FB6A55AC2}"/>
+                <a16:creationId xmlns:a16="http://schemas.microsoft.com/office/drawing/2014/main" id="{AA746351-EAA2-4E3F-B9C4-5C5B36A9CC06}"/>
               </a:ext>
             </a:extLst>
           </p:cNvPr>
@@ -15290,8 +17330,8 @@
         </p:nvSpPr>
         <p:spPr>
           <a:xfrm>
-            <a:off x="5536734" y="609600"/>
-            <a:ext cx="3737268" cy="1320800"/>
+            <a:off x="1333502" y="609600"/>
+            <a:ext cx="8596668" cy="1320800"/>
           </a:xfrm>
         </p:spPr>
         <p:txBody>
@@ -15301,144 +17341,19 @@
           <a:lstStyle/>
           <a:p>
             <a:r>
-              <a:rPr lang="en-AU" dirty="0"/>
-              <a:t>Ethical considerations</a:t>
+              <a:rPr lang="en-AU"/>
+              <a:t>TreasureHunt</a:t>
             </a:r>
+            <a:endParaRPr lang="en-AU" dirty="0"/>
           </a:p>
         </p:txBody>
       </p:sp>
       <p:sp>
         <p:nvSpPr>
-          <p:cNvPr id="23" name="Content Placeholder 2">
+          <p:cNvPr id="71" name="Isosceles Triangle 63">
             <a:extLst>
               <a:ext uri="{FF2B5EF4-FFF2-40B4-BE49-F238E27FC236}">
-                <a16:creationId xmlns:a16="http://schemas.microsoft.com/office/drawing/2014/main" id="{4D80C9DA-709E-4377-A117-81DAA4FF3850}"/>
-              </a:ext>
-            </a:extLst>
-          </p:cNvPr>
-          <p:cNvSpPr>
-            <a:spLocks noGrp="1"/>
-          </p:cNvSpPr>
-          <p:nvPr>
-            <p:ph idx="1"/>
-          </p:nvPr>
-        </p:nvSpPr>
-        <p:spPr>
-          <a:xfrm>
-            <a:off x="5209563" y="2160589"/>
-            <a:ext cx="4064439" cy="3880773"/>
-          </a:xfrm>
-        </p:spPr>
-        <p:txBody>
-          <a:bodyPr>
-            <a:normAutofit/>
-          </a:bodyPr>
-          <a:lstStyle/>
-          <a:p>
-            <a:r>
-              <a:rPr lang="en-AU"/>
-              <a:t>With </a:t>
-            </a:r>
-            <a:r>
-              <a:rPr lang="en-AU" err="1"/>
-              <a:t>TreasureHunt</a:t>
-            </a:r>
-            <a:r>
-              <a:rPr lang="en-AU"/>
-              <a:t> we aim to promote:</a:t>
-            </a:r>
-          </a:p>
-          <a:p>
-            <a:pPr lvl="1"/>
-            <a:r>
-              <a:rPr lang="en-AU"/>
-              <a:t>teamwork</a:t>
-            </a:r>
-          </a:p>
-          <a:p>
-            <a:pPr lvl="1"/>
-            <a:r>
-              <a:rPr lang="en-AU"/>
-              <a:t>physical activity</a:t>
-            </a:r>
-          </a:p>
-          <a:p>
-            <a:pPr lvl="1"/>
-            <a:r>
-              <a:rPr lang="en-AU"/>
-              <a:t>local tourism</a:t>
-            </a:r>
-          </a:p>
-          <a:p>
-            <a:r>
-              <a:rPr lang="en-AU"/>
-              <a:t>Through implementation on a Cloud platform, environmental resources and energy is conserved</a:t>
-            </a:r>
-          </a:p>
-        </p:txBody>
-      </p:sp>
-      <p:pic>
-        <p:nvPicPr>
-          <p:cNvPr id="24" name="Picture 9">
-            <a:extLst>
-              <a:ext uri="{FF2B5EF4-FFF2-40B4-BE49-F238E27FC236}">
-                <a16:creationId xmlns:a16="http://schemas.microsoft.com/office/drawing/2014/main" id="{B63BCFC5-0A5B-427C-B525-77A7AD9F3647}"/>
-              </a:ext>
-            </a:extLst>
-          </p:cNvPr>
-          <p:cNvPicPr>
-            <a:picLocks noChangeAspect="1"/>
-          </p:cNvPicPr>
-          <p:nvPr/>
-        </p:nvPicPr>
-        <p:blipFill rotWithShape="1">
-          <a:blip r:embed="rId2"/>
-          <a:srcRect l="28228" r="18278" b="-1"/>
-          <a:stretch/>
-        </p:blipFill>
-        <p:spPr>
-          <a:xfrm>
-            <a:off x="20" y="-1"/>
-            <a:ext cx="5394940" cy="6858001"/>
-          </a:xfrm>
-          <a:custGeom>
-            <a:avLst/>
-            <a:gdLst/>
-            <a:ahLst/>
-            <a:cxnLst/>
-            <a:rect l="l" t="t" r="r" b="b"/>
-            <a:pathLst>
-              <a:path w="5394960" h="6858000">
-                <a:moveTo>
-                  <a:pt x="842596" y="0"/>
-                </a:moveTo>
-                <a:lnTo>
-                  <a:pt x="5394960" y="0"/>
-                </a:lnTo>
-                <a:lnTo>
-                  <a:pt x="5394960" y="21851"/>
-                </a:lnTo>
-                <a:lnTo>
-                  <a:pt x="4365943" y="6858000"/>
-                </a:lnTo>
-                <a:lnTo>
-                  <a:pt x="0" y="6858000"/>
-                </a:lnTo>
-                <a:lnTo>
-                  <a:pt x="0" y="5666154"/>
-                </a:lnTo>
-                <a:close/>
-              </a:path>
-            </a:pathLst>
-          </a:custGeom>
-        </p:spPr>
-      </p:pic>
-      <p:sp>
-        <p:nvSpPr>
-          <p:cNvPr id="25" name="Isosceles Triangle 13">
-            <a:extLst>
-              <a:ext uri="{FF2B5EF4-FFF2-40B4-BE49-F238E27FC236}">
-                <a16:creationId xmlns:a16="http://schemas.microsoft.com/office/drawing/2014/main" id="{3BCB5F6A-9EB0-40B0-9D13-3023E9A20508}"/>
+                <a16:creationId xmlns:a16="http://schemas.microsoft.com/office/drawing/2014/main" id="{C2C29CB1-9F74-4879-A6AF-AEA67B6F1F4D}"/>
               </a:ext>
               <a:ext uri="{C183D7F6-B498-43B3-948B-1728B52AA6E4}">
                 <adec:decorative xmlns:adec="http://schemas.microsoft.com/office/drawing/2017/decorative" val="1"/>
@@ -15467,7 +17382,1019 @@
             </a:avLst>
           </a:prstGeom>
           <a:solidFill>
+            <a:schemeClr val="accent1">
+              <a:alpha val="85000"/>
+            </a:schemeClr>
+          </a:solidFill>
+          <a:ln>
+            <a:noFill/>
+          </a:ln>
+          <a:effectLst/>
+        </p:spPr>
+        <p:style>
+          <a:lnRef idx="1">
             <a:schemeClr val="accent1"/>
+          </a:lnRef>
+          <a:fillRef idx="3">
+            <a:schemeClr val="accent1"/>
+          </a:fillRef>
+          <a:effectRef idx="2">
+            <a:schemeClr val="accent1"/>
+          </a:effectRef>
+          <a:fontRef idx="minor">
+            <a:schemeClr val="lt1"/>
+          </a:fontRef>
+        </p:style>
+      </p:sp>
+      <p:sp>
+        <p:nvSpPr>
+          <p:cNvPr id="57" name="Content Placeholder 2">
+            <a:extLst>
+              <a:ext uri="{FF2B5EF4-FFF2-40B4-BE49-F238E27FC236}">
+                <a16:creationId xmlns:a16="http://schemas.microsoft.com/office/drawing/2014/main" id="{96C3A22E-CF60-4733-8E86-48B15246AE95}"/>
+              </a:ext>
+            </a:extLst>
+          </p:cNvPr>
+          <p:cNvSpPr>
+            <a:spLocks noGrp="1"/>
+          </p:cNvSpPr>
+          <p:nvPr>
+            <p:ph idx="1"/>
+          </p:nvPr>
+        </p:nvSpPr>
+        <p:spPr>
+          <a:xfrm>
+            <a:off x="1333502" y="2160589"/>
+            <a:ext cx="8596668" cy="3880773"/>
+          </a:xfrm>
+        </p:spPr>
+        <p:txBody>
+          <a:bodyPr>
+            <a:normAutofit/>
+          </a:bodyPr>
+          <a:lstStyle/>
+          <a:p>
+            <a:r>
+              <a:rPr lang="en-AU"/>
+              <a:t>A cloud-based mobile and web application</a:t>
+            </a:r>
+          </a:p>
+          <a:p>
+            <a:r>
+              <a:rPr lang="en-AU"/>
+              <a:t>Users create and undertake ‘treasure hunts’ in their local area</a:t>
+            </a:r>
+          </a:p>
+          <a:p>
+            <a:r>
+              <a:rPr lang="en-AU"/>
+              <a:t>Locations on a hunt are signified by a single photo which hunters must identify and locate, whereupon they will given their next destination</a:t>
+            </a:r>
+          </a:p>
+          <a:p>
+            <a:r>
+              <a:rPr lang="en-AU"/>
+              <a:t>Users create accounts, all information automatically encrypted in the cloud</a:t>
+            </a:r>
+          </a:p>
+          <a:p>
+            <a:r>
+              <a:rPr lang="en-AU"/>
+              <a:t>Promotes teamwork, physical activity and local tourism</a:t>
+            </a:r>
+          </a:p>
+        </p:txBody>
+      </p:sp>
+      <p:sp>
+        <p:nvSpPr>
+          <p:cNvPr id="72" name="Isosceles Triangle 65">
+            <a:extLst>
+              <a:ext uri="{FF2B5EF4-FFF2-40B4-BE49-F238E27FC236}">
+                <a16:creationId xmlns:a16="http://schemas.microsoft.com/office/drawing/2014/main" id="{7E2C7115-5336-410C-AD71-0F0952A2E5A7}"/>
+              </a:ext>
+              <a:ext uri="{C183D7F6-B498-43B3-948B-1728B52AA6E4}">
+                <adec:decorative xmlns:adec="http://schemas.microsoft.com/office/drawing/2017/decorative" val="1"/>
+              </a:ext>
+            </a:extLst>
+          </p:cNvPr>
+          <p:cNvSpPr>
+            <a:spLocks noGrp="1" noRot="1" noChangeAspect="1" noMove="1" noResize="1" noEditPoints="1" noAdjustHandles="1" noChangeArrowheads="1" noChangeShapeType="1" noTextEdit="1"/>
+          </p:cNvSpPr>
+          <p:nvPr>
+            <p:extLst>
+              <p:ext uri="{386F3935-93C4-4BCD-93E2-E3B085C9AB24}">
+                <p16:designElem xmlns:p16="http://schemas.microsoft.com/office/powerpoint/2015/main" val="1"/>
+              </p:ext>
+            </p:extLst>
+          </p:nvPr>
+        </p:nvSpPr>
+        <p:spPr>
+          <a:xfrm flipH="1">
+            <a:off x="11743267" y="4013200"/>
+            <a:ext cx="448733" cy="2844800"/>
+          </a:xfrm>
+          <a:prstGeom prst="triangle">
+            <a:avLst>
+              <a:gd name="adj" fmla="val 0"/>
+            </a:avLst>
+          </a:prstGeom>
+          <a:solidFill>
+            <a:schemeClr val="accent1">
+              <a:alpha val="85000"/>
+            </a:schemeClr>
+          </a:solidFill>
+          <a:ln>
+            <a:noFill/>
+          </a:ln>
+          <a:effectLst/>
+        </p:spPr>
+        <p:style>
+          <a:lnRef idx="1">
+            <a:schemeClr val="accent1"/>
+          </a:lnRef>
+          <a:fillRef idx="3">
+            <a:schemeClr val="accent1"/>
+          </a:fillRef>
+          <a:effectRef idx="2">
+            <a:schemeClr val="accent1"/>
+          </a:effectRef>
+          <a:fontRef idx="minor">
+            <a:schemeClr val="lt1"/>
+          </a:fontRef>
+        </p:style>
+      </p:sp>
+      <p:pic>
+        <p:nvPicPr>
+          <p:cNvPr id="28" name="Picture 27" descr="A close up of a device&#10;&#10;Description automatically generated">
+            <a:extLst>
+              <a:ext uri="{FF2B5EF4-FFF2-40B4-BE49-F238E27FC236}">
+                <a16:creationId xmlns:a16="http://schemas.microsoft.com/office/drawing/2014/main" id="{565FD89F-E594-4DFA-A9A4-077BEE024DC5}"/>
+              </a:ext>
+            </a:extLst>
+          </p:cNvPr>
+          <p:cNvPicPr>
+            <a:picLocks noChangeAspect="1"/>
+          </p:cNvPicPr>
+          <p:nvPr/>
+        </p:nvPicPr>
+        <p:blipFill>
+          <a:blip r:embed="rId2">
+            <a:extLst>
+              <a:ext uri="{28A0092B-C50C-407E-A947-70E740481C1C}">
+                <a14:useLocalDpi xmlns:a14="http://schemas.microsoft.com/office/drawing/2010/main" val="0"/>
+              </a:ext>
+            </a:extLst>
+          </a:blip>
+          <a:stretch>
+            <a:fillRect/>
+          </a:stretch>
+        </p:blipFill>
+        <p:spPr>
+          <a:xfrm>
+            <a:off x="1333502" y="609600"/>
+            <a:ext cx="4401164" cy="914528"/>
+          </a:xfrm>
+          <a:prstGeom prst="rect">
+            <a:avLst/>
+          </a:prstGeom>
+        </p:spPr>
+      </p:pic>
+    </p:spTree>
+    <p:extLst>
+      <p:ext uri="{BB962C8B-B14F-4D97-AF65-F5344CB8AC3E}">
+        <p14:creationId xmlns:p14="http://schemas.microsoft.com/office/powerpoint/2010/main" val="1987402173"/>
+      </p:ext>
+    </p:extLst>
+  </p:cSld>
+  <p:clrMapOvr>
+    <a:masterClrMapping/>
+  </p:clrMapOvr>
+</p:sld>
+</file>
+
+<file path=ppt/slides/slide20.xml><?xml version="1.0" encoding="utf-8"?>
+<p:sld xmlns:a="http://schemas.openxmlformats.org/drawingml/2006/main" xmlns:r="http://schemas.openxmlformats.org/officeDocument/2006/relationships" xmlns:p="http://schemas.openxmlformats.org/presentationml/2006/main">
+  <p:cSld>
+    <p:bg>
+      <p:bgPr>
+        <a:solidFill>
+          <a:schemeClr val="bg1"/>
+        </a:solidFill>
+        <a:effectLst/>
+      </p:bgPr>
+    </p:bg>
+    <p:spTree>
+      <p:nvGrpSpPr>
+        <p:cNvPr id="1" name=""/>
+        <p:cNvGrpSpPr/>
+        <p:nvPr/>
+      </p:nvGrpSpPr>
+      <p:grpSpPr>
+        <a:xfrm>
+          <a:off x="0" y="0"/>
+          <a:ext cx="0" cy="0"/>
+          <a:chOff x="0" y="0"/>
+          <a:chExt cx="0" cy="0"/>
+        </a:xfrm>
+      </p:grpSpPr>
+      <p:pic>
+        <p:nvPicPr>
+          <p:cNvPr id="24" name="Picture 9">
+            <a:extLst>
+              <a:ext uri="{FF2B5EF4-FFF2-40B4-BE49-F238E27FC236}">
+                <a16:creationId xmlns:a16="http://schemas.microsoft.com/office/drawing/2014/main" id="{B63BCFC5-0A5B-427C-B525-77A7AD9F3647}"/>
+              </a:ext>
+            </a:extLst>
+          </p:cNvPr>
+          <p:cNvPicPr>
+            <a:picLocks noChangeAspect="1"/>
+          </p:cNvPicPr>
+          <p:nvPr/>
+        </p:nvPicPr>
+        <p:blipFill rotWithShape="1">
+          <a:blip r:embed="rId2"/>
+          <a:srcRect l="15681" r="5767" b="-1"/>
+          <a:stretch/>
+        </p:blipFill>
+        <p:spPr>
+          <a:xfrm>
+            <a:off x="4269854" y="-1"/>
+            <a:ext cx="7922146" cy="6858001"/>
+          </a:xfrm>
+          <a:custGeom>
+            <a:avLst/>
+            <a:gdLst/>
+            <a:ahLst/>
+            <a:cxnLst/>
+            <a:rect l="l" t="t" r="r" b="b"/>
+            <a:pathLst>
+              <a:path w="7922146" h="6858001">
+                <a:moveTo>
+                  <a:pt x="379987" y="0"/>
+                </a:moveTo>
+                <a:lnTo>
+                  <a:pt x="5304971" y="0"/>
+                </a:lnTo>
+                <a:lnTo>
+                  <a:pt x="7065281" y="0"/>
+                </a:lnTo>
+                <a:lnTo>
+                  <a:pt x="7397540" y="0"/>
+                </a:lnTo>
+                <a:lnTo>
+                  <a:pt x="7397540" y="1"/>
+                </a:lnTo>
+                <a:lnTo>
+                  <a:pt x="7922146" y="1"/>
+                </a:lnTo>
+                <a:lnTo>
+                  <a:pt x="7922146" y="6858001"/>
+                </a:lnTo>
+                <a:lnTo>
+                  <a:pt x="7065281" y="6858001"/>
+                </a:lnTo>
+                <a:lnTo>
+                  <a:pt x="7065281" y="6858000"/>
+                </a:lnTo>
+                <a:lnTo>
+                  <a:pt x="5932989" y="6858000"/>
+                </a:lnTo>
+                <a:lnTo>
+                  <a:pt x="5932989" y="6858001"/>
+                </a:lnTo>
+                <a:lnTo>
+                  <a:pt x="27809" y="6858001"/>
+                </a:lnTo>
+                <a:lnTo>
+                  <a:pt x="1803228" y="4521201"/>
+                </a:lnTo>
+                <a:close/>
+                <a:moveTo>
+                  <a:pt x="0" y="0"/>
+                </a:moveTo>
+                <a:lnTo>
+                  <a:pt x="379987" y="0"/>
+                </a:lnTo>
+                <a:lnTo>
+                  <a:pt x="0" y="407"/>
+                </a:lnTo>
+                <a:close/>
+              </a:path>
+            </a:pathLst>
+          </a:custGeom>
+        </p:spPr>
+      </p:pic>
+      <p:sp>
+        <p:nvSpPr>
+          <p:cNvPr id="2" name="Title 1">
+            <a:extLst>
+              <a:ext uri="{FF2B5EF4-FFF2-40B4-BE49-F238E27FC236}">
+                <a16:creationId xmlns:a16="http://schemas.microsoft.com/office/drawing/2014/main" id="{0EEF76FD-FD9E-4FFA-B9EB-DF7FB6A55AC2}"/>
+              </a:ext>
+            </a:extLst>
+          </p:cNvPr>
+          <p:cNvSpPr>
+            <a:spLocks noGrp="1"/>
+          </p:cNvSpPr>
+          <p:nvPr>
+            <p:ph type="title"/>
+          </p:nvPr>
+        </p:nvSpPr>
+        <p:spPr>
+          <a:xfrm>
+            <a:off x="677333" y="609600"/>
+            <a:ext cx="3851123" cy="1320800"/>
+          </a:xfrm>
+        </p:spPr>
+        <p:txBody>
+          <a:bodyPr>
+            <a:normAutofit/>
+          </a:bodyPr>
+          <a:lstStyle/>
+          <a:p>
+            <a:r>
+              <a:rPr lang="en-AU" dirty="0"/>
+              <a:t>Ethical considerations</a:t>
+            </a:r>
+          </a:p>
+        </p:txBody>
+      </p:sp>
+      <p:sp>
+        <p:nvSpPr>
+          <p:cNvPr id="23" name="Content Placeholder 2">
+            <a:extLst>
+              <a:ext uri="{FF2B5EF4-FFF2-40B4-BE49-F238E27FC236}">
+                <a16:creationId xmlns:a16="http://schemas.microsoft.com/office/drawing/2014/main" id="{4D80C9DA-709E-4377-A117-81DAA4FF3850}"/>
+              </a:ext>
+            </a:extLst>
+          </p:cNvPr>
+          <p:cNvSpPr>
+            <a:spLocks noGrp="1"/>
+          </p:cNvSpPr>
+          <p:nvPr>
+            <p:ph idx="1"/>
+          </p:nvPr>
+        </p:nvSpPr>
+        <p:spPr>
+          <a:xfrm>
+            <a:off x="677334" y="2160589"/>
+            <a:ext cx="3851122" cy="3880773"/>
+          </a:xfrm>
+        </p:spPr>
+        <p:txBody>
+          <a:bodyPr>
+            <a:normAutofit/>
+          </a:bodyPr>
+          <a:lstStyle/>
+          <a:p>
+            <a:r>
+              <a:rPr lang="en-AU"/>
+              <a:t>With </a:t>
+            </a:r>
+            <a:r>
+              <a:rPr lang="en-AU" err="1"/>
+              <a:t>TreasureHunt</a:t>
+            </a:r>
+            <a:r>
+              <a:rPr lang="en-AU"/>
+              <a:t> we aim to promote:</a:t>
+            </a:r>
+          </a:p>
+          <a:p>
+            <a:pPr lvl="1"/>
+            <a:r>
+              <a:rPr lang="en-AU"/>
+              <a:t>teamwork</a:t>
+            </a:r>
+          </a:p>
+          <a:p>
+            <a:pPr lvl="1"/>
+            <a:r>
+              <a:rPr lang="en-AU"/>
+              <a:t>physical activity</a:t>
+            </a:r>
+          </a:p>
+          <a:p>
+            <a:pPr lvl="1"/>
+            <a:r>
+              <a:rPr lang="en-AU"/>
+              <a:t>local tourism</a:t>
+            </a:r>
+          </a:p>
+          <a:p>
+            <a:r>
+              <a:rPr lang="en-AU"/>
+              <a:t>Through implementation on a Cloud platform, environmental resources and energy is conserved</a:t>
+            </a:r>
+          </a:p>
+        </p:txBody>
+      </p:sp>
+      <p:cxnSp>
+        <p:nvCxnSpPr>
+          <p:cNvPr id="30" name="Straight Connector 29">
+            <a:extLst>
+              <a:ext uri="{FF2B5EF4-FFF2-40B4-BE49-F238E27FC236}">
+                <a16:creationId xmlns:a16="http://schemas.microsoft.com/office/drawing/2014/main" id="{64FA5DFF-7FE6-4855-84E6-DFA78EE978BD}"/>
+              </a:ext>
+              <a:ext uri="{C183D7F6-B498-43B3-948B-1728B52AA6E4}">
+                <adec:decorative xmlns:adec="http://schemas.microsoft.com/office/drawing/2017/decorative" val="1"/>
+              </a:ext>
+            </a:extLst>
+          </p:cNvPr>
+          <p:cNvCxnSpPr>
+            <a:cxnSpLocks noGrp="1" noRot="1" noChangeAspect="1" noMove="1" noResize="1" noEditPoints="1" noAdjustHandles="1" noChangeArrowheads="1" noChangeShapeType="1"/>
+          </p:cNvCxnSpPr>
+          <p:nvPr>
+            <p:extLst>
+              <p:ext uri="{386F3935-93C4-4BCD-93E2-E3B085C9AB24}">
+                <p16:designElem xmlns:p16="http://schemas.microsoft.com/office/powerpoint/2015/main" val="1"/>
+              </p:ext>
+            </p:extLst>
+          </p:nvPr>
+        </p:nvCxnSpPr>
+        <p:spPr>
+          <a:xfrm>
+            <a:off x="9371012" y="0"/>
+            <a:ext cx="1219200" cy="6858000"/>
+          </a:xfrm>
+          <a:prstGeom prst="line">
+            <a:avLst/>
+          </a:prstGeom>
+          <a:ln w="9525">
+            <a:solidFill>
+              <a:schemeClr val="bg1">
+                <a:lumMod val="75000"/>
+              </a:schemeClr>
+            </a:solidFill>
+          </a:ln>
+        </p:spPr>
+        <p:style>
+          <a:lnRef idx="2">
+            <a:schemeClr val="accent1"/>
+          </a:lnRef>
+          <a:fillRef idx="0">
+            <a:schemeClr val="accent1"/>
+          </a:fillRef>
+          <a:effectRef idx="1">
+            <a:schemeClr val="accent1"/>
+          </a:effectRef>
+          <a:fontRef idx="minor">
+            <a:schemeClr val="tx1"/>
+          </a:fontRef>
+        </p:style>
+      </p:cxnSp>
+      <p:cxnSp>
+        <p:nvCxnSpPr>
+          <p:cNvPr id="32" name="Straight Connector 31">
+            <a:extLst>
+              <a:ext uri="{FF2B5EF4-FFF2-40B4-BE49-F238E27FC236}">
+                <a16:creationId xmlns:a16="http://schemas.microsoft.com/office/drawing/2014/main" id="{2AFD8CBA-54A3-4363-991B-B9C631BBFA74}"/>
+              </a:ext>
+              <a:ext uri="{C183D7F6-B498-43B3-948B-1728B52AA6E4}">
+                <adec:decorative xmlns:adec="http://schemas.microsoft.com/office/drawing/2017/decorative" val="1"/>
+              </a:ext>
+            </a:extLst>
+          </p:cNvPr>
+          <p:cNvCxnSpPr>
+            <a:cxnSpLocks noGrp="1" noRot="1" noChangeAspect="1" noMove="1" noResize="1" noEditPoints="1" noAdjustHandles="1" noChangeArrowheads="1" noChangeShapeType="1"/>
+          </p:cNvCxnSpPr>
+          <p:nvPr>
+            <p:extLst>
+              <p:ext uri="{386F3935-93C4-4BCD-93E2-E3B085C9AB24}">
+                <p16:designElem xmlns:p16="http://schemas.microsoft.com/office/powerpoint/2015/main" val="1"/>
+              </p:ext>
+            </p:extLst>
+          </p:nvPr>
+        </p:nvCxnSpPr>
+        <p:spPr>
+          <a:xfrm flipH="1">
+            <a:off x="7425267" y="3681413"/>
+            <a:ext cx="4763558" cy="3176587"/>
+          </a:xfrm>
+          <a:prstGeom prst="line">
+            <a:avLst/>
+          </a:prstGeom>
+          <a:ln w="9525">
+            <a:solidFill>
+              <a:schemeClr val="bg1">
+                <a:lumMod val="85000"/>
+              </a:schemeClr>
+            </a:solidFill>
+          </a:ln>
+        </p:spPr>
+        <p:style>
+          <a:lnRef idx="2">
+            <a:schemeClr val="accent1"/>
+          </a:lnRef>
+          <a:fillRef idx="0">
+            <a:schemeClr val="accent1"/>
+          </a:fillRef>
+          <a:effectRef idx="1">
+            <a:schemeClr val="accent1"/>
+          </a:effectRef>
+          <a:fontRef idx="minor">
+            <a:schemeClr val="tx1"/>
+          </a:fontRef>
+        </p:style>
+      </p:cxnSp>
+      <p:sp>
+        <p:nvSpPr>
+          <p:cNvPr id="34" name="Rectangle 23">
+            <a:extLst>
+              <a:ext uri="{FF2B5EF4-FFF2-40B4-BE49-F238E27FC236}">
+                <a16:creationId xmlns:a16="http://schemas.microsoft.com/office/drawing/2014/main" id="{3F088236-D655-4F88-B238-E16762358025}"/>
+              </a:ext>
+              <a:ext uri="{C183D7F6-B498-43B3-948B-1728B52AA6E4}">
+                <adec:decorative xmlns:adec="http://schemas.microsoft.com/office/drawing/2017/decorative" val="1"/>
+              </a:ext>
+            </a:extLst>
+          </p:cNvPr>
+          <p:cNvSpPr>
+            <a:spLocks noGrp="1" noRot="1" noChangeAspect="1" noMove="1" noResize="1" noEditPoints="1" noAdjustHandles="1" noChangeArrowheads="1" noChangeShapeType="1" noTextEdit="1"/>
+          </p:cNvSpPr>
+          <p:nvPr>
+            <p:extLst>
+              <p:ext uri="{386F3935-93C4-4BCD-93E2-E3B085C9AB24}">
+                <p16:designElem xmlns:p16="http://schemas.microsoft.com/office/powerpoint/2015/main" val="1"/>
+              </p:ext>
+            </p:extLst>
+          </p:nvPr>
+        </p:nvSpPr>
+        <p:spPr>
+          <a:xfrm>
+            <a:off x="9181476" y="-8467"/>
+            <a:ext cx="3007349" cy="6866467"/>
+          </a:xfrm>
+          <a:custGeom>
+            <a:avLst/>
+            <a:gdLst/>
+            <a:ahLst/>
+            <a:cxnLst/>
+            <a:rect l="l" t="t" r="r" b="b"/>
+            <a:pathLst>
+              <a:path w="3007349" h="6866467">
+                <a:moveTo>
+                  <a:pt x="2045532" y="0"/>
+                </a:moveTo>
+                <a:lnTo>
+                  <a:pt x="3007349" y="0"/>
+                </a:lnTo>
+                <a:lnTo>
+                  <a:pt x="3007349" y="6866467"/>
+                </a:lnTo>
+                <a:lnTo>
+                  <a:pt x="0" y="6866467"/>
+                </a:lnTo>
+                <a:lnTo>
+                  <a:pt x="2045532" y="0"/>
+                </a:lnTo>
+                <a:close/>
+              </a:path>
+            </a:pathLst>
+          </a:custGeom>
+          <a:solidFill>
+            <a:schemeClr val="accent1">
+              <a:alpha val="30000"/>
+            </a:schemeClr>
+          </a:solidFill>
+          <a:ln>
+            <a:noFill/>
+          </a:ln>
+          <a:effectLst/>
+        </p:spPr>
+        <p:style>
+          <a:lnRef idx="1">
+            <a:schemeClr val="accent1"/>
+          </a:lnRef>
+          <a:fillRef idx="3">
+            <a:schemeClr val="accent1"/>
+          </a:fillRef>
+          <a:effectRef idx="2">
+            <a:schemeClr val="accent1"/>
+          </a:effectRef>
+          <a:fontRef idx="minor">
+            <a:schemeClr val="lt1"/>
+          </a:fontRef>
+        </p:style>
+      </p:sp>
+      <p:sp>
+        <p:nvSpPr>
+          <p:cNvPr id="36" name="Rectangle 25">
+            <a:extLst>
+              <a:ext uri="{FF2B5EF4-FFF2-40B4-BE49-F238E27FC236}">
+                <a16:creationId xmlns:a16="http://schemas.microsoft.com/office/drawing/2014/main" id="{3DAC0C92-199E-475C-9390-119A9B027276}"/>
+              </a:ext>
+              <a:ext uri="{C183D7F6-B498-43B3-948B-1728B52AA6E4}">
+                <adec:decorative xmlns:adec="http://schemas.microsoft.com/office/drawing/2017/decorative" val="1"/>
+              </a:ext>
+            </a:extLst>
+          </p:cNvPr>
+          <p:cNvSpPr>
+            <a:spLocks noGrp="1" noRot="1" noChangeAspect="1" noMove="1" noResize="1" noEditPoints="1" noAdjustHandles="1" noChangeArrowheads="1" noChangeShapeType="1" noTextEdit="1"/>
+          </p:cNvSpPr>
+          <p:nvPr>
+            <p:extLst>
+              <p:ext uri="{386F3935-93C4-4BCD-93E2-E3B085C9AB24}">
+                <p16:designElem xmlns:p16="http://schemas.microsoft.com/office/powerpoint/2015/main" val="1"/>
+              </p:ext>
+            </p:extLst>
+          </p:nvPr>
+        </p:nvSpPr>
+        <p:spPr>
+          <a:xfrm>
+            <a:off x="9603442" y="-8467"/>
+            <a:ext cx="2588558" cy="6866467"/>
+          </a:xfrm>
+          <a:custGeom>
+            <a:avLst/>
+            <a:gdLst/>
+            <a:ahLst/>
+            <a:cxnLst/>
+            <a:rect l="l" t="t" r="r" b="b"/>
+            <a:pathLst>
+              <a:path w="2573311" h="6866467">
+                <a:moveTo>
+                  <a:pt x="0" y="0"/>
+                </a:moveTo>
+                <a:lnTo>
+                  <a:pt x="2573311" y="0"/>
+                </a:lnTo>
+                <a:lnTo>
+                  <a:pt x="2573311" y="6866467"/>
+                </a:lnTo>
+                <a:lnTo>
+                  <a:pt x="1202336" y="6866467"/>
+                </a:lnTo>
+                <a:lnTo>
+                  <a:pt x="0" y="0"/>
+                </a:lnTo>
+                <a:close/>
+              </a:path>
+            </a:pathLst>
+          </a:custGeom>
+          <a:solidFill>
+            <a:schemeClr val="accent1">
+              <a:alpha val="20000"/>
+            </a:schemeClr>
+          </a:solidFill>
+          <a:ln>
+            <a:noFill/>
+          </a:ln>
+          <a:effectLst/>
+        </p:spPr>
+        <p:style>
+          <a:lnRef idx="1">
+            <a:schemeClr val="accent1"/>
+          </a:lnRef>
+          <a:fillRef idx="3">
+            <a:schemeClr val="accent1"/>
+          </a:fillRef>
+          <a:effectRef idx="2">
+            <a:schemeClr val="accent1"/>
+          </a:effectRef>
+          <a:fontRef idx="minor">
+            <a:schemeClr val="lt1"/>
+          </a:fontRef>
+        </p:style>
+      </p:sp>
+      <p:sp>
+        <p:nvSpPr>
+          <p:cNvPr id="38" name="Isosceles Triangle 24">
+            <a:extLst>
+              <a:ext uri="{FF2B5EF4-FFF2-40B4-BE49-F238E27FC236}">
+                <a16:creationId xmlns:a16="http://schemas.microsoft.com/office/drawing/2014/main" id="{C4CFB339-0ED8-4FE2-9EF1-6D1375B8499B}"/>
+              </a:ext>
+              <a:ext uri="{C183D7F6-B498-43B3-948B-1728B52AA6E4}">
+                <adec:decorative xmlns:adec="http://schemas.microsoft.com/office/drawing/2017/decorative" val="1"/>
+              </a:ext>
+            </a:extLst>
+          </p:cNvPr>
+          <p:cNvSpPr>
+            <a:spLocks noGrp="1" noRot="1" noChangeAspect="1" noMove="1" noResize="1" noEditPoints="1" noAdjustHandles="1" noChangeArrowheads="1" noChangeShapeType="1" noTextEdit="1"/>
+          </p:cNvSpPr>
+          <p:nvPr>
+            <p:extLst>
+              <p:ext uri="{386F3935-93C4-4BCD-93E2-E3B085C9AB24}">
+                <p16:designElem xmlns:p16="http://schemas.microsoft.com/office/powerpoint/2015/main" val="1"/>
+              </p:ext>
+            </p:extLst>
+          </p:nvPr>
+        </p:nvSpPr>
+        <p:spPr>
+          <a:xfrm>
+            <a:off x="8932333" y="3048000"/>
+            <a:ext cx="3259667" cy="3810000"/>
+          </a:xfrm>
+          <a:prstGeom prst="triangle">
+            <a:avLst>
+              <a:gd name="adj" fmla="val 100000"/>
+            </a:avLst>
+          </a:prstGeom>
+          <a:solidFill>
+            <a:schemeClr val="accent2">
+              <a:alpha val="72000"/>
+            </a:schemeClr>
+          </a:solidFill>
+          <a:ln>
+            <a:noFill/>
+          </a:ln>
+          <a:effectLst/>
+        </p:spPr>
+        <p:style>
+          <a:lnRef idx="1">
+            <a:schemeClr val="accent1"/>
+          </a:lnRef>
+          <a:fillRef idx="3">
+            <a:schemeClr val="accent1"/>
+          </a:fillRef>
+          <a:effectRef idx="2">
+            <a:schemeClr val="accent1"/>
+          </a:effectRef>
+          <a:fontRef idx="minor">
+            <a:schemeClr val="lt1"/>
+          </a:fontRef>
+        </p:style>
+      </p:sp>
+      <p:sp>
+        <p:nvSpPr>
+          <p:cNvPr id="40" name="Rectangle 27">
+            <a:extLst>
+              <a:ext uri="{FF2B5EF4-FFF2-40B4-BE49-F238E27FC236}">
+                <a16:creationId xmlns:a16="http://schemas.microsoft.com/office/drawing/2014/main" id="{31896C80-2069-4431-9C19-83B913734490}"/>
+              </a:ext>
+              <a:ext uri="{C183D7F6-B498-43B3-948B-1728B52AA6E4}">
+                <adec:decorative xmlns:adec="http://schemas.microsoft.com/office/drawing/2017/decorative" val="1"/>
+              </a:ext>
+            </a:extLst>
+          </p:cNvPr>
+          <p:cNvSpPr>
+            <a:spLocks noGrp="1" noRot="1" noChangeAspect="1" noMove="1" noResize="1" noEditPoints="1" noAdjustHandles="1" noChangeArrowheads="1" noChangeShapeType="1" noTextEdit="1"/>
+          </p:cNvSpPr>
+          <p:nvPr>
+            <p:extLst>
+              <p:ext uri="{386F3935-93C4-4BCD-93E2-E3B085C9AB24}">
+                <p16:designElem xmlns:p16="http://schemas.microsoft.com/office/powerpoint/2015/main" val="1"/>
+              </p:ext>
+            </p:extLst>
+          </p:nvPr>
+        </p:nvSpPr>
+        <p:spPr>
+          <a:xfrm>
+            <a:off x="9334500" y="-8467"/>
+            <a:ext cx="2854326" cy="6866467"/>
+          </a:xfrm>
+          <a:custGeom>
+            <a:avLst/>
+            <a:gdLst/>
+            <a:ahLst/>
+            <a:cxnLst/>
+            <a:rect l="l" t="t" r="r" b="b"/>
+            <a:pathLst>
+              <a:path w="2858013" h="6866467">
+                <a:moveTo>
+                  <a:pt x="0" y="0"/>
+                </a:moveTo>
+                <a:lnTo>
+                  <a:pt x="2858013" y="0"/>
+                </a:lnTo>
+                <a:lnTo>
+                  <a:pt x="2858013" y="6866467"/>
+                </a:lnTo>
+                <a:lnTo>
+                  <a:pt x="2473942" y="6866467"/>
+                </a:lnTo>
+                <a:lnTo>
+                  <a:pt x="0" y="0"/>
+                </a:lnTo>
+                <a:close/>
+              </a:path>
+            </a:pathLst>
+          </a:custGeom>
+          <a:solidFill>
+            <a:schemeClr val="accent2">
+              <a:lumMod val="75000"/>
+              <a:alpha val="47000"/>
+            </a:schemeClr>
+          </a:solidFill>
+          <a:ln>
+            <a:noFill/>
+          </a:ln>
+          <a:effectLst/>
+        </p:spPr>
+        <p:style>
+          <a:lnRef idx="1">
+            <a:schemeClr val="accent1"/>
+          </a:lnRef>
+          <a:fillRef idx="3">
+            <a:schemeClr val="accent1"/>
+          </a:fillRef>
+          <a:effectRef idx="2">
+            <a:schemeClr val="accent1"/>
+          </a:effectRef>
+          <a:fontRef idx="minor">
+            <a:schemeClr val="lt1"/>
+          </a:fontRef>
+        </p:style>
+      </p:sp>
+      <p:sp>
+        <p:nvSpPr>
+          <p:cNvPr id="42" name="Rectangle 28">
+            <a:extLst>
+              <a:ext uri="{FF2B5EF4-FFF2-40B4-BE49-F238E27FC236}">
+                <a16:creationId xmlns:a16="http://schemas.microsoft.com/office/drawing/2014/main" id="{BF120A21-0841-4823-B0C4-28AEBCEF9B78}"/>
+              </a:ext>
+              <a:ext uri="{C183D7F6-B498-43B3-948B-1728B52AA6E4}">
+                <adec:decorative xmlns:adec="http://schemas.microsoft.com/office/drawing/2017/decorative" val="1"/>
+              </a:ext>
+            </a:extLst>
+          </p:cNvPr>
+          <p:cNvSpPr>
+            <a:spLocks noGrp="1" noRot="1" noChangeAspect="1" noMove="1" noResize="1" noEditPoints="1" noAdjustHandles="1" noChangeArrowheads="1" noChangeShapeType="1" noTextEdit="1"/>
+          </p:cNvSpPr>
+          <p:nvPr>
+            <p:extLst>
+              <p:ext uri="{386F3935-93C4-4BCD-93E2-E3B085C9AB24}">
+                <p16:designElem xmlns:p16="http://schemas.microsoft.com/office/powerpoint/2015/main" val="1"/>
+              </p:ext>
+            </p:extLst>
+          </p:nvPr>
+        </p:nvSpPr>
+        <p:spPr>
+          <a:xfrm>
+            <a:off x="10898730" y="-8467"/>
+            <a:ext cx="1290094" cy="6866467"/>
+          </a:xfrm>
+          <a:custGeom>
+            <a:avLst/>
+            <a:gdLst/>
+            <a:ahLst/>
+            <a:cxnLst/>
+            <a:rect l="l" t="t" r="r" b="b"/>
+            <a:pathLst>
+              <a:path w="1290094" h="6858000">
+                <a:moveTo>
+                  <a:pt x="1019735" y="0"/>
+                </a:moveTo>
+                <a:lnTo>
+                  <a:pt x="1290094" y="0"/>
+                </a:lnTo>
+                <a:lnTo>
+                  <a:pt x="1290094" y="6858000"/>
+                </a:lnTo>
+                <a:lnTo>
+                  <a:pt x="0" y="6858000"/>
+                </a:lnTo>
+                <a:lnTo>
+                  <a:pt x="1019735" y="0"/>
+                </a:lnTo>
+                <a:close/>
+              </a:path>
+            </a:pathLst>
+          </a:custGeom>
+          <a:solidFill>
+            <a:schemeClr val="accent1">
+              <a:lumMod val="60000"/>
+              <a:lumOff val="40000"/>
+              <a:alpha val="70000"/>
+            </a:schemeClr>
+          </a:solidFill>
+          <a:ln>
+            <a:noFill/>
+          </a:ln>
+          <a:effectLst/>
+        </p:spPr>
+        <p:style>
+          <a:lnRef idx="1">
+            <a:schemeClr val="accent1"/>
+          </a:lnRef>
+          <a:fillRef idx="3">
+            <a:schemeClr val="accent1"/>
+          </a:fillRef>
+          <a:effectRef idx="2">
+            <a:schemeClr val="accent1"/>
+          </a:effectRef>
+          <a:fontRef idx="minor">
+            <a:schemeClr val="lt1"/>
+          </a:fontRef>
+        </p:style>
+      </p:sp>
+      <p:sp>
+        <p:nvSpPr>
+          <p:cNvPr id="44" name="Rectangle 29">
+            <a:extLst>
+              <a:ext uri="{FF2B5EF4-FFF2-40B4-BE49-F238E27FC236}">
+                <a16:creationId xmlns:a16="http://schemas.microsoft.com/office/drawing/2014/main" id="{DBB05BAE-BBD3-4289-899F-A6851503C6B0}"/>
+              </a:ext>
+              <a:ext uri="{C183D7F6-B498-43B3-948B-1728B52AA6E4}">
+                <adec:decorative xmlns:adec="http://schemas.microsoft.com/office/drawing/2017/decorative" val="1"/>
+              </a:ext>
+            </a:extLst>
+          </p:cNvPr>
+          <p:cNvSpPr>
+            <a:spLocks noGrp="1" noRot="1" noChangeAspect="1" noMove="1" noResize="1" noEditPoints="1" noAdjustHandles="1" noChangeArrowheads="1" noChangeShapeType="1" noTextEdit="1"/>
+          </p:cNvSpPr>
+          <p:nvPr>
+            <p:extLst>
+              <p:ext uri="{386F3935-93C4-4BCD-93E2-E3B085C9AB24}">
+                <p16:designElem xmlns:p16="http://schemas.microsoft.com/office/powerpoint/2015/main" val="1"/>
+              </p:ext>
+            </p:extLst>
+          </p:nvPr>
+        </p:nvSpPr>
+        <p:spPr>
+          <a:xfrm>
+            <a:off x="10938999" y="-8467"/>
+            <a:ext cx="1249825" cy="6866467"/>
+          </a:xfrm>
+          <a:custGeom>
+            <a:avLst/>
+            <a:gdLst/>
+            <a:ahLst/>
+            <a:cxnLst/>
+            <a:rect l="l" t="t" r="r" b="b"/>
+            <a:pathLst>
+              <a:path w="1249825" h="6858000">
+                <a:moveTo>
+                  <a:pt x="0" y="0"/>
+                </a:moveTo>
+                <a:lnTo>
+                  <a:pt x="1249825" y="0"/>
+                </a:lnTo>
+                <a:lnTo>
+                  <a:pt x="1249825" y="6858000"/>
+                </a:lnTo>
+                <a:lnTo>
+                  <a:pt x="1109382" y="6858000"/>
+                </a:lnTo>
+                <a:lnTo>
+                  <a:pt x="0" y="0"/>
+                </a:lnTo>
+                <a:close/>
+              </a:path>
+            </a:pathLst>
+          </a:custGeom>
+          <a:solidFill>
+            <a:schemeClr val="accent1">
+              <a:alpha val="65000"/>
+            </a:schemeClr>
+          </a:solidFill>
+          <a:ln>
+            <a:noFill/>
+          </a:ln>
+          <a:effectLst/>
+        </p:spPr>
+        <p:style>
+          <a:lnRef idx="1">
+            <a:schemeClr val="accent1"/>
+          </a:lnRef>
+          <a:fillRef idx="3">
+            <a:schemeClr val="accent1"/>
+          </a:fillRef>
+          <a:effectRef idx="2">
+            <a:schemeClr val="accent1"/>
+          </a:effectRef>
+          <a:fontRef idx="minor">
+            <a:schemeClr val="lt1"/>
+          </a:fontRef>
+        </p:style>
+      </p:sp>
+      <p:sp>
+        <p:nvSpPr>
+          <p:cNvPr id="46" name="Isosceles Triangle 29">
+            <a:extLst>
+              <a:ext uri="{FF2B5EF4-FFF2-40B4-BE49-F238E27FC236}">
+                <a16:creationId xmlns:a16="http://schemas.microsoft.com/office/drawing/2014/main" id="{9874D11C-36F5-4BBE-A490-019A54E953B0}"/>
+              </a:ext>
+              <a:ext uri="{C183D7F6-B498-43B3-948B-1728B52AA6E4}">
+                <adec:decorative xmlns:adec="http://schemas.microsoft.com/office/drawing/2017/decorative" val="1"/>
+              </a:ext>
+            </a:extLst>
+          </p:cNvPr>
+          <p:cNvSpPr>
+            <a:spLocks noGrp="1" noRot="1" noChangeAspect="1" noMove="1" noResize="1" noEditPoints="1" noAdjustHandles="1" noChangeArrowheads="1" noChangeShapeType="1" noTextEdit="1"/>
+          </p:cNvSpPr>
+          <p:nvPr>
+            <p:extLst>
+              <p:ext uri="{386F3935-93C4-4BCD-93E2-E3B085C9AB24}">
+                <p16:designElem xmlns:p16="http://schemas.microsoft.com/office/powerpoint/2015/main" val="1"/>
+              </p:ext>
+            </p:extLst>
+          </p:nvPr>
+        </p:nvSpPr>
+        <p:spPr>
+          <a:xfrm>
+            <a:off x="10371666" y="3589867"/>
+            <a:ext cx="1817159" cy="3268133"/>
+          </a:xfrm>
+          <a:prstGeom prst="triangle">
+            <a:avLst>
+              <a:gd name="adj" fmla="val 100000"/>
+            </a:avLst>
+          </a:prstGeom>
+          <a:solidFill>
+            <a:schemeClr val="accent1">
+              <a:alpha val="80000"/>
+            </a:schemeClr>
           </a:solidFill>
           <a:ln>
             <a:noFill/>
@@ -15502,7 +18429,7 @@
 </p:sld>
 </file>
 
-<file path=ppt/slides/slide16.xml><?xml version="1.0" encoding="utf-8"?>
+<file path=ppt/slides/slide21.xml><?xml version="1.0" encoding="utf-8"?>
 <p:sld xmlns:a="http://schemas.openxmlformats.org/drawingml/2006/main" xmlns:r="http://schemas.openxmlformats.org/officeDocument/2006/relationships" xmlns:p="http://schemas.openxmlformats.org/presentationml/2006/main">
   <p:cSld>
     <p:bg>
@@ -16367,7 +19294,7 @@
 </p:sld>
 </file>
 
-<file path=ppt/slides/slide17.xml><?xml version="1.0" encoding="utf-8"?>
+<file path=ppt/slides/slide22.xml><?xml version="1.0" encoding="utf-8"?>
 <p:sld xmlns:a="http://schemas.openxmlformats.org/drawingml/2006/main" xmlns:r="http://schemas.openxmlformats.org/officeDocument/2006/relationships" xmlns:p="http://schemas.openxmlformats.org/presentationml/2006/main">
   <p:cSld>
     <p:bg>
@@ -17510,7 +20437,7 @@
         </p:blipFill>
         <p:spPr>
           <a:xfrm>
-            <a:off x="2365811" y="3376178"/>
+            <a:off x="2359788" y="3348092"/>
             <a:ext cx="7468953" cy="1551991"/>
           </a:xfrm>
           <a:prstGeom prst="rect">
@@ -17522,351 +20449,6 @@
     <p:extLst>
       <p:ext uri="{BB962C8B-B14F-4D97-AF65-F5344CB8AC3E}">
         <p14:creationId xmlns:p14="http://schemas.microsoft.com/office/powerpoint/2010/main" val="387656959"/>
-      </p:ext>
-    </p:extLst>
-  </p:cSld>
-  <p:clrMapOvr>
-    <a:masterClrMapping/>
-  </p:clrMapOvr>
-</p:sld>
-</file>
-
-<file path=ppt/slides/slide2.xml><?xml version="1.0" encoding="utf-8"?>
-<p:sld xmlns:a="http://schemas.openxmlformats.org/drawingml/2006/main" xmlns:r="http://schemas.openxmlformats.org/officeDocument/2006/relationships" xmlns:p="http://schemas.openxmlformats.org/presentationml/2006/main">
-  <p:cSld>
-    <p:bg>
-      <p:bgPr>
-        <a:solidFill>
-          <a:schemeClr val="bg1"/>
-        </a:solidFill>
-        <a:effectLst/>
-      </p:bgPr>
-    </p:bg>
-    <p:spTree>
-      <p:nvGrpSpPr>
-        <p:cNvPr id="1" name=""/>
-        <p:cNvGrpSpPr/>
-        <p:nvPr/>
-      </p:nvGrpSpPr>
-      <p:grpSpPr>
-        <a:xfrm>
-          <a:off x="0" y="0"/>
-          <a:ext cx="0" cy="0"/>
-          <a:chOff x="0" y="0"/>
-          <a:chExt cx="0" cy="0"/>
-        </a:xfrm>
-      </p:grpSpPr>
-      <p:sp useBgFill="1">
-        <p:nvSpPr>
-          <p:cNvPr id="70" name="Rectangle 61">
-            <a:extLst>
-              <a:ext uri="{FF2B5EF4-FFF2-40B4-BE49-F238E27FC236}">
-                <a16:creationId xmlns:a16="http://schemas.microsoft.com/office/drawing/2014/main" id="{E80B86A7-A1EC-475B-9166-88902B033A38}"/>
-              </a:ext>
-              <a:ext uri="{C183D7F6-B498-43B3-948B-1728B52AA6E4}">
-                <adec:decorative xmlns:adec="http://schemas.microsoft.com/office/drawing/2017/decorative" val="1"/>
-              </a:ext>
-            </a:extLst>
-          </p:cNvPr>
-          <p:cNvSpPr>
-            <a:spLocks noGrp="1" noRot="1" noChangeAspect="1" noMove="1" noResize="1" noEditPoints="1" noAdjustHandles="1" noChangeArrowheads="1" noChangeShapeType="1" noTextEdit="1"/>
-          </p:cNvSpPr>
-          <p:nvPr>
-            <p:extLst>
-              <p:ext uri="{386F3935-93C4-4BCD-93E2-E3B085C9AB24}">
-                <p16:designElem xmlns:p16="http://schemas.microsoft.com/office/powerpoint/2015/main" val="1"/>
-              </p:ext>
-            </p:extLst>
-          </p:nvPr>
-        </p:nvSpPr>
-        <p:spPr>
-          <a:xfrm>
-            <a:off x="0" y="0"/>
-            <a:ext cx="12192000" cy="6858000"/>
-          </a:xfrm>
-          <a:prstGeom prst="rect">
-            <a:avLst/>
-          </a:prstGeom>
-          <a:ln>
-            <a:noFill/>
-          </a:ln>
-        </p:spPr>
-        <p:style>
-          <a:lnRef idx="2">
-            <a:schemeClr val="accent1">
-              <a:shade val="50000"/>
-            </a:schemeClr>
-          </a:lnRef>
-          <a:fillRef idx="1">
-            <a:schemeClr val="accent1"/>
-          </a:fillRef>
-          <a:effectRef idx="0">
-            <a:schemeClr val="accent1"/>
-          </a:effectRef>
-          <a:fontRef idx="minor">
-            <a:schemeClr val="lt1"/>
-          </a:fontRef>
-        </p:style>
-        <p:txBody>
-          <a:bodyPr rtlCol="0" anchor="ctr"/>
-          <a:lstStyle/>
-          <a:p>
-            <a:pPr algn="ctr"/>
-            <a:endParaRPr lang="en-US"/>
-          </a:p>
-        </p:txBody>
-      </p:sp>
-      <p:sp>
-        <p:nvSpPr>
-          <p:cNvPr id="2" name="Title 1">
-            <a:extLst>
-              <a:ext uri="{FF2B5EF4-FFF2-40B4-BE49-F238E27FC236}">
-                <a16:creationId xmlns:a16="http://schemas.microsoft.com/office/drawing/2014/main" id="{AA746351-EAA2-4E3F-B9C4-5C5B36A9CC06}"/>
-              </a:ext>
-            </a:extLst>
-          </p:cNvPr>
-          <p:cNvSpPr>
-            <a:spLocks noGrp="1"/>
-          </p:cNvSpPr>
-          <p:nvPr>
-            <p:ph type="title"/>
-          </p:nvPr>
-        </p:nvSpPr>
-        <p:spPr>
-          <a:xfrm>
-            <a:off x="1333502" y="609600"/>
-            <a:ext cx="8596668" cy="1320800"/>
-          </a:xfrm>
-        </p:spPr>
-        <p:txBody>
-          <a:bodyPr>
-            <a:normAutofit/>
-          </a:bodyPr>
-          <a:lstStyle/>
-          <a:p>
-            <a:r>
-              <a:rPr lang="en-AU"/>
-              <a:t>TreasureHunt</a:t>
-            </a:r>
-            <a:endParaRPr lang="en-AU" dirty="0"/>
-          </a:p>
-        </p:txBody>
-      </p:sp>
-      <p:sp>
-        <p:nvSpPr>
-          <p:cNvPr id="71" name="Isosceles Triangle 63">
-            <a:extLst>
-              <a:ext uri="{FF2B5EF4-FFF2-40B4-BE49-F238E27FC236}">
-                <a16:creationId xmlns:a16="http://schemas.microsoft.com/office/drawing/2014/main" id="{C2C29CB1-9F74-4879-A6AF-AEA67B6F1F4D}"/>
-              </a:ext>
-              <a:ext uri="{C183D7F6-B498-43B3-948B-1728B52AA6E4}">
-                <adec:decorative xmlns:adec="http://schemas.microsoft.com/office/drawing/2017/decorative" val="1"/>
-              </a:ext>
-            </a:extLst>
-          </p:cNvPr>
-          <p:cNvSpPr>
-            <a:spLocks noGrp="1" noRot="1" noChangeAspect="1" noMove="1" noResize="1" noEditPoints="1" noAdjustHandles="1" noChangeArrowheads="1" noChangeShapeType="1" noTextEdit="1"/>
-          </p:cNvSpPr>
-          <p:nvPr>
-            <p:extLst>
-              <p:ext uri="{386F3935-93C4-4BCD-93E2-E3B085C9AB24}">
-                <p16:designElem xmlns:p16="http://schemas.microsoft.com/office/powerpoint/2015/main" val="1"/>
-              </p:ext>
-            </p:extLst>
-          </p:nvPr>
-        </p:nvSpPr>
-        <p:spPr>
-          <a:xfrm rot="10800000">
-            <a:off x="0" y="0"/>
-            <a:ext cx="842596" cy="5666154"/>
-          </a:xfrm>
-          <a:prstGeom prst="triangle">
-            <a:avLst>
-              <a:gd name="adj" fmla="val 100000"/>
-            </a:avLst>
-          </a:prstGeom>
-          <a:solidFill>
-            <a:schemeClr val="accent1">
-              <a:alpha val="85000"/>
-            </a:schemeClr>
-          </a:solidFill>
-          <a:ln>
-            <a:noFill/>
-          </a:ln>
-          <a:effectLst/>
-        </p:spPr>
-        <p:style>
-          <a:lnRef idx="1">
-            <a:schemeClr val="accent1"/>
-          </a:lnRef>
-          <a:fillRef idx="3">
-            <a:schemeClr val="accent1"/>
-          </a:fillRef>
-          <a:effectRef idx="2">
-            <a:schemeClr val="accent1"/>
-          </a:effectRef>
-          <a:fontRef idx="minor">
-            <a:schemeClr val="lt1"/>
-          </a:fontRef>
-        </p:style>
-      </p:sp>
-      <p:sp>
-        <p:nvSpPr>
-          <p:cNvPr id="57" name="Content Placeholder 2">
-            <a:extLst>
-              <a:ext uri="{FF2B5EF4-FFF2-40B4-BE49-F238E27FC236}">
-                <a16:creationId xmlns:a16="http://schemas.microsoft.com/office/drawing/2014/main" id="{96C3A22E-CF60-4733-8E86-48B15246AE95}"/>
-              </a:ext>
-            </a:extLst>
-          </p:cNvPr>
-          <p:cNvSpPr>
-            <a:spLocks noGrp="1"/>
-          </p:cNvSpPr>
-          <p:nvPr>
-            <p:ph idx="1"/>
-          </p:nvPr>
-        </p:nvSpPr>
-        <p:spPr>
-          <a:xfrm>
-            <a:off x="1333502" y="2160589"/>
-            <a:ext cx="8596668" cy="3880773"/>
-          </a:xfrm>
-        </p:spPr>
-        <p:txBody>
-          <a:bodyPr>
-            <a:normAutofit/>
-          </a:bodyPr>
-          <a:lstStyle/>
-          <a:p>
-            <a:r>
-              <a:rPr lang="en-AU"/>
-              <a:t>A cloud-based mobile and web application</a:t>
-            </a:r>
-          </a:p>
-          <a:p>
-            <a:r>
-              <a:rPr lang="en-AU"/>
-              <a:t>Users create and undertake ‘treasure hunts’ in their local area</a:t>
-            </a:r>
-          </a:p>
-          <a:p>
-            <a:r>
-              <a:rPr lang="en-AU"/>
-              <a:t>Locations on a hunt are signified by a single photo which hunters must identify and locate, whereupon they will given their next destination</a:t>
-            </a:r>
-          </a:p>
-          <a:p>
-            <a:r>
-              <a:rPr lang="en-AU"/>
-              <a:t>Users create accounts, all information automatically encrypted in the cloud</a:t>
-            </a:r>
-          </a:p>
-          <a:p>
-            <a:r>
-              <a:rPr lang="en-AU"/>
-              <a:t>Promotes teamwork, physical activity and local tourism</a:t>
-            </a:r>
-          </a:p>
-        </p:txBody>
-      </p:sp>
-      <p:sp>
-        <p:nvSpPr>
-          <p:cNvPr id="72" name="Isosceles Triangle 65">
-            <a:extLst>
-              <a:ext uri="{FF2B5EF4-FFF2-40B4-BE49-F238E27FC236}">
-                <a16:creationId xmlns:a16="http://schemas.microsoft.com/office/drawing/2014/main" id="{7E2C7115-5336-410C-AD71-0F0952A2E5A7}"/>
-              </a:ext>
-              <a:ext uri="{C183D7F6-B498-43B3-948B-1728B52AA6E4}">
-                <adec:decorative xmlns:adec="http://schemas.microsoft.com/office/drawing/2017/decorative" val="1"/>
-              </a:ext>
-            </a:extLst>
-          </p:cNvPr>
-          <p:cNvSpPr>
-            <a:spLocks noGrp="1" noRot="1" noChangeAspect="1" noMove="1" noResize="1" noEditPoints="1" noAdjustHandles="1" noChangeArrowheads="1" noChangeShapeType="1" noTextEdit="1"/>
-          </p:cNvSpPr>
-          <p:nvPr>
-            <p:extLst>
-              <p:ext uri="{386F3935-93C4-4BCD-93E2-E3B085C9AB24}">
-                <p16:designElem xmlns:p16="http://schemas.microsoft.com/office/powerpoint/2015/main" val="1"/>
-              </p:ext>
-            </p:extLst>
-          </p:nvPr>
-        </p:nvSpPr>
-        <p:spPr>
-          <a:xfrm flipH="1">
-            <a:off x="11743267" y="4013200"/>
-            <a:ext cx="448733" cy="2844800"/>
-          </a:xfrm>
-          <a:prstGeom prst="triangle">
-            <a:avLst>
-              <a:gd name="adj" fmla="val 0"/>
-            </a:avLst>
-          </a:prstGeom>
-          <a:solidFill>
-            <a:schemeClr val="accent1">
-              <a:alpha val="85000"/>
-            </a:schemeClr>
-          </a:solidFill>
-          <a:ln>
-            <a:noFill/>
-          </a:ln>
-          <a:effectLst/>
-        </p:spPr>
-        <p:style>
-          <a:lnRef idx="1">
-            <a:schemeClr val="accent1"/>
-          </a:lnRef>
-          <a:fillRef idx="3">
-            <a:schemeClr val="accent1"/>
-          </a:fillRef>
-          <a:effectRef idx="2">
-            <a:schemeClr val="accent1"/>
-          </a:effectRef>
-          <a:fontRef idx="minor">
-            <a:schemeClr val="lt1"/>
-          </a:fontRef>
-        </p:style>
-      </p:sp>
-      <p:pic>
-        <p:nvPicPr>
-          <p:cNvPr id="28" name="Picture 27" descr="A close up of a device&#10;&#10;Description automatically generated">
-            <a:extLst>
-              <a:ext uri="{FF2B5EF4-FFF2-40B4-BE49-F238E27FC236}">
-                <a16:creationId xmlns:a16="http://schemas.microsoft.com/office/drawing/2014/main" id="{565FD89F-E594-4DFA-A9A4-077BEE024DC5}"/>
-              </a:ext>
-            </a:extLst>
-          </p:cNvPr>
-          <p:cNvPicPr>
-            <a:picLocks noChangeAspect="1"/>
-          </p:cNvPicPr>
-          <p:nvPr/>
-        </p:nvPicPr>
-        <p:blipFill>
-          <a:blip r:embed="rId2">
-            <a:extLst>
-              <a:ext uri="{28A0092B-C50C-407E-A947-70E740481C1C}">
-                <a14:useLocalDpi xmlns:a14="http://schemas.microsoft.com/office/drawing/2010/main" val="0"/>
-              </a:ext>
-            </a:extLst>
-          </a:blip>
-          <a:stretch>
-            <a:fillRect/>
-          </a:stretch>
-        </p:blipFill>
-        <p:spPr>
-          <a:xfrm>
-            <a:off x="1333502" y="609600"/>
-            <a:ext cx="4401164" cy="914528"/>
-          </a:xfrm>
-          <a:prstGeom prst="rect">
-            <a:avLst/>
-          </a:prstGeom>
-        </p:spPr>
-      </p:pic>
-    </p:spTree>
-    <p:extLst>
-      <p:ext uri="{BB962C8B-B14F-4D97-AF65-F5344CB8AC3E}">
-        <p14:creationId xmlns:p14="http://schemas.microsoft.com/office/powerpoint/2010/main" val="1987402173"/>
       </p:ext>
     </p:extLst>
   </p:cSld>
@@ -20589,6 +23171,243 @@
     <p:bg>
       <p:bgPr>
         <a:solidFill>
+          <a:schemeClr val="bg2"/>
+        </a:solidFill>
+        <a:effectLst/>
+      </p:bgPr>
+    </p:bg>
+    <p:spTree>
+      <p:nvGrpSpPr>
+        <p:cNvPr id="1" name=""/>
+        <p:cNvGrpSpPr/>
+        <p:nvPr/>
+      </p:nvGrpSpPr>
+      <p:grpSpPr>
+        <a:xfrm>
+          <a:off x="0" y="0"/>
+          <a:ext cx="0" cy="0"/>
+          <a:chOff x="0" y="0"/>
+          <a:chExt cx="0" cy="0"/>
+        </a:xfrm>
+      </p:grpSpPr>
+      <p:sp>
+        <p:nvSpPr>
+          <p:cNvPr id="2" name="Title 1">
+            <a:extLst>
+              <a:ext uri="{FF2B5EF4-FFF2-40B4-BE49-F238E27FC236}">
+                <a16:creationId xmlns:a16="http://schemas.microsoft.com/office/drawing/2014/main" id="{FE788B41-4DF4-4223-A3A3-6EA3E8107337}"/>
+              </a:ext>
+            </a:extLst>
+          </p:cNvPr>
+          <p:cNvSpPr>
+            <a:spLocks noGrp="1"/>
+          </p:cNvSpPr>
+          <p:nvPr>
+            <p:ph type="title"/>
+          </p:nvPr>
+        </p:nvSpPr>
+        <p:spPr>
+          <a:xfrm>
+            <a:off x="5536734" y="609600"/>
+            <a:ext cx="3737268" cy="1320800"/>
+          </a:xfrm>
+        </p:spPr>
+        <p:txBody>
+          <a:bodyPr>
+            <a:normAutofit/>
+          </a:bodyPr>
+          <a:lstStyle/>
+          <a:p>
+            <a:pPr>
+              <a:lnSpc>
+                <a:spcPct val="90000"/>
+              </a:lnSpc>
+            </a:pPr>
+            <a:r>
+              <a:rPr lang="en-AU" sz="3100"/>
+              <a:t>TreasureHunt Android application</a:t>
+            </a:r>
+          </a:p>
+        </p:txBody>
+      </p:sp>
+      <p:sp>
+        <p:nvSpPr>
+          <p:cNvPr id="3" name="Content Placeholder 2">
+            <a:extLst>
+              <a:ext uri="{FF2B5EF4-FFF2-40B4-BE49-F238E27FC236}">
+                <a16:creationId xmlns:a16="http://schemas.microsoft.com/office/drawing/2014/main" id="{3A21B798-DBC9-436D-B33F-366B5970432A}"/>
+              </a:ext>
+            </a:extLst>
+          </p:cNvPr>
+          <p:cNvSpPr>
+            <a:spLocks noGrp="1"/>
+          </p:cNvSpPr>
+          <p:nvPr>
+            <p:ph idx="1"/>
+          </p:nvPr>
+        </p:nvSpPr>
+        <p:spPr>
+          <a:xfrm>
+            <a:off x="5209563" y="2160589"/>
+            <a:ext cx="4064439" cy="3880773"/>
+          </a:xfrm>
+        </p:spPr>
+        <p:txBody>
+          <a:bodyPr>
+            <a:normAutofit/>
+          </a:bodyPr>
+          <a:lstStyle/>
+          <a:p>
+            <a:r>
+              <a:rPr lang="en-AU" dirty="0"/>
+              <a:t>A database handler utility class contains a Singleton class that is used to initiate all database calls</a:t>
+            </a:r>
+          </a:p>
+          <a:p>
+            <a:r>
+              <a:rPr lang="en-AU" dirty="0"/>
+              <a:t>Each fragment makes database calls separately as needed to reduce latency</a:t>
+            </a:r>
+          </a:p>
+        </p:txBody>
+      </p:sp>
+      <p:pic>
+        <p:nvPicPr>
+          <p:cNvPr id="5" name="Picture 4" descr="A screenshot of a social media post&#10;&#10;Description automatically generated">
+            <a:extLst>
+              <a:ext uri="{FF2B5EF4-FFF2-40B4-BE49-F238E27FC236}">
+                <a16:creationId xmlns:a16="http://schemas.microsoft.com/office/drawing/2014/main" id="{C5286A5F-1F4B-434E-A598-2EEDF7D1BDAA}"/>
+              </a:ext>
+            </a:extLst>
+          </p:cNvPr>
+          <p:cNvPicPr>
+            <a:picLocks noChangeAspect="1"/>
+          </p:cNvPicPr>
+          <p:nvPr/>
+        </p:nvPicPr>
+        <p:blipFill rotWithShape="1">
+          <a:blip r:embed="rId2">
+            <a:extLst>
+              <a:ext uri="{28A0092B-C50C-407E-A947-70E740481C1C}">
+                <a14:useLocalDpi xmlns:a14="http://schemas.microsoft.com/office/drawing/2010/main" val="0"/>
+              </a:ext>
+            </a:extLst>
+          </a:blip>
+          <a:srcRect l="2407" r="48231" b="1"/>
+          <a:stretch/>
+        </p:blipFill>
+        <p:spPr>
+          <a:xfrm>
+            <a:off x="20" y="-1"/>
+            <a:ext cx="5394940" cy="6858001"/>
+          </a:xfrm>
+          <a:custGeom>
+            <a:avLst/>
+            <a:gdLst/>
+            <a:ahLst/>
+            <a:cxnLst/>
+            <a:rect l="l" t="t" r="r" b="b"/>
+            <a:pathLst>
+              <a:path w="5394960" h="6858000">
+                <a:moveTo>
+                  <a:pt x="842596" y="0"/>
+                </a:moveTo>
+                <a:lnTo>
+                  <a:pt x="5394960" y="0"/>
+                </a:lnTo>
+                <a:lnTo>
+                  <a:pt x="5394960" y="21851"/>
+                </a:lnTo>
+                <a:lnTo>
+                  <a:pt x="4365943" y="6858000"/>
+                </a:lnTo>
+                <a:lnTo>
+                  <a:pt x="0" y="6858000"/>
+                </a:lnTo>
+                <a:lnTo>
+                  <a:pt x="0" y="5666154"/>
+                </a:lnTo>
+                <a:close/>
+              </a:path>
+            </a:pathLst>
+          </a:custGeom>
+        </p:spPr>
+      </p:pic>
+      <p:sp>
+        <p:nvSpPr>
+          <p:cNvPr id="21" name="Isosceles Triangle 20">
+            <a:extLst>
+              <a:ext uri="{FF2B5EF4-FFF2-40B4-BE49-F238E27FC236}">
+                <a16:creationId xmlns:a16="http://schemas.microsoft.com/office/drawing/2014/main" id="{3BCB5F6A-9EB0-40B0-9D13-3023E9A20508}"/>
+              </a:ext>
+              <a:ext uri="{C183D7F6-B498-43B3-948B-1728B52AA6E4}">
+                <adec:decorative xmlns:adec="http://schemas.microsoft.com/office/drawing/2017/decorative" val="1"/>
+              </a:ext>
+            </a:extLst>
+          </p:cNvPr>
+          <p:cNvSpPr>
+            <a:spLocks noGrp="1" noRot="1" noChangeAspect="1" noMove="1" noResize="1" noEditPoints="1" noAdjustHandles="1" noChangeArrowheads="1" noChangeShapeType="1" noTextEdit="1"/>
+          </p:cNvSpPr>
+          <p:nvPr>
+            <p:extLst>
+              <p:ext uri="{386F3935-93C4-4BCD-93E2-E3B085C9AB24}">
+                <p16:designElem xmlns:p16="http://schemas.microsoft.com/office/powerpoint/2015/main" val="1"/>
+              </p:ext>
+            </p:extLst>
+          </p:nvPr>
+        </p:nvSpPr>
+        <p:spPr>
+          <a:xfrm rot="10800000">
+            <a:off x="0" y="0"/>
+            <a:ext cx="842596" cy="5666154"/>
+          </a:xfrm>
+          <a:prstGeom prst="triangle">
+            <a:avLst>
+              <a:gd name="adj" fmla="val 100000"/>
+            </a:avLst>
+          </a:prstGeom>
+          <a:solidFill>
+            <a:schemeClr val="accent1"/>
+          </a:solidFill>
+          <a:ln>
+            <a:noFill/>
+          </a:ln>
+          <a:effectLst/>
+        </p:spPr>
+        <p:style>
+          <a:lnRef idx="1">
+            <a:schemeClr val="accent1"/>
+          </a:lnRef>
+          <a:fillRef idx="3">
+            <a:schemeClr val="accent1"/>
+          </a:fillRef>
+          <a:effectRef idx="2">
+            <a:schemeClr val="accent1"/>
+          </a:effectRef>
+          <a:fontRef idx="minor">
+            <a:schemeClr val="lt1"/>
+          </a:fontRef>
+        </p:style>
+      </p:sp>
+    </p:spTree>
+    <p:extLst>
+      <p:ext uri="{BB962C8B-B14F-4D97-AF65-F5344CB8AC3E}">
+        <p14:creationId xmlns:p14="http://schemas.microsoft.com/office/powerpoint/2010/main" val="2997485804"/>
+      </p:ext>
+    </p:extLst>
+  </p:cSld>
+  <p:clrMapOvr>
+    <a:overrideClrMapping bg1="dk1" tx1="lt1" bg2="dk2" tx2="lt2" accent1="accent1" accent2="accent2" accent3="accent3" accent4="accent4" accent5="accent5" accent6="accent6" hlink="hlink" folHlink="folHlink"/>
+  </p:clrMapOvr>
+</p:sld>
+</file>
+
+<file path=ppt/slides/slide9.xml><?xml version="1.0" encoding="utf-8"?>
+<p:sld xmlns:a="http://schemas.openxmlformats.org/drawingml/2006/main" xmlns:r="http://schemas.openxmlformats.org/officeDocument/2006/relationships" xmlns:p="http://schemas.openxmlformats.org/presentationml/2006/main">
+  <p:cSld>
+    <p:bg>
+      <p:bgPr>
+        <a:solidFill>
           <a:schemeClr val="bg1"/>
         </a:solidFill>
         <a:effectLst/>
@@ -20926,114 +23745,6 @@
     <p:extLst>
       <p:ext uri="{BB962C8B-B14F-4D97-AF65-F5344CB8AC3E}">
         <p14:creationId xmlns:p14="http://schemas.microsoft.com/office/powerpoint/2010/main" val="3175874892"/>
-      </p:ext>
-    </p:extLst>
-  </p:cSld>
-  <p:clrMapOvr>
-    <a:masterClrMapping/>
-  </p:clrMapOvr>
-</p:sld>
-</file>
-
-<file path=ppt/slides/slide9.xml><?xml version="1.0" encoding="utf-8"?>
-<p:sld xmlns:a="http://schemas.openxmlformats.org/drawingml/2006/main" xmlns:r="http://schemas.openxmlformats.org/officeDocument/2006/relationships" xmlns:p="http://schemas.openxmlformats.org/presentationml/2006/main">
-  <p:cSld>
-    <p:spTree>
-      <p:nvGrpSpPr>
-        <p:cNvPr id="1" name=""/>
-        <p:cNvGrpSpPr/>
-        <p:nvPr/>
-      </p:nvGrpSpPr>
-      <p:grpSpPr>
-        <a:xfrm>
-          <a:off x="0" y="0"/>
-          <a:ext cx="0" cy="0"/>
-          <a:chOff x="0" y="0"/>
-          <a:chExt cx="0" cy="0"/>
-        </a:xfrm>
-      </p:grpSpPr>
-      <p:sp>
-        <p:nvSpPr>
-          <p:cNvPr id="3" name="Content Placeholder 2">
-            <a:extLst>
-              <a:ext uri="{FF2B5EF4-FFF2-40B4-BE49-F238E27FC236}">
-                <a16:creationId xmlns:a16="http://schemas.microsoft.com/office/drawing/2014/main" id="{2E74121D-0CCF-4D85-992C-6E02B38B8969}"/>
-              </a:ext>
-            </a:extLst>
-          </p:cNvPr>
-          <p:cNvSpPr>
-            <a:spLocks noGrp="1"/>
-          </p:cNvSpPr>
-          <p:nvPr>
-            <p:ph idx="1"/>
-          </p:nvPr>
-        </p:nvSpPr>
-        <p:spPr>
-          <a:xfrm>
-            <a:off x="649199" y="1977709"/>
-            <a:ext cx="8596668" cy="3880773"/>
-          </a:xfrm>
-        </p:spPr>
-        <p:txBody>
-          <a:bodyPr/>
-          <a:lstStyle/>
-          <a:p>
-            <a:r>
-              <a:rPr lang="en-GB" dirty="0"/>
-              <a:t>The </a:t>
-            </a:r>
-            <a:r>
-              <a:rPr lang="en-GB" dirty="0" err="1"/>
-              <a:t>FireStore</a:t>
-            </a:r>
-            <a:r>
-              <a:rPr lang="en-GB" dirty="0"/>
-              <a:t> database contains a hierarchical folder structure that contains user information, login details and the details of their hunts.</a:t>
-            </a:r>
-            <a:endParaRPr lang="en-AU" dirty="0"/>
-          </a:p>
-        </p:txBody>
-      </p:sp>
-      <p:pic>
-        <p:nvPicPr>
-          <p:cNvPr id="11" name="Picture 10" descr="A screenshot of a cell phone&#10;&#10;Description automatically generated">
-            <a:extLst>
-              <a:ext uri="{FF2B5EF4-FFF2-40B4-BE49-F238E27FC236}">
-                <a16:creationId xmlns:a16="http://schemas.microsoft.com/office/drawing/2014/main" id="{FC2B5C28-9BB9-4828-99B5-0D401C402D2C}"/>
-              </a:ext>
-            </a:extLst>
-          </p:cNvPr>
-          <p:cNvPicPr>
-            <a:picLocks noChangeAspect="1"/>
-          </p:cNvPicPr>
-          <p:nvPr/>
-        </p:nvPicPr>
-        <p:blipFill>
-          <a:blip r:embed="rId2">
-            <a:extLst>
-              <a:ext uri="{28A0092B-C50C-407E-A947-70E740481C1C}">
-                <a14:useLocalDpi xmlns:a14="http://schemas.microsoft.com/office/drawing/2010/main" val="0"/>
-              </a:ext>
-            </a:extLst>
-          </a:blip>
-          <a:stretch>
-            <a:fillRect/>
-          </a:stretch>
-        </p:blipFill>
-        <p:spPr>
-          <a:xfrm>
-            <a:off x="1089196" y="2796714"/>
-            <a:ext cx="8270269" cy="3838943"/>
-          </a:xfrm>
-          <a:prstGeom prst="rect">
-            <a:avLst/>
-          </a:prstGeom>
-        </p:spPr>
-      </p:pic>
-    </p:spTree>
-    <p:extLst>
-      <p:ext uri="{BB962C8B-B14F-4D97-AF65-F5344CB8AC3E}">
-        <p14:creationId xmlns:p14="http://schemas.microsoft.com/office/powerpoint/2010/main" val="3616206307"/>
       </p:ext>
     </p:extLst>
   </p:cSld>

--- a/Project report and presentation/TreasureHunt_Presentation.pptx
+++ b/Project report and presentation/TreasureHunt_Presentation.pptx
@@ -127,7 +127,7 @@
   </p:defaultTextStyle>
   <p:extLst>
     <p:ext uri="{EFAFB233-063F-42B5-8137-9DF3F51BA10A}">
-      <p15:sldGuideLst xmlns:p15="http://schemas.microsoft.com/office/powerpoint/2012/main"/>
+      <p15:sldGuideLst xmlns:p15="http://schemas.microsoft.com/office/powerpoint/2012/main" xmlns=""/>
     </p:ext>
   </p:extLst>
 </p:presentation>
@@ -2055,6 +2055,13 @@
         </dgm:presLayoutVars>
       </dgm:prSet>
       <dgm:spPr/>
+      <dgm:t>
+        <a:bodyPr/>
+        <a:lstStyle/>
+        <a:p>
+          <a:endParaRPr lang="nl-NL"/>
+        </a:p>
+      </dgm:t>
     </dgm:pt>
     <dgm:pt modelId="{913DA140-E60F-4C8B-B128-E0EA706D821F}" type="pres">
       <dgm:prSet presAssocID="{054F5C4D-1173-41A6-9D24-221A1D0BA908}" presName="compNode" presStyleCnt="0"/>
@@ -2068,13 +2075,13 @@
       <dgm:prSet presAssocID="{054F5C4D-1173-41A6-9D24-221A1D0BA908}" presName="iconRect" presStyleLbl="node1" presStyleIdx="0" presStyleCnt="5"/>
       <dgm:spPr>
         <a:blipFill>
-          <a:blip xmlns:r="http://schemas.openxmlformats.org/officeDocument/2006/relationships" r:embed="rId1">
+          <a:blip xmlns:r="http://schemas.openxmlformats.org/officeDocument/2006/relationships" r:embed="rId1" cstate="print">
             <a:extLst>
               <a:ext uri="{28A0092B-C50C-407E-A947-70E740481C1C}">
                 <a14:useLocalDpi xmlns:a14="http://schemas.microsoft.com/office/drawing/2010/main" val="0"/>
               </a:ext>
               <a:ext uri="{96DAC541-7B7A-43D3-8B79-37D633B846F1}">
-                <asvg:svgBlip xmlns:asvg="http://schemas.microsoft.com/office/drawing/2016/SVG/main" r:embed="rId2"/>
+                <asvg:svgBlip xmlns:asvg="http://schemas.microsoft.com/office/drawing/2016/SVG/main" xmlns="" r:embed="rId2"/>
               </a:ext>
             </a:extLst>
           </a:blip>
@@ -2086,6 +2093,13 @@
           <a:noFill/>
         </a:ln>
       </dgm:spPr>
+      <dgm:t>
+        <a:bodyPr/>
+        <a:lstStyle/>
+        <a:p>
+          <a:endParaRPr lang="nl-NL"/>
+        </a:p>
+      </dgm:t>
       <dgm:extLst>
         <a:ext uri="{E40237B7-FDA0-4F09-8148-C483321AD2D9}">
           <dgm14:cNvPr xmlns:dgm14="http://schemas.microsoft.com/office/drawing/2010/diagram" id="0" name="" descr="Smart Phone"/>
@@ -2104,6 +2118,13 @@
         </dgm:presLayoutVars>
       </dgm:prSet>
       <dgm:spPr/>
+      <dgm:t>
+        <a:bodyPr/>
+        <a:lstStyle/>
+        <a:p>
+          <a:endParaRPr lang="nl-NL"/>
+        </a:p>
+      </dgm:t>
     </dgm:pt>
     <dgm:pt modelId="{2160C897-BFE0-4F94-9DB3-FCC78EF28790}" type="pres">
       <dgm:prSet presAssocID="{1C38BB99-D59C-49D7-BAC0-DDAE930285A8}" presName="sibTrans" presStyleCnt="0"/>
@@ -2121,13 +2142,13 @@
       <dgm:prSet presAssocID="{913821BF-83DF-4ADF-8614-D2034099EC48}" presName="iconRect" presStyleLbl="node1" presStyleIdx="1" presStyleCnt="5"/>
       <dgm:spPr>
         <a:blipFill>
-          <a:blip xmlns:r="http://schemas.openxmlformats.org/officeDocument/2006/relationships" r:embed="rId3">
+          <a:blip xmlns:r="http://schemas.openxmlformats.org/officeDocument/2006/relationships" r:embed="rId3" cstate="print">
             <a:extLst>
               <a:ext uri="{28A0092B-C50C-407E-A947-70E740481C1C}">
                 <a14:useLocalDpi xmlns:a14="http://schemas.microsoft.com/office/drawing/2010/main" val="0"/>
               </a:ext>
               <a:ext uri="{96DAC541-7B7A-43D3-8B79-37D633B846F1}">
-                <asvg:svgBlip xmlns:asvg="http://schemas.microsoft.com/office/drawing/2016/SVG/main" r:embed="rId4"/>
+                <asvg:svgBlip xmlns:asvg="http://schemas.microsoft.com/office/drawing/2016/SVG/main" xmlns="" r:embed="rId4"/>
               </a:ext>
             </a:extLst>
           </a:blip>
@@ -2139,6 +2160,13 @@
           <a:noFill/>
         </a:ln>
       </dgm:spPr>
+      <dgm:t>
+        <a:bodyPr/>
+        <a:lstStyle/>
+        <a:p>
+          <a:endParaRPr lang="nl-NL"/>
+        </a:p>
+      </dgm:t>
       <dgm:extLst>
         <a:ext uri="{E40237B7-FDA0-4F09-8148-C483321AD2D9}">
           <dgm14:cNvPr xmlns:dgm14="http://schemas.microsoft.com/office/drawing/2010/diagram" id="0" name="" descr="Database"/>
@@ -2157,6 +2185,13 @@
         </dgm:presLayoutVars>
       </dgm:prSet>
       <dgm:spPr/>
+      <dgm:t>
+        <a:bodyPr/>
+        <a:lstStyle/>
+        <a:p>
+          <a:endParaRPr lang="nl-NL"/>
+        </a:p>
+      </dgm:t>
     </dgm:pt>
     <dgm:pt modelId="{90217310-C8B1-45B4-9C58-B59EA5871909}" type="pres">
       <dgm:prSet presAssocID="{5CB2C19F-275A-46B2-B811-30DEDACDFA5F}" presName="sibTrans" presStyleCnt="0"/>
@@ -2174,13 +2209,13 @@
       <dgm:prSet presAssocID="{578D5210-8CF0-4E65-952D-216F3F978865}" presName="iconRect" presStyleLbl="node1" presStyleIdx="2" presStyleCnt="5"/>
       <dgm:spPr>
         <a:blipFill>
-          <a:blip xmlns:r="http://schemas.openxmlformats.org/officeDocument/2006/relationships" r:embed="rId5">
+          <a:blip xmlns:r="http://schemas.openxmlformats.org/officeDocument/2006/relationships" r:embed="rId5" cstate="print">
             <a:extLst>
               <a:ext uri="{28A0092B-C50C-407E-A947-70E740481C1C}">
                 <a14:useLocalDpi xmlns:a14="http://schemas.microsoft.com/office/drawing/2010/main" val="0"/>
               </a:ext>
               <a:ext uri="{96DAC541-7B7A-43D3-8B79-37D633B846F1}">
-                <asvg:svgBlip xmlns:asvg="http://schemas.microsoft.com/office/drawing/2016/SVG/main" r:embed="rId6"/>
+                <asvg:svgBlip xmlns:asvg="http://schemas.microsoft.com/office/drawing/2016/SVG/main" xmlns="" r:embed="rId6"/>
               </a:ext>
             </a:extLst>
           </a:blip>
@@ -2192,6 +2227,13 @@
           <a:noFill/>
         </a:ln>
       </dgm:spPr>
+      <dgm:t>
+        <a:bodyPr/>
+        <a:lstStyle/>
+        <a:p>
+          <a:endParaRPr lang="nl-NL"/>
+        </a:p>
+      </dgm:t>
       <dgm:extLst>
         <a:ext uri="{E40237B7-FDA0-4F09-8148-C483321AD2D9}">
           <dgm14:cNvPr xmlns:dgm14="http://schemas.microsoft.com/office/drawing/2010/diagram" id="0" name="" descr="Laptop"/>
@@ -2210,6 +2252,13 @@
         </dgm:presLayoutVars>
       </dgm:prSet>
       <dgm:spPr/>
+      <dgm:t>
+        <a:bodyPr/>
+        <a:lstStyle/>
+        <a:p>
+          <a:endParaRPr lang="nl-NL"/>
+        </a:p>
+      </dgm:t>
     </dgm:pt>
     <dgm:pt modelId="{E2A69B44-F58C-43C8-834D-B6A120A230FB}" type="pres">
       <dgm:prSet presAssocID="{4ADAAE05-E032-48BF-A8A4-E3B14E7511DA}" presName="sibTrans" presStyleCnt="0"/>
@@ -2227,13 +2276,13 @@
       <dgm:prSet presAssocID="{3A1B893E-878B-4373-B173-0ECA00C7603B}" presName="iconRect" presStyleLbl="node1" presStyleIdx="3" presStyleCnt="5"/>
       <dgm:spPr>
         <a:blipFill>
-          <a:blip xmlns:r="http://schemas.openxmlformats.org/officeDocument/2006/relationships" r:embed="rId7">
+          <a:blip xmlns:r="http://schemas.openxmlformats.org/officeDocument/2006/relationships" r:embed="rId7" cstate="print">
             <a:extLst>
               <a:ext uri="{28A0092B-C50C-407E-A947-70E740481C1C}">
                 <a14:useLocalDpi xmlns:a14="http://schemas.microsoft.com/office/drawing/2010/main" val="0"/>
               </a:ext>
               <a:ext uri="{96DAC541-7B7A-43D3-8B79-37D633B846F1}">
-                <asvg:svgBlip xmlns:asvg="http://schemas.microsoft.com/office/drawing/2016/SVG/main" r:embed="rId8"/>
+                <asvg:svgBlip xmlns:asvg="http://schemas.microsoft.com/office/drawing/2016/SVG/main" xmlns="" r:embed="rId8"/>
               </a:ext>
             </a:extLst>
           </a:blip>
@@ -2245,6 +2294,13 @@
           <a:noFill/>
         </a:ln>
       </dgm:spPr>
+      <dgm:t>
+        <a:bodyPr/>
+        <a:lstStyle/>
+        <a:p>
+          <a:endParaRPr lang="nl-NL"/>
+        </a:p>
+      </dgm:t>
       <dgm:extLst>
         <a:ext uri="{E40237B7-FDA0-4F09-8148-C483321AD2D9}">
           <dgm14:cNvPr xmlns:dgm14="http://schemas.microsoft.com/office/drawing/2010/diagram" id="0" name="" descr="Scales of Justice"/>
@@ -2263,6 +2319,13 @@
         </dgm:presLayoutVars>
       </dgm:prSet>
       <dgm:spPr/>
+      <dgm:t>
+        <a:bodyPr/>
+        <a:lstStyle/>
+        <a:p>
+          <a:endParaRPr lang="nl-NL"/>
+        </a:p>
+      </dgm:t>
     </dgm:pt>
     <dgm:pt modelId="{8BE0407C-C589-4A5C-8E0E-695C08495CC1}" type="pres">
       <dgm:prSet presAssocID="{52680353-187F-4FD3-87F5-616B3DD8C651}" presName="sibTrans" presStyleCnt="0"/>
@@ -2280,13 +2343,13 @@
       <dgm:prSet presAssocID="{467AC474-3749-4D6D-9F98-22D74ADE2E07}" presName="iconRect" presStyleLbl="node1" presStyleIdx="4" presStyleCnt="5"/>
       <dgm:spPr>
         <a:blipFill>
-          <a:blip xmlns:r="http://schemas.openxmlformats.org/officeDocument/2006/relationships" r:embed="rId9">
+          <a:blip xmlns:r="http://schemas.openxmlformats.org/officeDocument/2006/relationships" r:embed="rId9" cstate="print">
             <a:extLst>
               <a:ext uri="{28A0092B-C50C-407E-A947-70E740481C1C}">
                 <a14:useLocalDpi xmlns:a14="http://schemas.microsoft.com/office/drawing/2010/main" val="0"/>
               </a:ext>
               <a:ext uri="{96DAC541-7B7A-43D3-8B79-37D633B846F1}">
-                <asvg:svgBlip xmlns:asvg="http://schemas.microsoft.com/office/drawing/2016/SVG/main" r:embed="rId10"/>
+                <asvg:svgBlip xmlns:asvg="http://schemas.microsoft.com/office/drawing/2016/SVG/main" xmlns="" r:embed="rId10"/>
               </a:ext>
             </a:extLst>
           </a:blip>
@@ -2298,6 +2361,13 @@
           <a:noFill/>
         </a:ln>
       </dgm:spPr>
+      <dgm:t>
+        <a:bodyPr/>
+        <a:lstStyle/>
+        <a:p>
+          <a:endParaRPr lang="nl-NL"/>
+        </a:p>
+      </dgm:t>
       <dgm:extLst>
         <a:ext uri="{E40237B7-FDA0-4F09-8148-C483321AD2D9}">
           <dgm14:cNvPr xmlns:dgm14="http://schemas.microsoft.com/office/drawing/2010/diagram" id="0" name="" descr="Teacher"/>
@@ -2316,20 +2386,27 @@
         </dgm:presLayoutVars>
       </dgm:prSet>
       <dgm:spPr/>
+      <dgm:t>
+        <a:bodyPr/>
+        <a:lstStyle/>
+        <a:p>
+          <a:endParaRPr lang="nl-NL"/>
+        </a:p>
+      </dgm:t>
     </dgm:pt>
   </dgm:ptLst>
   <dgm:cxnLst>
+    <dgm:cxn modelId="{7C74E582-2BE5-4584-9795-8F909FACEDF9}" srcId="{F13FA4D8-D3E0-4763-BDC8-BBF5DA4E15FD}" destId="{913821BF-83DF-4ADF-8614-D2034099EC48}" srcOrd="1" destOrd="0" parTransId="{EA0EC60A-9911-4305-9EA8-5F2C53DB0466}" sibTransId="{5CB2C19F-275A-46B2-B811-30DEDACDFA5F}"/>
+    <dgm:cxn modelId="{E216D482-1F7F-458D-A685-CFD6DF6322C9}" type="presOf" srcId="{913821BF-83DF-4ADF-8614-D2034099EC48}" destId="{F71722F2-3EDD-4442-89BB-1D62CEC05E31}" srcOrd="0" destOrd="0" presId="urn:microsoft.com/office/officeart/2018/2/layout/IconVerticalSolidList"/>
+    <dgm:cxn modelId="{60C8F147-635B-421A-B908-01C90779D6EA}" type="presOf" srcId="{578D5210-8CF0-4E65-952D-216F3F978865}" destId="{425987ED-4CAE-4001-BA0F-3081353FDA03}" srcOrd="0" destOrd="0" presId="urn:microsoft.com/office/officeart/2018/2/layout/IconVerticalSolidList"/>
+    <dgm:cxn modelId="{5B45B9BA-47AD-4734-8491-385505F2E542}" srcId="{F13FA4D8-D3E0-4763-BDC8-BBF5DA4E15FD}" destId="{054F5C4D-1173-41A6-9D24-221A1D0BA908}" srcOrd="0" destOrd="0" parTransId="{84C6F7CC-2F5E-4AF5-BF90-35E13E582FE1}" sibTransId="{1C38BB99-D59C-49D7-BAC0-DDAE930285A8}"/>
+    <dgm:cxn modelId="{028A94A1-A9FA-4D39-97C0-5E8535969F6D}" srcId="{F13FA4D8-D3E0-4763-BDC8-BBF5DA4E15FD}" destId="{578D5210-8CF0-4E65-952D-216F3F978865}" srcOrd="2" destOrd="0" parTransId="{B8C8D5C8-F32C-4AD9-A5CC-F3F4165D13BF}" sibTransId="{4ADAAE05-E032-48BF-A8A4-E3B14E7511DA}"/>
     <dgm:cxn modelId="{CDA88C3C-55B8-4462-A3D6-8AC4DF4B46BA}" srcId="{F13FA4D8-D3E0-4763-BDC8-BBF5DA4E15FD}" destId="{467AC474-3749-4D6D-9F98-22D74ADE2E07}" srcOrd="4" destOrd="0" parTransId="{60C76AAD-0011-47C1-84EF-4F381781AD32}" sibTransId="{992915F8-5A37-49C4-8896-3B01CA2166EB}"/>
-    <dgm:cxn modelId="{60C8F147-635B-421A-B908-01C90779D6EA}" type="presOf" srcId="{578D5210-8CF0-4E65-952D-216F3F978865}" destId="{425987ED-4CAE-4001-BA0F-3081353FDA03}" srcOrd="0" destOrd="0" presId="urn:microsoft.com/office/officeart/2018/2/layout/IconVerticalSolidList"/>
+    <dgm:cxn modelId="{9C3C3FD1-F06B-4B32-A31B-35BED6167B44}" type="presOf" srcId="{3A1B893E-878B-4373-B173-0ECA00C7603B}" destId="{1FAF8FA4-3E2C-4736-AA37-83C756A0A49C}" srcOrd="0" destOrd="0" presId="urn:microsoft.com/office/officeart/2018/2/layout/IconVerticalSolidList"/>
     <dgm:cxn modelId="{A7E0027C-63AA-47E6-8932-7CA6CEB5E410}" srcId="{F13FA4D8-D3E0-4763-BDC8-BBF5DA4E15FD}" destId="{3A1B893E-878B-4373-B173-0ECA00C7603B}" srcOrd="3" destOrd="0" parTransId="{07ACBA3D-96C7-476A-AAA0-F310DE4BC3CB}" sibTransId="{52680353-187F-4FD3-87F5-616B3DD8C651}"/>
-    <dgm:cxn modelId="{E216D482-1F7F-458D-A685-CFD6DF6322C9}" type="presOf" srcId="{913821BF-83DF-4ADF-8614-D2034099EC48}" destId="{F71722F2-3EDD-4442-89BB-1D62CEC05E31}" srcOrd="0" destOrd="0" presId="urn:microsoft.com/office/officeart/2018/2/layout/IconVerticalSolidList"/>
-    <dgm:cxn modelId="{7C74E582-2BE5-4584-9795-8F909FACEDF9}" srcId="{F13FA4D8-D3E0-4763-BDC8-BBF5DA4E15FD}" destId="{913821BF-83DF-4ADF-8614-D2034099EC48}" srcOrd="1" destOrd="0" parTransId="{EA0EC60A-9911-4305-9EA8-5F2C53DB0466}" sibTransId="{5CB2C19F-275A-46B2-B811-30DEDACDFA5F}"/>
+    <dgm:cxn modelId="{DC997CB8-9A96-4357-A7B3-A75A866C48B3}" type="presOf" srcId="{467AC474-3749-4D6D-9F98-22D74ADE2E07}" destId="{F208BB87-6071-4A2D-BB07-D8992B0B366A}" srcOrd="0" destOrd="0" presId="urn:microsoft.com/office/officeart/2018/2/layout/IconVerticalSolidList"/>
+    <dgm:cxn modelId="{47F5C5EA-8611-41B2-9C16-17177B9BC425}" type="presOf" srcId="{F13FA4D8-D3E0-4763-BDC8-BBF5DA4E15FD}" destId="{9658A8FC-7F3C-40B5-9BDC-DCB18E19E0CB}" srcOrd="0" destOrd="0" presId="urn:microsoft.com/office/officeart/2018/2/layout/IconVerticalSolidList"/>
     <dgm:cxn modelId="{96BFAF8B-3BD8-49F8-AF0D-B8B294147E50}" type="presOf" srcId="{054F5C4D-1173-41A6-9D24-221A1D0BA908}" destId="{53930A77-536D-48A0-8438-CD35F0094834}" srcOrd="0" destOrd="0" presId="urn:microsoft.com/office/officeart/2018/2/layout/IconVerticalSolidList"/>
-    <dgm:cxn modelId="{028A94A1-A9FA-4D39-97C0-5E8535969F6D}" srcId="{F13FA4D8-D3E0-4763-BDC8-BBF5DA4E15FD}" destId="{578D5210-8CF0-4E65-952D-216F3F978865}" srcOrd="2" destOrd="0" parTransId="{B8C8D5C8-F32C-4AD9-A5CC-F3F4165D13BF}" sibTransId="{4ADAAE05-E032-48BF-A8A4-E3B14E7511DA}"/>
-    <dgm:cxn modelId="{DC997CB8-9A96-4357-A7B3-A75A866C48B3}" type="presOf" srcId="{467AC474-3749-4D6D-9F98-22D74ADE2E07}" destId="{F208BB87-6071-4A2D-BB07-D8992B0B366A}" srcOrd="0" destOrd="0" presId="urn:microsoft.com/office/officeart/2018/2/layout/IconVerticalSolidList"/>
-    <dgm:cxn modelId="{5B45B9BA-47AD-4734-8491-385505F2E542}" srcId="{F13FA4D8-D3E0-4763-BDC8-BBF5DA4E15FD}" destId="{054F5C4D-1173-41A6-9D24-221A1D0BA908}" srcOrd="0" destOrd="0" parTransId="{84C6F7CC-2F5E-4AF5-BF90-35E13E582FE1}" sibTransId="{1C38BB99-D59C-49D7-BAC0-DDAE930285A8}"/>
-    <dgm:cxn modelId="{9C3C3FD1-F06B-4B32-A31B-35BED6167B44}" type="presOf" srcId="{3A1B893E-878B-4373-B173-0ECA00C7603B}" destId="{1FAF8FA4-3E2C-4736-AA37-83C756A0A49C}" srcOrd="0" destOrd="0" presId="urn:microsoft.com/office/officeart/2018/2/layout/IconVerticalSolidList"/>
-    <dgm:cxn modelId="{47F5C5EA-8611-41B2-9C16-17177B9BC425}" type="presOf" srcId="{F13FA4D8-D3E0-4763-BDC8-BBF5DA4E15FD}" destId="{9658A8FC-7F3C-40B5-9BDC-DCB18E19E0CB}" srcOrd="0" destOrd="0" presId="urn:microsoft.com/office/officeart/2018/2/layout/IconVerticalSolidList"/>
     <dgm:cxn modelId="{8F91EE61-7498-40A8-9AE1-F4C6E016B141}" type="presParOf" srcId="{9658A8FC-7F3C-40B5-9BDC-DCB18E19E0CB}" destId="{913DA140-E60F-4C8B-B128-E0EA706D821F}" srcOrd="0" destOrd="0" presId="urn:microsoft.com/office/officeart/2018/2/layout/IconVerticalSolidList"/>
     <dgm:cxn modelId="{E3A7102B-D8B2-4891-91B4-8021222005A8}" type="presParOf" srcId="{913DA140-E60F-4C8B-B128-E0EA706D821F}" destId="{7053E9A6-3722-4829-A177-CEA2C6E8D9AB}" srcOrd="0" destOrd="0" presId="urn:microsoft.com/office/officeart/2018/2/layout/IconVerticalSolidList"/>
     <dgm:cxn modelId="{C98DC374-A648-4095-ACC6-81725E9AEAAD}" type="presParOf" srcId="{913DA140-E60F-4C8B-B128-E0EA706D821F}" destId="{7803480E-D620-409E-AE59-FA7C5B587EFA}" srcOrd="1" destOrd="0" presId="urn:microsoft.com/office/officeart/2018/2/layout/IconVerticalSolidList"/>
@@ -2614,6 +2691,13 @@
         </dgm:presLayoutVars>
       </dgm:prSet>
       <dgm:spPr/>
+      <dgm:t>
+        <a:bodyPr/>
+        <a:lstStyle/>
+        <a:p>
+          <a:endParaRPr lang="nl-NL"/>
+        </a:p>
+      </dgm:t>
     </dgm:pt>
     <dgm:pt modelId="{E7ACCACA-1982-42F7-B06C-23B0CFF114F1}" type="pres">
       <dgm:prSet presAssocID="{0AC97795-9F88-4C90-946D-717FAE4B21E4}" presName="compNode" presStyleCnt="0"/>
@@ -2627,13 +2711,13 @@
       <dgm:prSet presAssocID="{0AC97795-9F88-4C90-946D-717FAE4B21E4}" presName="iconRect" presStyleLbl="node1" presStyleIdx="0" presStyleCnt="6"/>
       <dgm:spPr>
         <a:blipFill>
-          <a:blip xmlns:r="http://schemas.openxmlformats.org/officeDocument/2006/relationships" r:embed="rId1">
+          <a:blip xmlns:r="http://schemas.openxmlformats.org/officeDocument/2006/relationships" r:embed="rId1" cstate="print">
             <a:extLst>
               <a:ext uri="{28A0092B-C50C-407E-A947-70E740481C1C}">
                 <a14:useLocalDpi xmlns:a14="http://schemas.microsoft.com/office/drawing/2010/main" val="0"/>
               </a:ext>
               <a:ext uri="{96DAC541-7B7A-43D3-8B79-37D633B846F1}">
-                <asvg:svgBlip xmlns:asvg="http://schemas.microsoft.com/office/drawing/2016/SVG/main" r:embed="rId2"/>
+                <asvg:svgBlip xmlns:asvg="http://schemas.microsoft.com/office/drawing/2016/SVG/main" xmlns="" r:embed="rId2"/>
               </a:ext>
             </a:extLst>
           </a:blip>
@@ -2645,6 +2729,13 @@
           <a:noFill/>
         </a:ln>
       </dgm:spPr>
+      <dgm:t>
+        <a:bodyPr/>
+        <a:lstStyle/>
+        <a:p>
+          <a:endParaRPr lang="nl-NL"/>
+        </a:p>
+      </dgm:t>
       <dgm:extLst>
         <a:ext uri="{E40237B7-FDA0-4F09-8148-C483321AD2D9}">
           <dgm14:cNvPr xmlns:dgm14="http://schemas.microsoft.com/office/drawing/2010/diagram" id="0" name="" descr="Robot"/>
@@ -2663,6 +2754,13 @@
         </dgm:presLayoutVars>
       </dgm:prSet>
       <dgm:spPr/>
+      <dgm:t>
+        <a:bodyPr/>
+        <a:lstStyle/>
+        <a:p>
+          <a:endParaRPr lang="nl-NL"/>
+        </a:p>
+      </dgm:t>
     </dgm:pt>
     <dgm:pt modelId="{8A75B01B-E8E2-4723-9638-120AF6453A4A}" type="pres">
       <dgm:prSet presAssocID="{B975B152-9237-471B-9D33-792BE3C5961E}" presName="sibTrans" presStyleCnt="0"/>
@@ -2680,13 +2778,13 @@
       <dgm:prSet presAssocID="{882E7E24-6325-4FBF-A922-8E8F86407993}" presName="iconRect" presStyleLbl="node1" presStyleIdx="1" presStyleCnt="6"/>
       <dgm:spPr>
         <a:blipFill>
-          <a:blip xmlns:r="http://schemas.openxmlformats.org/officeDocument/2006/relationships" r:embed="rId3">
+          <a:blip xmlns:r="http://schemas.openxmlformats.org/officeDocument/2006/relationships" r:embed="rId3" cstate="print">
             <a:extLst>
               <a:ext uri="{28A0092B-C50C-407E-A947-70E740481C1C}">
                 <a14:useLocalDpi xmlns:a14="http://schemas.microsoft.com/office/drawing/2010/main" val="0"/>
               </a:ext>
               <a:ext uri="{96DAC541-7B7A-43D3-8B79-37D633B846F1}">
-                <asvg:svgBlip xmlns:asvg="http://schemas.microsoft.com/office/drawing/2016/SVG/main" r:embed="rId4"/>
+                <asvg:svgBlip xmlns:asvg="http://schemas.microsoft.com/office/drawing/2016/SVG/main" xmlns="" r:embed="rId4"/>
               </a:ext>
             </a:extLst>
           </a:blip>
@@ -2698,6 +2796,13 @@
           <a:noFill/>
         </a:ln>
       </dgm:spPr>
+      <dgm:t>
+        <a:bodyPr/>
+        <a:lstStyle/>
+        <a:p>
+          <a:endParaRPr lang="nl-NL"/>
+        </a:p>
+      </dgm:t>
       <dgm:extLst>
         <a:ext uri="{E40237B7-FDA0-4F09-8148-C483321AD2D9}">
           <dgm14:cNvPr xmlns:dgm14="http://schemas.microsoft.com/office/drawing/2010/diagram" id="0" name="" descr="Paw Prints"/>
@@ -2716,6 +2821,13 @@
         </dgm:presLayoutVars>
       </dgm:prSet>
       <dgm:spPr/>
+      <dgm:t>
+        <a:bodyPr/>
+        <a:lstStyle/>
+        <a:p>
+          <a:endParaRPr lang="nl-NL"/>
+        </a:p>
+      </dgm:t>
     </dgm:pt>
     <dgm:pt modelId="{205D16AE-062F-4E5F-9183-17F5DBB03B69}" type="pres">
       <dgm:prSet presAssocID="{8D4652F5-6F21-4F80-A648-5565959B5032}" presName="sibTrans" presStyleCnt="0"/>
@@ -2733,13 +2845,13 @@
       <dgm:prSet presAssocID="{2B11A346-8C39-43B1-9509-030255D63F15}" presName="iconRect" presStyleLbl="node1" presStyleIdx="2" presStyleCnt="6"/>
       <dgm:spPr>
         <a:blipFill>
-          <a:blip xmlns:r="http://schemas.openxmlformats.org/officeDocument/2006/relationships" r:embed="rId5">
+          <a:blip xmlns:r="http://schemas.openxmlformats.org/officeDocument/2006/relationships" r:embed="rId5" cstate="print">
             <a:extLst>
               <a:ext uri="{28A0092B-C50C-407E-A947-70E740481C1C}">
                 <a14:useLocalDpi xmlns:a14="http://schemas.microsoft.com/office/drawing/2010/main" val="0"/>
               </a:ext>
               <a:ext uri="{96DAC541-7B7A-43D3-8B79-37D633B846F1}">
-                <asvg:svgBlip xmlns:asvg="http://schemas.microsoft.com/office/drawing/2016/SVG/main" r:embed="rId6"/>
+                <asvg:svgBlip xmlns:asvg="http://schemas.microsoft.com/office/drawing/2016/SVG/main" xmlns="" r:embed="rId6"/>
               </a:ext>
             </a:extLst>
           </a:blip>
@@ -2751,6 +2863,13 @@
           <a:noFill/>
         </a:ln>
       </dgm:spPr>
+      <dgm:t>
+        <a:bodyPr/>
+        <a:lstStyle/>
+        <a:p>
+          <a:endParaRPr lang="nl-NL"/>
+        </a:p>
+      </dgm:t>
       <dgm:extLst>
         <a:ext uri="{E40237B7-FDA0-4F09-8148-C483321AD2D9}">
           <dgm14:cNvPr xmlns:dgm14="http://schemas.microsoft.com/office/drawing/2010/diagram" id="0" name="" descr="Horseshoe"/>
@@ -2769,6 +2888,13 @@
         </dgm:presLayoutVars>
       </dgm:prSet>
       <dgm:spPr/>
+      <dgm:t>
+        <a:bodyPr/>
+        <a:lstStyle/>
+        <a:p>
+          <a:endParaRPr lang="nl-NL"/>
+        </a:p>
+      </dgm:t>
     </dgm:pt>
     <dgm:pt modelId="{BE5977D7-57EA-4EF9-95BE-4DC30D5FFA8A}" type="pres">
       <dgm:prSet presAssocID="{55CEA6C5-2B17-437C-8232-D4AD8515F5F6}" presName="sibTrans" presStyleCnt="0"/>
@@ -2786,13 +2912,13 @@
       <dgm:prSet presAssocID="{B1CB1B3E-A546-496C-95A3-305E109AABAE}" presName="iconRect" presStyleLbl="node1" presStyleIdx="3" presStyleCnt="6"/>
       <dgm:spPr>
         <a:blipFill>
-          <a:blip xmlns:r="http://schemas.openxmlformats.org/officeDocument/2006/relationships" r:embed="rId7">
+          <a:blip xmlns:r="http://schemas.openxmlformats.org/officeDocument/2006/relationships" r:embed="rId7" cstate="print">
             <a:extLst>
               <a:ext uri="{28A0092B-C50C-407E-A947-70E740481C1C}">
                 <a14:useLocalDpi xmlns:a14="http://schemas.microsoft.com/office/drawing/2010/main" val="0"/>
               </a:ext>
               <a:ext uri="{96DAC541-7B7A-43D3-8B79-37D633B846F1}">
-                <asvg:svgBlip xmlns:asvg="http://schemas.microsoft.com/office/drawing/2016/SVG/main" r:embed="rId8"/>
+                <asvg:svgBlip xmlns:asvg="http://schemas.microsoft.com/office/drawing/2016/SVG/main" xmlns="" r:embed="rId8"/>
               </a:ext>
             </a:extLst>
           </a:blip>
@@ -2804,6 +2930,13 @@
           <a:noFill/>
         </a:ln>
       </dgm:spPr>
+      <dgm:t>
+        <a:bodyPr/>
+        <a:lstStyle/>
+        <a:p>
+          <a:endParaRPr lang="nl-NL"/>
+        </a:p>
+      </dgm:t>
       <dgm:extLst>
         <a:ext uri="{E40237B7-FDA0-4F09-8148-C483321AD2D9}">
           <dgm14:cNvPr xmlns:dgm14="http://schemas.microsoft.com/office/drawing/2010/diagram" id="0" name="" descr="Checkmark"/>
@@ -2822,6 +2955,13 @@
         </dgm:presLayoutVars>
       </dgm:prSet>
       <dgm:spPr/>
+      <dgm:t>
+        <a:bodyPr/>
+        <a:lstStyle/>
+        <a:p>
+          <a:endParaRPr lang="nl-NL"/>
+        </a:p>
+      </dgm:t>
     </dgm:pt>
     <dgm:pt modelId="{CCD475D2-65F9-4912-AED3-63D56AAB63A4}" type="pres">
       <dgm:prSet presAssocID="{DAD92414-6842-4C32-AA41-D32AEF732749}" presName="sibTrans" presStyleCnt="0"/>
@@ -2839,13 +2979,13 @@
       <dgm:prSet presAssocID="{DDE9762E-6E26-41A7-A562-88EFE58C7143}" presName="iconRect" presStyleLbl="node1" presStyleIdx="4" presStyleCnt="6"/>
       <dgm:spPr>
         <a:blipFill>
-          <a:blip xmlns:r="http://schemas.openxmlformats.org/officeDocument/2006/relationships" r:embed="rId9">
+          <a:blip xmlns:r="http://schemas.openxmlformats.org/officeDocument/2006/relationships" r:embed="rId9" cstate="print">
             <a:extLst>
               <a:ext uri="{28A0092B-C50C-407E-A947-70E740481C1C}">
                 <a14:useLocalDpi xmlns:a14="http://schemas.microsoft.com/office/drawing/2010/main" val="0"/>
               </a:ext>
               <a:ext uri="{96DAC541-7B7A-43D3-8B79-37D633B846F1}">
-                <asvg:svgBlip xmlns:asvg="http://schemas.microsoft.com/office/drawing/2016/SVG/main" r:embed="rId10"/>
+                <asvg:svgBlip xmlns:asvg="http://schemas.microsoft.com/office/drawing/2016/SVG/main" xmlns="" r:embed="rId10"/>
               </a:ext>
             </a:extLst>
           </a:blip>
@@ -2857,6 +2997,13 @@
           <a:noFill/>
         </a:ln>
       </dgm:spPr>
+      <dgm:t>
+        <a:bodyPr/>
+        <a:lstStyle/>
+        <a:p>
+          <a:endParaRPr lang="nl-NL"/>
+        </a:p>
+      </dgm:t>
       <dgm:extLst>
         <a:ext uri="{E40237B7-FDA0-4F09-8148-C483321AD2D9}">
           <dgm14:cNvPr xmlns:dgm14="http://schemas.microsoft.com/office/drawing/2010/diagram" id="0" name="" descr="Bank"/>
@@ -2875,6 +3022,13 @@
         </dgm:presLayoutVars>
       </dgm:prSet>
       <dgm:spPr/>
+      <dgm:t>
+        <a:bodyPr/>
+        <a:lstStyle/>
+        <a:p>
+          <a:endParaRPr lang="nl-NL"/>
+        </a:p>
+      </dgm:t>
     </dgm:pt>
     <dgm:pt modelId="{D6EAADD6-8821-412C-9010-D06FC364CD93}" type="pres">
       <dgm:prSet presAssocID="{6E6DAB41-44E4-4623-B2B7-B0E3D8A6F558}" presName="sibTrans" presStyleCnt="0"/>
@@ -2892,13 +3046,13 @@
       <dgm:prSet presAssocID="{62C5DF51-6008-49C2-8556-390523F27240}" presName="iconRect" presStyleLbl="node1" presStyleIdx="5" presStyleCnt="6"/>
       <dgm:spPr>
         <a:blipFill>
-          <a:blip xmlns:r="http://schemas.openxmlformats.org/officeDocument/2006/relationships" r:embed="rId11">
+          <a:blip xmlns:r="http://schemas.openxmlformats.org/officeDocument/2006/relationships" r:embed="rId11" cstate="print">
             <a:extLst>
               <a:ext uri="{28A0092B-C50C-407E-A947-70E740481C1C}">
                 <a14:useLocalDpi xmlns:a14="http://schemas.microsoft.com/office/drawing/2010/main" val="0"/>
               </a:ext>
               <a:ext uri="{96DAC541-7B7A-43D3-8B79-37D633B846F1}">
-                <asvg:svgBlip xmlns:asvg="http://schemas.microsoft.com/office/drawing/2016/SVG/main" r:embed="rId12"/>
+                <asvg:svgBlip xmlns:asvg="http://schemas.microsoft.com/office/drawing/2016/SVG/main" xmlns="" r:embed="rId12"/>
               </a:ext>
             </a:extLst>
           </a:blip>
@@ -2910,6 +3064,13 @@
           <a:noFill/>
         </a:ln>
       </dgm:spPr>
+      <dgm:t>
+        <a:bodyPr/>
+        <a:lstStyle/>
+        <a:p>
+          <a:endParaRPr lang="nl-NL"/>
+        </a:p>
+      </dgm:t>
       <dgm:extLst>
         <a:ext uri="{E40237B7-FDA0-4F09-8148-C483321AD2D9}">
           <dgm14:cNvPr xmlns:dgm14="http://schemas.microsoft.com/office/drawing/2010/diagram" id="0" name="" descr="Electric Car"/>
@@ -2928,22 +3089,29 @@
         </dgm:presLayoutVars>
       </dgm:prSet>
       <dgm:spPr/>
+      <dgm:t>
+        <a:bodyPr/>
+        <a:lstStyle/>
+        <a:p>
+          <a:endParaRPr lang="nl-NL"/>
+        </a:p>
+      </dgm:t>
     </dgm:pt>
   </dgm:ptLst>
   <dgm:cxnLst>
+    <dgm:cxn modelId="{9B282797-4E54-498B-BCC9-84CA498F532B}" srcId="{5888F5DC-5919-4170-B130-76132F8691E4}" destId="{0AC97795-9F88-4C90-946D-717FAE4B21E4}" srcOrd="0" destOrd="0" parTransId="{3DA5B875-DBB5-4FD9-A5B9-459302A94ED7}" sibTransId="{B975B152-9237-471B-9D33-792BE3C5961E}"/>
+    <dgm:cxn modelId="{2E307C1E-4781-4463-923D-16BC347ED155}" srcId="{5888F5DC-5919-4170-B130-76132F8691E4}" destId="{882E7E24-6325-4FBF-A922-8E8F86407993}" srcOrd="1" destOrd="0" parTransId="{FD8D5FFA-1C82-455A-AA6B-561F553D45E6}" sibTransId="{8D4652F5-6F21-4F80-A648-5565959B5032}"/>
+    <dgm:cxn modelId="{CC0217B0-B2EF-4C03-9189-89441BBAB49D}" type="presOf" srcId="{62C5DF51-6008-49C2-8556-390523F27240}" destId="{98F8D2E0-ED0A-4E8E-9A54-03B7003F359A}" srcOrd="0" destOrd="0" presId="urn:microsoft.com/office/officeart/2018/2/layout/IconVerticalSolidList"/>
+    <dgm:cxn modelId="{B36CE45D-FC2E-4B83-BCAB-A341BC6A6743}" srcId="{5888F5DC-5919-4170-B130-76132F8691E4}" destId="{DDE9762E-6E26-41A7-A562-88EFE58C7143}" srcOrd="4" destOrd="0" parTransId="{F4921550-0679-4978-B7ED-2B597135265E}" sibTransId="{6E6DAB41-44E4-4623-B2B7-B0E3D8A6F558}"/>
+    <dgm:cxn modelId="{D72DE6F5-5EF6-4F0A-B8B8-E0F87A761707}" type="presOf" srcId="{DDE9762E-6E26-41A7-A562-88EFE58C7143}" destId="{73AD4C8A-0286-42AD-8E61-6A444D7D5703}" srcOrd="0" destOrd="0" presId="urn:microsoft.com/office/officeart/2018/2/layout/IconVerticalSolidList"/>
+    <dgm:cxn modelId="{4126CD67-F5AC-4233-B6D2-F1671D73A32C}" srcId="{5888F5DC-5919-4170-B130-76132F8691E4}" destId="{2B11A346-8C39-43B1-9509-030255D63F15}" srcOrd="2" destOrd="0" parTransId="{66AB8D97-DFD0-4000-A8C2-B1EED5EBF74E}" sibTransId="{55CEA6C5-2B17-437C-8232-D4AD8515F5F6}"/>
+    <dgm:cxn modelId="{E57F162D-81B0-43C3-B783-5FF5F31F8775}" srcId="{5888F5DC-5919-4170-B130-76132F8691E4}" destId="{B1CB1B3E-A546-496C-95A3-305E109AABAE}" srcOrd="3" destOrd="0" parTransId="{D77249BD-416B-450F-914A-023C89CBD29A}" sibTransId="{DAD92414-6842-4C32-AA41-D32AEF732749}"/>
+    <dgm:cxn modelId="{A36764A5-3D18-4EE2-854A-F73B22CE6333}" type="presOf" srcId="{0AC97795-9F88-4C90-946D-717FAE4B21E4}" destId="{E87E3EB7-A136-476D-9886-6D815E43CC51}" srcOrd="0" destOrd="0" presId="urn:microsoft.com/office/officeart/2018/2/layout/IconVerticalSolidList"/>
+    <dgm:cxn modelId="{5DD0AE69-603B-40E7-B32C-F54AE441D4CE}" type="presOf" srcId="{B1CB1B3E-A546-496C-95A3-305E109AABAE}" destId="{45AFF79C-D8B4-4870-ABB6-F1D9ED545015}" srcOrd="0" destOrd="0" presId="urn:microsoft.com/office/officeart/2018/2/layout/IconVerticalSolidList"/>
+    <dgm:cxn modelId="{18DE2B34-D3C0-45FD-AFFF-EDD396E5C50F}" type="presOf" srcId="{882E7E24-6325-4FBF-A922-8E8F86407993}" destId="{796B1E68-D3A2-4952-A878-CC8F401396D2}" srcOrd="0" destOrd="0" presId="urn:microsoft.com/office/officeart/2018/2/layout/IconVerticalSolidList"/>
+    <dgm:cxn modelId="{FB06CB29-F0ED-40B0-A7D8-186A88D1280C}" srcId="{5888F5DC-5919-4170-B130-76132F8691E4}" destId="{62C5DF51-6008-49C2-8556-390523F27240}" srcOrd="5" destOrd="0" parTransId="{872E6F8A-E04E-4E29-AB24-CB71EC7426BB}" sibTransId="{58340B6A-C27E-408E-826B-6E7FFC886531}"/>
+    <dgm:cxn modelId="{4DD260D1-9CB0-4A1D-90CA-626088A2C63D}" type="presOf" srcId="{2B11A346-8C39-43B1-9509-030255D63F15}" destId="{799C91B8-0190-4939-A91D-4ED14020DFAD}" srcOrd="0" destOrd="0" presId="urn:microsoft.com/office/officeart/2018/2/layout/IconVerticalSolidList"/>
     <dgm:cxn modelId="{EFA7F206-98CB-4B73-93EF-038A6B636967}" type="presOf" srcId="{5888F5DC-5919-4170-B130-76132F8691E4}" destId="{06669935-9971-4CF2-A0F7-51867D892268}" srcOrd="0" destOrd="0" presId="urn:microsoft.com/office/officeart/2018/2/layout/IconVerticalSolidList"/>
-    <dgm:cxn modelId="{2E307C1E-4781-4463-923D-16BC347ED155}" srcId="{5888F5DC-5919-4170-B130-76132F8691E4}" destId="{882E7E24-6325-4FBF-A922-8E8F86407993}" srcOrd="1" destOrd="0" parTransId="{FD8D5FFA-1C82-455A-AA6B-561F553D45E6}" sibTransId="{8D4652F5-6F21-4F80-A648-5565959B5032}"/>
-    <dgm:cxn modelId="{FB06CB29-F0ED-40B0-A7D8-186A88D1280C}" srcId="{5888F5DC-5919-4170-B130-76132F8691E4}" destId="{62C5DF51-6008-49C2-8556-390523F27240}" srcOrd="5" destOrd="0" parTransId="{872E6F8A-E04E-4E29-AB24-CB71EC7426BB}" sibTransId="{58340B6A-C27E-408E-826B-6E7FFC886531}"/>
-    <dgm:cxn modelId="{E57F162D-81B0-43C3-B783-5FF5F31F8775}" srcId="{5888F5DC-5919-4170-B130-76132F8691E4}" destId="{B1CB1B3E-A546-496C-95A3-305E109AABAE}" srcOrd="3" destOrd="0" parTransId="{D77249BD-416B-450F-914A-023C89CBD29A}" sibTransId="{DAD92414-6842-4C32-AA41-D32AEF732749}"/>
-    <dgm:cxn modelId="{18DE2B34-D3C0-45FD-AFFF-EDD396E5C50F}" type="presOf" srcId="{882E7E24-6325-4FBF-A922-8E8F86407993}" destId="{796B1E68-D3A2-4952-A878-CC8F401396D2}" srcOrd="0" destOrd="0" presId="urn:microsoft.com/office/officeart/2018/2/layout/IconVerticalSolidList"/>
-    <dgm:cxn modelId="{B36CE45D-FC2E-4B83-BCAB-A341BC6A6743}" srcId="{5888F5DC-5919-4170-B130-76132F8691E4}" destId="{DDE9762E-6E26-41A7-A562-88EFE58C7143}" srcOrd="4" destOrd="0" parTransId="{F4921550-0679-4978-B7ED-2B597135265E}" sibTransId="{6E6DAB41-44E4-4623-B2B7-B0E3D8A6F558}"/>
-    <dgm:cxn modelId="{4126CD67-F5AC-4233-B6D2-F1671D73A32C}" srcId="{5888F5DC-5919-4170-B130-76132F8691E4}" destId="{2B11A346-8C39-43B1-9509-030255D63F15}" srcOrd="2" destOrd="0" parTransId="{66AB8D97-DFD0-4000-A8C2-B1EED5EBF74E}" sibTransId="{55CEA6C5-2B17-437C-8232-D4AD8515F5F6}"/>
-    <dgm:cxn modelId="{5DD0AE69-603B-40E7-B32C-F54AE441D4CE}" type="presOf" srcId="{B1CB1B3E-A546-496C-95A3-305E109AABAE}" destId="{45AFF79C-D8B4-4870-ABB6-F1D9ED545015}" srcOrd="0" destOrd="0" presId="urn:microsoft.com/office/officeart/2018/2/layout/IconVerticalSolidList"/>
-    <dgm:cxn modelId="{9B282797-4E54-498B-BCC9-84CA498F532B}" srcId="{5888F5DC-5919-4170-B130-76132F8691E4}" destId="{0AC97795-9F88-4C90-946D-717FAE4B21E4}" srcOrd="0" destOrd="0" parTransId="{3DA5B875-DBB5-4FD9-A5B9-459302A94ED7}" sibTransId="{B975B152-9237-471B-9D33-792BE3C5961E}"/>
-    <dgm:cxn modelId="{A36764A5-3D18-4EE2-854A-F73B22CE6333}" type="presOf" srcId="{0AC97795-9F88-4C90-946D-717FAE4B21E4}" destId="{E87E3EB7-A136-476D-9886-6D815E43CC51}" srcOrd="0" destOrd="0" presId="urn:microsoft.com/office/officeart/2018/2/layout/IconVerticalSolidList"/>
-    <dgm:cxn modelId="{CC0217B0-B2EF-4C03-9189-89441BBAB49D}" type="presOf" srcId="{62C5DF51-6008-49C2-8556-390523F27240}" destId="{98F8D2E0-ED0A-4E8E-9A54-03B7003F359A}" srcOrd="0" destOrd="0" presId="urn:microsoft.com/office/officeart/2018/2/layout/IconVerticalSolidList"/>
-    <dgm:cxn modelId="{4DD260D1-9CB0-4A1D-90CA-626088A2C63D}" type="presOf" srcId="{2B11A346-8C39-43B1-9509-030255D63F15}" destId="{799C91B8-0190-4939-A91D-4ED14020DFAD}" srcOrd="0" destOrd="0" presId="urn:microsoft.com/office/officeart/2018/2/layout/IconVerticalSolidList"/>
-    <dgm:cxn modelId="{D72DE6F5-5EF6-4F0A-B8B8-E0F87A761707}" type="presOf" srcId="{DDE9762E-6E26-41A7-A562-88EFE58C7143}" destId="{73AD4C8A-0286-42AD-8E61-6A444D7D5703}" srcOrd="0" destOrd="0" presId="urn:microsoft.com/office/officeart/2018/2/layout/IconVerticalSolidList"/>
     <dgm:cxn modelId="{5A95AFF0-23A5-4EA0-A997-F97B59B1002C}" type="presParOf" srcId="{06669935-9971-4CF2-A0F7-51867D892268}" destId="{E7ACCACA-1982-42F7-B06C-23B0CFF114F1}" srcOrd="0" destOrd="0" presId="urn:microsoft.com/office/officeart/2018/2/layout/IconVerticalSolidList"/>
     <dgm:cxn modelId="{FDDA52C6-A4C9-43C1-A639-BFD4C33AE7EF}" type="presParOf" srcId="{E7ACCACA-1982-42F7-B06C-23B0CFF114F1}" destId="{768CA6C3-23EC-4558-863B-0885841C1A9F}" srcOrd="0" destOrd="0" presId="urn:microsoft.com/office/officeart/2018/2/layout/IconVerticalSolidList"/>
     <dgm:cxn modelId="{34E5CD42-60CA-4B19-831D-1FD6CE3F9D63}" type="presParOf" srcId="{E7ACCACA-1982-42F7-B06C-23B0CFF114F1}" destId="{29F3B48D-C0A3-4593-86FB-33590354086B}" srcOrd="1" destOrd="0" presId="urn:microsoft.com/office/officeart/2018/2/layout/IconVerticalSolidList"/>
@@ -3054,13 +3222,13 @@
           <a:avLst/>
         </a:prstGeom>
         <a:blipFill>
-          <a:blip xmlns:r="http://schemas.openxmlformats.org/officeDocument/2006/relationships" r:embed="rId1">
+          <a:blip xmlns:r="http://schemas.openxmlformats.org/officeDocument/2006/relationships" r:embed="rId1" cstate="print">
             <a:extLst>
               <a:ext uri="{28A0092B-C50C-407E-A947-70E740481C1C}">
                 <a14:useLocalDpi xmlns:a14="http://schemas.microsoft.com/office/drawing/2010/main" val="0"/>
               </a:ext>
               <a:ext uri="{96DAC541-7B7A-43D3-8B79-37D633B846F1}">
-                <asvg:svgBlip xmlns:asvg="http://schemas.microsoft.com/office/drawing/2016/SVG/main" r:embed="rId2"/>
+                <asvg:svgBlip xmlns:asvg="http://schemas.microsoft.com/office/drawing/2016/SVG/main" xmlns="" r:embed="rId2"/>
               </a:ext>
             </a:extLst>
           </a:blip>
@@ -3126,7 +3294,7 @@
         </a:bodyPr>
         <a:lstStyle/>
         <a:p>
-          <a:pPr marL="0" lvl="0" indent="0" algn="l" defTabSz="844550">
+          <a:pPr lvl="0" algn="l" defTabSz="844550">
             <a:lnSpc>
               <a:spcPct val="100000"/>
             </a:lnSpc>
@@ -3136,7 +3304,6 @@
             <a:spcAft>
               <a:spcPct val="35000"/>
             </a:spcAft>
-            <a:buNone/>
           </a:pPr>
           <a:r>
             <a:rPr lang="en-AU" sz="1900" kern="1200"/>
@@ -3206,13 +3373,13 @@
           <a:avLst/>
         </a:prstGeom>
         <a:blipFill>
-          <a:blip xmlns:r="http://schemas.openxmlformats.org/officeDocument/2006/relationships" r:embed="rId3">
+          <a:blip xmlns:r="http://schemas.openxmlformats.org/officeDocument/2006/relationships" r:embed="rId3" cstate="print">
             <a:extLst>
               <a:ext uri="{28A0092B-C50C-407E-A947-70E740481C1C}">
                 <a14:useLocalDpi xmlns:a14="http://schemas.microsoft.com/office/drawing/2010/main" val="0"/>
               </a:ext>
               <a:ext uri="{96DAC541-7B7A-43D3-8B79-37D633B846F1}">
-                <asvg:svgBlip xmlns:asvg="http://schemas.microsoft.com/office/drawing/2016/SVG/main" r:embed="rId4"/>
+                <asvg:svgBlip xmlns:asvg="http://schemas.microsoft.com/office/drawing/2016/SVG/main" xmlns="" r:embed="rId4"/>
               </a:ext>
             </a:extLst>
           </a:blip>
@@ -3278,7 +3445,7 @@
         </a:bodyPr>
         <a:lstStyle/>
         <a:p>
-          <a:pPr marL="0" lvl="0" indent="0" algn="l" defTabSz="844550">
+          <a:pPr lvl="0" algn="l" defTabSz="844550">
             <a:lnSpc>
               <a:spcPct val="100000"/>
             </a:lnSpc>
@@ -3288,7 +3455,6 @@
             <a:spcAft>
               <a:spcPct val="35000"/>
             </a:spcAft>
-            <a:buNone/>
           </a:pPr>
           <a:r>
             <a:rPr lang="en-AU" sz="1900" kern="1200"/>
@@ -3358,13 +3524,13 @@
           <a:avLst/>
         </a:prstGeom>
         <a:blipFill>
-          <a:blip xmlns:r="http://schemas.openxmlformats.org/officeDocument/2006/relationships" r:embed="rId5">
+          <a:blip xmlns:r="http://schemas.openxmlformats.org/officeDocument/2006/relationships" r:embed="rId5" cstate="print">
             <a:extLst>
               <a:ext uri="{28A0092B-C50C-407E-A947-70E740481C1C}">
                 <a14:useLocalDpi xmlns:a14="http://schemas.microsoft.com/office/drawing/2010/main" val="0"/>
               </a:ext>
               <a:ext uri="{96DAC541-7B7A-43D3-8B79-37D633B846F1}">
-                <asvg:svgBlip xmlns:asvg="http://schemas.microsoft.com/office/drawing/2016/SVG/main" r:embed="rId6"/>
+                <asvg:svgBlip xmlns:asvg="http://schemas.microsoft.com/office/drawing/2016/SVG/main" xmlns="" r:embed="rId6"/>
               </a:ext>
             </a:extLst>
           </a:blip>
@@ -3430,7 +3596,7 @@
         </a:bodyPr>
         <a:lstStyle/>
         <a:p>
-          <a:pPr marL="0" lvl="0" indent="0" algn="l" defTabSz="844550">
+          <a:pPr lvl="0" algn="l" defTabSz="844550">
             <a:lnSpc>
               <a:spcPct val="100000"/>
             </a:lnSpc>
@@ -3440,7 +3606,6 @@
             <a:spcAft>
               <a:spcPct val="35000"/>
             </a:spcAft>
-            <a:buNone/>
           </a:pPr>
           <a:r>
             <a:rPr lang="en-AU" sz="1900" kern="1200"/>
@@ -3510,13 +3675,13 @@
           <a:avLst/>
         </a:prstGeom>
         <a:blipFill>
-          <a:blip xmlns:r="http://schemas.openxmlformats.org/officeDocument/2006/relationships" r:embed="rId7">
+          <a:blip xmlns:r="http://schemas.openxmlformats.org/officeDocument/2006/relationships" r:embed="rId7" cstate="print">
             <a:extLst>
               <a:ext uri="{28A0092B-C50C-407E-A947-70E740481C1C}">
                 <a14:useLocalDpi xmlns:a14="http://schemas.microsoft.com/office/drawing/2010/main" val="0"/>
               </a:ext>
               <a:ext uri="{96DAC541-7B7A-43D3-8B79-37D633B846F1}">
-                <asvg:svgBlip xmlns:asvg="http://schemas.microsoft.com/office/drawing/2016/SVG/main" r:embed="rId8"/>
+                <asvg:svgBlip xmlns:asvg="http://schemas.microsoft.com/office/drawing/2016/SVG/main" xmlns="" r:embed="rId8"/>
               </a:ext>
             </a:extLst>
           </a:blip>
@@ -3582,7 +3747,7 @@
         </a:bodyPr>
         <a:lstStyle/>
         <a:p>
-          <a:pPr marL="0" lvl="0" indent="0" algn="l" defTabSz="844550">
+          <a:pPr lvl="0" algn="l" defTabSz="844550">
             <a:lnSpc>
               <a:spcPct val="100000"/>
             </a:lnSpc>
@@ -3592,7 +3757,6 @@
             <a:spcAft>
               <a:spcPct val="35000"/>
             </a:spcAft>
-            <a:buNone/>
           </a:pPr>
           <a:r>
             <a:rPr lang="en-AU" sz="1900" kern="1200" dirty="0"/>
@@ -3662,13 +3826,13 @@
           <a:avLst/>
         </a:prstGeom>
         <a:blipFill>
-          <a:blip xmlns:r="http://schemas.openxmlformats.org/officeDocument/2006/relationships" r:embed="rId9">
+          <a:blip xmlns:r="http://schemas.openxmlformats.org/officeDocument/2006/relationships" r:embed="rId9" cstate="print">
             <a:extLst>
               <a:ext uri="{28A0092B-C50C-407E-A947-70E740481C1C}">
                 <a14:useLocalDpi xmlns:a14="http://schemas.microsoft.com/office/drawing/2010/main" val="0"/>
               </a:ext>
               <a:ext uri="{96DAC541-7B7A-43D3-8B79-37D633B846F1}">
-                <asvg:svgBlip xmlns:asvg="http://schemas.microsoft.com/office/drawing/2016/SVG/main" r:embed="rId10"/>
+                <asvg:svgBlip xmlns:asvg="http://schemas.microsoft.com/office/drawing/2016/SVG/main" xmlns="" r:embed="rId10"/>
               </a:ext>
             </a:extLst>
           </a:blip>
@@ -3734,7 +3898,7 @@
         </a:bodyPr>
         <a:lstStyle/>
         <a:p>
-          <a:pPr marL="0" lvl="0" indent="0" algn="l" defTabSz="844550">
+          <a:pPr lvl="0" algn="l" defTabSz="844550">
             <a:lnSpc>
               <a:spcPct val="100000"/>
             </a:lnSpc>
@@ -3744,7 +3908,6 @@
             <a:spcAft>
               <a:spcPct val="35000"/>
             </a:spcAft>
-            <a:buNone/>
           </a:pPr>
           <a:r>
             <a:rPr lang="en-AU" sz="1900" kern="1200"/>
@@ -3826,13 +3989,13 @@
           <a:avLst/>
         </a:prstGeom>
         <a:blipFill>
-          <a:blip xmlns:r="http://schemas.openxmlformats.org/officeDocument/2006/relationships" r:embed="rId1">
+          <a:blip xmlns:r="http://schemas.openxmlformats.org/officeDocument/2006/relationships" r:embed="rId1" cstate="print">
             <a:extLst>
               <a:ext uri="{28A0092B-C50C-407E-A947-70E740481C1C}">
                 <a14:useLocalDpi xmlns:a14="http://schemas.microsoft.com/office/drawing/2010/main" val="0"/>
               </a:ext>
               <a:ext uri="{96DAC541-7B7A-43D3-8B79-37D633B846F1}">
-                <asvg:svgBlip xmlns:asvg="http://schemas.microsoft.com/office/drawing/2016/SVG/main" r:embed="rId2"/>
+                <asvg:svgBlip xmlns:asvg="http://schemas.microsoft.com/office/drawing/2016/SVG/main" xmlns="" r:embed="rId2"/>
               </a:ext>
             </a:extLst>
           </a:blip>
@@ -3898,7 +4061,7 @@
         </a:bodyPr>
         <a:lstStyle/>
         <a:p>
-          <a:pPr marL="0" lvl="0" indent="0" algn="l" defTabSz="844550">
+          <a:pPr lvl="0" algn="l" defTabSz="844550">
             <a:lnSpc>
               <a:spcPct val="90000"/>
             </a:lnSpc>
@@ -3908,7 +4071,6 @@
             <a:spcAft>
               <a:spcPct val="35000"/>
             </a:spcAft>
-            <a:buNone/>
           </a:pPr>
           <a:r>
             <a:rPr lang="en-AU" sz="1900" kern="1200"/>
@@ -3978,13 +4140,13 @@
           <a:avLst/>
         </a:prstGeom>
         <a:blipFill>
-          <a:blip xmlns:r="http://schemas.openxmlformats.org/officeDocument/2006/relationships" r:embed="rId3">
+          <a:blip xmlns:r="http://schemas.openxmlformats.org/officeDocument/2006/relationships" r:embed="rId3" cstate="print">
             <a:extLst>
               <a:ext uri="{28A0092B-C50C-407E-A947-70E740481C1C}">
                 <a14:useLocalDpi xmlns:a14="http://schemas.microsoft.com/office/drawing/2010/main" val="0"/>
               </a:ext>
               <a:ext uri="{96DAC541-7B7A-43D3-8B79-37D633B846F1}">
-                <asvg:svgBlip xmlns:asvg="http://schemas.microsoft.com/office/drawing/2016/SVG/main" r:embed="rId4"/>
+                <asvg:svgBlip xmlns:asvg="http://schemas.microsoft.com/office/drawing/2016/SVG/main" xmlns="" r:embed="rId4"/>
               </a:ext>
             </a:extLst>
           </a:blip>
@@ -4050,7 +4212,7 @@
         </a:bodyPr>
         <a:lstStyle/>
         <a:p>
-          <a:pPr marL="0" lvl="0" indent="0" algn="l" defTabSz="844550">
+          <a:pPr lvl="0" algn="l" defTabSz="844550">
             <a:lnSpc>
               <a:spcPct val="90000"/>
             </a:lnSpc>
@@ -4060,7 +4222,6 @@
             <a:spcAft>
               <a:spcPct val="35000"/>
             </a:spcAft>
-            <a:buNone/>
           </a:pPr>
           <a:r>
             <a:rPr lang="en-AU" sz="1900" kern="1200"/>
@@ -4130,13 +4291,13 @@
           <a:avLst/>
         </a:prstGeom>
         <a:blipFill>
-          <a:blip xmlns:r="http://schemas.openxmlformats.org/officeDocument/2006/relationships" r:embed="rId5">
+          <a:blip xmlns:r="http://schemas.openxmlformats.org/officeDocument/2006/relationships" r:embed="rId5" cstate="print">
             <a:extLst>
               <a:ext uri="{28A0092B-C50C-407E-A947-70E740481C1C}">
                 <a14:useLocalDpi xmlns:a14="http://schemas.microsoft.com/office/drawing/2010/main" val="0"/>
               </a:ext>
               <a:ext uri="{96DAC541-7B7A-43D3-8B79-37D633B846F1}">
-                <asvg:svgBlip xmlns:asvg="http://schemas.microsoft.com/office/drawing/2016/SVG/main" r:embed="rId6"/>
+                <asvg:svgBlip xmlns:asvg="http://schemas.microsoft.com/office/drawing/2016/SVG/main" xmlns="" r:embed="rId6"/>
               </a:ext>
             </a:extLst>
           </a:blip>
@@ -4202,7 +4363,7 @@
         </a:bodyPr>
         <a:lstStyle/>
         <a:p>
-          <a:pPr marL="0" lvl="0" indent="0" algn="l" defTabSz="844550">
+          <a:pPr lvl="0" algn="l" defTabSz="844550">
             <a:lnSpc>
               <a:spcPct val="90000"/>
             </a:lnSpc>
@@ -4212,7 +4373,6 @@
             <a:spcAft>
               <a:spcPct val="35000"/>
             </a:spcAft>
-            <a:buNone/>
           </a:pPr>
           <a:r>
             <a:rPr lang="en-AU" sz="1900" kern="1200"/>
@@ -4282,13 +4442,13 @@
           <a:avLst/>
         </a:prstGeom>
         <a:blipFill>
-          <a:blip xmlns:r="http://schemas.openxmlformats.org/officeDocument/2006/relationships" r:embed="rId7">
+          <a:blip xmlns:r="http://schemas.openxmlformats.org/officeDocument/2006/relationships" r:embed="rId7" cstate="print">
             <a:extLst>
               <a:ext uri="{28A0092B-C50C-407E-A947-70E740481C1C}">
                 <a14:useLocalDpi xmlns:a14="http://schemas.microsoft.com/office/drawing/2010/main" val="0"/>
               </a:ext>
               <a:ext uri="{96DAC541-7B7A-43D3-8B79-37D633B846F1}">
-                <asvg:svgBlip xmlns:asvg="http://schemas.microsoft.com/office/drawing/2016/SVG/main" r:embed="rId8"/>
+                <asvg:svgBlip xmlns:asvg="http://schemas.microsoft.com/office/drawing/2016/SVG/main" xmlns="" r:embed="rId8"/>
               </a:ext>
             </a:extLst>
           </a:blip>
@@ -4354,7 +4514,7 @@
         </a:bodyPr>
         <a:lstStyle/>
         <a:p>
-          <a:pPr marL="0" lvl="0" indent="0" algn="l" defTabSz="844550">
+          <a:pPr lvl="0" algn="l" defTabSz="844550">
             <a:lnSpc>
               <a:spcPct val="90000"/>
             </a:lnSpc>
@@ -4364,7 +4524,6 @@
             <a:spcAft>
               <a:spcPct val="35000"/>
             </a:spcAft>
-            <a:buNone/>
           </a:pPr>
           <a:r>
             <a:rPr lang="en-AU" sz="1900" kern="1200"/>
@@ -4434,13 +4593,13 @@
           <a:avLst/>
         </a:prstGeom>
         <a:blipFill>
-          <a:blip xmlns:r="http://schemas.openxmlformats.org/officeDocument/2006/relationships" r:embed="rId9">
+          <a:blip xmlns:r="http://schemas.openxmlformats.org/officeDocument/2006/relationships" r:embed="rId9" cstate="print">
             <a:extLst>
               <a:ext uri="{28A0092B-C50C-407E-A947-70E740481C1C}">
                 <a14:useLocalDpi xmlns:a14="http://schemas.microsoft.com/office/drawing/2010/main" val="0"/>
               </a:ext>
               <a:ext uri="{96DAC541-7B7A-43D3-8B79-37D633B846F1}">
-                <asvg:svgBlip xmlns:asvg="http://schemas.microsoft.com/office/drawing/2016/SVG/main" r:embed="rId10"/>
+                <asvg:svgBlip xmlns:asvg="http://schemas.microsoft.com/office/drawing/2016/SVG/main" xmlns="" r:embed="rId10"/>
               </a:ext>
             </a:extLst>
           </a:blip>
@@ -4506,7 +4665,7 @@
         </a:bodyPr>
         <a:lstStyle/>
         <a:p>
-          <a:pPr marL="0" lvl="0" indent="0" algn="l" defTabSz="844550">
+          <a:pPr lvl="0" algn="l" defTabSz="844550">
             <a:lnSpc>
               <a:spcPct val="90000"/>
             </a:lnSpc>
@@ -4516,7 +4675,6 @@
             <a:spcAft>
               <a:spcPct val="35000"/>
             </a:spcAft>
-            <a:buNone/>
           </a:pPr>
           <a:r>
             <a:rPr lang="en-AU" sz="1900" kern="1200"/>
@@ -4586,13 +4744,13 @@
           <a:avLst/>
         </a:prstGeom>
         <a:blipFill>
-          <a:blip xmlns:r="http://schemas.openxmlformats.org/officeDocument/2006/relationships" r:embed="rId11">
+          <a:blip xmlns:r="http://schemas.openxmlformats.org/officeDocument/2006/relationships" r:embed="rId11" cstate="print">
             <a:extLst>
               <a:ext uri="{28A0092B-C50C-407E-A947-70E740481C1C}">
                 <a14:useLocalDpi xmlns:a14="http://schemas.microsoft.com/office/drawing/2010/main" val="0"/>
               </a:ext>
               <a:ext uri="{96DAC541-7B7A-43D3-8B79-37D633B846F1}">
-                <asvg:svgBlip xmlns:asvg="http://schemas.microsoft.com/office/drawing/2016/SVG/main" r:embed="rId12"/>
+                <asvg:svgBlip xmlns:asvg="http://schemas.microsoft.com/office/drawing/2016/SVG/main" xmlns="" r:embed="rId12"/>
               </a:ext>
             </a:extLst>
           </a:blip>
@@ -4658,7 +4816,7 @@
         </a:bodyPr>
         <a:lstStyle/>
         <a:p>
-          <a:pPr marL="0" lvl="0" indent="0" algn="l" defTabSz="844550">
+          <a:pPr lvl="0" algn="l" defTabSz="844550">
             <a:lnSpc>
               <a:spcPct val="90000"/>
             </a:lnSpc>
@@ -4668,7 +4826,6 @@
             <a:spcAft>
               <a:spcPct val="35000"/>
             </a:spcAft>
-            <a:buNone/>
           </a:pPr>
           <a:r>
             <a:rPr lang="en-AU" sz="1900" kern="1200"/>
@@ -4963,7 +5120,7 @@
   </dgm:layoutNode>
   <dgm:extLst>
     <a:ext uri="{68A01E43-0DF5-4B5B-8FA6-DAF915123BFB}">
-      <dgm1612:lstStyle xmlns:dgm1612="http://schemas.microsoft.com/office/drawing/2016/12/diagram">
+      <dgm1612:lstStyle xmlns:dgm1612="http://schemas.microsoft.com/office/drawing/2016/12/diagram" xmlns="">
         <a:lvl1pPr>
           <a:lnSpc>
             <a:spcPct val="100000"/>
@@ -5257,7 +5414,7 @@
   </dgm:layoutNode>
   <dgm:extLst>
     <a:ext uri="{68A01E43-0DF5-4B5B-8FA6-DAF915123BFB}">
-      <dgm1612:lstStyle xmlns:dgm1612="http://schemas.microsoft.com/office/drawing/2016/12/diagram">
+      <dgm1612:lstStyle xmlns:dgm1612="http://schemas.microsoft.com/office/drawing/2016/12/diagram" xmlns="">
         <a:lvl1pPr>
           <a:lnSpc>
             <a:spcPct val="100000"/>
@@ -8106,7 +8263,7 @@
           <a:p>
             <a:fld id="{67B00F60-8E1D-4DF8-83E6-BB601543CFCD}" type="slidenum">
               <a:rPr lang="en-US" smtClean="0"/>
-              <a:t>‹#›</a:t>
+              <a:t>‹nr.›</a:t>
             </a:fld>
             <a:endParaRPr lang="en-US"/>
           </a:p>
@@ -8357,7 +8514,7 @@
           <a:p>
             <a:fld id="{67B00F60-8E1D-4DF8-83E6-BB601543CFCD}" type="slidenum">
               <a:rPr lang="en-US" smtClean="0"/>
-              <a:t>‹#›</a:t>
+              <a:t>‹nr.›</a:t>
             </a:fld>
             <a:endParaRPr lang="en-US"/>
           </a:p>
@@ -8671,7 +8828,7 @@
           <a:p>
             <a:fld id="{67B00F60-8E1D-4DF8-83E6-BB601543CFCD}" type="slidenum">
               <a:rPr lang="en-US" smtClean="0"/>
-              <a:t>‹#›</a:t>
+              <a:t>‹nr.›</a:t>
             </a:fld>
             <a:endParaRPr lang="en-US"/>
           </a:p>
@@ -9012,7 +9169,7 @@
           <a:p>
             <a:fld id="{67B00F60-8E1D-4DF8-83E6-BB601543CFCD}" type="slidenum">
               <a:rPr lang="en-US" smtClean="0"/>
-              <a:t>‹#›</a:t>
+              <a:t>‹nr.›</a:t>
             </a:fld>
             <a:endParaRPr lang="en-US"/>
           </a:p>
@@ -9326,7 +9483,7 @@
           <a:p>
             <a:fld id="{67B00F60-8E1D-4DF8-83E6-BB601543CFCD}" type="slidenum">
               <a:rPr lang="en-US" smtClean="0"/>
-              <a:t>‹#›</a:t>
+              <a:t>‹nr.›</a:t>
             </a:fld>
             <a:endParaRPr lang="en-US"/>
           </a:p>
@@ -9719,7 +9876,7 @@
           <a:p>
             <a:fld id="{67B00F60-8E1D-4DF8-83E6-BB601543CFCD}" type="slidenum">
               <a:rPr lang="en-US" smtClean="0"/>
-              <a:t>‹#›</a:t>
+              <a:t>‹nr.›</a:t>
             </a:fld>
             <a:endParaRPr lang="en-US"/>
           </a:p>
@@ -9889,7 +10046,7 @@
           <a:p>
             <a:fld id="{67B00F60-8E1D-4DF8-83E6-BB601543CFCD}" type="slidenum">
               <a:rPr lang="en-US" smtClean="0"/>
-              <a:t>‹#›</a:t>
+              <a:t>‹nr.›</a:t>
             </a:fld>
             <a:endParaRPr lang="en-US"/>
           </a:p>
@@ -10069,7 +10226,7 @@
           <a:p>
             <a:fld id="{67B00F60-8E1D-4DF8-83E6-BB601543CFCD}" type="slidenum">
               <a:rPr lang="en-US" smtClean="0"/>
-              <a:t>‹#›</a:t>
+              <a:t>‹nr.›</a:t>
             </a:fld>
             <a:endParaRPr lang="en-US"/>
           </a:p>
@@ -10245,7 +10402,7 @@
           <a:p>
             <a:fld id="{67B00F60-8E1D-4DF8-83E6-BB601543CFCD}" type="slidenum">
               <a:rPr lang="en-US" smtClean="0"/>
-              <a:t>‹#›</a:t>
+              <a:t>‹nr.›</a:t>
             </a:fld>
             <a:endParaRPr lang="en-US"/>
           </a:p>
@@ -10492,7 +10649,7 @@
           <a:p>
             <a:fld id="{67B00F60-8E1D-4DF8-83E6-BB601543CFCD}" type="slidenum">
               <a:rPr lang="en-US" smtClean="0"/>
-              <a:t>‹#›</a:t>
+              <a:t>‹nr.›</a:t>
             </a:fld>
             <a:endParaRPr lang="en-US"/>
           </a:p>
@@ -10724,7 +10881,7 @@
           <a:p>
             <a:fld id="{67B00F60-8E1D-4DF8-83E6-BB601543CFCD}" type="slidenum">
               <a:rPr lang="en-US" smtClean="0"/>
-              <a:t>‹#›</a:t>
+              <a:t>‹nr.›</a:t>
             </a:fld>
             <a:endParaRPr lang="en-US"/>
           </a:p>
@@ -11098,7 +11255,7 @@
           <a:p>
             <a:fld id="{67B00F60-8E1D-4DF8-83E6-BB601543CFCD}" type="slidenum">
               <a:rPr lang="en-US" smtClean="0"/>
-              <a:t>‹#›</a:t>
+              <a:t>‹nr.›</a:t>
             </a:fld>
             <a:endParaRPr lang="en-US"/>
           </a:p>
@@ -11221,7 +11378,7 @@
           <a:p>
             <a:fld id="{67B00F60-8E1D-4DF8-83E6-BB601543CFCD}" type="slidenum">
               <a:rPr lang="en-US" smtClean="0"/>
-              <a:t>‹#›</a:t>
+              <a:t>‹nr.›</a:t>
             </a:fld>
             <a:endParaRPr lang="en-US"/>
           </a:p>
@@ -11316,7 +11473,7 @@
           <a:p>
             <a:fld id="{67B00F60-8E1D-4DF8-83E6-BB601543CFCD}" type="slidenum">
               <a:rPr lang="en-US" smtClean="0"/>
-              <a:t>‹#›</a:t>
+              <a:t>‹nr.›</a:t>
             </a:fld>
             <a:endParaRPr lang="en-US"/>
           </a:p>
@@ -11571,7 +11728,7 @@
           <a:p>
             <a:fld id="{67B00F60-8E1D-4DF8-83E6-BB601543CFCD}" type="slidenum">
               <a:rPr lang="en-US" smtClean="0"/>
-              <a:t>‹#›</a:t>
+              <a:t>‹nr.›</a:t>
             </a:fld>
             <a:endParaRPr lang="en-US"/>
           </a:p>
@@ -11834,7 +11991,7 @@
           <a:p>
             <a:fld id="{67B00F60-8E1D-4DF8-83E6-BB601543CFCD}" type="slidenum">
               <a:rPr lang="en-US" smtClean="0"/>
-              <a:t>‹#›</a:t>
+              <a:t>‹nr.›</a:t>
             </a:fld>
             <a:endParaRPr lang="en-US"/>
           </a:p>
@@ -12611,7 +12768,7 @@
           <a:p>
             <a:fld id="{67B00F60-8E1D-4DF8-83E6-BB601543CFCD}" type="slidenum">
               <a:rPr lang="en-US" smtClean="0"/>
-              <a:t>‹#›</a:t>
+              <a:t>‹nr.›</a:t>
             </a:fld>
             <a:endParaRPr lang="en-US"/>
           </a:p>
@@ -13064,7 +13221,7 @@
           <p:cNvPr id="2" name="Title 1">
             <a:extLst>
               <a:ext uri="{FF2B5EF4-FFF2-40B4-BE49-F238E27FC236}">
-                <a16:creationId xmlns:a16="http://schemas.microsoft.com/office/drawing/2014/main" id="{F324B33E-B3BF-474C-807F-94DF0F1895DE}"/>
+                <a16:creationId xmlns:a16="http://schemas.microsoft.com/office/drawing/2014/main" xmlns="" id="{F324B33E-B3BF-474C-807F-94DF0F1895DE}"/>
               </a:ext>
             </a:extLst>
           </p:cNvPr>
@@ -13098,7 +13255,7 @@
           <p:cNvPr id="3" name="Content Placeholder 2">
             <a:extLst>
               <a:ext uri="{FF2B5EF4-FFF2-40B4-BE49-F238E27FC236}">
-                <a16:creationId xmlns:a16="http://schemas.microsoft.com/office/drawing/2014/main" id="{C699AC10-99B5-4F0F-9ACA-55BF432FE23C}"/>
+                <a16:creationId xmlns:a16="http://schemas.microsoft.com/office/drawing/2014/main" xmlns="" id="{C699AC10-99B5-4F0F-9ACA-55BF432FE23C}"/>
               </a:ext>
             </a:extLst>
           </p:cNvPr>
@@ -13177,7 +13334,7 @@
           <p:cNvPr id="5" name="Picture 4">
             <a:extLst>
               <a:ext uri="{FF2B5EF4-FFF2-40B4-BE49-F238E27FC236}">
-                <a16:creationId xmlns:a16="http://schemas.microsoft.com/office/drawing/2014/main" id="{5E128515-F1C3-4C1D-B4F3-EB6AA3C7E6B5}"/>
+                <a16:creationId xmlns:a16="http://schemas.microsoft.com/office/drawing/2014/main" xmlns="" id="{5E128515-F1C3-4C1D-B4F3-EB6AA3C7E6B5}"/>
               </a:ext>
             </a:extLst>
           </p:cNvPr>
@@ -13218,6 +13375,13 @@
   <p:clrMapOvr>
     <a:masterClrMapping/>
   </p:clrMapOvr>
+  <p:timing>
+    <p:tnLst>
+      <p:par>
+        <p:cTn id="1" dur="indefinite" restart="never" nodeType="tmRoot"/>
+      </p:par>
+    </p:tnLst>
+  </p:timing>
 </p:sld>
 </file>
 
@@ -13251,10 +13415,10 @@
           <p:cNvPr id="8" name="Rectangle 7">
             <a:extLst>
               <a:ext uri="{FF2B5EF4-FFF2-40B4-BE49-F238E27FC236}">
-                <a16:creationId xmlns:a16="http://schemas.microsoft.com/office/drawing/2014/main" id="{E80B86A7-A1EC-475B-9166-88902B033A38}"/>
+                <a16:creationId xmlns:a16="http://schemas.microsoft.com/office/drawing/2014/main" xmlns="" id="{E80B86A7-A1EC-475B-9166-88902B033A38}"/>
               </a:ext>
               <a:ext uri="{C183D7F6-B498-43B3-948B-1728B52AA6E4}">
-                <adec:decorative xmlns:adec="http://schemas.microsoft.com/office/drawing/2017/decorative" val="1"/>
+                <adec:decorative xmlns:adec="http://schemas.microsoft.com/office/drawing/2017/decorative" xmlns="" val="1"/>
               </a:ext>
             </a:extLst>
           </p:cNvPr>
@@ -13264,7 +13428,7 @@
           <p:nvPr>
             <p:extLst>
               <p:ext uri="{386F3935-93C4-4BCD-93E2-E3B085C9AB24}">
-                <p16:designElem xmlns:p16="http://schemas.microsoft.com/office/powerpoint/2015/main" val="1"/>
+                <p16:designElem xmlns:p16="http://schemas.microsoft.com/office/powerpoint/2015/main" xmlns="" val="1"/>
               </p:ext>
             </p:extLst>
           </p:nvPr>
@@ -13311,10 +13475,10 @@
           <p:cNvPr id="10" name="Isosceles Triangle 9">
             <a:extLst>
               <a:ext uri="{FF2B5EF4-FFF2-40B4-BE49-F238E27FC236}">
-                <a16:creationId xmlns:a16="http://schemas.microsoft.com/office/drawing/2014/main" id="{C2C29CB1-9F74-4879-A6AF-AEA67B6F1F4D}"/>
+                <a16:creationId xmlns:a16="http://schemas.microsoft.com/office/drawing/2014/main" xmlns="" id="{C2C29CB1-9F74-4879-A6AF-AEA67B6F1F4D}"/>
               </a:ext>
               <a:ext uri="{C183D7F6-B498-43B3-948B-1728B52AA6E4}">
-                <adec:decorative xmlns:adec="http://schemas.microsoft.com/office/drawing/2017/decorative" val="1"/>
+                <adec:decorative xmlns:adec="http://schemas.microsoft.com/office/drawing/2017/decorative" xmlns="" val="1"/>
               </a:ext>
             </a:extLst>
           </p:cNvPr>
@@ -13324,7 +13488,7 @@
           <p:nvPr>
             <p:extLst>
               <p:ext uri="{386F3935-93C4-4BCD-93E2-E3B085C9AB24}">
-                <p16:designElem xmlns:p16="http://schemas.microsoft.com/office/powerpoint/2015/main" val="1"/>
+                <p16:designElem xmlns:p16="http://schemas.microsoft.com/office/powerpoint/2015/main" xmlns="" val="1"/>
               </p:ext>
             </p:extLst>
           </p:nvPr>
@@ -13369,7 +13533,7 @@
           <p:cNvPr id="3" name="Content Placeholder 2">
             <a:extLst>
               <a:ext uri="{FF2B5EF4-FFF2-40B4-BE49-F238E27FC236}">
-                <a16:creationId xmlns:a16="http://schemas.microsoft.com/office/drawing/2014/main" id="{98E34D42-279B-4470-8DA3-8F9B0642ABB8}"/>
+                <a16:creationId xmlns:a16="http://schemas.microsoft.com/office/drawing/2014/main" xmlns="" id="{98E34D42-279B-4470-8DA3-8F9B0642ABB8}"/>
               </a:ext>
             </a:extLst>
           </p:cNvPr>
@@ -13415,10 +13579,10 @@
           <p:cNvPr id="12" name="Isosceles Triangle 11">
             <a:extLst>
               <a:ext uri="{FF2B5EF4-FFF2-40B4-BE49-F238E27FC236}">
-                <a16:creationId xmlns:a16="http://schemas.microsoft.com/office/drawing/2014/main" id="{7E2C7115-5336-410C-AD71-0F0952A2E5A7}"/>
+                <a16:creationId xmlns:a16="http://schemas.microsoft.com/office/drawing/2014/main" xmlns="" id="{7E2C7115-5336-410C-AD71-0F0952A2E5A7}"/>
               </a:ext>
               <a:ext uri="{C183D7F6-B498-43B3-948B-1728B52AA6E4}">
-                <adec:decorative xmlns:adec="http://schemas.microsoft.com/office/drawing/2017/decorative" val="1"/>
+                <adec:decorative xmlns:adec="http://schemas.microsoft.com/office/drawing/2017/decorative" xmlns="" val="1"/>
               </a:ext>
             </a:extLst>
           </p:cNvPr>
@@ -13428,7 +13592,7 @@
           <p:nvPr>
             <p:extLst>
               <p:ext uri="{386F3935-93C4-4BCD-93E2-E3B085C9AB24}">
-                <p16:designElem xmlns:p16="http://schemas.microsoft.com/office/powerpoint/2015/main" val="1"/>
+                <p16:designElem xmlns:p16="http://schemas.microsoft.com/office/powerpoint/2015/main" xmlns="" val="1"/>
               </p:ext>
             </p:extLst>
           </p:nvPr>
@@ -13473,7 +13637,7 @@
           <p:cNvPr id="4" name="Picture 3">
             <a:extLst>
               <a:ext uri="{FF2B5EF4-FFF2-40B4-BE49-F238E27FC236}">
-                <a16:creationId xmlns:a16="http://schemas.microsoft.com/office/drawing/2014/main" id="{F54F5F26-D13E-4FE3-8216-A6CA85940AD7}"/>
+                <a16:creationId xmlns:a16="http://schemas.microsoft.com/office/drawing/2014/main" xmlns="" id="{F54F5F26-D13E-4FE3-8216-A6CA85940AD7}"/>
               </a:ext>
             </a:extLst>
           </p:cNvPr>
@@ -13503,7 +13667,7 @@
           <p:cNvPr id="6" name="Picture 5" descr="A screenshot of a cell phone&#10;&#10;Description automatically generated">
             <a:extLst>
               <a:ext uri="{FF2B5EF4-FFF2-40B4-BE49-F238E27FC236}">
-                <a16:creationId xmlns:a16="http://schemas.microsoft.com/office/drawing/2014/main" id="{AACB32C2-7CCE-4FD3-812C-B84323E7F3C3}"/>
+                <a16:creationId xmlns:a16="http://schemas.microsoft.com/office/drawing/2014/main" xmlns="" id="{AACB32C2-7CCE-4FD3-812C-B84323E7F3C3}"/>
               </a:ext>
             </a:extLst>
           </p:cNvPr>
@@ -13544,6 +13708,13 @@
   <p:clrMapOvr>
     <a:masterClrMapping/>
   </p:clrMapOvr>
+  <p:timing>
+    <p:tnLst>
+      <p:par>
+        <p:cTn id="1" dur="indefinite" restart="never" nodeType="tmRoot"/>
+      </p:par>
+    </p:tnLst>
+  </p:timing>
 </p:sld>
 </file>
 
@@ -13577,10 +13748,10 @@
           <p:cNvPr id="8" name="Rectangle 7">
             <a:extLst>
               <a:ext uri="{FF2B5EF4-FFF2-40B4-BE49-F238E27FC236}">
-                <a16:creationId xmlns:a16="http://schemas.microsoft.com/office/drawing/2014/main" id="{E80B86A7-A1EC-475B-9166-88902B033A38}"/>
+                <a16:creationId xmlns:a16="http://schemas.microsoft.com/office/drawing/2014/main" xmlns="" id="{E80B86A7-A1EC-475B-9166-88902B033A38}"/>
               </a:ext>
               <a:ext uri="{C183D7F6-B498-43B3-948B-1728B52AA6E4}">
-                <adec:decorative xmlns:adec="http://schemas.microsoft.com/office/drawing/2017/decorative" val="1"/>
+                <adec:decorative xmlns:adec="http://schemas.microsoft.com/office/drawing/2017/decorative" xmlns="" val="1"/>
               </a:ext>
             </a:extLst>
           </p:cNvPr>
@@ -13590,7 +13761,7 @@
           <p:nvPr>
             <p:extLst>
               <p:ext uri="{386F3935-93C4-4BCD-93E2-E3B085C9AB24}">
-                <p16:designElem xmlns:p16="http://schemas.microsoft.com/office/powerpoint/2015/main" val="1"/>
+                <p16:designElem xmlns:p16="http://schemas.microsoft.com/office/powerpoint/2015/main" xmlns="" val="1"/>
               </p:ext>
             </p:extLst>
           </p:nvPr>
@@ -13637,10 +13808,10 @@
           <p:cNvPr id="10" name="Isosceles Triangle 9">
             <a:extLst>
               <a:ext uri="{FF2B5EF4-FFF2-40B4-BE49-F238E27FC236}">
-                <a16:creationId xmlns:a16="http://schemas.microsoft.com/office/drawing/2014/main" id="{C2C29CB1-9F74-4879-A6AF-AEA67B6F1F4D}"/>
+                <a16:creationId xmlns:a16="http://schemas.microsoft.com/office/drawing/2014/main" xmlns="" id="{C2C29CB1-9F74-4879-A6AF-AEA67B6F1F4D}"/>
               </a:ext>
               <a:ext uri="{C183D7F6-B498-43B3-948B-1728B52AA6E4}">
-                <adec:decorative xmlns:adec="http://schemas.microsoft.com/office/drawing/2017/decorative" val="1"/>
+                <adec:decorative xmlns:adec="http://schemas.microsoft.com/office/drawing/2017/decorative" xmlns="" val="1"/>
               </a:ext>
             </a:extLst>
           </p:cNvPr>
@@ -13650,7 +13821,7 @@
           <p:nvPr>
             <p:extLst>
               <p:ext uri="{386F3935-93C4-4BCD-93E2-E3B085C9AB24}">
-                <p16:designElem xmlns:p16="http://schemas.microsoft.com/office/powerpoint/2015/main" val="1"/>
+                <p16:designElem xmlns:p16="http://schemas.microsoft.com/office/powerpoint/2015/main" xmlns="" val="1"/>
               </p:ext>
             </p:extLst>
           </p:nvPr>
@@ -13695,7 +13866,7 @@
           <p:cNvPr id="3" name="Content Placeholder 2">
             <a:extLst>
               <a:ext uri="{FF2B5EF4-FFF2-40B4-BE49-F238E27FC236}">
-                <a16:creationId xmlns:a16="http://schemas.microsoft.com/office/drawing/2014/main" id="{98E34D42-279B-4470-8DA3-8F9B0642ABB8}"/>
+                <a16:creationId xmlns:a16="http://schemas.microsoft.com/office/drawing/2014/main" xmlns="" id="{98E34D42-279B-4470-8DA3-8F9B0642ABB8}"/>
               </a:ext>
             </a:extLst>
           </p:cNvPr>
@@ -13733,10 +13904,10 @@
           <p:cNvPr id="12" name="Isosceles Triangle 11">
             <a:extLst>
               <a:ext uri="{FF2B5EF4-FFF2-40B4-BE49-F238E27FC236}">
-                <a16:creationId xmlns:a16="http://schemas.microsoft.com/office/drawing/2014/main" id="{7E2C7115-5336-410C-AD71-0F0952A2E5A7}"/>
+                <a16:creationId xmlns:a16="http://schemas.microsoft.com/office/drawing/2014/main" xmlns="" id="{7E2C7115-5336-410C-AD71-0F0952A2E5A7}"/>
               </a:ext>
               <a:ext uri="{C183D7F6-B498-43B3-948B-1728B52AA6E4}">
-                <adec:decorative xmlns:adec="http://schemas.microsoft.com/office/drawing/2017/decorative" val="1"/>
+                <adec:decorative xmlns:adec="http://schemas.microsoft.com/office/drawing/2017/decorative" xmlns="" val="1"/>
               </a:ext>
             </a:extLst>
           </p:cNvPr>
@@ -13746,7 +13917,7 @@
           <p:nvPr>
             <p:extLst>
               <p:ext uri="{386F3935-93C4-4BCD-93E2-E3B085C9AB24}">
-                <p16:designElem xmlns:p16="http://schemas.microsoft.com/office/powerpoint/2015/main" val="1"/>
+                <p16:designElem xmlns:p16="http://schemas.microsoft.com/office/powerpoint/2015/main" xmlns="" val="1"/>
               </p:ext>
             </p:extLst>
           </p:nvPr>
@@ -13791,7 +13962,7 @@
           <p:cNvPr id="4" name="Picture 3">
             <a:extLst>
               <a:ext uri="{FF2B5EF4-FFF2-40B4-BE49-F238E27FC236}">
-                <a16:creationId xmlns:a16="http://schemas.microsoft.com/office/drawing/2014/main" id="{F54F5F26-D13E-4FE3-8216-A6CA85940AD7}"/>
+                <a16:creationId xmlns:a16="http://schemas.microsoft.com/office/drawing/2014/main" xmlns="" id="{F54F5F26-D13E-4FE3-8216-A6CA85940AD7}"/>
               </a:ext>
             </a:extLst>
           </p:cNvPr>
@@ -13821,7 +13992,7 @@
           <p:cNvPr id="5" name="Picture 4" descr="A screenshot of a computer screen&#10;&#10;Description automatically generated">
             <a:extLst>
               <a:ext uri="{FF2B5EF4-FFF2-40B4-BE49-F238E27FC236}">
-                <a16:creationId xmlns:a16="http://schemas.microsoft.com/office/drawing/2014/main" id="{E9D95E2F-00C9-4B02-BF8E-2ED05256D93B}"/>
+                <a16:creationId xmlns:a16="http://schemas.microsoft.com/office/drawing/2014/main" xmlns="" id="{E9D95E2F-00C9-4B02-BF8E-2ED05256D93B}"/>
               </a:ext>
             </a:extLst>
           </p:cNvPr>
@@ -13862,6 +14033,13 @@
   <p:clrMapOvr>
     <a:masterClrMapping/>
   </p:clrMapOvr>
+  <p:timing>
+    <p:tnLst>
+      <p:par>
+        <p:cTn id="1" dur="indefinite" restart="never" nodeType="tmRoot"/>
+      </p:par>
+    </p:tnLst>
+  </p:timing>
 </p:sld>
 </file>
 
@@ -13895,10 +14073,10 @@
           <p:cNvPr id="8" name="Rectangle 7">
             <a:extLst>
               <a:ext uri="{FF2B5EF4-FFF2-40B4-BE49-F238E27FC236}">
-                <a16:creationId xmlns:a16="http://schemas.microsoft.com/office/drawing/2014/main" id="{E80B86A7-A1EC-475B-9166-88902B033A38}"/>
+                <a16:creationId xmlns:a16="http://schemas.microsoft.com/office/drawing/2014/main" xmlns="" id="{E80B86A7-A1EC-475B-9166-88902B033A38}"/>
               </a:ext>
               <a:ext uri="{C183D7F6-B498-43B3-948B-1728B52AA6E4}">
-                <adec:decorative xmlns:adec="http://schemas.microsoft.com/office/drawing/2017/decorative" val="1"/>
+                <adec:decorative xmlns:adec="http://schemas.microsoft.com/office/drawing/2017/decorative" xmlns="" val="1"/>
               </a:ext>
             </a:extLst>
           </p:cNvPr>
@@ -13908,7 +14086,7 @@
           <p:nvPr>
             <p:extLst>
               <p:ext uri="{386F3935-93C4-4BCD-93E2-E3B085C9AB24}">
-                <p16:designElem xmlns:p16="http://schemas.microsoft.com/office/powerpoint/2015/main" val="1"/>
+                <p16:designElem xmlns:p16="http://schemas.microsoft.com/office/powerpoint/2015/main" xmlns="" val="1"/>
               </p:ext>
             </p:extLst>
           </p:nvPr>
@@ -13955,10 +14133,10 @@
           <p:cNvPr id="10" name="Isosceles Triangle 9">
             <a:extLst>
               <a:ext uri="{FF2B5EF4-FFF2-40B4-BE49-F238E27FC236}">
-                <a16:creationId xmlns:a16="http://schemas.microsoft.com/office/drawing/2014/main" id="{C2C29CB1-9F74-4879-A6AF-AEA67B6F1F4D}"/>
+                <a16:creationId xmlns:a16="http://schemas.microsoft.com/office/drawing/2014/main" xmlns="" id="{C2C29CB1-9F74-4879-A6AF-AEA67B6F1F4D}"/>
               </a:ext>
               <a:ext uri="{C183D7F6-B498-43B3-948B-1728B52AA6E4}">
-                <adec:decorative xmlns:adec="http://schemas.microsoft.com/office/drawing/2017/decorative" val="1"/>
+                <adec:decorative xmlns:adec="http://schemas.microsoft.com/office/drawing/2017/decorative" xmlns="" val="1"/>
               </a:ext>
             </a:extLst>
           </p:cNvPr>
@@ -13968,7 +14146,7 @@
           <p:nvPr>
             <p:extLst>
               <p:ext uri="{386F3935-93C4-4BCD-93E2-E3B085C9AB24}">
-                <p16:designElem xmlns:p16="http://schemas.microsoft.com/office/powerpoint/2015/main" val="1"/>
+                <p16:designElem xmlns:p16="http://schemas.microsoft.com/office/powerpoint/2015/main" xmlns="" val="1"/>
               </p:ext>
             </p:extLst>
           </p:nvPr>
@@ -14013,7 +14191,7 @@
           <p:cNvPr id="3" name="Content Placeholder 2">
             <a:extLst>
               <a:ext uri="{FF2B5EF4-FFF2-40B4-BE49-F238E27FC236}">
-                <a16:creationId xmlns:a16="http://schemas.microsoft.com/office/drawing/2014/main" id="{98E34D42-279B-4470-8DA3-8F9B0642ABB8}"/>
+                <a16:creationId xmlns:a16="http://schemas.microsoft.com/office/drawing/2014/main" xmlns="" id="{98E34D42-279B-4470-8DA3-8F9B0642ABB8}"/>
               </a:ext>
             </a:extLst>
           </p:cNvPr>
@@ -14051,10 +14229,10 @@
           <p:cNvPr id="12" name="Isosceles Triangle 11">
             <a:extLst>
               <a:ext uri="{FF2B5EF4-FFF2-40B4-BE49-F238E27FC236}">
-                <a16:creationId xmlns:a16="http://schemas.microsoft.com/office/drawing/2014/main" id="{7E2C7115-5336-410C-AD71-0F0952A2E5A7}"/>
+                <a16:creationId xmlns:a16="http://schemas.microsoft.com/office/drawing/2014/main" xmlns="" id="{7E2C7115-5336-410C-AD71-0F0952A2E5A7}"/>
               </a:ext>
               <a:ext uri="{C183D7F6-B498-43B3-948B-1728B52AA6E4}">
-                <adec:decorative xmlns:adec="http://schemas.microsoft.com/office/drawing/2017/decorative" val="1"/>
+                <adec:decorative xmlns:adec="http://schemas.microsoft.com/office/drawing/2017/decorative" xmlns="" val="1"/>
               </a:ext>
             </a:extLst>
           </p:cNvPr>
@@ -14064,7 +14242,7 @@
           <p:nvPr>
             <p:extLst>
               <p:ext uri="{386F3935-93C4-4BCD-93E2-E3B085C9AB24}">
-                <p16:designElem xmlns:p16="http://schemas.microsoft.com/office/powerpoint/2015/main" val="1"/>
+                <p16:designElem xmlns:p16="http://schemas.microsoft.com/office/powerpoint/2015/main" xmlns="" val="1"/>
               </p:ext>
             </p:extLst>
           </p:nvPr>
@@ -14109,7 +14287,7 @@
           <p:cNvPr id="4" name="Picture 3">
             <a:extLst>
               <a:ext uri="{FF2B5EF4-FFF2-40B4-BE49-F238E27FC236}">
-                <a16:creationId xmlns:a16="http://schemas.microsoft.com/office/drawing/2014/main" id="{F54F5F26-D13E-4FE3-8216-A6CA85940AD7}"/>
+                <a16:creationId xmlns:a16="http://schemas.microsoft.com/office/drawing/2014/main" xmlns="" id="{F54F5F26-D13E-4FE3-8216-A6CA85940AD7}"/>
               </a:ext>
             </a:extLst>
           </p:cNvPr>
@@ -14139,7 +14317,7 @@
           <p:cNvPr id="5" name="Picture 4" descr="A screenshot of a cell phone&#10;&#10;Description automatically generated">
             <a:extLst>
               <a:ext uri="{FF2B5EF4-FFF2-40B4-BE49-F238E27FC236}">
-                <a16:creationId xmlns:a16="http://schemas.microsoft.com/office/drawing/2014/main" id="{A6098B94-8E34-469A-8557-8DB12079B7F7}"/>
+                <a16:creationId xmlns:a16="http://schemas.microsoft.com/office/drawing/2014/main" xmlns="" id="{A6098B94-8E34-469A-8557-8DB12079B7F7}"/>
               </a:ext>
             </a:extLst>
           </p:cNvPr>
@@ -14175,7 +14353,7 @@
           <p:cNvPr id="7" name="Oval 6">
             <a:extLst>
               <a:ext uri="{FF2B5EF4-FFF2-40B4-BE49-F238E27FC236}">
-                <a16:creationId xmlns:a16="http://schemas.microsoft.com/office/drawing/2014/main" id="{BA05BEA6-C46A-4857-85A2-49E837075043}"/>
+                <a16:creationId xmlns:a16="http://schemas.microsoft.com/office/drawing/2014/main" xmlns="" id="{BA05BEA6-C46A-4857-85A2-49E837075043}"/>
               </a:ext>
             </a:extLst>
           </p:cNvPr>
@@ -14232,6 +14410,13 @@
   <p:clrMapOvr>
     <a:masterClrMapping/>
   </p:clrMapOvr>
+  <p:timing>
+    <p:tnLst>
+      <p:par>
+        <p:cTn id="1" dur="indefinite" restart="never" nodeType="tmRoot"/>
+      </p:par>
+    </p:tnLst>
+  </p:timing>
 </p:sld>
 </file>
 
@@ -14265,10 +14450,10 @@
           <p:cNvPr id="8" name="Rectangle 7">
             <a:extLst>
               <a:ext uri="{FF2B5EF4-FFF2-40B4-BE49-F238E27FC236}">
-                <a16:creationId xmlns:a16="http://schemas.microsoft.com/office/drawing/2014/main" id="{E80B86A7-A1EC-475B-9166-88902B033A38}"/>
+                <a16:creationId xmlns:a16="http://schemas.microsoft.com/office/drawing/2014/main" xmlns="" id="{E80B86A7-A1EC-475B-9166-88902B033A38}"/>
               </a:ext>
               <a:ext uri="{C183D7F6-B498-43B3-948B-1728B52AA6E4}">
-                <adec:decorative xmlns:adec="http://schemas.microsoft.com/office/drawing/2017/decorative" val="1"/>
+                <adec:decorative xmlns:adec="http://schemas.microsoft.com/office/drawing/2017/decorative" xmlns="" val="1"/>
               </a:ext>
             </a:extLst>
           </p:cNvPr>
@@ -14278,7 +14463,7 @@
           <p:nvPr>
             <p:extLst>
               <p:ext uri="{386F3935-93C4-4BCD-93E2-E3B085C9AB24}">
-                <p16:designElem xmlns:p16="http://schemas.microsoft.com/office/powerpoint/2015/main" val="1"/>
+                <p16:designElem xmlns:p16="http://schemas.microsoft.com/office/powerpoint/2015/main" xmlns="" val="1"/>
               </p:ext>
             </p:extLst>
           </p:nvPr>
@@ -14325,10 +14510,10 @@
           <p:cNvPr id="10" name="Isosceles Triangle 9">
             <a:extLst>
               <a:ext uri="{FF2B5EF4-FFF2-40B4-BE49-F238E27FC236}">
-                <a16:creationId xmlns:a16="http://schemas.microsoft.com/office/drawing/2014/main" id="{C2C29CB1-9F74-4879-A6AF-AEA67B6F1F4D}"/>
+                <a16:creationId xmlns:a16="http://schemas.microsoft.com/office/drawing/2014/main" xmlns="" id="{C2C29CB1-9F74-4879-A6AF-AEA67B6F1F4D}"/>
               </a:ext>
               <a:ext uri="{C183D7F6-B498-43B3-948B-1728B52AA6E4}">
-                <adec:decorative xmlns:adec="http://schemas.microsoft.com/office/drawing/2017/decorative" val="1"/>
+                <adec:decorative xmlns:adec="http://schemas.microsoft.com/office/drawing/2017/decorative" xmlns="" val="1"/>
               </a:ext>
             </a:extLst>
           </p:cNvPr>
@@ -14338,7 +14523,7 @@
           <p:nvPr>
             <p:extLst>
               <p:ext uri="{386F3935-93C4-4BCD-93E2-E3B085C9AB24}">
-                <p16:designElem xmlns:p16="http://schemas.microsoft.com/office/powerpoint/2015/main" val="1"/>
+                <p16:designElem xmlns:p16="http://schemas.microsoft.com/office/powerpoint/2015/main" xmlns="" val="1"/>
               </p:ext>
             </p:extLst>
           </p:nvPr>
@@ -14383,7 +14568,7 @@
           <p:cNvPr id="3" name="Content Placeholder 2">
             <a:extLst>
               <a:ext uri="{FF2B5EF4-FFF2-40B4-BE49-F238E27FC236}">
-                <a16:creationId xmlns:a16="http://schemas.microsoft.com/office/drawing/2014/main" id="{98E34D42-279B-4470-8DA3-8F9B0642ABB8}"/>
+                <a16:creationId xmlns:a16="http://schemas.microsoft.com/office/drawing/2014/main" xmlns="" id="{98E34D42-279B-4470-8DA3-8F9B0642ABB8}"/>
               </a:ext>
             </a:extLst>
           </p:cNvPr>
@@ -14421,10 +14606,10 @@
           <p:cNvPr id="12" name="Isosceles Triangle 11">
             <a:extLst>
               <a:ext uri="{FF2B5EF4-FFF2-40B4-BE49-F238E27FC236}">
-                <a16:creationId xmlns:a16="http://schemas.microsoft.com/office/drawing/2014/main" id="{7E2C7115-5336-410C-AD71-0F0952A2E5A7}"/>
+                <a16:creationId xmlns:a16="http://schemas.microsoft.com/office/drawing/2014/main" xmlns="" id="{7E2C7115-5336-410C-AD71-0F0952A2E5A7}"/>
               </a:ext>
               <a:ext uri="{C183D7F6-B498-43B3-948B-1728B52AA6E4}">
-                <adec:decorative xmlns:adec="http://schemas.microsoft.com/office/drawing/2017/decorative" val="1"/>
+                <adec:decorative xmlns:adec="http://schemas.microsoft.com/office/drawing/2017/decorative" xmlns="" val="1"/>
               </a:ext>
             </a:extLst>
           </p:cNvPr>
@@ -14434,7 +14619,7 @@
           <p:nvPr>
             <p:extLst>
               <p:ext uri="{386F3935-93C4-4BCD-93E2-E3B085C9AB24}">
-                <p16:designElem xmlns:p16="http://schemas.microsoft.com/office/powerpoint/2015/main" val="1"/>
+                <p16:designElem xmlns:p16="http://schemas.microsoft.com/office/powerpoint/2015/main" xmlns="" val="1"/>
               </p:ext>
             </p:extLst>
           </p:nvPr>
@@ -14479,7 +14664,7 @@
           <p:cNvPr id="13" name="Picture 12" descr="A close up of a logo&#10;&#10;Description automatically generated">
             <a:extLst>
               <a:ext uri="{FF2B5EF4-FFF2-40B4-BE49-F238E27FC236}">
-                <a16:creationId xmlns:a16="http://schemas.microsoft.com/office/drawing/2014/main" id="{DE6C59C6-5B8F-4A5E-A22C-A5B0231335C6}"/>
+                <a16:creationId xmlns:a16="http://schemas.microsoft.com/office/drawing/2014/main" xmlns="" id="{DE6C59C6-5B8F-4A5E-A22C-A5B0231335C6}"/>
               </a:ext>
             </a:extLst>
           </p:cNvPr>
@@ -14515,7 +14700,7 @@
           <p:cNvPr id="14" name="Picture 13">
             <a:extLst>
               <a:ext uri="{FF2B5EF4-FFF2-40B4-BE49-F238E27FC236}">
-                <a16:creationId xmlns:a16="http://schemas.microsoft.com/office/drawing/2014/main" id="{6F06B49C-37F7-4181-93B8-4BE1C1195DEF}"/>
+                <a16:creationId xmlns:a16="http://schemas.microsoft.com/office/drawing/2014/main" xmlns="" id="{6F06B49C-37F7-4181-93B8-4BE1C1195DEF}"/>
               </a:ext>
             </a:extLst>
           </p:cNvPr>
@@ -14550,6 +14735,13 @@
   <p:clrMapOvr>
     <a:masterClrMapping/>
   </p:clrMapOvr>
+  <p:timing>
+    <p:tnLst>
+      <p:par>
+        <p:cTn id="1" dur="indefinite" restart="never" nodeType="tmRoot"/>
+      </p:par>
+    </p:tnLst>
+  </p:timing>
 </p:sld>
 </file>
 
@@ -14583,7 +14775,7 @@
           <p:cNvPr id="2" name="Title 1">
             <a:extLst>
               <a:ext uri="{FF2B5EF4-FFF2-40B4-BE49-F238E27FC236}">
-                <a16:creationId xmlns:a16="http://schemas.microsoft.com/office/drawing/2014/main" id="{A6BA0E14-6CFA-48EA-A6B2-30AEA2385516}"/>
+                <a16:creationId xmlns:a16="http://schemas.microsoft.com/office/drawing/2014/main" xmlns="" id="{A6BA0E14-6CFA-48EA-A6B2-30AEA2385516}"/>
               </a:ext>
             </a:extLst>
           </p:cNvPr>
@@ -14622,7 +14814,7 @@
           <p:cNvPr id="3" name="Content Placeholder 2">
             <a:extLst>
               <a:ext uri="{FF2B5EF4-FFF2-40B4-BE49-F238E27FC236}">
-                <a16:creationId xmlns:a16="http://schemas.microsoft.com/office/drawing/2014/main" id="{4BB484F6-3CF2-4D4D-BD30-4A320D2AECFD}"/>
+                <a16:creationId xmlns:a16="http://schemas.microsoft.com/office/drawing/2014/main" xmlns="" id="{4BB484F6-3CF2-4D4D-BD30-4A320D2AECFD}"/>
               </a:ext>
             </a:extLst>
           </p:cNvPr>
@@ -14684,7 +14876,7 @@
           <p:cNvPr id="7" name="Picture 6" descr="A close up of text on a white background&#10;&#10;Description automatically generated">
             <a:extLst>
               <a:ext uri="{FF2B5EF4-FFF2-40B4-BE49-F238E27FC236}">
-                <a16:creationId xmlns:a16="http://schemas.microsoft.com/office/drawing/2014/main" id="{18D94CD8-ABCA-4CC0-BA76-7EE7852EB6B6}"/>
+                <a16:creationId xmlns:a16="http://schemas.microsoft.com/office/drawing/2014/main" xmlns="" id="{18D94CD8-ABCA-4CC0-BA76-7EE7852EB6B6}"/>
               </a:ext>
             </a:extLst>
           </p:cNvPr>
@@ -14746,10 +14938,10 @@
           <p:cNvPr id="14" name="Isosceles Triangle 11">
             <a:extLst>
               <a:ext uri="{FF2B5EF4-FFF2-40B4-BE49-F238E27FC236}">
-                <a16:creationId xmlns:a16="http://schemas.microsoft.com/office/drawing/2014/main" id="{3BCB5F6A-9EB0-40B0-9D13-3023E9A20508}"/>
+                <a16:creationId xmlns:a16="http://schemas.microsoft.com/office/drawing/2014/main" xmlns="" id="{3BCB5F6A-9EB0-40B0-9D13-3023E9A20508}"/>
               </a:ext>
               <a:ext uri="{C183D7F6-B498-43B3-948B-1728B52AA6E4}">
-                <adec:decorative xmlns:adec="http://schemas.microsoft.com/office/drawing/2017/decorative" val="1"/>
+                <adec:decorative xmlns:adec="http://schemas.microsoft.com/office/drawing/2017/decorative" xmlns="" val="1"/>
               </a:ext>
             </a:extLst>
           </p:cNvPr>
@@ -14759,7 +14951,7 @@
           <p:nvPr>
             <p:extLst>
               <p:ext uri="{386F3935-93C4-4BCD-93E2-E3B085C9AB24}">
-                <p16:designElem xmlns:p16="http://schemas.microsoft.com/office/powerpoint/2015/main" val="1"/>
+                <p16:designElem xmlns:p16="http://schemas.microsoft.com/office/powerpoint/2015/main" xmlns="" val="1"/>
               </p:ext>
             </p:extLst>
           </p:nvPr>
@@ -14807,6 +14999,13 @@
   <p:clrMapOvr>
     <a:overrideClrMapping bg1="dk1" tx1="lt1" bg2="dk2" tx2="lt2" accent1="accent1" accent2="accent2" accent3="accent3" accent4="accent4" accent5="accent5" accent6="accent6" hlink="hlink" folHlink="folHlink"/>
   </p:clrMapOvr>
+  <p:timing>
+    <p:tnLst>
+      <p:par>
+        <p:cTn id="1" dur="indefinite" restart="never" nodeType="tmRoot"/>
+      </p:par>
+    </p:tnLst>
+  </p:timing>
 </p:sld>
 </file>
 
@@ -14840,10 +15039,10 @@
           <p:cNvPr id="26" name="Rectangle 25">
             <a:extLst>
               <a:ext uri="{FF2B5EF4-FFF2-40B4-BE49-F238E27FC236}">
-                <a16:creationId xmlns:a16="http://schemas.microsoft.com/office/drawing/2014/main" id="{A65AC7D1-EAA9-48F5-B509-60A7F50BF703}"/>
+                <a16:creationId xmlns:a16="http://schemas.microsoft.com/office/drawing/2014/main" xmlns="" id="{A65AC7D1-EAA9-48F5-B509-60A7F50BF703}"/>
               </a:ext>
               <a:ext uri="{C183D7F6-B498-43B3-948B-1728B52AA6E4}">
-                <adec:decorative xmlns:adec="http://schemas.microsoft.com/office/drawing/2017/decorative" val="1"/>
+                <adec:decorative xmlns:adec="http://schemas.microsoft.com/office/drawing/2017/decorative" xmlns="" val="1"/>
               </a:ext>
             </a:extLst>
           </p:cNvPr>
@@ -14853,7 +15052,7 @@
           <p:nvPr>
             <p:extLst>
               <p:ext uri="{386F3935-93C4-4BCD-93E2-E3B085C9AB24}">
-                <p16:designElem xmlns:p16="http://schemas.microsoft.com/office/powerpoint/2015/main" val="1"/>
+                <p16:designElem xmlns:p16="http://schemas.microsoft.com/office/powerpoint/2015/main" xmlns="" val="1"/>
               </p:ext>
             </p:extLst>
           </p:nvPr>
@@ -14900,10 +15099,10 @@
           <p:cNvPr id="28" name="Rectangle 27">
             <a:extLst>
               <a:ext uri="{FF2B5EF4-FFF2-40B4-BE49-F238E27FC236}">
-                <a16:creationId xmlns:a16="http://schemas.microsoft.com/office/drawing/2014/main" id="{D6320AF9-619A-4175-865B-5663E1AEF4C5}"/>
+                <a16:creationId xmlns:a16="http://schemas.microsoft.com/office/drawing/2014/main" xmlns="" id="{D6320AF9-619A-4175-865B-5663E1AEF4C5}"/>
               </a:ext>
               <a:ext uri="{C183D7F6-B498-43B3-948B-1728B52AA6E4}">
-                <adec:decorative xmlns:adec="http://schemas.microsoft.com/office/drawing/2017/decorative" val="1"/>
+                <adec:decorative xmlns:adec="http://schemas.microsoft.com/office/drawing/2017/decorative" xmlns="" val="1"/>
               </a:ext>
             </a:extLst>
           </p:cNvPr>
@@ -14913,7 +15112,7 @@
           <p:nvPr>
             <p:extLst>
               <p:ext uri="{386F3935-93C4-4BCD-93E2-E3B085C9AB24}">
-                <p16:designElem xmlns:p16="http://schemas.microsoft.com/office/powerpoint/2015/main" val="1"/>
+                <p16:designElem xmlns:p16="http://schemas.microsoft.com/office/powerpoint/2015/main" xmlns="" val="1"/>
               </p:ext>
             </p:extLst>
           </p:nvPr>
@@ -14960,10 +15159,10 @@
           <p:cNvPr id="30" name="Straight Connector 29">
             <a:extLst>
               <a:ext uri="{FF2B5EF4-FFF2-40B4-BE49-F238E27FC236}">
-                <a16:creationId xmlns:a16="http://schemas.microsoft.com/office/drawing/2014/main" id="{063B6EC6-D752-4EE7-908B-F8F19E8C7FEA}"/>
+                <a16:creationId xmlns:a16="http://schemas.microsoft.com/office/drawing/2014/main" xmlns="" id="{063B6EC6-D752-4EE7-908B-F8F19E8C7FEA}"/>
               </a:ext>
               <a:ext uri="{C183D7F6-B498-43B3-948B-1728B52AA6E4}">
-                <adec:decorative xmlns:adec="http://schemas.microsoft.com/office/drawing/2017/decorative" val="1"/>
+                <adec:decorative xmlns:adec="http://schemas.microsoft.com/office/drawing/2017/decorative" xmlns="" val="1"/>
               </a:ext>
             </a:extLst>
           </p:cNvPr>
@@ -14973,7 +15172,7 @@
           <p:nvPr>
             <p:extLst>
               <p:ext uri="{386F3935-93C4-4BCD-93E2-E3B085C9AB24}">
-                <p16:designElem xmlns:p16="http://schemas.microsoft.com/office/powerpoint/2015/main" val="1"/>
+                <p16:designElem xmlns:p16="http://schemas.microsoft.com/office/powerpoint/2015/main" xmlns="" val="1"/>
               </p:ext>
             </p:extLst>
           </p:nvPr>
@@ -15014,10 +15213,10 @@
           <p:cNvPr id="32" name="Straight Connector 31">
             <a:extLst>
               <a:ext uri="{FF2B5EF4-FFF2-40B4-BE49-F238E27FC236}">
-                <a16:creationId xmlns:a16="http://schemas.microsoft.com/office/drawing/2014/main" id="{EFECD4E8-AD3E-4228-82A2-9461958EA94D}"/>
+                <a16:creationId xmlns:a16="http://schemas.microsoft.com/office/drawing/2014/main" xmlns="" id="{EFECD4E8-AD3E-4228-82A2-9461958EA94D}"/>
               </a:ext>
               <a:ext uri="{C183D7F6-B498-43B3-948B-1728B52AA6E4}">
-                <adec:decorative xmlns:adec="http://schemas.microsoft.com/office/drawing/2017/decorative" val="1"/>
+                <adec:decorative xmlns:adec="http://schemas.microsoft.com/office/drawing/2017/decorative" xmlns="" val="1"/>
               </a:ext>
             </a:extLst>
           </p:cNvPr>
@@ -15027,7 +15226,7 @@
           <p:nvPr>
             <p:extLst>
               <p:ext uri="{386F3935-93C4-4BCD-93E2-E3B085C9AB24}">
-                <p16:designElem xmlns:p16="http://schemas.microsoft.com/office/powerpoint/2015/main" val="1"/>
+                <p16:designElem xmlns:p16="http://schemas.microsoft.com/office/powerpoint/2015/main" xmlns="" val="1"/>
               </p:ext>
             </p:extLst>
           </p:nvPr>
@@ -15070,10 +15269,10 @@
           <p:cNvPr id="34" name="Rectangle 23">
             <a:extLst>
               <a:ext uri="{FF2B5EF4-FFF2-40B4-BE49-F238E27FC236}">
-                <a16:creationId xmlns:a16="http://schemas.microsoft.com/office/drawing/2014/main" id="{7E018740-5C2B-4A41-AC1A-7E68D1EC1954}"/>
+                <a16:creationId xmlns:a16="http://schemas.microsoft.com/office/drawing/2014/main" xmlns="" id="{7E018740-5C2B-4A41-AC1A-7E68D1EC1954}"/>
               </a:ext>
               <a:ext uri="{C183D7F6-B498-43B3-948B-1728B52AA6E4}">
-                <adec:decorative xmlns:adec="http://schemas.microsoft.com/office/drawing/2017/decorative" val="1"/>
+                <adec:decorative xmlns:adec="http://schemas.microsoft.com/office/drawing/2017/decorative" xmlns="" val="1"/>
               </a:ext>
             </a:extLst>
           </p:cNvPr>
@@ -15083,7 +15282,7 @@
           <p:nvPr>
             <p:extLst>
               <p:ext uri="{386F3935-93C4-4BCD-93E2-E3B085C9AB24}">
-                <p16:designElem xmlns:p16="http://schemas.microsoft.com/office/powerpoint/2015/main" val="1"/>
+                <p16:designElem xmlns:p16="http://schemas.microsoft.com/office/powerpoint/2015/main" xmlns="" val="1"/>
               </p:ext>
             </p:extLst>
           </p:nvPr>
@@ -15150,10 +15349,10 @@
           <p:cNvPr id="36" name="Rectangle 25">
             <a:extLst>
               <a:ext uri="{FF2B5EF4-FFF2-40B4-BE49-F238E27FC236}">
-                <a16:creationId xmlns:a16="http://schemas.microsoft.com/office/drawing/2014/main" id="{166F75A4-C475-4941-8EE2-B80A06A2C1BB}"/>
+                <a16:creationId xmlns:a16="http://schemas.microsoft.com/office/drawing/2014/main" xmlns="" id="{166F75A4-C475-4941-8EE2-B80A06A2C1BB}"/>
               </a:ext>
               <a:ext uri="{C183D7F6-B498-43B3-948B-1728B52AA6E4}">
-                <adec:decorative xmlns:adec="http://schemas.microsoft.com/office/drawing/2017/decorative" val="1"/>
+                <adec:decorative xmlns:adec="http://schemas.microsoft.com/office/drawing/2017/decorative" xmlns="" val="1"/>
               </a:ext>
             </a:extLst>
           </p:cNvPr>
@@ -15163,7 +15362,7 @@
           <p:nvPr>
             <p:extLst>
               <p:ext uri="{386F3935-93C4-4BCD-93E2-E3B085C9AB24}">
-                <p16:designElem xmlns:p16="http://schemas.microsoft.com/office/powerpoint/2015/main" val="1"/>
+                <p16:designElem xmlns:p16="http://schemas.microsoft.com/office/powerpoint/2015/main" xmlns="" val="1"/>
               </p:ext>
             </p:extLst>
           </p:nvPr>
@@ -15230,10 +15429,10 @@
           <p:cNvPr id="38" name="Isosceles Triangle 37">
             <a:extLst>
               <a:ext uri="{FF2B5EF4-FFF2-40B4-BE49-F238E27FC236}">
-                <a16:creationId xmlns:a16="http://schemas.microsoft.com/office/drawing/2014/main" id="{A032553A-72E8-4B0D-8405-FF9771C9AF05}"/>
+                <a16:creationId xmlns:a16="http://schemas.microsoft.com/office/drawing/2014/main" xmlns="" id="{A032553A-72E8-4B0D-8405-FF9771C9AF05}"/>
               </a:ext>
               <a:ext uri="{C183D7F6-B498-43B3-948B-1728B52AA6E4}">
-                <adec:decorative xmlns:adec="http://schemas.microsoft.com/office/drawing/2017/decorative" val="1"/>
+                <adec:decorative xmlns:adec="http://schemas.microsoft.com/office/drawing/2017/decorative" xmlns="" val="1"/>
               </a:ext>
             </a:extLst>
           </p:cNvPr>
@@ -15243,7 +15442,7 @@
           <p:nvPr>
             <p:extLst>
               <p:ext uri="{386F3935-93C4-4BCD-93E2-E3B085C9AB24}">
-                <p16:designElem xmlns:p16="http://schemas.microsoft.com/office/powerpoint/2015/main" val="1"/>
+                <p16:designElem xmlns:p16="http://schemas.microsoft.com/office/powerpoint/2015/main" xmlns="" val="1"/>
               </p:ext>
             </p:extLst>
           </p:nvPr>
@@ -15288,10 +15487,10 @@
           <p:cNvPr id="40" name="Rectangle 27">
             <a:extLst>
               <a:ext uri="{FF2B5EF4-FFF2-40B4-BE49-F238E27FC236}">
-                <a16:creationId xmlns:a16="http://schemas.microsoft.com/office/drawing/2014/main" id="{765800AC-C3B9-498E-87BC-29FAE4C76B21}"/>
+                <a16:creationId xmlns:a16="http://schemas.microsoft.com/office/drawing/2014/main" xmlns="" id="{765800AC-C3B9-498E-87BC-29FAE4C76B21}"/>
               </a:ext>
               <a:ext uri="{C183D7F6-B498-43B3-948B-1728B52AA6E4}">
-                <adec:decorative xmlns:adec="http://schemas.microsoft.com/office/drawing/2017/decorative" val="1"/>
+                <adec:decorative xmlns:adec="http://schemas.microsoft.com/office/drawing/2017/decorative" xmlns="" val="1"/>
               </a:ext>
             </a:extLst>
           </p:cNvPr>
@@ -15301,7 +15500,7 @@
           <p:nvPr>
             <p:extLst>
               <p:ext uri="{386F3935-93C4-4BCD-93E2-E3B085C9AB24}">
-                <p16:designElem xmlns:p16="http://schemas.microsoft.com/office/powerpoint/2015/main" val="1"/>
+                <p16:designElem xmlns:p16="http://schemas.microsoft.com/office/powerpoint/2015/main" xmlns="" val="1"/>
               </p:ext>
             </p:extLst>
           </p:nvPr>
@@ -15369,10 +15568,10 @@
           <p:cNvPr id="42" name="Isosceles Triangle 41">
             <a:extLst>
               <a:ext uri="{FF2B5EF4-FFF2-40B4-BE49-F238E27FC236}">
-                <a16:creationId xmlns:a16="http://schemas.microsoft.com/office/drawing/2014/main" id="{1F9D6ACB-2FF4-49F9-978A-E0D5327FC635}"/>
+                <a16:creationId xmlns:a16="http://schemas.microsoft.com/office/drawing/2014/main" xmlns="" id="{1F9D6ACB-2FF4-49F9-978A-E0D5327FC635}"/>
               </a:ext>
               <a:ext uri="{C183D7F6-B498-43B3-948B-1728B52AA6E4}">
-                <adec:decorative xmlns:adec="http://schemas.microsoft.com/office/drawing/2017/decorative" val="1"/>
+                <adec:decorative xmlns:adec="http://schemas.microsoft.com/office/drawing/2017/decorative" xmlns="" val="1"/>
               </a:ext>
             </a:extLst>
           </p:cNvPr>
@@ -15382,7 +15581,7 @@
           <p:nvPr>
             <p:extLst>
               <p:ext uri="{386F3935-93C4-4BCD-93E2-E3B085C9AB24}">
-                <p16:designElem xmlns:p16="http://schemas.microsoft.com/office/powerpoint/2015/main" val="1"/>
+                <p16:designElem xmlns:p16="http://schemas.microsoft.com/office/powerpoint/2015/main" xmlns="" val="1"/>
               </p:ext>
             </p:extLst>
           </p:nvPr>
@@ -15427,10 +15626,10 @@
           <p:cNvPr id="44" name="Freeform: Shape 43">
             <a:extLst>
               <a:ext uri="{FF2B5EF4-FFF2-40B4-BE49-F238E27FC236}">
-                <a16:creationId xmlns:a16="http://schemas.microsoft.com/office/drawing/2014/main" id="{A5EC319D-0FEA-4B95-A3EA-01E35672C95B}"/>
+                <a16:creationId xmlns:a16="http://schemas.microsoft.com/office/drawing/2014/main" xmlns="" id="{A5EC319D-0FEA-4B95-A3EA-01E35672C95B}"/>
               </a:ext>
               <a:ext uri="{C183D7F6-B498-43B3-948B-1728B52AA6E4}">
-                <adec:decorative xmlns:adec="http://schemas.microsoft.com/office/drawing/2017/decorative" val="1"/>
+                <adec:decorative xmlns:adec="http://schemas.microsoft.com/office/drawing/2017/decorative" xmlns="" val="1"/>
               </a:ext>
             </a:extLst>
           </p:cNvPr>
@@ -15440,7 +15639,7 @@
           <p:nvPr>
             <p:extLst>
               <p:ext uri="{386F3935-93C4-4BCD-93E2-E3B085C9AB24}">
-                <p16:designElem xmlns:p16="http://schemas.microsoft.com/office/powerpoint/2015/main" val="1"/>
+                <p16:designElem xmlns:p16="http://schemas.microsoft.com/office/powerpoint/2015/main" xmlns="" val="1"/>
               </p:ext>
             </p:extLst>
           </p:nvPr>
@@ -15561,7 +15760,7 @@
           <p:cNvPr id="2" name="Title 1">
             <a:extLst>
               <a:ext uri="{FF2B5EF4-FFF2-40B4-BE49-F238E27FC236}">
-                <a16:creationId xmlns:a16="http://schemas.microsoft.com/office/drawing/2014/main" id="{5C902266-A915-4455-8C89-5B7FFA7742B5}"/>
+                <a16:creationId xmlns:a16="http://schemas.microsoft.com/office/drawing/2014/main" xmlns="" id="{5C902266-A915-4455-8C89-5B7FFA7742B5}"/>
               </a:ext>
             </a:extLst>
           </p:cNvPr>
@@ -15605,7 +15804,7 @@
           <p:cNvPr id="21" name="Picture 20" descr="A screenshot of a cell phone&#10;&#10;Description automatically generated">
             <a:extLst>
               <a:ext uri="{FF2B5EF4-FFF2-40B4-BE49-F238E27FC236}">
-                <a16:creationId xmlns:a16="http://schemas.microsoft.com/office/drawing/2014/main" id="{9D98D639-AB34-45F0-9D12-6DC2877524C1}"/>
+                <a16:creationId xmlns:a16="http://schemas.microsoft.com/office/drawing/2014/main" xmlns="" id="{9D98D639-AB34-45F0-9D12-6DC2877524C1}"/>
               </a:ext>
             </a:extLst>
           </p:cNvPr>
@@ -15641,7 +15840,7 @@
           <p:cNvPr id="3" name="Content Placeholder 2">
             <a:extLst>
               <a:ext uri="{FF2B5EF4-FFF2-40B4-BE49-F238E27FC236}">
-                <a16:creationId xmlns:a16="http://schemas.microsoft.com/office/drawing/2014/main" id="{1E72A3C1-A192-419B-B0D1-D21CAACDDACE}"/>
+                <a16:creationId xmlns:a16="http://schemas.microsoft.com/office/drawing/2014/main" xmlns="" id="{1E72A3C1-A192-419B-B0D1-D21CAACDDACE}"/>
               </a:ext>
             </a:extLst>
           </p:cNvPr>
@@ -15665,7 +15864,7 @@
           <a:lstStyle/>
           <a:p>
             <a:r>
-              <a:rPr lang="en-AU">
+              <a:rPr lang="en-AU" dirty="0">
                 <a:solidFill>
                   <a:srgbClr val="FFFFFF"/>
                 </a:solidFill>
@@ -15675,7 +15874,7 @@
           </a:p>
           <a:p>
             <a:r>
-              <a:rPr lang="en-AU">
+              <a:rPr lang="en-AU" dirty="0">
                 <a:solidFill>
                   <a:srgbClr val="FFFFFF"/>
                 </a:solidFill>
@@ -15684,7 +15883,7 @@
             </a:r>
           </a:p>
           <a:p>
-            <a:endParaRPr lang="en-AU">
+            <a:endParaRPr lang="en-AU" dirty="0">
               <a:solidFill>
                 <a:srgbClr val="FFFFFF"/>
               </a:solidFill>
@@ -15697,7 +15896,7 @@
           <p:cNvPr id="5" name="Picture 4" descr="A close up of a sign&#10;&#10;Description automatically generated">
             <a:extLst>
               <a:ext uri="{FF2B5EF4-FFF2-40B4-BE49-F238E27FC236}">
-                <a16:creationId xmlns:a16="http://schemas.microsoft.com/office/drawing/2014/main" id="{09C67F5F-F5A6-46A9-AB19-FFA534C6B9AF}"/>
+                <a16:creationId xmlns:a16="http://schemas.microsoft.com/office/drawing/2014/main" xmlns="" id="{09C67F5F-F5A6-46A9-AB19-FFA534C6B9AF}"/>
               </a:ext>
             </a:extLst>
           </p:cNvPr>
@@ -15707,7 +15906,7 @@
           <p:nvPr/>
         </p:nvPicPr>
         <p:blipFill>
-          <a:blip r:embed="rId3">
+          <a:blip r:embed="rId3" cstate="print">
             <a:extLst>
               <a:ext uri="{28A0092B-C50C-407E-A947-70E740481C1C}">
                 <a14:useLocalDpi xmlns:a14="http://schemas.microsoft.com/office/drawing/2010/main" val="0"/>
@@ -15738,6 +15937,13 @@
   <p:clrMapOvr>
     <a:masterClrMapping/>
   </p:clrMapOvr>
+  <p:timing>
+    <p:tnLst>
+      <p:par>
+        <p:cTn id="1" dur="indefinite" restart="never" nodeType="tmRoot"/>
+      </p:par>
+    </p:tnLst>
+  </p:timing>
 </p:sld>
 </file>
 
@@ -15771,10 +15977,10 @@
           <p:cNvPr id="70" name="Rectangle 61">
             <a:extLst>
               <a:ext uri="{FF2B5EF4-FFF2-40B4-BE49-F238E27FC236}">
-                <a16:creationId xmlns:a16="http://schemas.microsoft.com/office/drawing/2014/main" id="{E80B86A7-A1EC-475B-9166-88902B033A38}"/>
+                <a16:creationId xmlns:a16="http://schemas.microsoft.com/office/drawing/2014/main" xmlns="" id="{E80B86A7-A1EC-475B-9166-88902B033A38}"/>
               </a:ext>
               <a:ext uri="{C183D7F6-B498-43B3-948B-1728B52AA6E4}">
-                <adec:decorative xmlns:adec="http://schemas.microsoft.com/office/drawing/2017/decorative" val="1"/>
+                <adec:decorative xmlns:adec="http://schemas.microsoft.com/office/drawing/2017/decorative" xmlns="" val="1"/>
               </a:ext>
             </a:extLst>
           </p:cNvPr>
@@ -15784,7 +15990,7 @@
           <p:nvPr>
             <p:extLst>
               <p:ext uri="{386F3935-93C4-4BCD-93E2-E3B085C9AB24}">
-                <p16:designElem xmlns:p16="http://schemas.microsoft.com/office/powerpoint/2015/main" val="1"/>
+                <p16:designElem xmlns:p16="http://schemas.microsoft.com/office/powerpoint/2015/main" xmlns="" val="1"/>
               </p:ext>
             </p:extLst>
           </p:nvPr>
@@ -15860,7 +16066,7 @@
           <p:cNvPr id="2" name="Title 1">
             <a:extLst>
               <a:ext uri="{FF2B5EF4-FFF2-40B4-BE49-F238E27FC236}">
-                <a16:creationId xmlns:a16="http://schemas.microsoft.com/office/drawing/2014/main" id="{AA746351-EAA2-4E3F-B9C4-5C5B36A9CC06}"/>
+                <a16:creationId xmlns:a16="http://schemas.microsoft.com/office/drawing/2014/main" xmlns="" id="{AA746351-EAA2-4E3F-B9C4-5C5B36A9CC06}"/>
               </a:ext>
             </a:extLst>
           </p:cNvPr>
@@ -15900,10 +16106,10 @@
           <p:cNvPr id="71" name="Isosceles Triangle 63">
             <a:extLst>
               <a:ext uri="{FF2B5EF4-FFF2-40B4-BE49-F238E27FC236}">
-                <a16:creationId xmlns:a16="http://schemas.microsoft.com/office/drawing/2014/main" id="{C2C29CB1-9F74-4879-A6AF-AEA67B6F1F4D}"/>
+                <a16:creationId xmlns:a16="http://schemas.microsoft.com/office/drawing/2014/main" xmlns="" id="{C2C29CB1-9F74-4879-A6AF-AEA67B6F1F4D}"/>
               </a:ext>
               <a:ext uri="{C183D7F6-B498-43B3-948B-1728B52AA6E4}">
-                <adec:decorative xmlns:adec="http://schemas.microsoft.com/office/drawing/2017/decorative" val="1"/>
+                <adec:decorative xmlns:adec="http://schemas.microsoft.com/office/drawing/2017/decorative" xmlns="" val="1"/>
               </a:ext>
             </a:extLst>
           </p:cNvPr>
@@ -15913,7 +16119,7 @@
           <p:nvPr>
             <p:extLst>
               <p:ext uri="{386F3935-93C4-4BCD-93E2-E3B085C9AB24}">
-                <p16:designElem xmlns:p16="http://schemas.microsoft.com/office/powerpoint/2015/main" val="1"/>
+                <p16:designElem xmlns:p16="http://schemas.microsoft.com/office/powerpoint/2015/main" xmlns="" val="1"/>
               </p:ext>
             </p:extLst>
           </p:nvPr>
@@ -15958,7 +16164,7 @@
           <p:cNvPr id="57" name="Content Placeholder 2">
             <a:extLst>
               <a:ext uri="{FF2B5EF4-FFF2-40B4-BE49-F238E27FC236}">
-                <a16:creationId xmlns:a16="http://schemas.microsoft.com/office/drawing/2014/main" id="{96C3A22E-CF60-4733-8E86-48B15246AE95}"/>
+                <a16:creationId xmlns:a16="http://schemas.microsoft.com/office/drawing/2014/main" xmlns="" id="{96C3A22E-CF60-4733-8E86-48B15246AE95}"/>
               </a:ext>
             </a:extLst>
           </p:cNvPr>
@@ -15983,8 +16189,24 @@
           <a:p>
             <a:r>
               <a:rPr lang="en-GB" dirty="0"/>
-              <a:t>Creating and browsing hunts works functionally the same as in the Android </a:t>
+              <a:t>B</a:t>
             </a:r>
+            <a:r>
+              <a:rPr lang="en-GB" dirty="0" smtClean="0"/>
+              <a:t>rowsing </a:t>
+            </a:r>
+            <a:r>
+              <a:rPr lang="en-GB" dirty="0"/>
+              <a:t>hunts works functionally the same as in the Android </a:t>
+            </a:r>
+            <a:endParaRPr lang="en-GB" dirty="0" smtClean="0"/>
+          </a:p>
+          <a:p>
+            <a:r>
+              <a:rPr lang="en-GB" dirty="0" smtClean="0"/>
+              <a:t>The web application also allows for creating new hunts</a:t>
+            </a:r>
+            <a:endParaRPr lang="en-GB" dirty="0"/>
           </a:p>
         </p:txBody>
       </p:sp>
@@ -15993,10 +16215,10 @@
           <p:cNvPr id="72" name="Isosceles Triangle 65">
             <a:extLst>
               <a:ext uri="{FF2B5EF4-FFF2-40B4-BE49-F238E27FC236}">
-                <a16:creationId xmlns:a16="http://schemas.microsoft.com/office/drawing/2014/main" id="{7E2C7115-5336-410C-AD71-0F0952A2E5A7}"/>
+                <a16:creationId xmlns:a16="http://schemas.microsoft.com/office/drawing/2014/main" xmlns="" id="{7E2C7115-5336-410C-AD71-0F0952A2E5A7}"/>
               </a:ext>
               <a:ext uri="{C183D7F6-B498-43B3-948B-1728B52AA6E4}">
-                <adec:decorative xmlns:adec="http://schemas.microsoft.com/office/drawing/2017/decorative" val="1"/>
+                <adec:decorative xmlns:adec="http://schemas.microsoft.com/office/drawing/2017/decorative" xmlns="" val="1"/>
               </a:ext>
             </a:extLst>
           </p:cNvPr>
@@ -16006,7 +16228,7 @@
           <p:nvPr>
             <p:extLst>
               <p:ext uri="{386F3935-93C4-4BCD-93E2-E3B085C9AB24}">
-                <p16:designElem xmlns:p16="http://schemas.microsoft.com/office/powerpoint/2015/main" val="1"/>
+                <p16:designElem xmlns:p16="http://schemas.microsoft.com/office/powerpoint/2015/main" xmlns="" val="1"/>
               </p:ext>
             </p:extLst>
           </p:nvPr>
@@ -16051,7 +16273,7 @@
           <p:cNvPr id="5" name="Picture 4" descr="A close up of a map&#10;&#10;Description automatically generated">
             <a:extLst>
               <a:ext uri="{FF2B5EF4-FFF2-40B4-BE49-F238E27FC236}">
-                <a16:creationId xmlns:a16="http://schemas.microsoft.com/office/drawing/2014/main" id="{48277436-64EA-4043-9FE5-7EEEC43B413E}"/>
+                <a16:creationId xmlns:a16="http://schemas.microsoft.com/office/drawing/2014/main" xmlns="" id="{48277436-64EA-4043-9FE5-7EEEC43B413E}"/>
               </a:ext>
             </a:extLst>
           </p:cNvPr>
@@ -16087,7 +16309,7 @@
           <p:cNvPr id="7" name="Picture 6" descr="A picture containing monitor, black, sitting, sign&#10;&#10;Description automatically generated">
             <a:extLst>
               <a:ext uri="{FF2B5EF4-FFF2-40B4-BE49-F238E27FC236}">
-                <a16:creationId xmlns:a16="http://schemas.microsoft.com/office/drawing/2014/main" id="{2E05299F-3CDB-4B79-BB47-27FBBA6B6BA5}"/>
+                <a16:creationId xmlns:a16="http://schemas.microsoft.com/office/drawing/2014/main" xmlns="" id="{2E05299F-3CDB-4B79-BB47-27FBBA6B6BA5}"/>
               </a:ext>
             </a:extLst>
           </p:cNvPr>
@@ -16128,6 +16350,13 @@
   <p:clrMapOvr>
     <a:masterClrMapping/>
   </p:clrMapOvr>
+  <p:timing>
+    <p:tnLst>
+      <p:par>
+        <p:cTn id="1" dur="indefinite" restart="never" nodeType="tmRoot"/>
+      </p:par>
+    </p:tnLst>
+  </p:timing>
 </p:sld>
 </file>
 
@@ -16161,10 +16390,10 @@
           <p:cNvPr id="10" name="Rectangle 9">
             <a:extLst>
               <a:ext uri="{FF2B5EF4-FFF2-40B4-BE49-F238E27FC236}">
-                <a16:creationId xmlns:a16="http://schemas.microsoft.com/office/drawing/2014/main" id="{9F4444CE-BC8D-4D61-B303-4C05614E62AB}"/>
+                <a16:creationId xmlns:a16="http://schemas.microsoft.com/office/drawing/2014/main" xmlns="" id="{9F4444CE-BC8D-4D61-B303-4C05614E62AB}"/>
               </a:ext>
               <a:ext uri="{C183D7F6-B498-43B3-948B-1728B52AA6E4}">
-                <adec:decorative xmlns:adec="http://schemas.microsoft.com/office/drawing/2017/decorative" val="1"/>
+                <adec:decorative xmlns:adec="http://schemas.microsoft.com/office/drawing/2017/decorative" xmlns="" val="1"/>
               </a:ext>
             </a:extLst>
           </p:cNvPr>
@@ -16174,7 +16403,7 @@
           <p:nvPr>
             <p:extLst>
               <p:ext uri="{386F3935-93C4-4BCD-93E2-E3B085C9AB24}">
-                <p16:designElem xmlns:p16="http://schemas.microsoft.com/office/powerpoint/2015/main" val="1"/>
+                <p16:designElem xmlns:p16="http://schemas.microsoft.com/office/powerpoint/2015/main" xmlns="" val="1"/>
               </p:ext>
             </p:extLst>
           </p:nvPr>
@@ -16221,10 +16450,10 @@
           <p:cNvPr id="28" name="Rectangle 11">
             <a:extLst>
               <a:ext uri="{FF2B5EF4-FFF2-40B4-BE49-F238E27FC236}">
-                <a16:creationId xmlns:a16="http://schemas.microsoft.com/office/drawing/2014/main" id="{62423CA5-E2E1-4789-B759-9906C1C94063}"/>
+                <a16:creationId xmlns:a16="http://schemas.microsoft.com/office/drawing/2014/main" xmlns="" id="{62423CA5-E2E1-4789-B759-9906C1C94063}"/>
               </a:ext>
               <a:ext uri="{C183D7F6-B498-43B3-948B-1728B52AA6E4}">
-                <adec:decorative xmlns:adec="http://schemas.microsoft.com/office/drawing/2017/decorative" val="1"/>
+                <adec:decorative xmlns:adec="http://schemas.microsoft.com/office/drawing/2017/decorative" xmlns="" val="1"/>
               </a:ext>
             </a:extLst>
           </p:cNvPr>
@@ -16234,7 +16463,7 @@
           <p:nvPr>
             <p:extLst>
               <p:ext uri="{386F3935-93C4-4BCD-93E2-E3B085C9AB24}">
-                <p16:designElem xmlns:p16="http://schemas.microsoft.com/office/powerpoint/2015/main" val="1"/>
+                <p16:designElem xmlns:p16="http://schemas.microsoft.com/office/powerpoint/2015/main" xmlns="" val="1"/>
               </p:ext>
             </p:extLst>
           </p:nvPr>
@@ -16282,10 +16511,10 @@
           <p:cNvPr id="29" name="Isosceles Triangle 13">
             <a:extLst>
               <a:ext uri="{FF2B5EF4-FFF2-40B4-BE49-F238E27FC236}">
-                <a16:creationId xmlns:a16="http://schemas.microsoft.com/office/drawing/2014/main" id="{73772B81-181F-48B7-8826-4D9686D15DF5}"/>
+                <a16:creationId xmlns:a16="http://schemas.microsoft.com/office/drawing/2014/main" xmlns="" id="{73772B81-181F-48B7-8826-4D9686D15DF5}"/>
               </a:ext>
               <a:ext uri="{C183D7F6-B498-43B3-948B-1728B52AA6E4}">
-                <adec:decorative xmlns:adec="http://schemas.microsoft.com/office/drawing/2017/decorative" val="1"/>
+                <adec:decorative xmlns:adec="http://schemas.microsoft.com/office/drawing/2017/decorative" xmlns="" val="1"/>
               </a:ext>
             </a:extLst>
           </p:cNvPr>
@@ -16295,7 +16524,7 @@
           <p:nvPr>
             <p:extLst>
               <p:ext uri="{386F3935-93C4-4BCD-93E2-E3B085C9AB24}">
-                <p16:designElem xmlns:p16="http://schemas.microsoft.com/office/powerpoint/2015/main" val="1"/>
+                <p16:designElem xmlns:p16="http://schemas.microsoft.com/office/powerpoint/2015/main" xmlns="" val="1"/>
               </p:ext>
             </p:extLst>
           </p:nvPr>
@@ -16345,7 +16574,7 @@
           <p:cNvPr id="2" name="Title 1">
             <a:extLst>
               <a:ext uri="{FF2B5EF4-FFF2-40B4-BE49-F238E27FC236}">
-                <a16:creationId xmlns:a16="http://schemas.microsoft.com/office/drawing/2014/main" id="{F90D6050-4D76-47F6-81E5-DCEDCF21FE39}"/>
+                <a16:creationId xmlns:a16="http://schemas.microsoft.com/office/drawing/2014/main" xmlns="" id="{F90D6050-4D76-47F6-81E5-DCEDCF21FE39}"/>
               </a:ext>
             </a:extLst>
           </p:cNvPr>
@@ -16384,7 +16613,7 @@
           <p:cNvPr id="3" name="Content Placeholder 2">
             <a:extLst>
               <a:ext uri="{FF2B5EF4-FFF2-40B4-BE49-F238E27FC236}">
-                <a16:creationId xmlns:a16="http://schemas.microsoft.com/office/drawing/2014/main" id="{CBD0E891-0091-4D1F-AF79-3AE0FFBDAD6B}"/>
+                <a16:creationId xmlns:a16="http://schemas.microsoft.com/office/drawing/2014/main" xmlns="" id="{CBD0E891-0091-4D1F-AF79-3AE0FFBDAD6B}"/>
               </a:ext>
             </a:extLst>
           </p:cNvPr>
@@ -16408,7 +16637,7 @@
           <a:lstStyle/>
           <a:p>
             <a:r>
-              <a:rPr lang="en-AU">
+              <a:rPr lang="en-AU" dirty="0">
                 <a:solidFill>
                   <a:schemeClr val="bg1"/>
                 </a:solidFill>
@@ -16423,7 +16652,7 @@
           <p:cNvPr id="5" name="Picture 4" descr="A screenshot of a social media post&#10;&#10;Description automatically generated">
             <a:extLst>
               <a:ext uri="{FF2B5EF4-FFF2-40B4-BE49-F238E27FC236}">
-                <a16:creationId xmlns:a16="http://schemas.microsoft.com/office/drawing/2014/main" id="{A08708E9-2007-4090-8B16-ECB3820F34FC}"/>
+                <a16:creationId xmlns:a16="http://schemas.microsoft.com/office/drawing/2014/main" xmlns="" id="{A08708E9-2007-4090-8B16-ECB3820F34FC}"/>
               </a:ext>
             </a:extLst>
           </p:cNvPr>
@@ -16459,10 +16688,10 @@
           <p:cNvPr id="30" name="Isosceles Triangle 15">
             <a:extLst>
               <a:ext uri="{FF2B5EF4-FFF2-40B4-BE49-F238E27FC236}">
-                <a16:creationId xmlns:a16="http://schemas.microsoft.com/office/drawing/2014/main" id="{B2205F6E-03C6-4E92-877C-E2482F6599AA}"/>
+                <a16:creationId xmlns:a16="http://schemas.microsoft.com/office/drawing/2014/main" xmlns="" id="{B2205F6E-03C6-4E92-877C-E2482F6599AA}"/>
               </a:ext>
               <a:ext uri="{C183D7F6-B498-43B3-948B-1728B52AA6E4}">
-                <adec:decorative xmlns:adec="http://schemas.microsoft.com/office/drawing/2017/decorative" val="1"/>
+                <adec:decorative xmlns:adec="http://schemas.microsoft.com/office/drawing/2017/decorative" xmlns="" val="1"/>
               </a:ext>
             </a:extLst>
           </p:cNvPr>
@@ -16472,7 +16701,7 @@
           <p:nvPr>
             <p:extLst>
               <p:ext uri="{386F3935-93C4-4BCD-93E2-E3B085C9AB24}">
-                <p16:designElem xmlns:p16="http://schemas.microsoft.com/office/powerpoint/2015/main" val="1"/>
+                <p16:designElem xmlns:p16="http://schemas.microsoft.com/office/powerpoint/2015/main" xmlns="" val="1"/>
               </p:ext>
             </p:extLst>
           </p:nvPr>
@@ -16524,7 +16753,7 @@
           <p:cNvPr id="7" name="Picture 6">
             <a:extLst>
               <a:ext uri="{FF2B5EF4-FFF2-40B4-BE49-F238E27FC236}">
-                <a16:creationId xmlns:a16="http://schemas.microsoft.com/office/drawing/2014/main" id="{23D71502-3EBE-443B-9243-25709E5EBBDB}"/>
+                <a16:creationId xmlns:a16="http://schemas.microsoft.com/office/drawing/2014/main" xmlns="" id="{23D71502-3EBE-443B-9243-25709E5EBBDB}"/>
               </a:ext>
             </a:extLst>
           </p:cNvPr>
@@ -16534,7 +16763,7 @@
           <p:nvPr/>
         </p:nvPicPr>
         <p:blipFill>
-          <a:blip r:embed="rId3">
+          <a:blip r:embed="rId3" cstate="print">
             <a:extLst>
               <a:ext uri="{28A0092B-C50C-407E-A947-70E740481C1C}">
                 <a14:useLocalDpi xmlns:a14="http://schemas.microsoft.com/office/drawing/2010/main" val="0"/>
@@ -16560,7 +16789,7 @@
           <p:cNvPr id="8" name="Oval 7">
             <a:extLst>
               <a:ext uri="{FF2B5EF4-FFF2-40B4-BE49-F238E27FC236}">
-                <a16:creationId xmlns:a16="http://schemas.microsoft.com/office/drawing/2014/main" id="{85EA628D-E867-4182-B5C1-BE2D7CE33D8B}"/>
+                <a16:creationId xmlns:a16="http://schemas.microsoft.com/office/drawing/2014/main" xmlns="" id="{85EA628D-E867-4182-B5C1-BE2D7CE33D8B}"/>
               </a:ext>
             </a:extLst>
           </p:cNvPr>
@@ -16617,6 +16846,13 @@
   <p:clrMapOvr>
     <a:masterClrMapping/>
   </p:clrMapOvr>
+  <p:timing>
+    <p:tnLst>
+      <p:par>
+        <p:cTn id="1" dur="indefinite" restart="never" nodeType="tmRoot"/>
+      </p:par>
+    </p:tnLst>
+  </p:timing>
 </p:sld>
 </file>
 
@@ -16650,10 +16886,10 @@
           <p:cNvPr id="70" name="Rectangle 61">
             <a:extLst>
               <a:ext uri="{FF2B5EF4-FFF2-40B4-BE49-F238E27FC236}">
-                <a16:creationId xmlns:a16="http://schemas.microsoft.com/office/drawing/2014/main" id="{E80B86A7-A1EC-475B-9166-88902B033A38}"/>
+                <a16:creationId xmlns:a16="http://schemas.microsoft.com/office/drawing/2014/main" xmlns="" id="{E80B86A7-A1EC-475B-9166-88902B033A38}"/>
               </a:ext>
               <a:ext uri="{C183D7F6-B498-43B3-948B-1728B52AA6E4}">
-                <adec:decorative xmlns:adec="http://schemas.microsoft.com/office/drawing/2017/decorative" val="1"/>
+                <adec:decorative xmlns:adec="http://schemas.microsoft.com/office/drawing/2017/decorative" xmlns="" val="1"/>
               </a:ext>
             </a:extLst>
           </p:cNvPr>
@@ -16663,7 +16899,7 @@
           <p:nvPr>
             <p:extLst>
               <p:ext uri="{386F3935-93C4-4BCD-93E2-E3B085C9AB24}">
-                <p16:designElem xmlns:p16="http://schemas.microsoft.com/office/powerpoint/2015/main" val="1"/>
+                <p16:designElem xmlns:p16="http://schemas.microsoft.com/office/powerpoint/2015/main" xmlns="" val="1"/>
               </p:ext>
             </p:extLst>
           </p:nvPr>
@@ -16739,7 +16975,7 @@
           <p:cNvPr id="2" name="Title 1">
             <a:extLst>
               <a:ext uri="{FF2B5EF4-FFF2-40B4-BE49-F238E27FC236}">
-                <a16:creationId xmlns:a16="http://schemas.microsoft.com/office/drawing/2014/main" id="{AA746351-EAA2-4E3F-B9C4-5C5B36A9CC06}"/>
+                <a16:creationId xmlns:a16="http://schemas.microsoft.com/office/drawing/2014/main" xmlns="" id="{AA746351-EAA2-4E3F-B9C4-5C5B36A9CC06}"/>
               </a:ext>
             </a:extLst>
           </p:cNvPr>
@@ -16779,10 +17015,10 @@
           <p:cNvPr id="71" name="Isosceles Triangle 63">
             <a:extLst>
               <a:ext uri="{FF2B5EF4-FFF2-40B4-BE49-F238E27FC236}">
-                <a16:creationId xmlns:a16="http://schemas.microsoft.com/office/drawing/2014/main" id="{C2C29CB1-9F74-4879-A6AF-AEA67B6F1F4D}"/>
+                <a16:creationId xmlns:a16="http://schemas.microsoft.com/office/drawing/2014/main" xmlns="" id="{C2C29CB1-9F74-4879-A6AF-AEA67B6F1F4D}"/>
               </a:ext>
               <a:ext uri="{C183D7F6-B498-43B3-948B-1728B52AA6E4}">
-                <adec:decorative xmlns:adec="http://schemas.microsoft.com/office/drawing/2017/decorative" val="1"/>
+                <adec:decorative xmlns:adec="http://schemas.microsoft.com/office/drawing/2017/decorative" xmlns="" val="1"/>
               </a:ext>
             </a:extLst>
           </p:cNvPr>
@@ -16792,7 +17028,7 @@
           <p:nvPr>
             <p:extLst>
               <p:ext uri="{386F3935-93C4-4BCD-93E2-E3B085C9AB24}">
-                <p16:designElem xmlns:p16="http://schemas.microsoft.com/office/powerpoint/2015/main" val="1"/>
+                <p16:designElem xmlns:p16="http://schemas.microsoft.com/office/powerpoint/2015/main" xmlns="" val="1"/>
               </p:ext>
             </p:extLst>
           </p:nvPr>
@@ -16837,7 +17073,7 @@
           <p:cNvPr id="57" name="Content Placeholder 2">
             <a:extLst>
               <a:ext uri="{FF2B5EF4-FFF2-40B4-BE49-F238E27FC236}">
-                <a16:creationId xmlns:a16="http://schemas.microsoft.com/office/drawing/2014/main" id="{96C3A22E-CF60-4733-8E86-48B15246AE95}"/>
+                <a16:creationId xmlns:a16="http://schemas.microsoft.com/office/drawing/2014/main" xmlns="" id="{96C3A22E-CF60-4733-8E86-48B15246AE95}"/>
               </a:ext>
             </a:extLst>
           </p:cNvPr>
@@ -16872,10 +17108,10 @@
           <p:cNvPr id="72" name="Isosceles Triangle 65">
             <a:extLst>
               <a:ext uri="{FF2B5EF4-FFF2-40B4-BE49-F238E27FC236}">
-                <a16:creationId xmlns:a16="http://schemas.microsoft.com/office/drawing/2014/main" id="{7E2C7115-5336-410C-AD71-0F0952A2E5A7}"/>
+                <a16:creationId xmlns:a16="http://schemas.microsoft.com/office/drawing/2014/main" xmlns="" id="{7E2C7115-5336-410C-AD71-0F0952A2E5A7}"/>
               </a:ext>
               <a:ext uri="{C183D7F6-B498-43B3-948B-1728B52AA6E4}">
-                <adec:decorative xmlns:adec="http://schemas.microsoft.com/office/drawing/2017/decorative" val="1"/>
+                <adec:decorative xmlns:adec="http://schemas.microsoft.com/office/drawing/2017/decorative" xmlns="" val="1"/>
               </a:ext>
             </a:extLst>
           </p:cNvPr>
@@ -16885,7 +17121,7 @@
           <p:nvPr>
             <p:extLst>
               <p:ext uri="{386F3935-93C4-4BCD-93E2-E3B085C9AB24}">
-                <p16:designElem xmlns:p16="http://schemas.microsoft.com/office/powerpoint/2015/main" val="1"/>
+                <p16:designElem xmlns:p16="http://schemas.microsoft.com/office/powerpoint/2015/main" xmlns="" val="1"/>
               </p:ext>
             </p:extLst>
           </p:nvPr>
@@ -16930,7 +17166,7 @@
           <p:cNvPr id="4" name="Picture 3" descr="A screenshot of a cell phone&#10;&#10;Description automatically generated">
             <a:extLst>
               <a:ext uri="{FF2B5EF4-FFF2-40B4-BE49-F238E27FC236}">
-                <a16:creationId xmlns:a16="http://schemas.microsoft.com/office/drawing/2014/main" id="{EBFC3AA2-D50E-4F3B-8E35-1D230508BF3D}"/>
+                <a16:creationId xmlns:a16="http://schemas.microsoft.com/office/drawing/2014/main" xmlns="" id="{EBFC3AA2-D50E-4F3B-8E35-1D230508BF3D}"/>
               </a:ext>
             </a:extLst>
           </p:cNvPr>
@@ -16971,6 +17207,13 @@
   <p:clrMapOvr>
     <a:masterClrMapping/>
   </p:clrMapOvr>
+  <p:timing>
+    <p:tnLst>
+      <p:par>
+        <p:cTn id="1" dur="indefinite" restart="never" nodeType="tmRoot"/>
+      </p:par>
+    </p:tnLst>
+  </p:timing>
 </p:sld>
 </file>
 
@@ -17004,7 +17247,7 @@
           <p:cNvPr id="2" name="Title 1">
             <a:extLst>
               <a:ext uri="{FF2B5EF4-FFF2-40B4-BE49-F238E27FC236}">
-                <a16:creationId xmlns:a16="http://schemas.microsoft.com/office/drawing/2014/main" id="{0740C164-CDFE-4433-AF71-ED503FE105EE}"/>
+                <a16:creationId xmlns:a16="http://schemas.microsoft.com/office/drawing/2014/main" xmlns="" id="{0740C164-CDFE-4433-AF71-ED503FE105EE}"/>
               </a:ext>
             </a:extLst>
           </p:cNvPr>
@@ -17040,7 +17283,7 @@
           <p:cNvPr id="3" name="Content Placeholder 2">
             <a:extLst>
               <a:ext uri="{FF2B5EF4-FFF2-40B4-BE49-F238E27FC236}">
-                <a16:creationId xmlns:a16="http://schemas.microsoft.com/office/drawing/2014/main" id="{B104876E-FE03-4CB4-B424-AE1F3DB571A7}"/>
+                <a16:creationId xmlns:a16="http://schemas.microsoft.com/office/drawing/2014/main" xmlns="" id="{B104876E-FE03-4CB4-B424-AE1F3DB571A7}"/>
               </a:ext>
             </a:extLst>
           </p:cNvPr>
@@ -17101,7 +17344,7 @@
           <p:cNvPr id="6" name="Picture 5" descr="A picture containing light, computer&#10;&#10;Description automatically generated">
             <a:extLst>
               <a:ext uri="{FF2B5EF4-FFF2-40B4-BE49-F238E27FC236}">
-                <a16:creationId xmlns:a16="http://schemas.microsoft.com/office/drawing/2014/main" id="{E144B3CA-CC86-487C-861B-49A79664BB08}"/>
+                <a16:creationId xmlns:a16="http://schemas.microsoft.com/office/drawing/2014/main" xmlns="" id="{E144B3CA-CC86-487C-861B-49A79664BB08}"/>
               </a:ext>
             </a:extLst>
           </p:cNvPr>
@@ -17163,10 +17406,10 @@
           <p:cNvPr id="41" name="Isosceles Triangle 38">
             <a:extLst>
               <a:ext uri="{FF2B5EF4-FFF2-40B4-BE49-F238E27FC236}">
-                <a16:creationId xmlns:a16="http://schemas.microsoft.com/office/drawing/2014/main" id="{3BCB5F6A-9EB0-40B0-9D13-3023E9A20508}"/>
+                <a16:creationId xmlns:a16="http://schemas.microsoft.com/office/drawing/2014/main" xmlns="" id="{3BCB5F6A-9EB0-40B0-9D13-3023E9A20508}"/>
               </a:ext>
               <a:ext uri="{C183D7F6-B498-43B3-948B-1728B52AA6E4}">
-                <adec:decorative xmlns:adec="http://schemas.microsoft.com/office/drawing/2017/decorative" val="1"/>
+                <adec:decorative xmlns:adec="http://schemas.microsoft.com/office/drawing/2017/decorative" xmlns="" val="1"/>
               </a:ext>
             </a:extLst>
           </p:cNvPr>
@@ -17176,7 +17419,7 @@
           <p:nvPr>
             <p:extLst>
               <p:ext uri="{386F3935-93C4-4BCD-93E2-E3B085C9AB24}">
-                <p16:designElem xmlns:p16="http://schemas.microsoft.com/office/powerpoint/2015/main" val="1"/>
+                <p16:designElem xmlns:p16="http://schemas.microsoft.com/office/powerpoint/2015/main" xmlns="" val="1"/>
               </p:ext>
             </p:extLst>
           </p:nvPr>
@@ -17224,6 +17467,13 @@
   <p:clrMapOvr>
     <a:masterClrMapping/>
   </p:clrMapOvr>
+  <p:timing>
+    <p:tnLst>
+      <p:par>
+        <p:cTn id="1" dur="indefinite" restart="never" nodeType="tmRoot"/>
+      </p:par>
+    </p:tnLst>
+  </p:timing>
 </p:sld>
 </file>
 
@@ -17257,10 +17507,10 @@
           <p:cNvPr id="70" name="Rectangle 61">
             <a:extLst>
               <a:ext uri="{FF2B5EF4-FFF2-40B4-BE49-F238E27FC236}">
-                <a16:creationId xmlns:a16="http://schemas.microsoft.com/office/drawing/2014/main" id="{E80B86A7-A1EC-475B-9166-88902B033A38}"/>
+                <a16:creationId xmlns:a16="http://schemas.microsoft.com/office/drawing/2014/main" xmlns="" id="{E80B86A7-A1EC-475B-9166-88902B033A38}"/>
               </a:ext>
               <a:ext uri="{C183D7F6-B498-43B3-948B-1728B52AA6E4}">
-                <adec:decorative xmlns:adec="http://schemas.microsoft.com/office/drawing/2017/decorative" val="1"/>
+                <adec:decorative xmlns:adec="http://schemas.microsoft.com/office/drawing/2017/decorative" xmlns="" val="1"/>
               </a:ext>
             </a:extLst>
           </p:cNvPr>
@@ -17270,7 +17520,7 @@
           <p:nvPr>
             <p:extLst>
               <p:ext uri="{386F3935-93C4-4BCD-93E2-E3B085C9AB24}">
-                <p16:designElem xmlns:p16="http://schemas.microsoft.com/office/powerpoint/2015/main" val="1"/>
+                <p16:designElem xmlns:p16="http://schemas.microsoft.com/office/powerpoint/2015/main" xmlns="" val="1"/>
               </p:ext>
             </p:extLst>
           </p:nvPr>
@@ -17317,7 +17567,7 @@
           <p:cNvPr id="2" name="Title 1">
             <a:extLst>
               <a:ext uri="{FF2B5EF4-FFF2-40B4-BE49-F238E27FC236}">
-                <a16:creationId xmlns:a16="http://schemas.microsoft.com/office/drawing/2014/main" id="{AA746351-EAA2-4E3F-B9C4-5C5B36A9CC06}"/>
+                <a16:creationId xmlns:a16="http://schemas.microsoft.com/office/drawing/2014/main" xmlns="" id="{AA746351-EAA2-4E3F-B9C4-5C5B36A9CC06}"/>
               </a:ext>
             </a:extLst>
           </p:cNvPr>
@@ -17353,10 +17603,10 @@
           <p:cNvPr id="71" name="Isosceles Triangle 63">
             <a:extLst>
               <a:ext uri="{FF2B5EF4-FFF2-40B4-BE49-F238E27FC236}">
-                <a16:creationId xmlns:a16="http://schemas.microsoft.com/office/drawing/2014/main" id="{C2C29CB1-9F74-4879-A6AF-AEA67B6F1F4D}"/>
+                <a16:creationId xmlns:a16="http://schemas.microsoft.com/office/drawing/2014/main" xmlns="" id="{C2C29CB1-9F74-4879-A6AF-AEA67B6F1F4D}"/>
               </a:ext>
               <a:ext uri="{C183D7F6-B498-43B3-948B-1728B52AA6E4}">
-                <adec:decorative xmlns:adec="http://schemas.microsoft.com/office/drawing/2017/decorative" val="1"/>
+                <adec:decorative xmlns:adec="http://schemas.microsoft.com/office/drawing/2017/decorative" xmlns="" val="1"/>
               </a:ext>
             </a:extLst>
           </p:cNvPr>
@@ -17366,7 +17616,7 @@
           <p:nvPr>
             <p:extLst>
               <p:ext uri="{386F3935-93C4-4BCD-93E2-E3B085C9AB24}">
-                <p16:designElem xmlns:p16="http://schemas.microsoft.com/office/powerpoint/2015/main" val="1"/>
+                <p16:designElem xmlns:p16="http://schemas.microsoft.com/office/powerpoint/2015/main" xmlns="" val="1"/>
               </p:ext>
             </p:extLst>
           </p:nvPr>
@@ -17411,7 +17661,7 @@
           <p:cNvPr id="57" name="Content Placeholder 2">
             <a:extLst>
               <a:ext uri="{FF2B5EF4-FFF2-40B4-BE49-F238E27FC236}">
-                <a16:creationId xmlns:a16="http://schemas.microsoft.com/office/drawing/2014/main" id="{96C3A22E-CF60-4733-8E86-48B15246AE95}"/>
+                <a16:creationId xmlns:a16="http://schemas.microsoft.com/office/drawing/2014/main" xmlns="" id="{96C3A22E-CF60-4733-8E86-48B15246AE95}"/>
               </a:ext>
             </a:extLst>
           </p:cNvPr>
@@ -17470,10 +17720,10 @@
           <p:cNvPr id="72" name="Isosceles Triangle 65">
             <a:extLst>
               <a:ext uri="{FF2B5EF4-FFF2-40B4-BE49-F238E27FC236}">
-                <a16:creationId xmlns:a16="http://schemas.microsoft.com/office/drawing/2014/main" id="{7E2C7115-5336-410C-AD71-0F0952A2E5A7}"/>
+                <a16:creationId xmlns:a16="http://schemas.microsoft.com/office/drawing/2014/main" xmlns="" id="{7E2C7115-5336-410C-AD71-0F0952A2E5A7}"/>
               </a:ext>
               <a:ext uri="{C183D7F6-B498-43B3-948B-1728B52AA6E4}">
-                <adec:decorative xmlns:adec="http://schemas.microsoft.com/office/drawing/2017/decorative" val="1"/>
+                <adec:decorative xmlns:adec="http://schemas.microsoft.com/office/drawing/2017/decorative" xmlns="" val="1"/>
               </a:ext>
             </a:extLst>
           </p:cNvPr>
@@ -17483,7 +17733,7 @@
           <p:nvPr>
             <p:extLst>
               <p:ext uri="{386F3935-93C4-4BCD-93E2-E3B085C9AB24}">
-                <p16:designElem xmlns:p16="http://schemas.microsoft.com/office/powerpoint/2015/main" val="1"/>
+                <p16:designElem xmlns:p16="http://schemas.microsoft.com/office/powerpoint/2015/main" xmlns="" val="1"/>
               </p:ext>
             </p:extLst>
           </p:nvPr>
@@ -17528,7 +17778,7 @@
           <p:cNvPr id="28" name="Picture 27" descr="A close up of a device&#10;&#10;Description automatically generated">
             <a:extLst>
               <a:ext uri="{FF2B5EF4-FFF2-40B4-BE49-F238E27FC236}">
-                <a16:creationId xmlns:a16="http://schemas.microsoft.com/office/drawing/2014/main" id="{565FD89F-E594-4DFA-A9A4-077BEE024DC5}"/>
+                <a16:creationId xmlns:a16="http://schemas.microsoft.com/office/drawing/2014/main" xmlns="" id="{565FD89F-E594-4DFA-A9A4-077BEE024DC5}"/>
               </a:ext>
             </a:extLst>
           </p:cNvPr>
@@ -17569,6 +17819,13 @@
   <p:clrMapOvr>
     <a:masterClrMapping/>
   </p:clrMapOvr>
+  <p:timing>
+    <p:tnLst>
+      <p:par>
+        <p:cTn id="1" dur="indefinite" restart="never" nodeType="tmRoot"/>
+      </p:par>
+    </p:tnLst>
+  </p:timing>
 </p:sld>
 </file>
 
@@ -17602,7 +17859,7 @@
           <p:cNvPr id="24" name="Picture 9">
             <a:extLst>
               <a:ext uri="{FF2B5EF4-FFF2-40B4-BE49-F238E27FC236}">
-                <a16:creationId xmlns:a16="http://schemas.microsoft.com/office/drawing/2014/main" id="{B63BCFC5-0A5B-427C-B525-77A7AD9F3647}"/>
+                <a16:creationId xmlns:a16="http://schemas.microsoft.com/office/drawing/2014/main" xmlns="" id="{B63BCFC5-0A5B-427C-B525-77A7AD9F3647}"/>
               </a:ext>
             </a:extLst>
           </p:cNvPr>
@@ -17689,7 +17946,7 @@
           <p:cNvPr id="2" name="Title 1">
             <a:extLst>
               <a:ext uri="{FF2B5EF4-FFF2-40B4-BE49-F238E27FC236}">
-                <a16:creationId xmlns:a16="http://schemas.microsoft.com/office/drawing/2014/main" id="{0EEF76FD-FD9E-4FFA-B9EB-DF7FB6A55AC2}"/>
+                <a16:creationId xmlns:a16="http://schemas.microsoft.com/office/drawing/2014/main" xmlns="" id="{0EEF76FD-FD9E-4FFA-B9EB-DF7FB6A55AC2}"/>
               </a:ext>
             </a:extLst>
           </p:cNvPr>
@@ -17724,7 +17981,7 @@
           <p:cNvPr id="23" name="Content Placeholder 2">
             <a:extLst>
               <a:ext uri="{FF2B5EF4-FFF2-40B4-BE49-F238E27FC236}">
-                <a16:creationId xmlns:a16="http://schemas.microsoft.com/office/drawing/2014/main" id="{4D80C9DA-709E-4377-A117-81DAA4FF3850}"/>
+                <a16:creationId xmlns:a16="http://schemas.microsoft.com/office/drawing/2014/main" xmlns="" id="{4D80C9DA-709E-4377-A117-81DAA4FF3850}"/>
               </a:ext>
             </a:extLst>
           </p:cNvPr>
@@ -17794,10 +18051,10 @@
           <p:cNvPr id="30" name="Straight Connector 29">
             <a:extLst>
               <a:ext uri="{FF2B5EF4-FFF2-40B4-BE49-F238E27FC236}">
-                <a16:creationId xmlns:a16="http://schemas.microsoft.com/office/drawing/2014/main" id="{64FA5DFF-7FE6-4855-84E6-DFA78EE978BD}"/>
+                <a16:creationId xmlns:a16="http://schemas.microsoft.com/office/drawing/2014/main" xmlns="" id="{64FA5DFF-7FE6-4855-84E6-DFA78EE978BD}"/>
               </a:ext>
               <a:ext uri="{C183D7F6-B498-43B3-948B-1728B52AA6E4}">
-                <adec:decorative xmlns:adec="http://schemas.microsoft.com/office/drawing/2017/decorative" val="1"/>
+                <adec:decorative xmlns:adec="http://schemas.microsoft.com/office/drawing/2017/decorative" xmlns="" val="1"/>
               </a:ext>
             </a:extLst>
           </p:cNvPr>
@@ -17807,7 +18064,7 @@
           <p:nvPr>
             <p:extLst>
               <p:ext uri="{386F3935-93C4-4BCD-93E2-E3B085C9AB24}">
-                <p16:designElem xmlns:p16="http://schemas.microsoft.com/office/powerpoint/2015/main" val="1"/>
+                <p16:designElem xmlns:p16="http://schemas.microsoft.com/office/powerpoint/2015/main" xmlns="" val="1"/>
               </p:ext>
             </p:extLst>
           </p:nvPr>
@@ -17848,10 +18105,10 @@
           <p:cNvPr id="32" name="Straight Connector 31">
             <a:extLst>
               <a:ext uri="{FF2B5EF4-FFF2-40B4-BE49-F238E27FC236}">
-                <a16:creationId xmlns:a16="http://schemas.microsoft.com/office/drawing/2014/main" id="{2AFD8CBA-54A3-4363-991B-B9C631BBFA74}"/>
+                <a16:creationId xmlns:a16="http://schemas.microsoft.com/office/drawing/2014/main" xmlns="" id="{2AFD8CBA-54A3-4363-991B-B9C631BBFA74}"/>
               </a:ext>
               <a:ext uri="{C183D7F6-B498-43B3-948B-1728B52AA6E4}">
-                <adec:decorative xmlns:adec="http://schemas.microsoft.com/office/drawing/2017/decorative" val="1"/>
+                <adec:decorative xmlns:adec="http://schemas.microsoft.com/office/drawing/2017/decorative" xmlns="" val="1"/>
               </a:ext>
             </a:extLst>
           </p:cNvPr>
@@ -17861,7 +18118,7 @@
           <p:nvPr>
             <p:extLst>
               <p:ext uri="{386F3935-93C4-4BCD-93E2-E3B085C9AB24}">
-                <p16:designElem xmlns:p16="http://schemas.microsoft.com/office/powerpoint/2015/main" val="1"/>
+                <p16:designElem xmlns:p16="http://schemas.microsoft.com/office/powerpoint/2015/main" xmlns="" val="1"/>
               </p:ext>
             </p:extLst>
           </p:nvPr>
@@ -17902,10 +18159,10 @@
           <p:cNvPr id="34" name="Rectangle 23">
             <a:extLst>
               <a:ext uri="{FF2B5EF4-FFF2-40B4-BE49-F238E27FC236}">
-                <a16:creationId xmlns:a16="http://schemas.microsoft.com/office/drawing/2014/main" id="{3F088236-D655-4F88-B238-E16762358025}"/>
+                <a16:creationId xmlns:a16="http://schemas.microsoft.com/office/drawing/2014/main" xmlns="" id="{3F088236-D655-4F88-B238-E16762358025}"/>
               </a:ext>
               <a:ext uri="{C183D7F6-B498-43B3-948B-1728B52AA6E4}">
-                <adec:decorative xmlns:adec="http://schemas.microsoft.com/office/drawing/2017/decorative" val="1"/>
+                <adec:decorative xmlns:adec="http://schemas.microsoft.com/office/drawing/2017/decorative" xmlns="" val="1"/>
               </a:ext>
             </a:extLst>
           </p:cNvPr>
@@ -17915,7 +18172,7 @@
           <p:nvPr>
             <p:extLst>
               <p:ext uri="{386F3935-93C4-4BCD-93E2-E3B085C9AB24}">
-                <p16:designElem xmlns:p16="http://schemas.microsoft.com/office/powerpoint/2015/main" val="1"/>
+                <p16:designElem xmlns:p16="http://schemas.microsoft.com/office/powerpoint/2015/main" xmlns="" val="1"/>
               </p:ext>
             </p:extLst>
           </p:nvPr>
@@ -17982,10 +18239,10 @@
           <p:cNvPr id="36" name="Rectangle 25">
             <a:extLst>
               <a:ext uri="{FF2B5EF4-FFF2-40B4-BE49-F238E27FC236}">
-                <a16:creationId xmlns:a16="http://schemas.microsoft.com/office/drawing/2014/main" id="{3DAC0C92-199E-475C-9390-119A9B027276}"/>
+                <a16:creationId xmlns:a16="http://schemas.microsoft.com/office/drawing/2014/main" xmlns="" id="{3DAC0C92-199E-475C-9390-119A9B027276}"/>
               </a:ext>
               <a:ext uri="{C183D7F6-B498-43B3-948B-1728B52AA6E4}">
-                <adec:decorative xmlns:adec="http://schemas.microsoft.com/office/drawing/2017/decorative" val="1"/>
+                <adec:decorative xmlns:adec="http://schemas.microsoft.com/office/drawing/2017/decorative" xmlns="" val="1"/>
               </a:ext>
             </a:extLst>
           </p:cNvPr>
@@ -17995,7 +18252,7 @@
           <p:nvPr>
             <p:extLst>
               <p:ext uri="{386F3935-93C4-4BCD-93E2-E3B085C9AB24}">
-                <p16:designElem xmlns:p16="http://schemas.microsoft.com/office/powerpoint/2015/main" val="1"/>
+                <p16:designElem xmlns:p16="http://schemas.microsoft.com/office/powerpoint/2015/main" xmlns="" val="1"/>
               </p:ext>
             </p:extLst>
           </p:nvPr>
@@ -18062,10 +18319,10 @@
           <p:cNvPr id="38" name="Isosceles Triangle 24">
             <a:extLst>
               <a:ext uri="{FF2B5EF4-FFF2-40B4-BE49-F238E27FC236}">
-                <a16:creationId xmlns:a16="http://schemas.microsoft.com/office/drawing/2014/main" id="{C4CFB339-0ED8-4FE2-9EF1-6D1375B8499B}"/>
+                <a16:creationId xmlns:a16="http://schemas.microsoft.com/office/drawing/2014/main" xmlns="" id="{C4CFB339-0ED8-4FE2-9EF1-6D1375B8499B}"/>
               </a:ext>
               <a:ext uri="{C183D7F6-B498-43B3-948B-1728B52AA6E4}">
-                <adec:decorative xmlns:adec="http://schemas.microsoft.com/office/drawing/2017/decorative" val="1"/>
+                <adec:decorative xmlns:adec="http://schemas.microsoft.com/office/drawing/2017/decorative" xmlns="" val="1"/>
               </a:ext>
             </a:extLst>
           </p:cNvPr>
@@ -18075,7 +18332,7 @@
           <p:nvPr>
             <p:extLst>
               <p:ext uri="{386F3935-93C4-4BCD-93E2-E3B085C9AB24}">
-                <p16:designElem xmlns:p16="http://schemas.microsoft.com/office/powerpoint/2015/main" val="1"/>
+                <p16:designElem xmlns:p16="http://schemas.microsoft.com/office/powerpoint/2015/main" xmlns="" val="1"/>
               </p:ext>
             </p:extLst>
           </p:nvPr>
@@ -18120,10 +18377,10 @@
           <p:cNvPr id="40" name="Rectangle 27">
             <a:extLst>
               <a:ext uri="{FF2B5EF4-FFF2-40B4-BE49-F238E27FC236}">
-                <a16:creationId xmlns:a16="http://schemas.microsoft.com/office/drawing/2014/main" id="{31896C80-2069-4431-9C19-83B913734490}"/>
+                <a16:creationId xmlns:a16="http://schemas.microsoft.com/office/drawing/2014/main" xmlns="" id="{31896C80-2069-4431-9C19-83B913734490}"/>
               </a:ext>
               <a:ext uri="{C183D7F6-B498-43B3-948B-1728B52AA6E4}">
-                <adec:decorative xmlns:adec="http://schemas.microsoft.com/office/drawing/2017/decorative" val="1"/>
+                <adec:decorative xmlns:adec="http://schemas.microsoft.com/office/drawing/2017/decorative" xmlns="" val="1"/>
               </a:ext>
             </a:extLst>
           </p:cNvPr>
@@ -18133,7 +18390,7 @@
           <p:nvPr>
             <p:extLst>
               <p:ext uri="{386F3935-93C4-4BCD-93E2-E3B085C9AB24}">
-                <p16:designElem xmlns:p16="http://schemas.microsoft.com/office/powerpoint/2015/main" val="1"/>
+                <p16:designElem xmlns:p16="http://schemas.microsoft.com/office/powerpoint/2015/main" xmlns="" val="1"/>
               </p:ext>
             </p:extLst>
           </p:nvPr>
@@ -18201,10 +18458,10 @@
           <p:cNvPr id="42" name="Rectangle 28">
             <a:extLst>
               <a:ext uri="{FF2B5EF4-FFF2-40B4-BE49-F238E27FC236}">
-                <a16:creationId xmlns:a16="http://schemas.microsoft.com/office/drawing/2014/main" id="{BF120A21-0841-4823-B0C4-28AEBCEF9B78}"/>
+                <a16:creationId xmlns:a16="http://schemas.microsoft.com/office/drawing/2014/main" xmlns="" id="{BF120A21-0841-4823-B0C4-28AEBCEF9B78}"/>
               </a:ext>
               <a:ext uri="{C183D7F6-B498-43B3-948B-1728B52AA6E4}">
-                <adec:decorative xmlns:adec="http://schemas.microsoft.com/office/drawing/2017/decorative" val="1"/>
+                <adec:decorative xmlns:adec="http://schemas.microsoft.com/office/drawing/2017/decorative" xmlns="" val="1"/>
               </a:ext>
             </a:extLst>
           </p:cNvPr>
@@ -18214,7 +18471,7 @@
           <p:nvPr>
             <p:extLst>
               <p:ext uri="{386F3935-93C4-4BCD-93E2-E3B085C9AB24}">
-                <p16:designElem xmlns:p16="http://schemas.microsoft.com/office/powerpoint/2015/main" val="1"/>
+                <p16:designElem xmlns:p16="http://schemas.microsoft.com/office/powerpoint/2015/main" xmlns="" val="1"/>
               </p:ext>
             </p:extLst>
           </p:nvPr>
@@ -18283,10 +18540,10 @@
           <p:cNvPr id="44" name="Rectangle 29">
             <a:extLst>
               <a:ext uri="{FF2B5EF4-FFF2-40B4-BE49-F238E27FC236}">
-                <a16:creationId xmlns:a16="http://schemas.microsoft.com/office/drawing/2014/main" id="{DBB05BAE-BBD3-4289-899F-A6851503C6B0}"/>
+                <a16:creationId xmlns:a16="http://schemas.microsoft.com/office/drawing/2014/main" xmlns="" id="{DBB05BAE-BBD3-4289-899F-A6851503C6B0}"/>
               </a:ext>
               <a:ext uri="{C183D7F6-B498-43B3-948B-1728B52AA6E4}">
-                <adec:decorative xmlns:adec="http://schemas.microsoft.com/office/drawing/2017/decorative" val="1"/>
+                <adec:decorative xmlns:adec="http://schemas.microsoft.com/office/drawing/2017/decorative" xmlns="" val="1"/>
               </a:ext>
             </a:extLst>
           </p:cNvPr>
@@ -18296,7 +18553,7 @@
           <p:nvPr>
             <p:extLst>
               <p:ext uri="{386F3935-93C4-4BCD-93E2-E3B085C9AB24}">
-                <p16:designElem xmlns:p16="http://schemas.microsoft.com/office/powerpoint/2015/main" val="1"/>
+                <p16:designElem xmlns:p16="http://schemas.microsoft.com/office/powerpoint/2015/main" xmlns="" val="1"/>
               </p:ext>
             </p:extLst>
           </p:nvPr>
@@ -18363,10 +18620,10 @@
           <p:cNvPr id="46" name="Isosceles Triangle 29">
             <a:extLst>
               <a:ext uri="{FF2B5EF4-FFF2-40B4-BE49-F238E27FC236}">
-                <a16:creationId xmlns:a16="http://schemas.microsoft.com/office/drawing/2014/main" id="{9874D11C-36F5-4BBE-A490-019A54E953B0}"/>
+                <a16:creationId xmlns:a16="http://schemas.microsoft.com/office/drawing/2014/main" xmlns="" id="{9874D11C-36F5-4BBE-A490-019A54E953B0}"/>
               </a:ext>
               <a:ext uri="{C183D7F6-B498-43B3-948B-1728B52AA6E4}">
-                <adec:decorative xmlns:adec="http://schemas.microsoft.com/office/drawing/2017/decorative" val="1"/>
+                <adec:decorative xmlns:adec="http://schemas.microsoft.com/office/drawing/2017/decorative" xmlns="" val="1"/>
               </a:ext>
             </a:extLst>
           </p:cNvPr>
@@ -18376,7 +18633,7 @@
           <p:nvPr>
             <p:extLst>
               <p:ext uri="{386F3935-93C4-4BCD-93E2-E3B085C9AB24}">
-                <p16:designElem xmlns:p16="http://schemas.microsoft.com/office/powerpoint/2015/main" val="1"/>
+                <p16:designElem xmlns:p16="http://schemas.microsoft.com/office/powerpoint/2015/main" xmlns="" val="1"/>
               </p:ext>
             </p:extLst>
           </p:nvPr>
@@ -18426,6 +18683,13 @@
   <p:clrMapOvr>
     <a:masterClrMapping/>
   </p:clrMapOvr>
+  <p:timing>
+    <p:tnLst>
+      <p:par>
+        <p:cTn id="1" dur="indefinite" restart="never" nodeType="tmRoot"/>
+      </p:par>
+    </p:tnLst>
+  </p:timing>
 </p:sld>
 </file>
 
@@ -18459,10 +18723,10 @@
           <p:cNvPr id="9" name="Rectangle 8">
             <a:extLst>
               <a:ext uri="{FF2B5EF4-FFF2-40B4-BE49-F238E27FC236}">
-                <a16:creationId xmlns:a16="http://schemas.microsoft.com/office/drawing/2014/main" id="{655AE6B0-AC9E-4167-806F-E9DB135FC46B}"/>
+                <a16:creationId xmlns:a16="http://schemas.microsoft.com/office/drawing/2014/main" xmlns="" id="{655AE6B0-AC9E-4167-806F-E9DB135FC46B}"/>
               </a:ext>
               <a:ext uri="{C183D7F6-B498-43B3-948B-1728B52AA6E4}">
-                <adec:decorative xmlns:adec="http://schemas.microsoft.com/office/drawing/2017/decorative" val="1"/>
+                <adec:decorative xmlns:adec="http://schemas.microsoft.com/office/drawing/2017/decorative" xmlns="" val="1"/>
               </a:ext>
             </a:extLst>
           </p:cNvPr>
@@ -18472,7 +18736,7 @@
           <p:nvPr>
             <p:extLst>
               <p:ext uri="{386F3935-93C4-4BCD-93E2-E3B085C9AB24}">
-                <p16:designElem xmlns:p16="http://schemas.microsoft.com/office/powerpoint/2015/main" val="1"/>
+                <p16:designElem xmlns:p16="http://schemas.microsoft.com/office/powerpoint/2015/main" xmlns="" val="1"/>
               </p:ext>
             </p:extLst>
           </p:nvPr>
@@ -18519,7 +18783,7 @@
           <p:cNvPr id="2" name="Title 1">
             <a:extLst>
               <a:ext uri="{FF2B5EF4-FFF2-40B4-BE49-F238E27FC236}">
-                <a16:creationId xmlns:a16="http://schemas.microsoft.com/office/drawing/2014/main" id="{FF91BA1E-FE91-4680-8615-954B083FA398}"/>
+                <a16:creationId xmlns:a16="http://schemas.microsoft.com/office/drawing/2014/main" xmlns="" id="{FF91BA1E-FE91-4680-8615-954B083FA398}"/>
               </a:ext>
             </a:extLst>
           </p:cNvPr>
@@ -18554,10 +18818,10 @@
           <p:cNvPr id="11" name="Group 10">
             <a:extLst>
               <a:ext uri="{FF2B5EF4-FFF2-40B4-BE49-F238E27FC236}">
-                <a16:creationId xmlns:a16="http://schemas.microsoft.com/office/drawing/2014/main" id="{3523416A-383B-4FDC-B4C9-D8EDDFE9C043}"/>
+                <a16:creationId xmlns:a16="http://schemas.microsoft.com/office/drawing/2014/main" xmlns="" id="{3523416A-383B-4FDC-B4C9-D8EDDFE9C043}"/>
               </a:ext>
               <a:ext uri="{C183D7F6-B498-43B3-948B-1728B52AA6E4}">
-                <adec:decorative xmlns:adec="http://schemas.microsoft.com/office/drawing/2017/decorative" val="1"/>
+                <adec:decorative xmlns:adec="http://schemas.microsoft.com/office/drawing/2017/decorative" xmlns="" val="1"/>
               </a:ext>
             </a:extLst>
           </p:cNvPr>
@@ -18567,7 +18831,7 @@
           <p:nvPr>
             <p:extLst>
               <p:ext uri="{386F3935-93C4-4BCD-93E2-E3B085C9AB24}">
-                <p16:designElem xmlns:p16="http://schemas.microsoft.com/office/powerpoint/2015/main" val="1"/>
+                <p16:designElem xmlns:p16="http://schemas.microsoft.com/office/powerpoint/2015/main" xmlns="" val="1"/>
               </p:ext>
             </p:extLst>
           </p:nvPr>
@@ -18585,10 +18849,10 @@
             <p:cNvPr id="12" name="Straight Connector 11">
               <a:extLst>
                 <a:ext uri="{FF2B5EF4-FFF2-40B4-BE49-F238E27FC236}">
-                  <a16:creationId xmlns:a16="http://schemas.microsoft.com/office/drawing/2014/main" id="{CB0D29D5-3F7C-4197-821B-6D60A66CC04B}"/>
+                  <a16:creationId xmlns:a16="http://schemas.microsoft.com/office/drawing/2014/main" xmlns="" id="{CB0D29D5-3F7C-4197-821B-6D60A66CC04B}"/>
                 </a:ext>
                 <a:ext uri="{C183D7F6-B498-43B3-948B-1728B52AA6E4}">
-                  <adec:decorative xmlns:adec="http://schemas.microsoft.com/office/drawing/2017/decorative" val="1"/>
+                  <adec:decorative xmlns:adec="http://schemas.microsoft.com/office/drawing/2017/decorative" xmlns="" val="1"/>
                 </a:ext>
               </a:extLst>
             </p:cNvPr>
@@ -18596,7 +18860,7 @@
             <p:nvPr>
               <p:extLst>
                 <p:ext uri="{386F3935-93C4-4BCD-93E2-E3B085C9AB24}">
-                  <p16:designElem xmlns:p16="http://schemas.microsoft.com/office/powerpoint/2015/main" val="1"/>
+                  <p16:designElem xmlns:p16="http://schemas.microsoft.com/office/powerpoint/2015/main" xmlns="" val="1"/>
                 </p:ext>
               </p:extLst>
             </p:nvPr>
@@ -18637,10 +18901,10 @@
             <p:cNvPr id="13" name="Straight Connector 12">
               <a:extLst>
                 <a:ext uri="{FF2B5EF4-FFF2-40B4-BE49-F238E27FC236}">
-                  <a16:creationId xmlns:a16="http://schemas.microsoft.com/office/drawing/2014/main" id="{347FB49A-3541-428A-AADE-682A3C50563D}"/>
+                  <a16:creationId xmlns:a16="http://schemas.microsoft.com/office/drawing/2014/main" xmlns="" id="{347FB49A-3541-428A-AADE-682A3C50563D}"/>
                 </a:ext>
                 <a:ext uri="{C183D7F6-B498-43B3-948B-1728B52AA6E4}">
-                  <adec:decorative xmlns:adec="http://schemas.microsoft.com/office/drawing/2017/decorative" val="1"/>
+                  <adec:decorative xmlns:adec="http://schemas.microsoft.com/office/drawing/2017/decorative" xmlns="" val="1"/>
                 </a:ext>
               </a:extLst>
             </p:cNvPr>
@@ -18648,7 +18912,7 @@
             <p:nvPr>
               <p:extLst>
                 <p:ext uri="{386F3935-93C4-4BCD-93E2-E3B085C9AB24}">
-                  <p16:designElem xmlns:p16="http://schemas.microsoft.com/office/powerpoint/2015/main" val="1"/>
+                  <p16:designElem xmlns:p16="http://schemas.microsoft.com/office/powerpoint/2015/main" xmlns="" val="1"/>
                 </p:ext>
               </p:extLst>
             </p:nvPr>
@@ -18689,10 +18953,10 @@
             <p:cNvPr id="14" name="Rectangle 23">
               <a:extLst>
                 <a:ext uri="{FF2B5EF4-FFF2-40B4-BE49-F238E27FC236}">
-                  <a16:creationId xmlns:a16="http://schemas.microsoft.com/office/drawing/2014/main" id="{D96F53DC-08F1-42C6-B558-B83D54B27664}"/>
+                  <a16:creationId xmlns:a16="http://schemas.microsoft.com/office/drawing/2014/main" xmlns="" id="{D96F53DC-08F1-42C6-B558-B83D54B27664}"/>
                 </a:ext>
                 <a:ext uri="{C183D7F6-B498-43B3-948B-1728B52AA6E4}">
-                  <adec:decorative xmlns:adec="http://schemas.microsoft.com/office/drawing/2017/decorative" val="1"/>
+                  <adec:decorative xmlns:adec="http://schemas.microsoft.com/office/drawing/2017/decorative" xmlns="" val="1"/>
                 </a:ext>
               </a:extLst>
             </p:cNvPr>
@@ -18700,7 +18964,7 @@
             <p:nvPr>
               <p:extLst>
                 <p:ext uri="{386F3935-93C4-4BCD-93E2-E3B085C9AB24}">
-                  <p16:designElem xmlns:p16="http://schemas.microsoft.com/office/powerpoint/2015/main" val="1"/>
+                  <p16:designElem xmlns:p16="http://schemas.microsoft.com/office/powerpoint/2015/main" xmlns="" val="1"/>
                 </p:ext>
               </p:extLst>
             </p:nvPr>
@@ -18767,10 +19031,10 @@
             <p:cNvPr id="15" name="Rectangle 25">
               <a:extLst>
                 <a:ext uri="{FF2B5EF4-FFF2-40B4-BE49-F238E27FC236}">
-                  <a16:creationId xmlns:a16="http://schemas.microsoft.com/office/drawing/2014/main" id="{AFE48CAF-A51C-463F-A570-ED99439A5CA3}"/>
+                  <a16:creationId xmlns:a16="http://schemas.microsoft.com/office/drawing/2014/main" xmlns="" id="{AFE48CAF-A51C-463F-A570-ED99439A5CA3}"/>
                 </a:ext>
                 <a:ext uri="{C183D7F6-B498-43B3-948B-1728B52AA6E4}">
-                  <adec:decorative xmlns:adec="http://schemas.microsoft.com/office/drawing/2017/decorative" val="1"/>
+                  <adec:decorative xmlns:adec="http://schemas.microsoft.com/office/drawing/2017/decorative" xmlns="" val="1"/>
                 </a:ext>
               </a:extLst>
             </p:cNvPr>
@@ -18778,7 +19042,7 @@
             <p:nvPr>
               <p:extLst>
                 <p:ext uri="{386F3935-93C4-4BCD-93E2-E3B085C9AB24}">
-                  <p16:designElem xmlns:p16="http://schemas.microsoft.com/office/powerpoint/2015/main" val="1"/>
+                  <p16:designElem xmlns:p16="http://schemas.microsoft.com/office/powerpoint/2015/main" xmlns="" val="1"/>
                 </p:ext>
               </p:extLst>
             </p:nvPr>
@@ -18845,10 +19109,10 @@
             <p:cNvPr id="16" name="Isosceles Triangle 15">
               <a:extLst>
                 <a:ext uri="{FF2B5EF4-FFF2-40B4-BE49-F238E27FC236}">
-                  <a16:creationId xmlns:a16="http://schemas.microsoft.com/office/drawing/2014/main" id="{01F0C48B-50FF-4351-8207-16D096048311}"/>
+                  <a16:creationId xmlns:a16="http://schemas.microsoft.com/office/drawing/2014/main" xmlns="" id="{01F0C48B-50FF-4351-8207-16D096048311}"/>
                 </a:ext>
                 <a:ext uri="{C183D7F6-B498-43B3-948B-1728B52AA6E4}">
-                  <adec:decorative xmlns:adec="http://schemas.microsoft.com/office/drawing/2017/decorative" val="1"/>
+                  <adec:decorative xmlns:adec="http://schemas.microsoft.com/office/drawing/2017/decorative" xmlns="" val="1"/>
                 </a:ext>
               </a:extLst>
             </p:cNvPr>
@@ -18856,7 +19120,7 @@
             <p:nvPr>
               <p:extLst>
                 <p:ext uri="{386F3935-93C4-4BCD-93E2-E3B085C9AB24}">
-                  <p16:designElem xmlns:p16="http://schemas.microsoft.com/office/powerpoint/2015/main" val="1"/>
+                  <p16:designElem xmlns:p16="http://schemas.microsoft.com/office/powerpoint/2015/main" xmlns="" val="1"/>
                 </p:ext>
               </p:extLst>
             </p:nvPr>
@@ -18901,10 +19165,10 @@
             <p:cNvPr id="17" name="Rectangle 27">
               <a:extLst>
                 <a:ext uri="{FF2B5EF4-FFF2-40B4-BE49-F238E27FC236}">
-                  <a16:creationId xmlns:a16="http://schemas.microsoft.com/office/drawing/2014/main" id="{300384B6-5ED6-4F91-A548-B706D837513E}"/>
+                  <a16:creationId xmlns:a16="http://schemas.microsoft.com/office/drawing/2014/main" xmlns="" id="{300384B6-5ED6-4F91-A548-B706D837513E}"/>
                 </a:ext>
                 <a:ext uri="{C183D7F6-B498-43B3-948B-1728B52AA6E4}">
-                  <adec:decorative xmlns:adec="http://schemas.microsoft.com/office/drawing/2017/decorative" val="1"/>
+                  <adec:decorative xmlns:adec="http://schemas.microsoft.com/office/drawing/2017/decorative" xmlns="" val="1"/>
                 </a:ext>
               </a:extLst>
             </p:cNvPr>
@@ -18912,7 +19176,7 @@
             <p:nvPr>
               <p:extLst>
                 <p:ext uri="{386F3935-93C4-4BCD-93E2-E3B085C9AB24}">
-                  <p16:designElem xmlns:p16="http://schemas.microsoft.com/office/powerpoint/2015/main" val="1"/>
+                  <p16:designElem xmlns:p16="http://schemas.microsoft.com/office/powerpoint/2015/main" xmlns="" val="1"/>
                 </p:ext>
               </p:extLst>
             </p:nvPr>
@@ -18980,10 +19244,10 @@
             <p:cNvPr id="18" name="Rectangle 28">
               <a:extLst>
                 <a:ext uri="{FF2B5EF4-FFF2-40B4-BE49-F238E27FC236}">
-                  <a16:creationId xmlns:a16="http://schemas.microsoft.com/office/drawing/2014/main" id="{337AFFAE-C182-463C-9459-8AB3C69D9A29}"/>
+                  <a16:creationId xmlns:a16="http://schemas.microsoft.com/office/drawing/2014/main" xmlns="" id="{337AFFAE-C182-463C-9459-8AB3C69D9A29}"/>
                 </a:ext>
                 <a:ext uri="{C183D7F6-B498-43B3-948B-1728B52AA6E4}">
-                  <adec:decorative xmlns:adec="http://schemas.microsoft.com/office/drawing/2017/decorative" val="1"/>
+                  <adec:decorative xmlns:adec="http://schemas.microsoft.com/office/drawing/2017/decorative" xmlns="" val="1"/>
                 </a:ext>
               </a:extLst>
             </p:cNvPr>
@@ -18991,7 +19255,7 @@
             <p:nvPr>
               <p:extLst>
                 <p:ext uri="{386F3935-93C4-4BCD-93E2-E3B085C9AB24}">
-                  <p16:designElem xmlns:p16="http://schemas.microsoft.com/office/powerpoint/2015/main" val="1"/>
+                  <p16:designElem xmlns:p16="http://schemas.microsoft.com/office/powerpoint/2015/main" xmlns="" val="1"/>
                 </p:ext>
               </p:extLst>
             </p:nvPr>
@@ -19060,10 +19324,10 @@
             <p:cNvPr id="19" name="Rectangle 29">
               <a:extLst>
                 <a:ext uri="{FF2B5EF4-FFF2-40B4-BE49-F238E27FC236}">
-                  <a16:creationId xmlns:a16="http://schemas.microsoft.com/office/drawing/2014/main" id="{510ACF17-C3F0-42BF-BDEB-D079277121E4}"/>
+                  <a16:creationId xmlns:a16="http://schemas.microsoft.com/office/drawing/2014/main" xmlns="" id="{510ACF17-C3F0-42BF-BDEB-D079277121E4}"/>
                 </a:ext>
                 <a:ext uri="{C183D7F6-B498-43B3-948B-1728B52AA6E4}">
-                  <adec:decorative xmlns:adec="http://schemas.microsoft.com/office/drawing/2017/decorative" val="1"/>
+                  <adec:decorative xmlns:adec="http://schemas.microsoft.com/office/drawing/2017/decorative" xmlns="" val="1"/>
                 </a:ext>
               </a:extLst>
             </p:cNvPr>
@@ -19071,7 +19335,7 @@
             <p:nvPr>
               <p:extLst>
                 <p:ext uri="{386F3935-93C4-4BCD-93E2-E3B085C9AB24}">
-                  <p16:designElem xmlns:p16="http://schemas.microsoft.com/office/powerpoint/2015/main" val="1"/>
+                  <p16:designElem xmlns:p16="http://schemas.microsoft.com/office/powerpoint/2015/main" xmlns="" val="1"/>
                 </p:ext>
               </p:extLst>
             </p:nvPr>
@@ -19138,10 +19402,10 @@
             <p:cNvPr id="20" name="Isosceles Triangle 19">
               <a:extLst>
                 <a:ext uri="{FF2B5EF4-FFF2-40B4-BE49-F238E27FC236}">
-                  <a16:creationId xmlns:a16="http://schemas.microsoft.com/office/drawing/2014/main" id="{E804EFD0-B84E-476F-9FC6-6C4A42EA0054}"/>
+                  <a16:creationId xmlns:a16="http://schemas.microsoft.com/office/drawing/2014/main" xmlns="" id="{E804EFD0-B84E-476F-9FC6-6C4A42EA0054}"/>
                 </a:ext>
                 <a:ext uri="{C183D7F6-B498-43B3-948B-1728B52AA6E4}">
-                  <adec:decorative xmlns:adec="http://schemas.microsoft.com/office/drawing/2017/decorative" val="1"/>
+                  <adec:decorative xmlns:adec="http://schemas.microsoft.com/office/drawing/2017/decorative" xmlns="" val="1"/>
                 </a:ext>
               </a:extLst>
             </p:cNvPr>
@@ -19149,7 +19413,7 @@
             <p:nvPr>
               <p:extLst>
                 <p:ext uri="{386F3935-93C4-4BCD-93E2-E3B085C9AB24}">
-                  <p16:designElem xmlns:p16="http://schemas.microsoft.com/office/powerpoint/2015/main" val="1"/>
+                  <p16:designElem xmlns:p16="http://schemas.microsoft.com/office/powerpoint/2015/main" xmlns="" val="1"/>
                 </p:ext>
               </p:extLst>
             </p:nvPr>
@@ -19195,10 +19459,10 @@
           <p:cNvPr id="22" name="Rectangle 21">
             <a:extLst>
               <a:ext uri="{FF2B5EF4-FFF2-40B4-BE49-F238E27FC236}">
-                <a16:creationId xmlns:a16="http://schemas.microsoft.com/office/drawing/2014/main" id="{87BD1F4E-A66D-4C06-86DA-8D56CA7A3B41}"/>
+                <a16:creationId xmlns:a16="http://schemas.microsoft.com/office/drawing/2014/main" xmlns="" id="{87BD1F4E-A66D-4C06-86DA-8D56CA7A3B41}"/>
               </a:ext>
               <a:ext uri="{C183D7F6-B498-43B3-948B-1728B52AA6E4}">
-                <adec:decorative xmlns:adec="http://schemas.microsoft.com/office/drawing/2017/decorative" val="1"/>
+                <adec:decorative xmlns:adec="http://schemas.microsoft.com/office/drawing/2017/decorative" xmlns="" val="1"/>
               </a:ext>
             </a:extLst>
           </p:cNvPr>
@@ -19208,7 +19472,7 @@
           <p:nvPr>
             <p:extLst>
               <p:ext uri="{386F3935-93C4-4BCD-93E2-E3B085C9AB24}">
-                <p16:designElem xmlns:p16="http://schemas.microsoft.com/office/powerpoint/2015/main" val="1"/>
+                <p16:designElem xmlns:p16="http://schemas.microsoft.com/office/powerpoint/2015/main" xmlns="" val="1"/>
               </p:ext>
             </p:extLst>
           </p:nvPr>
@@ -19255,7 +19519,7 @@
           <p:cNvPr id="5" name="Content Placeholder 2">
             <a:extLst>
               <a:ext uri="{FF2B5EF4-FFF2-40B4-BE49-F238E27FC236}">
-                <a16:creationId xmlns:a16="http://schemas.microsoft.com/office/drawing/2014/main" id="{79231F9F-A585-4167-B0C6-438DDEFB1C41}"/>
+                <a16:creationId xmlns:a16="http://schemas.microsoft.com/office/drawing/2014/main" xmlns="" id="{79231F9F-A585-4167-B0C6-438DDEFB1C41}"/>
               </a:ext>
             </a:extLst>
           </p:cNvPr>
@@ -19291,6 +19555,13 @@
   <p:clrMapOvr>
     <a:masterClrMapping/>
   </p:clrMapOvr>
+  <p:timing>
+    <p:tnLst>
+      <p:par>
+        <p:cTn id="1" dur="indefinite" restart="never" nodeType="tmRoot"/>
+      </p:par>
+    </p:tnLst>
+  </p:timing>
 </p:sld>
 </file>
 
@@ -19324,10 +19595,10 @@
           <p:cNvPr id="12" name="Group 11">
             <a:extLst>
               <a:ext uri="{FF2B5EF4-FFF2-40B4-BE49-F238E27FC236}">
-                <a16:creationId xmlns:a16="http://schemas.microsoft.com/office/drawing/2014/main" id="{28460BD8-AE3F-4AC9-9D0B-717052AA5D3A}"/>
+                <a16:creationId xmlns:a16="http://schemas.microsoft.com/office/drawing/2014/main" xmlns="" id="{28460BD8-AE3F-4AC9-9D0B-717052AA5D3A}"/>
               </a:ext>
               <a:ext uri="{C183D7F6-B498-43B3-948B-1728B52AA6E4}">
-                <adec:decorative xmlns:adec="http://schemas.microsoft.com/office/drawing/2017/decorative" val="1"/>
+                <adec:decorative xmlns:adec="http://schemas.microsoft.com/office/drawing/2017/decorative" xmlns="" val="1"/>
               </a:ext>
             </a:extLst>
           </p:cNvPr>
@@ -19337,7 +19608,7 @@
           <p:nvPr>
             <p:extLst>
               <p:ext uri="{386F3935-93C4-4BCD-93E2-E3B085C9AB24}">
-                <p16:designElem xmlns:p16="http://schemas.microsoft.com/office/powerpoint/2015/main" val="1"/>
+                <p16:designElem xmlns:p16="http://schemas.microsoft.com/office/powerpoint/2015/main" xmlns="" val="1"/>
               </p:ext>
             </p:extLst>
           </p:nvPr>
@@ -19355,10 +19626,10 @@
             <p:cNvPr id="13" name="Straight Connector 12">
               <a:extLst>
                 <a:ext uri="{FF2B5EF4-FFF2-40B4-BE49-F238E27FC236}">
-                  <a16:creationId xmlns:a16="http://schemas.microsoft.com/office/drawing/2014/main" id="{54420CFE-F482-466E-9E1E-C78513C0B85D}"/>
+                  <a16:creationId xmlns:a16="http://schemas.microsoft.com/office/drawing/2014/main" xmlns="" id="{54420CFE-F482-466E-9E1E-C78513C0B85D}"/>
                 </a:ext>
                 <a:ext uri="{C183D7F6-B498-43B3-948B-1728B52AA6E4}">
-                  <adec:decorative xmlns:adec="http://schemas.microsoft.com/office/drawing/2017/decorative" val="1"/>
+                  <adec:decorative xmlns:adec="http://schemas.microsoft.com/office/drawing/2017/decorative" xmlns="" val="1"/>
                 </a:ext>
               </a:extLst>
             </p:cNvPr>
@@ -19366,7 +19637,7 @@
             <p:nvPr>
               <p:extLst>
                 <p:ext uri="{386F3935-93C4-4BCD-93E2-E3B085C9AB24}">
-                  <p16:designElem xmlns:p16="http://schemas.microsoft.com/office/powerpoint/2015/main" val="1"/>
+                  <p16:designElem xmlns:p16="http://schemas.microsoft.com/office/powerpoint/2015/main" xmlns="" val="1"/>
                 </p:ext>
               </p:extLst>
             </p:nvPr>
@@ -19407,10 +19678,10 @@
             <p:cNvPr id="14" name="Straight Connector 13">
               <a:extLst>
                 <a:ext uri="{FF2B5EF4-FFF2-40B4-BE49-F238E27FC236}">
-                  <a16:creationId xmlns:a16="http://schemas.microsoft.com/office/drawing/2014/main" id="{5331032B-BD21-4BDA-920C-12E358052567}"/>
+                  <a16:creationId xmlns:a16="http://schemas.microsoft.com/office/drawing/2014/main" xmlns="" id="{5331032B-BD21-4BDA-920C-12E358052567}"/>
                 </a:ext>
                 <a:ext uri="{C183D7F6-B498-43B3-948B-1728B52AA6E4}">
-                  <adec:decorative xmlns:adec="http://schemas.microsoft.com/office/drawing/2017/decorative" val="1"/>
+                  <adec:decorative xmlns:adec="http://schemas.microsoft.com/office/drawing/2017/decorative" xmlns="" val="1"/>
                 </a:ext>
               </a:extLst>
             </p:cNvPr>
@@ -19418,7 +19689,7 @@
             <p:nvPr>
               <p:extLst>
                 <p:ext uri="{386F3935-93C4-4BCD-93E2-E3B085C9AB24}">
-                  <p16:designElem xmlns:p16="http://schemas.microsoft.com/office/powerpoint/2015/main" val="1"/>
+                  <p16:designElem xmlns:p16="http://schemas.microsoft.com/office/powerpoint/2015/main" xmlns="" val="1"/>
                 </p:ext>
               </p:extLst>
             </p:nvPr>
@@ -19459,10 +19730,10 @@
             <p:cNvPr id="15" name="Rectangle 23">
               <a:extLst>
                 <a:ext uri="{FF2B5EF4-FFF2-40B4-BE49-F238E27FC236}">
-                  <a16:creationId xmlns:a16="http://schemas.microsoft.com/office/drawing/2014/main" id="{E7514DA3-59E7-409E-8A3B-AD097F6E5644}"/>
+                  <a16:creationId xmlns:a16="http://schemas.microsoft.com/office/drawing/2014/main" xmlns="" id="{E7514DA3-59E7-409E-8A3B-AD097F6E5644}"/>
                 </a:ext>
                 <a:ext uri="{C183D7F6-B498-43B3-948B-1728B52AA6E4}">
-                  <adec:decorative xmlns:adec="http://schemas.microsoft.com/office/drawing/2017/decorative" val="1"/>
+                  <adec:decorative xmlns:adec="http://schemas.microsoft.com/office/drawing/2017/decorative" xmlns="" val="1"/>
                 </a:ext>
               </a:extLst>
             </p:cNvPr>
@@ -19470,7 +19741,7 @@
             <p:nvPr>
               <p:extLst>
                 <p:ext uri="{386F3935-93C4-4BCD-93E2-E3B085C9AB24}">
-                  <p16:designElem xmlns:p16="http://schemas.microsoft.com/office/powerpoint/2015/main" val="1"/>
+                  <p16:designElem xmlns:p16="http://schemas.microsoft.com/office/powerpoint/2015/main" xmlns="" val="1"/>
                 </p:ext>
               </p:extLst>
             </p:nvPr>
@@ -19537,10 +19808,10 @@
             <p:cNvPr id="16" name="Rectangle 25">
               <a:extLst>
                 <a:ext uri="{FF2B5EF4-FFF2-40B4-BE49-F238E27FC236}">
-                  <a16:creationId xmlns:a16="http://schemas.microsoft.com/office/drawing/2014/main" id="{57B9A2A6-3BE4-4599-9364-F71C5BFD61F8}"/>
+                  <a16:creationId xmlns:a16="http://schemas.microsoft.com/office/drawing/2014/main" xmlns="" id="{57B9A2A6-3BE4-4599-9364-F71C5BFD61F8}"/>
                 </a:ext>
                 <a:ext uri="{C183D7F6-B498-43B3-948B-1728B52AA6E4}">
-                  <adec:decorative xmlns:adec="http://schemas.microsoft.com/office/drawing/2017/decorative" val="1"/>
+                  <adec:decorative xmlns:adec="http://schemas.microsoft.com/office/drawing/2017/decorative" xmlns="" val="1"/>
                 </a:ext>
               </a:extLst>
             </p:cNvPr>
@@ -19548,7 +19819,7 @@
             <p:nvPr>
               <p:extLst>
                 <p:ext uri="{386F3935-93C4-4BCD-93E2-E3B085C9AB24}">
-                  <p16:designElem xmlns:p16="http://schemas.microsoft.com/office/powerpoint/2015/main" val="1"/>
+                  <p16:designElem xmlns:p16="http://schemas.microsoft.com/office/powerpoint/2015/main" xmlns="" val="1"/>
                 </p:ext>
               </p:extLst>
             </p:nvPr>
@@ -19615,10 +19886,10 @@
             <p:cNvPr id="17" name="Isosceles Triangle 16">
               <a:extLst>
                 <a:ext uri="{FF2B5EF4-FFF2-40B4-BE49-F238E27FC236}">
-                  <a16:creationId xmlns:a16="http://schemas.microsoft.com/office/drawing/2014/main" id="{4FD744C6-4ED8-4BC9-BF68-6BDF701C5DB4}"/>
+                  <a16:creationId xmlns:a16="http://schemas.microsoft.com/office/drawing/2014/main" xmlns="" id="{4FD744C6-4ED8-4BC9-BF68-6BDF701C5DB4}"/>
                 </a:ext>
                 <a:ext uri="{C183D7F6-B498-43B3-948B-1728B52AA6E4}">
-                  <adec:decorative xmlns:adec="http://schemas.microsoft.com/office/drawing/2017/decorative" val="1"/>
+                  <adec:decorative xmlns:adec="http://schemas.microsoft.com/office/drawing/2017/decorative" xmlns="" val="1"/>
                 </a:ext>
               </a:extLst>
             </p:cNvPr>
@@ -19626,7 +19897,7 @@
             <p:nvPr>
               <p:extLst>
                 <p:ext uri="{386F3935-93C4-4BCD-93E2-E3B085C9AB24}">
-                  <p16:designElem xmlns:p16="http://schemas.microsoft.com/office/powerpoint/2015/main" val="1"/>
+                  <p16:designElem xmlns:p16="http://schemas.microsoft.com/office/powerpoint/2015/main" xmlns="" val="1"/>
                 </p:ext>
               </p:extLst>
             </p:nvPr>
@@ -19671,10 +19942,10 @@
             <p:cNvPr id="18" name="Rectangle 27">
               <a:extLst>
                 <a:ext uri="{FF2B5EF4-FFF2-40B4-BE49-F238E27FC236}">
-                  <a16:creationId xmlns:a16="http://schemas.microsoft.com/office/drawing/2014/main" id="{092C5BAD-C911-4F8F-A1C5-470268BE668B}"/>
+                  <a16:creationId xmlns:a16="http://schemas.microsoft.com/office/drawing/2014/main" xmlns="" id="{092C5BAD-C911-4F8F-A1C5-470268BE668B}"/>
                 </a:ext>
                 <a:ext uri="{C183D7F6-B498-43B3-948B-1728B52AA6E4}">
-                  <adec:decorative xmlns:adec="http://schemas.microsoft.com/office/drawing/2017/decorative" val="1"/>
+                  <adec:decorative xmlns:adec="http://schemas.microsoft.com/office/drawing/2017/decorative" xmlns="" val="1"/>
                 </a:ext>
               </a:extLst>
             </p:cNvPr>
@@ -19682,7 +19953,7 @@
             <p:nvPr>
               <p:extLst>
                 <p:ext uri="{386F3935-93C4-4BCD-93E2-E3B085C9AB24}">
-                  <p16:designElem xmlns:p16="http://schemas.microsoft.com/office/powerpoint/2015/main" val="1"/>
+                  <p16:designElem xmlns:p16="http://schemas.microsoft.com/office/powerpoint/2015/main" xmlns="" val="1"/>
                 </p:ext>
               </p:extLst>
             </p:nvPr>
@@ -19750,10 +20021,10 @@
             <p:cNvPr id="19" name="Rectangle 28">
               <a:extLst>
                 <a:ext uri="{FF2B5EF4-FFF2-40B4-BE49-F238E27FC236}">
-                  <a16:creationId xmlns:a16="http://schemas.microsoft.com/office/drawing/2014/main" id="{B133D0C8-4EC4-424F-8E70-0482D5B1B653}"/>
+                  <a16:creationId xmlns:a16="http://schemas.microsoft.com/office/drawing/2014/main" xmlns="" id="{B133D0C8-4EC4-424F-8E70-0482D5B1B653}"/>
                 </a:ext>
                 <a:ext uri="{C183D7F6-B498-43B3-948B-1728B52AA6E4}">
-                  <adec:decorative xmlns:adec="http://schemas.microsoft.com/office/drawing/2017/decorative" val="1"/>
+                  <adec:decorative xmlns:adec="http://schemas.microsoft.com/office/drawing/2017/decorative" xmlns="" val="1"/>
                 </a:ext>
               </a:extLst>
             </p:cNvPr>
@@ -19761,7 +20032,7 @@
             <p:nvPr>
               <p:extLst>
                 <p:ext uri="{386F3935-93C4-4BCD-93E2-E3B085C9AB24}">
-                  <p16:designElem xmlns:p16="http://schemas.microsoft.com/office/powerpoint/2015/main" val="1"/>
+                  <p16:designElem xmlns:p16="http://schemas.microsoft.com/office/powerpoint/2015/main" xmlns="" val="1"/>
                 </p:ext>
               </p:extLst>
             </p:nvPr>
@@ -19830,10 +20101,10 @@
             <p:cNvPr id="20" name="Rectangle 29">
               <a:extLst>
                 <a:ext uri="{FF2B5EF4-FFF2-40B4-BE49-F238E27FC236}">
-                  <a16:creationId xmlns:a16="http://schemas.microsoft.com/office/drawing/2014/main" id="{7B1532A0-F4B3-4DE8-B18F-740CAAD25AC4}"/>
+                  <a16:creationId xmlns:a16="http://schemas.microsoft.com/office/drawing/2014/main" xmlns="" id="{7B1532A0-F4B3-4DE8-B18F-740CAAD25AC4}"/>
                 </a:ext>
                 <a:ext uri="{C183D7F6-B498-43B3-948B-1728B52AA6E4}">
-                  <adec:decorative xmlns:adec="http://schemas.microsoft.com/office/drawing/2017/decorative" val="1"/>
+                  <adec:decorative xmlns:adec="http://schemas.microsoft.com/office/drawing/2017/decorative" xmlns="" val="1"/>
                 </a:ext>
               </a:extLst>
             </p:cNvPr>
@@ -19841,7 +20112,7 @@
             <p:nvPr>
               <p:extLst>
                 <p:ext uri="{386F3935-93C4-4BCD-93E2-E3B085C9AB24}">
-                  <p16:designElem xmlns:p16="http://schemas.microsoft.com/office/powerpoint/2015/main" val="1"/>
+                  <p16:designElem xmlns:p16="http://schemas.microsoft.com/office/powerpoint/2015/main" xmlns="" val="1"/>
                 </p:ext>
               </p:extLst>
             </p:nvPr>
@@ -19908,10 +20179,10 @@
             <p:cNvPr id="21" name="Isosceles Triangle 20">
               <a:extLst>
                 <a:ext uri="{FF2B5EF4-FFF2-40B4-BE49-F238E27FC236}">
-                  <a16:creationId xmlns:a16="http://schemas.microsoft.com/office/drawing/2014/main" id="{8EFDD162-BBBA-4062-8BBF-53DBA1091374}"/>
+                  <a16:creationId xmlns:a16="http://schemas.microsoft.com/office/drawing/2014/main" xmlns="" id="{8EFDD162-BBBA-4062-8BBF-53DBA1091374}"/>
                 </a:ext>
                 <a:ext uri="{C183D7F6-B498-43B3-948B-1728B52AA6E4}">
-                  <adec:decorative xmlns:adec="http://schemas.microsoft.com/office/drawing/2017/decorative" val="1"/>
+                  <adec:decorative xmlns:adec="http://schemas.microsoft.com/office/drawing/2017/decorative" xmlns="" val="1"/>
                 </a:ext>
               </a:extLst>
             </p:cNvPr>
@@ -19919,7 +20190,7 @@
             <p:nvPr>
               <p:extLst>
                 <p:ext uri="{386F3935-93C4-4BCD-93E2-E3B085C9AB24}">
-                  <p16:designElem xmlns:p16="http://schemas.microsoft.com/office/powerpoint/2015/main" val="1"/>
+                  <p16:designElem xmlns:p16="http://schemas.microsoft.com/office/powerpoint/2015/main" xmlns="" val="1"/>
                 </p:ext>
               </p:extLst>
             </p:nvPr>
@@ -19964,10 +20235,10 @@
             <p:cNvPr id="22" name="Isosceles Triangle 21">
               <a:extLst>
                 <a:ext uri="{FF2B5EF4-FFF2-40B4-BE49-F238E27FC236}">
-                  <a16:creationId xmlns:a16="http://schemas.microsoft.com/office/drawing/2014/main" id="{DCFC9E65-3E19-4483-B952-25D29683CA56}"/>
+                  <a16:creationId xmlns:a16="http://schemas.microsoft.com/office/drawing/2014/main" xmlns="" id="{DCFC9E65-3E19-4483-B952-25D29683CA56}"/>
                 </a:ext>
                 <a:ext uri="{C183D7F6-B498-43B3-948B-1728B52AA6E4}">
-                  <adec:decorative xmlns:adec="http://schemas.microsoft.com/office/drawing/2017/decorative" val="1"/>
+                  <adec:decorative xmlns:adec="http://schemas.microsoft.com/office/drawing/2017/decorative" xmlns="" val="1"/>
                 </a:ext>
               </a:extLst>
             </p:cNvPr>
@@ -19975,7 +20246,7 @@
             <p:nvPr>
               <p:extLst>
                 <p:ext uri="{386F3935-93C4-4BCD-93E2-E3B085C9AB24}">
-                  <p16:designElem xmlns:p16="http://schemas.microsoft.com/office/powerpoint/2015/main" val="1"/>
+                  <p16:designElem xmlns:p16="http://schemas.microsoft.com/office/powerpoint/2015/main" xmlns="" val="1"/>
                 </p:ext>
               </p:extLst>
             </p:nvPr>
@@ -20021,10 +20292,10 @@
           <p:cNvPr id="24" name="Rectangle 23">
             <a:extLst>
               <a:ext uri="{FF2B5EF4-FFF2-40B4-BE49-F238E27FC236}">
-                <a16:creationId xmlns:a16="http://schemas.microsoft.com/office/drawing/2014/main" id="{2783C067-F8BF-4755-B516-8A0CD74CF60C}"/>
+                <a16:creationId xmlns:a16="http://schemas.microsoft.com/office/drawing/2014/main" xmlns="" id="{2783C067-F8BF-4755-B516-8A0CD74CF60C}"/>
               </a:ext>
               <a:ext uri="{C183D7F6-B498-43B3-948B-1728B52AA6E4}">
-                <adec:decorative xmlns:adec="http://schemas.microsoft.com/office/drawing/2017/decorative" val="1"/>
+                <adec:decorative xmlns:adec="http://schemas.microsoft.com/office/drawing/2017/decorative" xmlns="" val="1"/>
               </a:ext>
             </a:extLst>
           </p:cNvPr>
@@ -20034,7 +20305,7 @@
           <p:nvPr>
             <p:extLst>
               <p:ext uri="{386F3935-93C4-4BCD-93E2-E3B085C9AB24}">
-                <p16:designElem xmlns:p16="http://schemas.microsoft.com/office/powerpoint/2015/main" val="1"/>
+                <p16:designElem xmlns:p16="http://schemas.microsoft.com/office/powerpoint/2015/main" xmlns="" val="1"/>
               </p:ext>
             </p:extLst>
           </p:nvPr>
@@ -20081,10 +20352,10 @@
           <p:cNvPr id="26" name="Isosceles Triangle 25">
             <a:extLst>
               <a:ext uri="{FF2B5EF4-FFF2-40B4-BE49-F238E27FC236}">
-                <a16:creationId xmlns:a16="http://schemas.microsoft.com/office/drawing/2014/main" id="{2ED796EC-E7FF-46DB-B912-FB08BF12AA6E}"/>
+                <a16:creationId xmlns:a16="http://schemas.microsoft.com/office/drawing/2014/main" xmlns="" id="{2ED796EC-E7FF-46DB-B912-FB08BF12AA6E}"/>
               </a:ext>
               <a:ext uri="{C183D7F6-B498-43B3-948B-1728B52AA6E4}">
-                <adec:decorative xmlns:adec="http://schemas.microsoft.com/office/drawing/2017/decorative" val="1"/>
+                <adec:decorative xmlns:adec="http://schemas.microsoft.com/office/drawing/2017/decorative" xmlns="" val="1"/>
               </a:ext>
             </a:extLst>
           </p:cNvPr>
@@ -20094,7 +20365,7 @@
           <p:nvPr>
             <p:extLst>
               <p:ext uri="{386F3935-93C4-4BCD-93E2-E3B085C9AB24}">
-                <p16:designElem xmlns:p16="http://schemas.microsoft.com/office/powerpoint/2015/main" val="1"/>
+                <p16:designElem xmlns:p16="http://schemas.microsoft.com/office/powerpoint/2015/main" xmlns="" val="1"/>
               </p:ext>
             </p:extLst>
           </p:nvPr>
@@ -20137,10 +20408,10 @@
           <p:cNvPr id="28" name="Isosceles Triangle 27">
             <a:extLst>
               <a:ext uri="{FF2B5EF4-FFF2-40B4-BE49-F238E27FC236}">
-                <a16:creationId xmlns:a16="http://schemas.microsoft.com/office/drawing/2014/main" id="{549A2DAB-B431-487D-95AD-BB0FECB49E57}"/>
+                <a16:creationId xmlns:a16="http://schemas.microsoft.com/office/drawing/2014/main" xmlns="" id="{549A2DAB-B431-487D-95AD-BB0FECB49E57}"/>
               </a:ext>
               <a:ext uri="{C183D7F6-B498-43B3-948B-1728B52AA6E4}">
-                <adec:decorative xmlns:adec="http://schemas.microsoft.com/office/drawing/2017/decorative" val="1"/>
+                <adec:decorative xmlns:adec="http://schemas.microsoft.com/office/drawing/2017/decorative" xmlns="" val="1"/>
               </a:ext>
             </a:extLst>
           </p:cNvPr>
@@ -20150,7 +20421,7 @@
           <p:nvPr>
             <p:extLst>
               <p:ext uri="{386F3935-93C4-4BCD-93E2-E3B085C9AB24}">
-                <p16:designElem xmlns:p16="http://schemas.microsoft.com/office/powerpoint/2015/main" val="1"/>
+                <p16:designElem xmlns:p16="http://schemas.microsoft.com/office/powerpoint/2015/main" xmlns="" val="1"/>
               </p:ext>
             </p:extLst>
           </p:nvPr>
@@ -20195,10 +20466,10 @@
           <p:cNvPr id="30" name="Rectangle 27">
             <a:extLst>
               <a:ext uri="{FF2B5EF4-FFF2-40B4-BE49-F238E27FC236}">
-                <a16:creationId xmlns:a16="http://schemas.microsoft.com/office/drawing/2014/main" id="{0819F787-32B4-46A8-BC57-C6571BCEE243}"/>
+                <a16:creationId xmlns:a16="http://schemas.microsoft.com/office/drawing/2014/main" xmlns="" id="{0819F787-32B4-46A8-BC57-C6571BCEE243}"/>
               </a:ext>
               <a:ext uri="{C183D7F6-B498-43B3-948B-1728B52AA6E4}">
-                <adec:decorative xmlns:adec="http://schemas.microsoft.com/office/drawing/2017/decorative" val="1"/>
+                <adec:decorative xmlns:adec="http://schemas.microsoft.com/office/drawing/2017/decorative" xmlns="" val="1"/>
               </a:ext>
             </a:extLst>
           </p:cNvPr>
@@ -20208,7 +20479,7 @@
           <p:nvPr>
             <p:extLst>
               <p:ext uri="{386F3935-93C4-4BCD-93E2-E3B085C9AB24}">
-                <p16:designElem xmlns:p16="http://schemas.microsoft.com/office/powerpoint/2015/main" val="1"/>
+                <p16:designElem xmlns:p16="http://schemas.microsoft.com/office/powerpoint/2015/main" xmlns="" val="1"/>
               </p:ext>
             </p:extLst>
           </p:nvPr>
@@ -20273,10 +20544,10 @@
           <p:cNvPr id="32" name="Straight Connector 31">
             <a:extLst>
               <a:ext uri="{FF2B5EF4-FFF2-40B4-BE49-F238E27FC236}">
-                <a16:creationId xmlns:a16="http://schemas.microsoft.com/office/drawing/2014/main" id="{C5ECDEE1-7093-418F-9CF5-24EEB115C1C1}"/>
+                <a16:creationId xmlns:a16="http://schemas.microsoft.com/office/drawing/2014/main" xmlns="" id="{C5ECDEE1-7093-418F-9CF5-24EEB115C1C1}"/>
               </a:ext>
               <a:ext uri="{C183D7F6-B498-43B3-948B-1728B52AA6E4}">
-                <adec:decorative xmlns:adec="http://schemas.microsoft.com/office/drawing/2017/decorative" val="1"/>
+                <adec:decorative xmlns:adec="http://schemas.microsoft.com/office/drawing/2017/decorative" xmlns="" val="1"/>
               </a:ext>
             </a:extLst>
           </p:cNvPr>
@@ -20286,7 +20557,7 @@
           <p:nvPr>
             <p:extLst>
               <p:ext uri="{386F3935-93C4-4BCD-93E2-E3B085C9AB24}">
-                <p16:designElem xmlns:p16="http://schemas.microsoft.com/office/powerpoint/2015/main" val="1"/>
+                <p16:designElem xmlns:p16="http://schemas.microsoft.com/office/powerpoint/2015/main" xmlns="" val="1"/>
               </p:ext>
             </p:extLst>
           </p:nvPr>
@@ -20326,10 +20597,10 @@
           <p:cNvPr id="34" name="Straight Connector 33">
             <a:extLst>
               <a:ext uri="{FF2B5EF4-FFF2-40B4-BE49-F238E27FC236}">
-                <a16:creationId xmlns:a16="http://schemas.microsoft.com/office/drawing/2014/main" id="{045062AF-EB11-4651-BC4A-4DA21768DE8E}"/>
+                <a16:creationId xmlns:a16="http://schemas.microsoft.com/office/drawing/2014/main" xmlns="" id="{045062AF-EB11-4651-BC4A-4DA21768DE8E}"/>
               </a:ext>
               <a:ext uri="{C183D7F6-B498-43B3-948B-1728B52AA6E4}">
-                <adec:decorative xmlns:adec="http://schemas.microsoft.com/office/drawing/2017/decorative" val="1"/>
+                <adec:decorative xmlns:adec="http://schemas.microsoft.com/office/drawing/2017/decorative" xmlns="" val="1"/>
               </a:ext>
             </a:extLst>
           </p:cNvPr>
@@ -20339,7 +20610,7 @@
           <p:nvPr>
             <p:extLst>
               <p:ext uri="{386F3935-93C4-4BCD-93E2-E3B085C9AB24}">
-                <p16:designElem xmlns:p16="http://schemas.microsoft.com/office/powerpoint/2015/main" val="1"/>
+                <p16:designElem xmlns:p16="http://schemas.microsoft.com/office/powerpoint/2015/main" xmlns="" val="1"/>
               </p:ext>
             </p:extLst>
           </p:nvPr>
@@ -20378,7 +20649,7 @@
           <p:cNvPr id="2" name="Title 1">
             <a:extLst>
               <a:ext uri="{FF2B5EF4-FFF2-40B4-BE49-F238E27FC236}">
-                <a16:creationId xmlns:a16="http://schemas.microsoft.com/office/drawing/2014/main" id="{D075034A-6DCC-4B50-B96F-27AECCBEE6C5}"/>
+                <a16:creationId xmlns:a16="http://schemas.microsoft.com/office/drawing/2014/main" xmlns="" id="{D075034A-6DCC-4B50-B96F-27AECCBEE6C5}"/>
               </a:ext>
             </a:extLst>
           </p:cNvPr>
@@ -20414,7 +20685,7 @@
           <p:cNvPr id="9" name="Picture 8" descr="A close up of a device&#10;&#10;Description automatically generated">
             <a:extLst>
               <a:ext uri="{FF2B5EF4-FFF2-40B4-BE49-F238E27FC236}">
-                <a16:creationId xmlns:a16="http://schemas.microsoft.com/office/drawing/2014/main" id="{B0EBD32E-4949-493D-8540-22C082C41921}"/>
+                <a16:creationId xmlns:a16="http://schemas.microsoft.com/office/drawing/2014/main" xmlns="" id="{B0EBD32E-4949-493D-8540-22C082C41921}"/>
               </a:ext>
             </a:extLst>
           </p:cNvPr>
@@ -20455,6 +20726,13 @@
   <p:clrMapOvr>
     <a:masterClrMapping/>
   </p:clrMapOvr>
+  <p:timing>
+    <p:tnLst>
+      <p:par>
+        <p:cTn id="1" dur="indefinite" restart="never" nodeType="tmRoot"/>
+      </p:par>
+    </p:tnLst>
+  </p:timing>
 </p:sld>
 </file>
 
@@ -20488,7 +20766,7 @@
           <p:cNvPr id="2" name="Title 1">
             <a:extLst>
               <a:ext uri="{FF2B5EF4-FFF2-40B4-BE49-F238E27FC236}">
-                <a16:creationId xmlns:a16="http://schemas.microsoft.com/office/drawing/2014/main" id="{982E5FB2-E978-4BA4-9F75-5471C38516A4}"/>
+                <a16:creationId xmlns:a16="http://schemas.microsoft.com/office/drawing/2014/main" xmlns="" id="{982E5FB2-E978-4BA4-9F75-5471C38516A4}"/>
               </a:ext>
             </a:extLst>
           </p:cNvPr>
@@ -20523,7 +20801,7 @@
           <p:cNvPr id="5" name="Content Placeholder 2">
             <a:extLst>
               <a:ext uri="{FF2B5EF4-FFF2-40B4-BE49-F238E27FC236}">
-                <a16:creationId xmlns:a16="http://schemas.microsoft.com/office/drawing/2014/main" id="{80DFF5B3-01BC-410E-AD29-59D4DFD2C07F}"/>
+                <a16:creationId xmlns:a16="http://schemas.microsoft.com/office/drawing/2014/main" xmlns="" id="{80DFF5B3-01BC-410E-AD29-59D4DFD2C07F}"/>
               </a:ext>
             </a:extLst>
           </p:cNvPr>
@@ -20559,6 +20837,13 @@
   <p:clrMapOvr>
     <a:masterClrMapping/>
   </p:clrMapOvr>
+  <p:timing>
+    <p:tnLst>
+      <p:par>
+        <p:cTn id="1" dur="indefinite" restart="never" nodeType="tmRoot"/>
+      </p:par>
+    </p:tnLst>
+  </p:timing>
 </p:sld>
 </file>
 
@@ -20592,10 +20877,10 @@
           <p:cNvPr id="10" name="Rectangle 9">
             <a:extLst>
               <a:ext uri="{FF2B5EF4-FFF2-40B4-BE49-F238E27FC236}">
-                <a16:creationId xmlns:a16="http://schemas.microsoft.com/office/drawing/2014/main" id="{A65AC7D1-EAA9-48F5-B509-60A7F50BF703}"/>
+                <a16:creationId xmlns:a16="http://schemas.microsoft.com/office/drawing/2014/main" xmlns="" id="{A65AC7D1-EAA9-48F5-B509-60A7F50BF703}"/>
               </a:ext>
               <a:ext uri="{C183D7F6-B498-43B3-948B-1728B52AA6E4}">
-                <adec:decorative xmlns:adec="http://schemas.microsoft.com/office/drawing/2017/decorative" val="1"/>
+                <adec:decorative xmlns:adec="http://schemas.microsoft.com/office/drawing/2017/decorative" xmlns="" val="1"/>
               </a:ext>
             </a:extLst>
           </p:cNvPr>
@@ -20605,7 +20890,7 @@
           <p:nvPr>
             <p:extLst>
               <p:ext uri="{386F3935-93C4-4BCD-93E2-E3B085C9AB24}">
-                <p16:designElem xmlns:p16="http://schemas.microsoft.com/office/powerpoint/2015/main" val="1"/>
+                <p16:designElem xmlns:p16="http://schemas.microsoft.com/office/powerpoint/2015/main" xmlns="" val="1"/>
               </p:ext>
             </p:extLst>
           </p:nvPr>
@@ -20652,10 +20937,10 @@
           <p:cNvPr id="19" name="Rectangle 11">
             <a:extLst>
               <a:ext uri="{FF2B5EF4-FFF2-40B4-BE49-F238E27FC236}">
-                <a16:creationId xmlns:a16="http://schemas.microsoft.com/office/drawing/2014/main" id="{D6320AF9-619A-4175-865B-5663E1AEF4C5}"/>
+                <a16:creationId xmlns:a16="http://schemas.microsoft.com/office/drawing/2014/main" xmlns="" id="{D6320AF9-619A-4175-865B-5663E1AEF4C5}"/>
               </a:ext>
               <a:ext uri="{C183D7F6-B498-43B3-948B-1728B52AA6E4}">
-                <adec:decorative xmlns:adec="http://schemas.microsoft.com/office/drawing/2017/decorative" val="1"/>
+                <adec:decorative xmlns:adec="http://schemas.microsoft.com/office/drawing/2017/decorative" xmlns="" val="1"/>
               </a:ext>
             </a:extLst>
           </p:cNvPr>
@@ -20665,7 +20950,7 @@
           <p:nvPr>
             <p:extLst>
               <p:ext uri="{386F3935-93C4-4BCD-93E2-E3B085C9AB24}">
-                <p16:designElem xmlns:p16="http://schemas.microsoft.com/office/powerpoint/2015/main" val="1"/>
+                <p16:designElem xmlns:p16="http://schemas.microsoft.com/office/powerpoint/2015/main" xmlns="" val="1"/>
               </p:ext>
             </p:extLst>
           </p:nvPr>
@@ -20712,10 +20997,10 @@
           <p:cNvPr id="21" name="Straight Connector 13">
             <a:extLst>
               <a:ext uri="{FF2B5EF4-FFF2-40B4-BE49-F238E27FC236}">
-                <a16:creationId xmlns:a16="http://schemas.microsoft.com/office/drawing/2014/main" id="{063B6EC6-D752-4EE7-908B-F8F19E8C7FEA}"/>
+                <a16:creationId xmlns:a16="http://schemas.microsoft.com/office/drawing/2014/main" xmlns="" id="{063B6EC6-D752-4EE7-908B-F8F19E8C7FEA}"/>
               </a:ext>
               <a:ext uri="{C183D7F6-B498-43B3-948B-1728B52AA6E4}">
-                <adec:decorative xmlns:adec="http://schemas.microsoft.com/office/drawing/2017/decorative" val="1"/>
+                <adec:decorative xmlns:adec="http://schemas.microsoft.com/office/drawing/2017/decorative" xmlns="" val="1"/>
               </a:ext>
             </a:extLst>
           </p:cNvPr>
@@ -20725,7 +21010,7 @@
           <p:nvPr>
             <p:extLst>
               <p:ext uri="{386F3935-93C4-4BCD-93E2-E3B085C9AB24}">
-                <p16:designElem xmlns:p16="http://schemas.microsoft.com/office/powerpoint/2015/main" val="1"/>
+                <p16:designElem xmlns:p16="http://schemas.microsoft.com/office/powerpoint/2015/main" xmlns="" val="1"/>
               </p:ext>
             </p:extLst>
           </p:nvPr>
@@ -20766,10 +21051,10 @@
           <p:cNvPr id="23" name="Straight Connector 15">
             <a:extLst>
               <a:ext uri="{FF2B5EF4-FFF2-40B4-BE49-F238E27FC236}">
-                <a16:creationId xmlns:a16="http://schemas.microsoft.com/office/drawing/2014/main" id="{EFECD4E8-AD3E-4228-82A2-9461958EA94D}"/>
+                <a16:creationId xmlns:a16="http://schemas.microsoft.com/office/drawing/2014/main" xmlns="" id="{EFECD4E8-AD3E-4228-82A2-9461958EA94D}"/>
               </a:ext>
               <a:ext uri="{C183D7F6-B498-43B3-948B-1728B52AA6E4}">
-                <adec:decorative xmlns:adec="http://schemas.microsoft.com/office/drawing/2017/decorative" val="1"/>
+                <adec:decorative xmlns:adec="http://schemas.microsoft.com/office/drawing/2017/decorative" xmlns="" val="1"/>
               </a:ext>
             </a:extLst>
           </p:cNvPr>
@@ -20779,7 +21064,7 @@
           <p:nvPr>
             <p:extLst>
               <p:ext uri="{386F3935-93C4-4BCD-93E2-E3B085C9AB24}">
-                <p16:designElem xmlns:p16="http://schemas.microsoft.com/office/powerpoint/2015/main" val="1"/>
+                <p16:designElem xmlns:p16="http://schemas.microsoft.com/office/powerpoint/2015/main" xmlns="" val="1"/>
               </p:ext>
             </p:extLst>
           </p:nvPr>
@@ -20822,10 +21107,10 @@
           <p:cNvPr id="18" name="Rectangle 23">
             <a:extLst>
               <a:ext uri="{FF2B5EF4-FFF2-40B4-BE49-F238E27FC236}">
-                <a16:creationId xmlns:a16="http://schemas.microsoft.com/office/drawing/2014/main" id="{7E018740-5C2B-4A41-AC1A-7E68D1EC1954}"/>
+                <a16:creationId xmlns:a16="http://schemas.microsoft.com/office/drawing/2014/main" xmlns="" id="{7E018740-5C2B-4A41-AC1A-7E68D1EC1954}"/>
               </a:ext>
               <a:ext uri="{C183D7F6-B498-43B3-948B-1728B52AA6E4}">
-                <adec:decorative xmlns:adec="http://schemas.microsoft.com/office/drawing/2017/decorative" val="1"/>
+                <adec:decorative xmlns:adec="http://schemas.microsoft.com/office/drawing/2017/decorative" xmlns="" val="1"/>
               </a:ext>
             </a:extLst>
           </p:cNvPr>
@@ -20835,7 +21120,7 @@
           <p:nvPr>
             <p:extLst>
               <p:ext uri="{386F3935-93C4-4BCD-93E2-E3B085C9AB24}">
-                <p16:designElem xmlns:p16="http://schemas.microsoft.com/office/powerpoint/2015/main" val="1"/>
+                <p16:designElem xmlns:p16="http://schemas.microsoft.com/office/powerpoint/2015/main" xmlns="" val="1"/>
               </p:ext>
             </p:extLst>
           </p:nvPr>
@@ -20902,10 +21187,10 @@
           <p:cNvPr id="20" name="Rectangle 25">
             <a:extLst>
               <a:ext uri="{FF2B5EF4-FFF2-40B4-BE49-F238E27FC236}">
-                <a16:creationId xmlns:a16="http://schemas.microsoft.com/office/drawing/2014/main" id="{166F75A4-C475-4941-8EE2-B80A06A2C1BB}"/>
+                <a16:creationId xmlns:a16="http://schemas.microsoft.com/office/drawing/2014/main" xmlns="" id="{166F75A4-C475-4941-8EE2-B80A06A2C1BB}"/>
               </a:ext>
               <a:ext uri="{C183D7F6-B498-43B3-948B-1728B52AA6E4}">
-                <adec:decorative xmlns:adec="http://schemas.microsoft.com/office/drawing/2017/decorative" val="1"/>
+                <adec:decorative xmlns:adec="http://schemas.microsoft.com/office/drawing/2017/decorative" xmlns="" val="1"/>
               </a:ext>
             </a:extLst>
           </p:cNvPr>
@@ -20915,7 +21200,7 @@
           <p:nvPr>
             <p:extLst>
               <p:ext uri="{386F3935-93C4-4BCD-93E2-E3B085C9AB24}">
-                <p16:designElem xmlns:p16="http://schemas.microsoft.com/office/powerpoint/2015/main" val="1"/>
+                <p16:designElem xmlns:p16="http://schemas.microsoft.com/office/powerpoint/2015/main" xmlns="" val="1"/>
               </p:ext>
             </p:extLst>
           </p:nvPr>
@@ -20982,10 +21267,10 @@
           <p:cNvPr id="22" name="Isosceles Triangle 21">
             <a:extLst>
               <a:ext uri="{FF2B5EF4-FFF2-40B4-BE49-F238E27FC236}">
-                <a16:creationId xmlns:a16="http://schemas.microsoft.com/office/drawing/2014/main" id="{A032553A-72E8-4B0D-8405-FF9771C9AF05}"/>
+                <a16:creationId xmlns:a16="http://schemas.microsoft.com/office/drawing/2014/main" xmlns="" id="{A032553A-72E8-4B0D-8405-FF9771C9AF05}"/>
               </a:ext>
               <a:ext uri="{C183D7F6-B498-43B3-948B-1728B52AA6E4}">
-                <adec:decorative xmlns:adec="http://schemas.microsoft.com/office/drawing/2017/decorative" val="1"/>
+                <adec:decorative xmlns:adec="http://schemas.microsoft.com/office/drawing/2017/decorative" xmlns="" val="1"/>
               </a:ext>
             </a:extLst>
           </p:cNvPr>
@@ -20995,7 +21280,7 @@
           <p:nvPr>
             <p:extLst>
               <p:ext uri="{386F3935-93C4-4BCD-93E2-E3B085C9AB24}">
-                <p16:designElem xmlns:p16="http://schemas.microsoft.com/office/powerpoint/2015/main" val="1"/>
+                <p16:designElem xmlns:p16="http://schemas.microsoft.com/office/powerpoint/2015/main" xmlns="" val="1"/>
               </p:ext>
             </p:extLst>
           </p:nvPr>
@@ -21040,10 +21325,10 @@
           <p:cNvPr id="24" name="Rectangle 27">
             <a:extLst>
               <a:ext uri="{FF2B5EF4-FFF2-40B4-BE49-F238E27FC236}">
-                <a16:creationId xmlns:a16="http://schemas.microsoft.com/office/drawing/2014/main" id="{765800AC-C3B9-498E-87BC-29FAE4C76B21}"/>
+                <a16:creationId xmlns:a16="http://schemas.microsoft.com/office/drawing/2014/main" xmlns="" id="{765800AC-C3B9-498E-87BC-29FAE4C76B21}"/>
               </a:ext>
               <a:ext uri="{C183D7F6-B498-43B3-948B-1728B52AA6E4}">
-                <adec:decorative xmlns:adec="http://schemas.microsoft.com/office/drawing/2017/decorative" val="1"/>
+                <adec:decorative xmlns:adec="http://schemas.microsoft.com/office/drawing/2017/decorative" xmlns="" val="1"/>
               </a:ext>
             </a:extLst>
           </p:cNvPr>
@@ -21053,7 +21338,7 @@
           <p:nvPr>
             <p:extLst>
               <p:ext uri="{386F3935-93C4-4BCD-93E2-E3B085C9AB24}">
-                <p16:designElem xmlns:p16="http://schemas.microsoft.com/office/powerpoint/2015/main" val="1"/>
+                <p16:designElem xmlns:p16="http://schemas.microsoft.com/office/powerpoint/2015/main" xmlns="" val="1"/>
               </p:ext>
             </p:extLst>
           </p:nvPr>
@@ -21121,10 +21406,10 @@
           <p:cNvPr id="26" name="Isosceles Triangle 25">
             <a:extLst>
               <a:ext uri="{FF2B5EF4-FFF2-40B4-BE49-F238E27FC236}">
-                <a16:creationId xmlns:a16="http://schemas.microsoft.com/office/drawing/2014/main" id="{1F9D6ACB-2FF4-49F9-978A-E0D5327FC635}"/>
+                <a16:creationId xmlns:a16="http://schemas.microsoft.com/office/drawing/2014/main" xmlns="" id="{1F9D6ACB-2FF4-49F9-978A-E0D5327FC635}"/>
               </a:ext>
               <a:ext uri="{C183D7F6-B498-43B3-948B-1728B52AA6E4}">
-                <adec:decorative xmlns:adec="http://schemas.microsoft.com/office/drawing/2017/decorative" val="1"/>
+                <adec:decorative xmlns:adec="http://schemas.microsoft.com/office/drawing/2017/decorative" xmlns="" val="1"/>
               </a:ext>
             </a:extLst>
           </p:cNvPr>
@@ -21134,7 +21419,7 @@
           <p:nvPr>
             <p:extLst>
               <p:ext uri="{386F3935-93C4-4BCD-93E2-E3B085C9AB24}">
-                <p16:designElem xmlns:p16="http://schemas.microsoft.com/office/powerpoint/2015/main" val="1"/>
+                <p16:designElem xmlns:p16="http://schemas.microsoft.com/office/powerpoint/2015/main" xmlns="" val="1"/>
               </p:ext>
             </p:extLst>
           </p:nvPr>
@@ -21179,10 +21464,10 @@
           <p:cNvPr id="28" name="Freeform: Shape 27">
             <a:extLst>
               <a:ext uri="{FF2B5EF4-FFF2-40B4-BE49-F238E27FC236}">
-                <a16:creationId xmlns:a16="http://schemas.microsoft.com/office/drawing/2014/main" id="{A5EC319D-0FEA-4B95-A3EA-01E35672C95B}"/>
+                <a16:creationId xmlns:a16="http://schemas.microsoft.com/office/drawing/2014/main" xmlns="" id="{A5EC319D-0FEA-4B95-A3EA-01E35672C95B}"/>
               </a:ext>
               <a:ext uri="{C183D7F6-B498-43B3-948B-1728B52AA6E4}">
-                <adec:decorative xmlns:adec="http://schemas.microsoft.com/office/drawing/2017/decorative" val="1"/>
+                <adec:decorative xmlns:adec="http://schemas.microsoft.com/office/drawing/2017/decorative" xmlns="" val="1"/>
               </a:ext>
             </a:extLst>
           </p:cNvPr>
@@ -21192,7 +21477,7 @@
           <p:nvPr>
             <p:extLst>
               <p:ext uri="{386F3935-93C4-4BCD-93E2-E3B085C9AB24}">
-                <p16:designElem xmlns:p16="http://schemas.microsoft.com/office/powerpoint/2015/main" val="1"/>
+                <p16:designElem xmlns:p16="http://schemas.microsoft.com/office/powerpoint/2015/main" xmlns="" val="1"/>
               </p:ext>
             </p:extLst>
           </p:nvPr>
@@ -21313,7 +21598,7 @@
           <p:cNvPr id="2" name="Title 1">
             <a:extLst>
               <a:ext uri="{FF2B5EF4-FFF2-40B4-BE49-F238E27FC236}">
-                <a16:creationId xmlns:a16="http://schemas.microsoft.com/office/drawing/2014/main" id="{AAF610D5-077C-4B8E-9993-1BC7ADB8BA0A}"/>
+                <a16:creationId xmlns:a16="http://schemas.microsoft.com/office/drawing/2014/main" xmlns="" id="{AAF610D5-077C-4B8E-9993-1BC7ADB8BA0A}"/>
               </a:ext>
             </a:extLst>
           </p:cNvPr>
@@ -21360,7 +21645,7 @@
           <p:cNvPr id="5" name="Picture 4" descr="A screen shot of a computer&#10;&#10;Description automatically generated">
             <a:extLst>
               <a:ext uri="{FF2B5EF4-FFF2-40B4-BE49-F238E27FC236}">
-                <a16:creationId xmlns:a16="http://schemas.microsoft.com/office/drawing/2014/main" id="{DA159562-D4C0-485C-8FC9-95A5A31F9557}"/>
+                <a16:creationId xmlns:a16="http://schemas.microsoft.com/office/drawing/2014/main" xmlns="" id="{DA159562-D4C0-485C-8FC9-95A5A31F9557}"/>
               </a:ext>
             </a:extLst>
           </p:cNvPr>
@@ -21396,7 +21681,7 @@
           <p:cNvPr id="3" name="Content Placeholder 2">
             <a:extLst>
               <a:ext uri="{FF2B5EF4-FFF2-40B4-BE49-F238E27FC236}">
-                <a16:creationId xmlns:a16="http://schemas.microsoft.com/office/drawing/2014/main" id="{A674F310-E755-4621-B164-234DAB8B0A6C}"/>
+                <a16:creationId xmlns:a16="http://schemas.microsoft.com/office/drawing/2014/main" xmlns="" id="{A674F310-E755-4621-B164-234DAB8B0A6C}"/>
               </a:ext>
             </a:extLst>
           </p:cNvPr>
@@ -21442,23 +21727,31 @@
           <a:p>
             <a:pPr lvl="1"/>
             <a:r>
-              <a:rPr lang="en-AU" dirty="0">
+              <a:rPr lang="en-AU" dirty="0" smtClean="0">
                 <a:solidFill>
                   <a:srgbClr val="FFFFFF"/>
                 </a:solidFill>
               </a:rPr>
-              <a:t>Create hunts</a:t>
+              <a:t>Create locations</a:t>
             </a:r>
           </a:p>
           <a:p>
             <a:pPr lvl="1"/>
+            <a:r>
+              <a:rPr lang="en-AU" dirty="0" smtClean="0">
+                <a:solidFill>
+                  <a:srgbClr val="FFFFFF"/>
+                </a:solidFill>
+              </a:rPr>
+              <a:t>Browse </a:t>
+            </a:r>
             <a:r>
               <a:rPr lang="en-AU" dirty="0">
                 <a:solidFill>
                   <a:srgbClr val="FFFFFF"/>
                 </a:solidFill>
               </a:rPr>
-              <a:t>Browse nearby hunts</a:t>
+              <a:t>nearby hunts</a:t>
             </a:r>
           </a:p>
           <a:p>
@@ -21509,6 +21802,13 @@
   <p:clrMapOvr>
     <a:masterClrMapping/>
   </p:clrMapOvr>
+  <p:timing>
+    <p:tnLst>
+      <p:par>
+        <p:cTn id="1" dur="indefinite" restart="never" nodeType="tmRoot"/>
+      </p:par>
+    </p:tnLst>
+  </p:timing>
 </p:sld>
 </file>
 
@@ -21542,10 +21842,10 @@
           <p:cNvPr id="10" name="Rectangle 9">
             <a:extLst>
               <a:ext uri="{FF2B5EF4-FFF2-40B4-BE49-F238E27FC236}">
-                <a16:creationId xmlns:a16="http://schemas.microsoft.com/office/drawing/2014/main" id="{A65AC7D1-EAA9-48F5-B509-60A7F50BF703}"/>
+                <a16:creationId xmlns:a16="http://schemas.microsoft.com/office/drawing/2014/main" xmlns="" id="{A65AC7D1-EAA9-48F5-B509-60A7F50BF703}"/>
               </a:ext>
               <a:ext uri="{C183D7F6-B498-43B3-948B-1728B52AA6E4}">
-                <adec:decorative xmlns:adec="http://schemas.microsoft.com/office/drawing/2017/decorative" val="1"/>
+                <adec:decorative xmlns:adec="http://schemas.microsoft.com/office/drawing/2017/decorative" xmlns="" val="1"/>
               </a:ext>
             </a:extLst>
           </p:cNvPr>
@@ -21555,7 +21855,7 @@
           <p:nvPr>
             <p:extLst>
               <p:ext uri="{386F3935-93C4-4BCD-93E2-E3B085C9AB24}">
-                <p16:designElem xmlns:p16="http://schemas.microsoft.com/office/powerpoint/2015/main" val="1"/>
+                <p16:designElem xmlns:p16="http://schemas.microsoft.com/office/powerpoint/2015/main" xmlns="" val="1"/>
               </p:ext>
             </p:extLst>
           </p:nvPr>
@@ -21602,10 +21902,10 @@
           <p:cNvPr id="12" name="Rectangle 11">
             <a:extLst>
               <a:ext uri="{FF2B5EF4-FFF2-40B4-BE49-F238E27FC236}">
-                <a16:creationId xmlns:a16="http://schemas.microsoft.com/office/drawing/2014/main" id="{D6320AF9-619A-4175-865B-5663E1AEF4C5}"/>
+                <a16:creationId xmlns:a16="http://schemas.microsoft.com/office/drawing/2014/main" xmlns="" id="{D6320AF9-619A-4175-865B-5663E1AEF4C5}"/>
               </a:ext>
               <a:ext uri="{C183D7F6-B498-43B3-948B-1728B52AA6E4}">
-                <adec:decorative xmlns:adec="http://schemas.microsoft.com/office/drawing/2017/decorative" val="1"/>
+                <adec:decorative xmlns:adec="http://schemas.microsoft.com/office/drawing/2017/decorative" xmlns="" val="1"/>
               </a:ext>
             </a:extLst>
           </p:cNvPr>
@@ -21615,7 +21915,7 @@
           <p:nvPr>
             <p:extLst>
               <p:ext uri="{386F3935-93C4-4BCD-93E2-E3B085C9AB24}">
-                <p16:designElem xmlns:p16="http://schemas.microsoft.com/office/powerpoint/2015/main" val="1"/>
+                <p16:designElem xmlns:p16="http://schemas.microsoft.com/office/powerpoint/2015/main" xmlns="" val="1"/>
               </p:ext>
             </p:extLst>
           </p:nvPr>
@@ -21662,10 +21962,10 @@
           <p:cNvPr id="14" name="Straight Connector 13">
             <a:extLst>
               <a:ext uri="{FF2B5EF4-FFF2-40B4-BE49-F238E27FC236}">
-                <a16:creationId xmlns:a16="http://schemas.microsoft.com/office/drawing/2014/main" id="{063B6EC6-D752-4EE7-908B-F8F19E8C7FEA}"/>
+                <a16:creationId xmlns:a16="http://schemas.microsoft.com/office/drawing/2014/main" xmlns="" id="{063B6EC6-D752-4EE7-908B-F8F19E8C7FEA}"/>
               </a:ext>
               <a:ext uri="{C183D7F6-B498-43B3-948B-1728B52AA6E4}">
-                <adec:decorative xmlns:adec="http://schemas.microsoft.com/office/drawing/2017/decorative" val="1"/>
+                <adec:decorative xmlns:adec="http://schemas.microsoft.com/office/drawing/2017/decorative" xmlns="" val="1"/>
               </a:ext>
             </a:extLst>
           </p:cNvPr>
@@ -21675,7 +21975,7 @@
           <p:nvPr>
             <p:extLst>
               <p:ext uri="{386F3935-93C4-4BCD-93E2-E3B085C9AB24}">
-                <p16:designElem xmlns:p16="http://schemas.microsoft.com/office/powerpoint/2015/main" val="1"/>
+                <p16:designElem xmlns:p16="http://schemas.microsoft.com/office/powerpoint/2015/main" xmlns="" val="1"/>
               </p:ext>
             </p:extLst>
           </p:nvPr>
@@ -21716,10 +22016,10 @@
           <p:cNvPr id="16" name="Straight Connector 15">
             <a:extLst>
               <a:ext uri="{FF2B5EF4-FFF2-40B4-BE49-F238E27FC236}">
-                <a16:creationId xmlns:a16="http://schemas.microsoft.com/office/drawing/2014/main" id="{EFECD4E8-AD3E-4228-82A2-9461958EA94D}"/>
+                <a16:creationId xmlns:a16="http://schemas.microsoft.com/office/drawing/2014/main" xmlns="" id="{EFECD4E8-AD3E-4228-82A2-9461958EA94D}"/>
               </a:ext>
               <a:ext uri="{C183D7F6-B498-43B3-948B-1728B52AA6E4}">
-                <adec:decorative xmlns:adec="http://schemas.microsoft.com/office/drawing/2017/decorative" val="1"/>
+                <adec:decorative xmlns:adec="http://schemas.microsoft.com/office/drawing/2017/decorative" xmlns="" val="1"/>
               </a:ext>
             </a:extLst>
           </p:cNvPr>
@@ -21729,7 +22029,7 @@
           <p:nvPr>
             <p:extLst>
               <p:ext uri="{386F3935-93C4-4BCD-93E2-E3B085C9AB24}">
-                <p16:designElem xmlns:p16="http://schemas.microsoft.com/office/powerpoint/2015/main" val="1"/>
+                <p16:designElem xmlns:p16="http://schemas.microsoft.com/office/powerpoint/2015/main" xmlns="" val="1"/>
               </p:ext>
             </p:extLst>
           </p:nvPr>
@@ -21772,10 +22072,10 @@
           <p:cNvPr id="18" name="Rectangle 23">
             <a:extLst>
               <a:ext uri="{FF2B5EF4-FFF2-40B4-BE49-F238E27FC236}">
-                <a16:creationId xmlns:a16="http://schemas.microsoft.com/office/drawing/2014/main" id="{7E018740-5C2B-4A41-AC1A-7E68D1EC1954}"/>
+                <a16:creationId xmlns:a16="http://schemas.microsoft.com/office/drawing/2014/main" xmlns="" id="{7E018740-5C2B-4A41-AC1A-7E68D1EC1954}"/>
               </a:ext>
               <a:ext uri="{C183D7F6-B498-43B3-948B-1728B52AA6E4}">
-                <adec:decorative xmlns:adec="http://schemas.microsoft.com/office/drawing/2017/decorative" val="1"/>
+                <adec:decorative xmlns:adec="http://schemas.microsoft.com/office/drawing/2017/decorative" xmlns="" val="1"/>
               </a:ext>
             </a:extLst>
           </p:cNvPr>
@@ -21785,7 +22085,7 @@
           <p:nvPr>
             <p:extLst>
               <p:ext uri="{386F3935-93C4-4BCD-93E2-E3B085C9AB24}">
-                <p16:designElem xmlns:p16="http://schemas.microsoft.com/office/powerpoint/2015/main" val="1"/>
+                <p16:designElem xmlns:p16="http://schemas.microsoft.com/office/powerpoint/2015/main" xmlns="" val="1"/>
               </p:ext>
             </p:extLst>
           </p:nvPr>
@@ -21852,10 +22152,10 @@
           <p:cNvPr id="20" name="Rectangle 25">
             <a:extLst>
               <a:ext uri="{FF2B5EF4-FFF2-40B4-BE49-F238E27FC236}">
-                <a16:creationId xmlns:a16="http://schemas.microsoft.com/office/drawing/2014/main" id="{166F75A4-C475-4941-8EE2-B80A06A2C1BB}"/>
+                <a16:creationId xmlns:a16="http://schemas.microsoft.com/office/drawing/2014/main" xmlns="" id="{166F75A4-C475-4941-8EE2-B80A06A2C1BB}"/>
               </a:ext>
               <a:ext uri="{C183D7F6-B498-43B3-948B-1728B52AA6E4}">
-                <adec:decorative xmlns:adec="http://schemas.microsoft.com/office/drawing/2017/decorative" val="1"/>
+                <adec:decorative xmlns:adec="http://schemas.microsoft.com/office/drawing/2017/decorative" xmlns="" val="1"/>
               </a:ext>
             </a:extLst>
           </p:cNvPr>
@@ -21865,7 +22165,7 @@
           <p:nvPr>
             <p:extLst>
               <p:ext uri="{386F3935-93C4-4BCD-93E2-E3B085C9AB24}">
-                <p16:designElem xmlns:p16="http://schemas.microsoft.com/office/powerpoint/2015/main" val="1"/>
+                <p16:designElem xmlns:p16="http://schemas.microsoft.com/office/powerpoint/2015/main" xmlns="" val="1"/>
               </p:ext>
             </p:extLst>
           </p:nvPr>
@@ -21932,10 +22232,10 @@
           <p:cNvPr id="22" name="Isosceles Triangle 21">
             <a:extLst>
               <a:ext uri="{FF2B5EF4-FFF2-40B4-BE49-F238E27FC236}">
-                <a16:creationId xmlns:a16="http://schemas.microsoft.com/office/drawing/2014/main" id="{A032553A-72E8-4B0D-8405-FF9771C9AF05}"/>
+                <a16:creationId xmlns:a16="http://schemas.microsoft.com/office/drawing/2014/main" xmlns="" id="{A032553A-72E8-4B0D-8405-FF9771C9AF05}"/>
               </a:ext>
               <a:ext uri="{C183D7F6-B498-43B3-948B-1728B52AA6E4}">
-                <adec:decorative xmlns:adec="http://schemas.microsoft.com/office/drawing/2017/decorative" val="1"/>
+                <adec:decorative xmlns:adec="http://schemas.microsoft.com/office/drawing/2017/decorative" xmlns="" val="1"/>
               </a:ext>
             </a:extLst>
           </p:cNvPr>
@@ -21945,7 +22245,7 @@
           <p:nvPr>
             <p:extLst>
               <p:ext uri="{386F3935-93C4-4BCD-93E2-E3B085C9AB24}">
-                <p16:designElem xmlns:p16="http://schemas.microsoft.com/office/powerpoint/2015/main" val="1"/>
+                <p16:designElem xmlns:p16="http://schemas.microsoft.com/office/powerpoint/2015/main" xmlns="" val="1"/>
               </p:ext>
             </p:extLst>
           </p:nvPr>
@@ -21990,10 +22290,10 @@
           <p:cNvPr id="24" name="Rectangle 27">
             <a:extLst>
               <a:ext uri="{FF2B5EF4-FFF2-40B4-BE49-F238E27FC236}">
-                <a16:creationId xmlns:a16="http://schemas.microsoft.com/office/drawing/2014/main" id="{765800AC-C3B9-498E-87BC-29FAE4C76B21}"/>
+                <a16:creationId xmlns:a16="http://schemas.microsoft.com/office/drawing/2014/main" xmlns="" id="{765800AC-C3B9-498E-87BC-29FAE4C76B21}"/>
               </a:ext>
               <a:ext uri="{C183D7F6-B498-43B3-948B-1728B52AA6E4}">
-                <adec:decorative xmlns:adec="http://schemas.microsoft.com/office/drawing/2017/decorative" val="1"/>
+                <adec:decorative xmlns:adec="http://schemas.microsoft.com/office/drawing/2017/decorative" xmlns="" val="1"/>
               </a:ext>
             </a:extLst>
           </p:cNvPr>
@@ -22003,7 +22303,7 @@
           <p:nvPr>
             <p:extLst>
               <p:ext uri="{386F3935-93C4-4BCD-93E2-E3B085C9AB24}">
-                <p16:designElem xmlns:p16="http://schemas.microsoft.com/office/powerpoint/2015/main" val="1"/>
+                <p16:designElem xmlns:p16="http://schemas.microsoft.com/office/powerpoint/2015/main" xmlns="" val="1"/>
               </p:ext>
             </p:extLst>
           </p:nvPr>
@@ -22071,10 +22371,10 @@
           <p:cNvPr id="26" name="Isosceles Triangle 25">
             <a:extLst>
               <a:ext uri="{FF2B5EF4-FFF2-40B4-BE49-F238E27FC236}">
-                <a16:creationId xmlns:a16="http://schemas.microsoft.com/office/drawing/2014/main" id="{1F9D6ACB-2FF4-49F9-978A-E0D5327FC635}"/>
+                <a16:creationId xmlns:a16="http://schemas.microsoft.com/office/drawing/2014/main" xmlns="" id="{1F9D6ACB-2FF4-49F9-978A-E0D5327FC635}"/>
               </a:ext>
               <a:ext uri="{C183D7F6-B498-43B3-948B-1728B52AA6E4}">
-                <adec:decorative xmlns:adec="http://schemas.microsoft.com/office/drawing/2017/decorative" val="1"/>
+                <adec:decorative xmlns:adec="http://schemas.microsoft.com/office/drawing/2017/decorative" xmlns="" val="1"/>
               </a:ext>
             </a:extLst>
           </p:cNvPr>
@@ -22084,7 +22384,7 @@
           <p:nvPr>
             <p:extLst>
               <p:ext uri="{386F3935-93C4-4BCD-93E2-E3B085C9AB24}">
-                <p16:designElem xmlns:p16="http://schemas.microsoft.com/office/powerpoint/2015/main" val="1"/>
+                <p16:designElem xmlns:p16="http://schemas.microsoft.com/office/powerpoint/2015/main" xmlns="" val="1"/>
               </p:ext>
             </p:extLst>
           </p:nvPr>
@@ -22129,10 +22429,10 @@
           <p:cNvPr id="28" name="Freeform: Shape 27">
             <a:extLst>
               <a:ext uri="{FF2B5EF4-FFF2-40B4-BE49-F238E27FC236}">
-                <a16:creationId xmlns:a16="http://schemas.microsoft.com/office/drawing/2014/main" id="{A5EC319D-0FEA-4B95-A3EA-01E35672C95B}"/>
+                <a16:creationId xmlns:a16="http://schemas.microsoft.com/office/drawing/2014/main" xmlns="" id="{A5EC319D-0FEA-4B95-A3EA-01E35672C95B}"/>
               </a:ext>
               <a:ext uri="{C183D7F6-B498-43B3-948B-1728B52AA6E4}">
-                <adec:decorative xmlns:adec="http://schemas.microsoft.com/office/drawing/2017/decorative" val="1"/>
+                <adec:decorative xmlns:adec="http://schemas.microsoft.com/office/drawing/2017/decorative" xmlns="" val="1"/>
               </a:ext>
             </a:extLst>
           </p:cNvPr>
@@ -22142,7 +22442,7 @@
           <p:nvPr>
             <p:extLst>
               <p:ext uri="{386F3935-93C4-4BCD-93E2-E3B085C9AB24}">
-                <p16:designElem xmlns:p16="http://schemas.microsoft.com/office/powerpoint/2015/main" val="1"/>
+                <p16:designElem xmlns:p16="http://schemas.microsoft.com/office/powerpoint/2015/main" xmlns="" val="1"/>
               </p:ext>
             </p:extLst>
           </p:nvPr>
@@ -22263,7 +22563,7 @@
           <p:cNvPr id="2" name="Title 1">
             <a:extLst>
               <a:ext uri="{FF2B5EF4-FFF2-40B4-BE49-F238E27FC236}">
-                <a16:creationId xmlns:a16="http://schemas.microsoft.com/office/drawing/2014/main" id="{F8B55763-03D8-4A3D-A801-C102DB9495A5}"/>
+                <a16:creationId xmlns:a16="http://schemas.microsoft.com/office/drawing/2014/main" xmlns="" id="{F8B55763-03D8-4A3D-A801-C102DB9495A5}"/>
               </a:ext>
             </a:extLst>
           </p:cNvPr>
@@ -22310,7 +22610,7 @@
           <p:cNvPr id="5" name="Picture 4" descr="A screenshot of a cell phone&#10;&#10;Description automatically generated">
             <a:extLst>
               <a:ext uri="{FF2B5EF4-FFF2-40B4-BE49-F238E27FC236}">
-                <a16:creationId xmlns:a16="http://schemas.microsoft.com/office/drawing/2014/main" id="{ED1BD8B9-9BB4-42DD-853D-854D7A697F1F}"/>
+                <a16:creationId xmlns:a16="http://schemas.microsoft.com/office/drawing/2014/main" xmlns="" id="{ED1BD8B9-9BB4-42DD-853D-854D7A697F1F}"/>
               </a:ext>
             </a:extLst>
           </p:cNvPr>
@@ -22346,7 +22646,7 @@
           <p:cNvPr id="3" name="Content Placeholder 2">
             <a:extLst>
               <a:ext uri="{FF2B5EF4-FFF2-40B4-BE49-F238E27FC236}">
-                <a16:creationId xmlns:a16="http://schemas.microsoft.com/office/drawing/2014/main" id="{23794222-F3D8-4963-8BE5-62E700D4B400}"/>
+                <a16:creationId xmlns:a16="http://schemas.microsoft.com/office/drawing/2014/main" xmlns="" id="{23794222-F3D8-4963-8BE5-62E700D4B400}"/>
               </a:ext>
             </a:extLst>
           </p:cNvPr>
@@ -22390,6 +22690,13 @@
   <p:clrMapOvr>
     <a:masterClrMapping/>
   </p:clrMapOvr>
+  <p:timing>
+    <p:tnLst>
+      <p:par>
+        <p:cTn id="1" dur="indefinite" restart="never" nodeType="tmRoot"/>
+      </p:par>
+    </p:tnLst>
+  </p:timing>
 </p:sld>
 </file>
 
@@ -22423,7 +22730,7 @@
           <p:cNvPr id="2" name="Title 1">
             <a:extLst>
               <a:ext uri="{FF2B5EF4-FFF2-40B4-BE49-F238E27FC236}">
-                <a16:creationId xmlns:a16="http://schemas.microsoft.com/office/drawing/2014/main" id="{FEC8FBC6-B44F-4B2C-B9EE-F2964F5A63DA}"/>
+                <a16:creationId xmlns:a16="http://schemas.microsoft.com/office/drawing/2014/main" xmlns="" id="{FEC8FBC6-B44F-4B2C-B9EE-F2964F5A63DA}"/>
               </a:ext>
             </a:extLst>
           </p:cNvPr>
@@ -22462,7 +22769,7 @@
           <p:cNvPr id="5" name="Picture 4" descr="A close up of a computer screen&#10;&#10;Description automatically generated">
             <a:extLst>
               <a:ext uri="{FF2B5EF4-FFF2-40B4-BE49-F238E27FC236}">
-                <a16:creationId xmlns:a16="http://schemas.microsoft.com/office/drawing/2014/main" id="{5DAB9CB2-C404-41A8-8D7D-F305789FD315}"/>
+                <a16:creationId xmlns:a16="http://schemas.microsoft.com/office/drawing/2014/main" xmlns="" id="{5DAB9CB2-C404-41A8-8D7D-F305789FD315}"/>
               </a:ext>
             </a:extLst>
           </p:cNvPr>
@@ -22524,10 +22831,10 @@
           <p:cNvPr id="12" name="Isosceles Triangle 9">
             <a:extLst>
               <a:ext uri="{FF2B5EF4-FFF2-40B4-BE49-F238E27FC236}">
-                <a16:creationId xmlns:a16="http://schemas.microsoft.com/office/drawing/2014/main" id="{EB6743CF-E74B-4A3C-A785-599069DB89DF}"/>
+                <a16:creationId xmlns:a16="http://schemas.microsoft.com/office/drawing/2014/main" xmlns="" id="{EB6743CF-E74B-4A3C-A785-599069DB89DF}"/>
               </a:ext>
               <a:ext uri="{C183D7F6-B498-43B3-948B-1728B52AA6E4}">
-                <adec:decorative xmlns:adec="http://schemas.microsoft.com/office/drawing/2017/decorative" val="1"/>
+                <adec:decorative xmlns:adec="http://schemas.microsoft.com/office/drawing/2017/decorative" xmlns="" val="1"/>
               </a:ext>
             </a:extLst>
           </p:cNvPr>
@@ -22537,7 +22844,7 @@
           <p:nvPr>
             <p:extLst>
               <p:ext uri="{386F3935-93C4-4BCD-93E2-E3B085C9AB24}">
-                <p16:designElem xmlns:p16="http://schemas.microsoft.com/office/powerpoint/2015/main" val="1"/>
+                <p16:designElem xmlns:p16="http://schemas.microsoft.com/office/powerpoint/2015/main" xmlns="" val="1"/>
               </p:ext>
             </p:extLst>
           </p:nvPr>
@@ -22580,7 +22887,7 @@
           <p:cNvPr id="3" name="Content Placeholder 2">
             <a:extLst>
               <a:ext uri="{FF2B5EF4-FFF2-40B4-BE49-F238E27FC236}">
-                <a16:creationId xmlns:a16="http://schemas.microsoft.com/office/drawing/2014/main" id="{731E05F7-FA0F-4836-BE38-BE7F10BA5A11}"/>
+                <a16:creationId xmlns:a16="http://schemas.microsoft.com/office/drawing/2014/main" xmlns="" id="{731E05F7-FA0F-4836-BE38-BE7F10BA5A11}"/>
               </a:ext>
             </a:extLst>
           </p:cNvPr>
@@ -22605,7 +22912,15 @@
           <a:p>
             <a:r>
               <a:rPr lang="en-AU" dirty="0"/>
-              <a:t>To create a hunt, users:</a:t>
+              <a:t>To create </a:t>
+            </a:r>
+            <a:r>
+              <a:rPr lang="en-AU" dirty="0" smtClean="0"/>
+              <a:t>a location, </a:t>
+            </a:r>
+            <a:r>
+              <a:rPr lang="en-AU" dirty="0"/>
+              <a:t>users:</a:t>
             </a:r>
           </a:p>
           <a:p>
@@ -22614,8 +22929,8 @@
               <a:buAutoNum type="arabicPeriod"/>
             </a:pPr>
             <a:r>
-              <a:rPr lang="en-AU" dirty="0"/>
-              <a:t>Enter a hunt name and short description.</a:t>
+              <a:rPr lang="en-AU" dirty="0" smtClean="0"/>
+              <a:t>Take a photo using the in-app camera.</a:t>
             </a:r>
           </a:p>
           <a:p>
@@ -22624,42 +22939,38 @@
               <a:buAutoNum type="arabicPeriod"/>
             </a:pPr>
             <a:r>
-              <a:rPr lang="en-AU" dirty="0"/>
-              <a:t>Use the Google Maps interface to select a hunt location.</a:t>
-            </a:r>
-          </a:p>
-          <a:p>
-            <a:pPr marL="800100" lvl="1" indent="-342900">
-              <a:buFont typeface="+mj-lt"/>
-              <a:buAutoNum type="arabicPeriod"/>
-            </a:pPr>
-            <a:r>
-              <a:rPr lang="en-AU" dirty="0"/>
-              <a:t>If the hunt location has not previously been used, the user will name the location, give it a short description and post a photo of the location.  If the location exists in the </a:t>
-            </a:r>
-            <a:r>
-              <a:rPr lang="en-AU" dirty="0" err="1"/>
-              <a:t>TreasureHunt</a:t>
+              <a:rPr lang="en-AU" dirty="0" smtClean="0"/>
+              <a:t>Enter </a:t>
             </a:r>
             <a:r>
               <a:rPr lang="en-AU" dirty="0"/>
-              <a:t> database, this will be automatically selected.</a:t>
+              <a:t>a </a:t>
             </a:r>
-          </a:p>
-          <a:p>
-            <a:pPr marL="800100" lvl="1" indent="-342900">
-              <a:buFont typeface="+mj-lt"/>
-              <a:buAutoNum type="arabicPeriod"/>
-            </a:pPr>
+            <a:r>
+              <a:rPr lang="en-AU" dirty="0" smtClean="0"/>
+              <a:t>location </a:t>
+            </a:r>
             <a:r>
               <a:rPr lang="en-AU" dirty="0"/>
-              <a:t>Once this has been finalised, the user can return to Step 2 or finalise the hunt.</a:t>
+              <a:t>name and short description.</a:t>
             </a:r>
           </a:p>
           <a:p>
             <a:r>
+              <a:rPr lang="en-AU" dirty="0" smtClean="0"/>
+              <a:t>The </a:t>
+            </a:r>
+            <a:r>
               <a:rPr lang="en-AU" dirty="0"/>
-              <a:t>The created hunt, location information and photos are stored in the cloud database</a:t>
+              <a:t>created </a:t>
+            </a:r>
+            <a:r>
+              <a:rPr lang="en-AU" dirty="0" smtClean="0"/>
+              <a:t>location and the photo are </a:t>
+            </a:r>
+            <a:r>
+              <a:rPr lang="en-AU" dirty="0"/>
+              <a:t>stored in the cloud database</a:t>
             </a:r>
           </a:p>
           <a:p>
@@ -22681,6 +22992,13 @@
   <p:clrMapOvr>
     <a:masterClrMapping/>
   </p:clrMapOvr>
+  <p:timing>
+    <p:tnLst>
+      <p:par>
+        <p:cTn id="1" dur="indefinite" restart="never" nodeType="tmRoot"/>
+      </p:par>
+    </p:tnLst>
+  </p:timing>
 </p:sld>
 </file>
 
@@ -22714,10 +23032,10 @@
           <p:cNvPr id="30" name="Rectangle 9">
             <a:extLst>
               <a:ext uri="{FF2B5EF4-FFF2-40B4-BE49-F238E27FC236}">
-                <a16:creationId xmlns:a16="http://schemas.microsoft.com/office/drawing/2014/main" id="{9F4444CE-BC8D-4D61-B303-4C05614E62AB}"/>
+                <a16:creationId xmlns:a16="http://schemas.microsoft.com/office/drawing/2014/main" xmlns="" id="{9F4444CE-BC8D-4D61-B303-4C05614E62AB}"/>
               </a:ext>
               <a:ext uri="{C183D7F6-B498-43B3-948B-1728B52AA6E4}">
-                <adec:decorative xmlns:adec="http://schemas.microsoft.com/office/drawing/2017/decorative" val="1"/>
+                <adec:decorative xmlns:adec="http://schemas.microsoft.com/office/drawing/2017/decorative" xmlns="" val="1"/>
               </a:ext>
             </a:extLst>
           </p:cNvPr>
@@ -22727,7 +23045,7 @@
           <p:nvPr>
             <p:extLst>
               <p:ext uri="{386F3935-93C4-4BCD-93E2-E3B085C9AB24}">
-                <p16:designElem xmlns:p16="http://schemas.microsoft.com/office/powerpoint/2015/main" val="1"/>
+                <p16:designElem xmlns:p16="http://schemas.microsoft.com/office/powerpoint/2015/main" xmlns="" val="1"/>
               </p:ext>
             </p:extLst>
           </p:nvPr>
@@ -22774,10 +23092,10 @@
           <p:cNvPr id="31" name="Rectangle 11">
             <a:extLst>
               <a:ext uri="{FF2B5EF4-FFF2-40B4-BE49-F238E27FC236}">
-                <a16:creationId xmlns:a16="http://schemas.microsoft.com/office/drawing/2014/main" id="{62423CA5-E2E1-4789-B759-9906C1C94063}"/>
+                <a16:creationId xmlns:a16="http://schemas.microsoft.com/office/drawing/2014/main" xmlns="" id="{62423CA5-E2E1-4789-B759-9906C1C94063}"/>
               </a:ext>
               <a:ext uri="{C183D7F6-B498-43B3-948B-1728B52AA6E4}">
-                <adec:decorative xmlns:adec="http://schemas.microsoft.com/office/drawing/2017/decorative" val="1"/>
+                <adec:decorative xmlns:adec="http://schemas.microsoft.com/office/drawing/2017/decorative" xmlns="" val="1"/>
               </a:ext>
             </a:extLst>
           </p:cNvPr>
@@ -22787,7 +23105,7 @@
           <p:nvPr>
             <p:extLst>
               <p:ext uri="{386F3935-93C4-4BCD-93E2-E3B085C9AB24}">
-                <p16:designElem xmlns:p16="http://schemas.microsoft.com/office/powerpoint/2015/main" val="1"/>
+                <p16:designElem xmlns:p16="http://schemas.microsoft.com/office/powerpoint/2015/main" xmlns="" val="1"/>
               </p:ext>
             </p:extLst>
           </p:nvPr>
@@ -22835,10 +23153,10 @@
           <p:cNvPr id="32" name="Isosceles Triangle 13">
             <a:extLst>
               <a:ext uri="{FF2B5EF4-FFF2-40B4-BE49-F238E27FC236}">
-                <a16:creationId xmlns:a16="http://schemas.microsoft.com/office/drawing/2014/main" id="{73772B81-181F-48B7-8826-4D9686D15DF5}"/>
+                <a16:creationId xmlns:a16="http://schemas.microsoft.com/office/drawing/2014/main" xmlns="" id="{73772B81-181F-48B7-8826-4D9686D15DF5}"/>
               </a:ext>
               <a:ext uri="{C183D7F6-B498-43B3-948B-1728B52AA6E4}">
-                <adec:decorative xmlns:adec="http://schemas.microsoft.com/office/drawing/2017/decorative" val="1"/>
+                <adec:decorative xmlns:adec="http://schemas.microsoft.com/office/drawing/2017/decorative" xmlns="" val="1"/>
               </a:ext>
             </a:extLst>
           </p:cNvPr>
@@ -22848,7 +23166,7 @@
           <p:nvPr>
             <p:extLst>
               <p:ext uri="{386F3935-93C4-4BCD-93E2-E3B085C9AB24}">
-                <p16:designElem xmlns:p16="http://schemas.microsoft.com/office/powerpoint/2015/main" val="1"/>
+                <p16:designElem xmlns:p16="http://schemas.microsoft.com/office/powerpoint/2015/main" xmlns="" val="1"/>
               </p:ext>
             </p:extLst>
           </p:nvPr>
@@ -22898,7 +23216,7 @@
           <p:cNvPr id="2" name="Title 1">
             <a:extLst>
               <a:ext uri="{FF2B5EF4-FFF2-40B4-BE49-F238E27FC236}">
-                <a16:creationId xmlns:a16="http://schemas.microsoft.com/office/drawing/2014/main" id="{55EAE16E-9581-4876-9B8B-F06D393B5483}"/>
+                <a16:creationId xmlns:a16="http://schemas.microsoft.com/office/drawing/2014/main" xmlns="" id="{55EAE16E-9581-4876-9B8B-F06D393B5483}"/>
               </a:ext>
             </a:extLst>
           </p:cNvPr>
@@ -22937,7 +23255,7 @@
           <p:cNvPr id="3" name="Content Placeholder 2">
             <a:extLst>
               <a:ext uri="{FF2B5EF4-FFF2-40B4-BE49-F238E27FC236}">
-                <a16:creationId xmlns:a16="http://schemas.microsoft.com/office/drawing/2014/main" id="{78CEA26B-1A98-4436-8B76-2D35D22AEE72}"/>
+                <a16:creationId xmlns:a16="http://schemas.microsoft.com/office/drawing/2014/main" xmlns="" id="{78CEA26B-1A98-4436-8B76-2D35D22AEE72}"/>
               </a:ext>
             </a:extLst>
           </p:cNvPr>
@@ -22966,7 +23284,7 @@
               </a:lnSpc>
             </a:pPr>
             <a:r>
-              <a:rPr lang="en-AU" sz="1400">
+              <a:rPr lang="en-AU" sz="1400" dirty="0">
                 <a:solidFill>
                   <a:schemeClr val="bg1"/>
                 </a:solidFill>
@@ -22981,7 +23299,7 @@
               </a:lnSpc>
             </a:pPr>
             <a:r>
-              <a:rPr lang="en-AU" sz="1400">
+              <a:rPr lang="en-AU" sz="1400" dirty="0">
                 <a:solidFill>
                   <a:schemeClr val="bg1"/>
                 </a:solidFill>
@@ -22996,7 +23314,7 @@
               </a:lnSpc>
             </a:pPr>
             <a:r>
-              <a:rPr lang="en-AU" sz="1400">
+              <a:rPr lang="en-AU" sz="1400" dirty="0">
                 <a:solidFill>
                   <a:schemeClr val="bg1"/>
                 </a:solidFill>
@@ -23011,7 +23329,7 @@
               </a:lnSpc>
             </a:pPr>
             <a:r>
-              <a:rPr lang="en-AU" sz="1400">
+              <a:rPr lang="en-AU" sz="1400" dirty="0">
                 <a:solidFill>
                   <a:schemeClr val="bg1"/>
                 </a:solidFill>
@@ -23026,12 +23344,28 @@
               </a:lnSpc>
             </a:pPr>
             <a:r>
-              <a:rPr lang="en-AU">
+              <a:rPr lang="en-AU" dirty="0">
                 <a:solidFill>
                   <a:schemeClr val="bg1"/>
                 </a:solidFill>
               </a:rPr>
-              <a:t>users can request a hint if they are stuck, and will be provided a location on the map</a:t>
+              <a:t>users can request a hint if they are stuck, and will be provided a </a:t>
+            </a:r>
+            <a:r>
+              <a:rPr lang="en-AU" dirty="0" smtClean="0">
+                <a:solidFill>
+                  <a:schemeClr val="bg1"/>
+                </a:solidFill>
+              </a:rPr>
+              <a:t>marker </a:t>
+            </a:r>
+            <a:r>
+              <a:rPr lang="en-AU" dirty="0">
+                <a:solidFill>
+                  <a:schemeClr val="bg1"/>
+                </a:solidFill>
+              </a:rPr>
+              <a:t>on the map</a:t>
             </a:r>
           </a:p>
           <a:p>
@@ -23041,12 +23375,28 @@
               </a:lnSpc>
             </a:pPr>
             <a:r>
-              <a:rPr lang="en-AU" sz="1400">
+              <a:rPr lang="en-AU" sz="1400" dirty="0">
                 <a:solidFill>
                   <a:schemeClr val="bg1"/>
                 </a:solidFill>
               </a:rPr>
-              <a:t>once they proceed to the correct location, the GPS will trigger an alert telling the user they have reached their destination, and will be given the next location on the hunt, or end the hunt if it was the final location</a:t>
+              <a:t>O</a:t>
+            </a:r>
+            <a:r>
+              <a:rPr lang="en-AU" sz="1400" dirty="0" smtClean="0">
+                <a:solidFill>
+                  <a:schemeClr val="bg1"/>
+                </a:solidFill>
+              </a:rPr>
+              <a:t>nce </a:t>
+            </a:r>
+            <a:r>
+              <a:rPr lang="en-AU" sz="1400" dirty="0">
+                <a:solidFill>
+                  <a:schemeClr val="bg1"/>
+                </a:solidFill>
+              </a:rPr>
+              <a:t>they proceed to the correct location, the GPS will trigger an alert telling the user they have reached their destination, and will be given the next location on the hunt, or end the hunt if it was the final location</a:t>
             </a:r>
           </a:p>
         </p:txBody>
@@ -23056,7 +23406,7 @@
           <p:cNvPr id="5" name="Picture 4" descr="A screenshot of a cell phone&#10;&#10;Description automatically generated">
             <a:extLst>
               <a:ext uri="{FF2B5EF4-FFF2-40B4-BE49-F238E27FC236}">
-                <a16:creationId xmlns:a16="http://schemas.microsoft.com/office/drawing/2014/main" id="{7D01E313-D35C-4E7F-AD02-3290A1F1A4AC}"/>
+                <a16:creationId xmlns:a16="http://schemas.microsoft.com/office/drawing/2014/main" xmlns="" id="{7D01E313-D35C-4E7F-AD02-3290A1F1A4AC}"/>
               </a:ext>
             </a:extLst>
           </p:cNvPr>
@@ -23092,10 +23442,10 @@
           <p:cNvPr id="33" name="Isosceles Triangle 15">
             <a:extLst>
               <a:ext uri="{FF2B5EF4-FFF2-40B4-BE49-F238E27FC236}">
-                <a16:creationId xmlns:a16="http://schemas.microsoft.com/office/drawing/2014/main" id="{B2205F6E-03C6-4E92-877C-E2482F6599AA}"/>
+                <a16:creationId xmlns:a16="http://schemas.microsoft.com/office/drawing/2014/main" xmlns="" id="{B2205F6E-03C6-4E92-877C-E2482F6599AA}"/>
               </a:ext>
               <a:ext uri="{C183D7F6-B498-43B3-948B-1728B52AA6E4}">
-                <adec:decorative xmlns:adec="http://schemas.microsoft.com/office/drawing/2017/decorative" val="1"/>
+                <adec:decorative xmlns:adec="http://schemas.microsoft.com/office/drawing/2017/decorative" xmlns="" val="1"/>
               </a:ext>
             </a:extLst>
           </p:cNvPr>
@@ -23105,7 +23455,7 @@
           <p:nvPr>
             <p:extLst>
               <p:ext uri="{386F3935-93C4-4BCD-93E2-E3B085C9AB24}">
-                <p16:designElem xmlns:p16="http://schemas.microsoft.com/office/powerpoint/2015/main" val="1"/>
+                <p16:designElem xmlns:p16="http://schemas.microsoft.com/office/powerpoint/2015/main" xmlns="" val="1"/>
               </p:ext>
             </p:extLst>
           </p:nvPr>
@@ -23162,6 +23512,13 @@
   <p:clrMapOvr>
     <a:masterClrMapping/>
   </p:clrMapOvr>
+  <p:timing>
+    <p:tnLst>
+      <p:par>
+        <p:cTn id="1" dur="indefinite" restart="never" nodeType="tmRoot"/>
+      </p:par>
+    </p:tnLst>
+  </p:timing>
 </p:sld>
 </file>
 
@@ -23195,7 +23552,7 @@
           <p:cNvPr id="2" name="Title 1">
             <a:extLst>
               <a:ext uri="{FF2B5EF4-FFF2-40B4-BE49-F238E27FC236}">
-                <a16:creationId xmlns:a16="http://schemas.microsoft.com/office/drawing/2014/main" id="{FE788B41-4DF4-4223-A3A3-6EA3E8107337}"/>
+                <a16:creationId xmlns:a16="http://schemas.microsoft.com/office/drawing/2014/main" xmlns="" id="{FE788B41-4DF4-4223-A3A3-6EA3E8107337}"/>
               </a:ext>
             </a:extLst>
           </p:cNvPr>
@@ -23235,7 +23592,7 @@
           <p:cNvPr id="3" name="Content Placeholder 2">
             <a:extLst>
               <a:ext uri="{FF2B5EF4-FFF2-40B4-BE49-F238E27FC236}">
-                <a16:creationId xmlns:a16="http://schemas.microsoft.com/office/drawing/2014/main" id="{3A21B798-DBC9-436D-B33F-366B5970432A}"/>
+                <a16:creationId xmlns:a16="http://schemas.microsoft.com/office/drawing/2014/main" xmlns="" id="{3A21B798-DBC9-436D-B33F-366B5970432A}"/>
               </a:ext>
             </a:extLst>
           </p:cNvPr>
@@ -23276,7 +23633,7 @@
           <p:cNvPr id="5" name="Picture 4" descr="A screenshot of a social media post&#10;&#10;Description automatically generated">
             <a:extLst>
               <a:ext uri="{FF2B5EF4-FFF2-40B4-BE49-F238E27FC236}">
-                <a16:creationId xmlns:a16="http://schemas.microsoft.com/office/drawing/2014/main" id="{C5286A5F-1F4B-434E-A598-2EEDF7D1BDAA}"/>
+                <a16:creationId xmlns:a16="http://schemas.microsoft.com/office/drawing/2014/main" xmlns="" id="{C5286A5F-1F4B-434E-A598-2EEDF7D1BDAA}"/>
               </a:ext>
             </a:extLst>
           </p:cNvPr>
@@ -23338,10 +23695,10 @@
           <p:cNvPr id="21" name="Isosceles Triangle 20">
             <a:extLst>
               <a:ext uri="{FF2B5EF4-FFF2-40B4-BE49-F238E27FC236}">
-                <a16:creationId xmlns:a16="http://schemas.microsoft.com/office/drawing/2014/main" id="{3BCB5F6A-9EB0-40B0-9D13-3023E9A20508}"/>
+                <a16:creationId xmlns:a16="http://schemas.microsoft.com/office/drawing/2014/main" xmlns="" id="{3BCB5F6A-9EB0-40B0-9D13-3023E9A20508}"/>
               </a:ext>
               <a:ext uri="{C183D7F6-B498-43B3-948B-1728B52AA6E4}">
-                <adec:decorative xmlns:adec="http://schemas.microsoft.com/office/drawing/2017/decorative" val="1"/>
+                <adec:decorative xmlns:adec="http://schemas.microsoft.com/office/drawing/2017/decorative" xmlns="" val="1"/>
               </a:ext>
             </a:extLst>
           </p:cNvPr>
@@ -23351,7 +23708,7 @@
           <p:nvPr>
             <p:extLst>
               <p:ext uri="{386F3935-93C4-4BCD-93E2-E3B085C9AB24}">
-                <p16:designElem xmlns:p16="http://schemas.microsoft.com/office/powerpoint/2015/main" val="1"/>
+                <p16:designElem xmlns:p16="http://schemas.microsoft.com/office/powerpoint/2015/main" xmlns="" val="1"/>
               </p:ext>
             </p:extLst>
           </p:nvPr>
@@ -23399,6 +23756,13 @@
   <p:clrMapOvr>
     <a:overrideClrMapping bg1="dk1" tx1="lt1" bg2="dk2" tx2="lt2" accent1="accent1" accent2="accent2" accent3="accent3" accent4="accent4" accent5="accent5" accent6="accent6" hlink="hlink" folHlink="folHlink"/>
   </p:clrMapOvr>
+  <p:timing>
+    <p:tnLst>
+      <p:par>
+        <p:cTn id="1" dur="indefinite" restart="never" nodeType="tmRoot"/>
+      </p:par>
+    </p:tnLst>
+  </p:timing>
 </p:sld>
 </file>
 
@@ -23432,10 +23796,10 @@
           <p:cNvPr id="8" name="Rectangle 7">
             <a:extLst>
               <a:ext uri="{FF2B5EF4-FFF2-40B4-BE49-F238E27FC236}">
-                <a16:creationId xmlns:a16="http://schemas.microsoft.com/office/drawing/2014/main" id="{603AE127-802C-459A-A612-DB85B67F0DC0}"/>
+                <a16:creationId xmlns:a16="http://schemas.microsoft.com/office/drawing/2014/main" xmlns="" id="{603AE127-802C-459A-A612-DB85B67F0DC0}"/>
               </a:ext>
               <a:ext uri="{C183D7F6-B498-43B3-948B-1728B52AA6E4}">
-                <adec:decorative xmlns:adec="http://schemas.microsoft.com/office/drawing/2017/decorative" val="1"/>
+                <adec:decorative xmlns:adec="http://schemas.microsoft.com/office/drawing/2017/decorative" xmlns="" val="1"/>
               </a:ext>
             </a:extLst>
           </p:cNvPr>
@@ -23445,7 +23809,7 @@
           <p:nvPr>
             <p:extLst>
               <p:ext uri="{386F3935-93C4-4BCD-93E2-E3B085C9AB24}">
-                <p16:designElem xmlns:p16="http://schemas.microsoft.com/office/powerpoint/2015/main" val="1"/>
+                <p16:designElem xmlns:p16="http://schemas.microsoft.com/office/powerpoint/2015/main" xmlns="" val="1"/>
               </p:ext>
             </p:extLst>
           </p:nvPr>
@@ -23492,7 +23856,7 @@
           <p:cNvPr id="2" name="Title 1">
             <a:extLst>
               <a:ext uri="{FF2B5EF4-FFF2-40B4-BE49-F238E27FC236}">
-                <a16:creationId xmlns:a16="http://schemas.microsoft.com/office/drawing/2014/main" id="{705E7B8A-8DF2-4887-A103-928CD3A09ADE}"/>
+                <a16:creationId xmlns:a16="http://schemas.microsoft.com/office/drawing/2014/main" xmlns="" id="{705E7B8A-8DF2-4887-A103-928CD3A09ADE}"/>
               </a:ext>
             </a:extLst>
           </p:cNvPr>
@@ -23527,10 +23891,10 @@
           <p:cNvPr id="10" name="Isosceles Triangle 9">
             <a:extLst>
               <a:ext uri="{FF2B5EF4-FFF2-40B4-BE49-F238E27FC236}">
-                <a16:creationId xmlns:a16="http://schemas.microsoft.com/office/drawing/2014/main" id="{9323D83D-50D6-4040-A58B-FCEA340F886A}"/>
+                <a16:creationId xmlns:a16="http://schemas.microsoft.com/office/drawing/2014/main" xmlns="" id="{9323D83D-50D6-4040-A58B-FCEA340F886A}"/>
               </a:ext>
               <a:ext uri="{C183D7F6-B498-43B3-948B-1728B52AA6E4}">
-                <adec:decorative xmlns:adec="http://schemas.microsoft.com/office/drawing/2017/decorative" val="1"/>
+                <adec:decorative xmlns:adec="http://schemas.microsoft.com/office/drawing/2017/decorative" xmlns="" val="1"/>
               </a:ext>
             </a:extLst>
           </p:cNvPr>
@@ -23540,7 +23904,7 @@
           <p:nvPr>
             <p:extLst>
               <p:ext uri="{386F3935-93C4-4BCD-93E2-E3B085C9AB24}">
-                <p16:designElem xmlns:p16="http://schemas.microsoft.com/office/powerpoint/2015/main" val="1"/>
+                <p16:designElem xmlns:p16="http://schemas.microsoft.com/office/powerpoint/2015/main" xmlns="" val="1"/>
               </p:ext>
             </p:extLst>
           </p:nvPr>
@@ -23583,10 +23947,10 @@
           <p:cNvPr id="12" name="Straight Connector 11">
             <a:extLst>
               <a:ext uri="{FF2B5EF4-FFF2-40B4-BE49-F238E27FC236}">
-                <a16:creationId xmlns:a16="http://schemas.microsoft.com/office/drawing/2014/main" id="{1A1FE6BB-DFB2-4080-9B5E-076EF5DDE67B}"/>
+                <a16:creationId xmlns:a16="http://schemas.microsoft.com/office/drawing/2014/main" xmlns="" id="{1A1FE6BB-DFB2-4080-9B5E-076EF5DDE67B}"/>
               </a:ext>
               <a:ext uri="{C183D7F6-B498-43B3-948B-1728B52AA6E4}">
-                <adec:decorative xmlns:adec="http://schemas.microsoft.com/office/drawing/2017/decorative" val="1"/>
+                <adec:decorative xmlns:adec="http://schemas.microsoft.com/office/drawing/2017/decorative" xmlns="" val="1"/>
               </a:ext>
             </a:extLst>
           </p:cNvPr>
@@ -23596,7 +23960,7 @@
           <p:nvPr>
             <p:extLst>
               <p:ext uri="{386F3935-93C4-4BCD-93E2-E3B085C9AB24}">
-                <p16:designElem xmlns:p16="http://schemas.microsoft.com/office/powerpoint/2015/main" val="1"/>
+                <p16:designElem xmlns:p16="http://schemas.microsoft.com/office/powerpoint/2015/main" xmlns="" val="1"/>
               </p:ext>
             </p:extLst>
           </p:nvPr>
@@ -23630,10 +23994,10 @@
           <p:cNvPr id="14" name="Isosceles Triangle 13">
             <a:extLst>
               <a:ext uri="{FF2B5EF4-FFF2-40B4-BE49-F238E27FC236}">
-                <a16:creationId xmlns:a16="http://schemas.microsoft.com/office/drawing/2014/main" id="{F10FD715-4DCE-4779-B634-EC78315EA213}"/>
+                <a16:creationId xmlns:a16="http://schemas.microsoft.com/office/drawing/2014/main" xmlns="" id="{F10FD715-4DCE-4779-B634-EC78315EA213}"/>
               </a:ext>
               <a:ext uri="{C183D7F6-B498-43B3-948B-1728B52AA6E4}">
-                <adec:decorative xmlns:adec="http://schemas.microsoft.com/office/drawing/2017/decorative" val="1"/>
+                <adec:decorative xmlns:adec="http://schemas.microsoft.com/office/drawing/2017/decorative" xmlns="" val="1"/>
               </a:ext>
             </a:extLst>
           </p:cNvPr>
@@ -23643,7 +24007,7 @@
           <p:nvPr>
             <p:extLst>
               <p:ext uri="{386F3935-93C4-4BCD-93E2-E3B085C9AB24}">
-                <p16:designElem xmlns:p16="http://schemas.microsoft.com/office/powerpoint/2015/main" val="1"/>
+                <p16:designElem xmlns:p16="http://schemas.microsoft.com/office/powerpoint/2015/main" xmlns="" val="1"/>
               </p:ext>
             </p:extLst>
           </p:nvPr>
@@ -23686,7 +24050,7 @@
           <p:cNvPr id="6" name="Picture 5">
             <a:extLst>
               <a:ext uri="{FF2B5EF4-FFF2-40B4-BE49-F238E27FC236}">
-                <a16:creationId xmlns:a16="http://schemas.microsoft.com/office/drawing/2014/main" id="{D2730577-53EC-4435-B343-006D7A36B6CE}"/>
+                <a16:creationId xmlns:a16="http://schemas.microsoft.com/office/drawing/2014/main" xmlns="" id="{D2730577-53EC-4435-B343-006D7A36B6CE}"/>
               </a:ext>
             </a:extLst>
           </p:cNvPr>
@@ -23716,7 +24080,7 @@
           <p:cNvPr id="7" name="Picture 6">
             <a:extLst>
               <a:ext uri="{FF2B5EF4-FFF2-40B4-BE49-F238E27FC236}">
-                <a16:creationId xmlns:a16="http://schemas.microsoft.com/office/drawing/2014/main" id="{E5CB018D-16BA-4099-90EF-078A16BA9FE1}"/>
+                <a16:creationId xmlns:a16="http://schemas.microsoft.com/office/drawing/2014/main" xmlns="" id="{E5CB018D-16BA-4099-90EF-078A16BA9FE1}"/>
               </a:ext>
             </a:extLst>
           </p:cNvPr>
@@ -23751,6 +24115,13 @@
   <p:clrMapOvr>
     <a:masterClrMapping/>
   </p:clrMapOvr>
+  <p:timing>
+    <p:tnLst>
+      <p:par>
+        <p:cTn id="1" dur="indefinite" restart="never" nodeType="tmRoot"/>
+      </p:par>
+    </p:tnLst>
+  </p:timing>
 </p:sld>
 </file>
 
@@ -24005,7 +24376,7 @@
   <a:extraClrSchemeLst/>
   <a:extLst>
     <a:ext uri="{05A4C25C-085E-4340-85A3-A5531E510DB2}">
-      <thm15:themeFamily xmlns:thm15="http://schemas.microsoft.com/office/thememl/2012/main" name="Facet" id="{C0C680CD-088A-49FC-A102-D699147F32B2}" vid="{CFBC31BA-B70F-4F30-BCAA-4F3011E16C4D}"/>
+      <thm15:themeFamily xmlns:thm15="http://schemas.microsoft.com/office/thememl/2012/main" xmlns="" name="Facet" id="{C0C680CD-088A-49FC-A102-D699147F32B2}" vid="{CFBC31BA-B70F-4F30-BCAA-4F3011E16C4D}"/>
     </a:ext>
   </a:extLst>
 </a:theme>

--- a/Project report and presentation/TreasureHunt_Presentation.pptx
+++ b/Project report and presentation/TreasureHunt_Presentation.pptx
@@ -13,7 +13,7 @@
     <p:sldId id="275" r:id="rId7"/>
     <p:sldId id="276" r:id="rId8"/>
     <p:sldId id="288" r:id="rId9"/>
-    <p:sldId id="278" r:id="rId10"/>
+    <p:sldId id="296" r:id="rId10"/>
     <p:sldId id="280" r:id="rId11"/>
     <p:sldId id="290" r:id="rId12"/>
     <p:sldId id="289" r:id="rId13"/>
@@ -127,7 +127,18 @@
   </p:defaultTextStyle>
   <p:extLst>
     <p:ext uri="{EFAFB233-063F-42B5-8137-9DF3F51BA10A}">
-      <p15:sldGuideLst xmlns:p15="http://schemas.microsoft.com/office/powerpoint/2012/main" xmlns=""/>
+      <p15:sldGuideLst xmlns:p15="http://schemas.microsoft.com/office/powerpoint/2012/main">
+        <p15:guide id="1" orient="horz" pos="2160">
+          <p15:clr>
+            <a:srgbClr val="A4A3A4"/>
+          </p15:clr>
+        </p15:guide>
+        <p15:guide id="2" pos="3840">
+          <p15:clr>
+            <a:srgbClr val="A4A3A4"/>
+          </p15:clr>
+        </p15:guide>
+      </p15:sldGuideLst>
     </p:ext>
   </p:extLst>
 </p:presentation>
@@ -2055,13 +2066,6 @@
         </dgm:presLayoutVars>
       </dgm:prSet>
       <dgm:spPr/>
-      <dgm:t>
-        <a:bodyPr/>
-        <a:lstStyle/>
-        <a:p>
-          <a:endParaRPr lang="nl-NL"/>
-        </a:p>
-      </dgm:t>
     </dgm:pt>
     <dgm:pt modelId="{913DA140-E60F-4C8B-B128-E0EA706D821F}" type="pres">
       <dgm:prSet presAssocID="{054F5C4D-1173-41A6-9D24-221A1D0BA908}" presName="compNode" presStyleCnt="0"/>
@@ -2081,7 +2085,7 @@
                 <a14:useLocalDpi xmlns:a14="http://schemas.microsoft.com/office/drawing/2010/main" val="0"/>
               </a:ext>
               <a:ext uri="{96DAC541-7B7A-43D3-8B79-37D633B846F1}">
-                <asvg:svgBlip xmlns:asvg="http://schemas.microsoft.com/office/drawing/2016/SVG/main" xmlns="" r:embed="rId2"/>
+                <asvg:svgBlip xmlns:asvg="http://schemas.microsoft.com/office/drawing/2016/SVG/main" r:embed="rId2"/>
               </a:ext>
             </a:extLst>
           </a:blip>
@@ -2093,13 +2097,6 @@
           <a:noFill/>
         </a:ln>
       </dgm:spPr>
-      <dgm:t>
-        <a:bodyPr/>
-        <a:lstStyle/>
-        <a:p>
-          <a:endParaRPr lang="nl-NL"/>
-        </a:p>
-      </dgm:t>
       <dgm:extLst>
         <a:ext uri="{E40237B7-FDA0-4F09-8148-C483321AD2D9}">
           <dgm14:cNvPr xmlns:dgm14="http://schemas.microsoft.com/office/drawing/2010/diagram" id="0" name="" descr="Smart Phone"/>
@@ -2118,13 +2115,6 @@
         </dgm:presLayoutVars>
       </dgm:prSet>
       <dgm:spPr/>
-      <dgm:t>
-        <a:bodyPr/>
-        <a:lstStyle/>
-        <a:p>
-          <a:endParaRPr lang="nl-NL"/>
-        </a:p>
-      </dgm:t>
     </dgm:pt>
     <dgm:pt modelId="{2160C897-BFE0-4F94-9DB3-FCC78EF28790}" type="pres">
       <dgm:prSet presAssocID="{1C38BB99-D59C-49D7-BAC0-DDAE930285A8}" presName="sibTrans" presStyleCnt="0"/>
@@ -2148,7 +2138,7 @@
                 <a14:useLocalDpi xmlns:a14="http://schemas.microsoft.com/office/drawing/2010/main" val="0"/>
               </a:ext>
               <a:ext uri="{96DAC541-7B7A-43D3-8B79-37D633B846F1}">
-                <asvg:svgBlip xmlns:asvg="http://schemas.microsoft.com/office/drawing/2016/SVG/main" xmlns="" r:embed="rId4"/>
+                <asvg:svgBlip xmlns:asvg="http://schemas.microsoft.com/office/drawing/2016/SVG/main" r:embed="rId4"/>
               </a:ext>
             </a:extLst>
           </a:blip>
@@ -2160,13 +2150,6 @@
           <a:noFill/>
         </a:ln>
       </dgm:spPr>
-      <dgm:t>
-        <a:bodyPr/>
-        <a:lstStyle/>
-        <a:p>
-          <a:endParaRPr lang="nl-NL"/>
-        </a:p>
-      </dgm:t>
       <dgm:extLst>
         <a:ext uri="{E40237B7-FDA0-4F09-8148-C483321AD2D9}">
           <dgm14:cNvPr xmlns:dgm14="http://schemas.microsoft.com/office/drawing/2010/diagram" id="0" name="" descr="Database"/>
@@ -2185,13 +2168,6 @@
         </dgm:presLayoutVars>
       </dgm:prSet>
       <dgm:spPr/>
-      <dgm:t>
-        <a:bodyPr/>
-        <a:lstStyle/>
-        <a:p>
-          <a:endParaRPr lang="nl-NL"/>
-        </a:p>
-      </dgm:t>
     </dgm:pt>
     <dgm:pt modelId="{90217310-C8B1-45B4-9C58-B59EA5871909}" type="pres">
       <dgm:prSet presAssocID="{5CB2C19F-275A-46B2-B811-30DEDACDFA5F}" presName="sibTrans" presStyleCnt="0"/>
@@ -2215,7 +2191,7 @@
                 <a14:useLocalDpi xmlns:a14="http://schemas.microsoft.com/office/drawing/2010/main" val="0"/>
               </a:ext>
               <a:ext uri="{96DAC541-7B7A-43D3-8B79-37D633B846F1}">
-                <asvg:svgBlip xmlns:asvg="http://schemas.microsoft.com/office/drawing/2016/SVG/main" xmlns="" r:embed="rId6"/>
+                <asvg:svgBlip xmlns:asvg="http://schemas.microsoft.com/office/drawing/2016/SVG/main" r:embed="rId6"/>
               </a:ext>
             </a:extLst>
           </a:blip>
@@ -2227,13 +2203,6 @@
           <a:noFill/>
         </a:ln>
       </dgm:spPr>
-      <dgm:t>
-        <a:bodyPr/>
-        <a:lstStyle/>
-        <a:p>
-          <a:endParaRPr lang="nl-NL"/>
-        </a:p>
-      </dgm:t>
       <dgm:extLst>
         <a:ext uri="{E40237B7-FDA0-4F09-8148-C483321AD2D9}">
           <dgm14:cNvPr xmlns:dgm14="http://schemas.microsoft.com/office/drawing/2010/diagram" id="0" name="" descr="Laptop"/>
@@ -2252,13 +2221,6 @@
         </dgm:presLayoutVars>
       </dgm:prSet>
       <dgm:spPr/>
-      <dgm:t>
-        <a:bodyPr/>
-        <a:lstStyle/>
-        <a:p>
-          <a:endParaRPr lang="nl-NL"/>
-        </a:p>
-      </dgm:t>
     </dgm:pt>
     <dgm:pt modelId="{E2A69B44-F58C-43C8-834D-B6A120A230FB}" type="pres">
       <dgm:prSet presAssocID="{4ADAAE05-E032-48BF-A8A4-E3B14E7511DA}" presName="sibTrans" presStyleCnt="0"/>
@@ -2282,7 +2244,7 @@
                 <a14:useLocalDpi xmlns:a14="http://schemas.microsoft.com/office/drawing/2010/main" val="0"/>
               </a:ext>
               <a:ext uri="{96DAC541-7B7A-43D3-8B79-37D633B846F1}">
-                <asvg:svgBlip xmlns:asvg="http://schemas.microsoft.com/office/drawing/2016/SVG/main" xmlns="" r:embed="rId8"/>
+                <asvg:svgBlip xmlns:asvg="http://schemas.microsoft.com/office/drawing/2016/SVG/main" r:embed="rId8"/>
               </a:ext>
             </a:extLst>
           </a:blip>
@@ -2294,13 +2256,6 @@
           <a:noFill/>
         </a:ln>
       </dgm:spPr>
-      <dgm:t>
-        <a:bodyPr/>
-        <a:lstStyle/>
-        <a:p>
-          <a:endParaRPr lang="nl-NL"/>
-        </a:p>
-      </dgm:t>
       <dgm:extLst>
         <a:ext uri="{E40237B7-FDA0-4F09-8148-C483321AD2D9}">
           <dgm14:cNvPr xmlns:dgm14="http://schemas.microsoft.com/office/drawing/2010/diagram" id="0" name="" descr="Scales of Justice"/>
@@ -2319,13 +2274,6 @@
         </dgm:presLayoutVars>
       </dgm:prSet>
       <dgm:spPr/>
-      <dgm:t>
-        <a:bodyPr/>
-        <a:lstStyle/>
-        <a:p>
-          <a:endParaRPr lang="nl-NL"/>
-        </a:p>
-      </dgm:t>
     </dgm:pt>
     <dgm:pt modelId="{8BE0407C-C589-4A5C-8E0E-695C08495CC1}" type="pres">
       <dgm:prSet presAssocID="{52680353-187F-4FD3-87F5-616B3DD8C651}" presName="sibTrans" presStyleCnt="0"/>
@@ -2349,7 +2297,7 @@
                 <a14:useLocalDpi xmlns:a14="http://schemas.microsoft.com/office/drawing/2010/main" val="0"/>
               </a:ext>
               <a:ext uri="{96DAC541-7B7A-43D3-8B79-37D633B846F1}">
-                <asvg:svgBlip xmlns:asvg="http://schemas.microsoft.com/office/drawing/2016/SVG/main" xmlns="" r:embed="rId10"/>
+                <asvg:svgBlip xmlns:asvg="http://schemas.microsoft.com/office/drawing/2016/SVG/main" r:embed="rId10"/>
               </a:ext>
             </a:extLst>
           </a:blip>
@@ -2361,13 +2309,6 @@
           <a:noFill/>
         </a:ln>
       </dgm:spPr>
-      <dgm:t>
-        <a:bodyPr/>
-        <a:lstStyle/>
-        <a:p>
-          <a:endParaRPr lang="nl-NL"/>
-        </a:p>
-      </dgm:t>
       <dgm:extLst>
         <a:ext uri="{E40237B7-FDA0-4F09-8148-C483321AD2D9}">
           <dgm14:cNvPr xmlns:dgm14="http://schemas.microsoft.com/office/drawing/2010/diagram" id="0" name="" descr="Teacher"/>
@@ -2386,27 +2327,20 @@
         </dgm:presLayoutVars>
       </dgm:prSet>
       <dgm:spPr/>
-      <dgm:t>
-        <a:bodyPr/>
-        <a:lstStyle/>
-        <a:p>
-          <a:endParaRPr lang="nl-NL"/>
-        </a:p>
-      </dgm:t>
     </dgm:pt>
   </dgm:ptLst>
   <dgm:cxnLst>
+    <dgm:cxn modelId="{CDA88C3C-55B8-4462-A3D6-8AC4DF4B46BA}" srcId="{F13FA4D8-D3E0-4763-BDC8-BBF5DA4E15FD}" destId="{467AC474-3749-4D6D-9F98-22D74ADE2E07}" srcOrd="4" destOrd="0" parTransId="{60C76AAD-0011-47C1-84EF-4F381781AD32}" sibTransId="{992915F8-5A37-49C4-8896-3B01CA2166EB}"/>
+    <dgm:cxn modelId="{60C8F147-635B-421A-B908-01C90779D6EA}" type="presOf" srcId="{578D5210-8CF0-4E65-952D-216F3F978865}" destId="{425987ED-4CAE-4001-BA0F-3081353FDA03}" srcOrd="0" destOrd="0" presId="urn:microsoft.com/office/officeart/2018/2/layout/IconVerticalSolidList"/>
+    <dgm:cxn modelId="{A7E0027C-63AA-47E6-8932-7CA6CEB5E410}" srcId="{F13FA4D8-D3E0-4763-BDC8-BBF5DA4E15FD}" destId="{3A1B893E-878B-4373-B173-0ECA00C7603B}" srcOrd="3" destOrd="0" parTransId="{07ACBA3D-96C7-476A-AAA0-F310DE4BC3CB}" sibTransId="{52680353-187F-4FD3-87F5-616B3DD8C651}"/>
+    <dgm:cxn modelId="{E216D482-1F7F-458D-A685-CFD6DF6322C9}" type="presOf" srcId="{913821BF-83DF-4ADF-8614-D2034099EC48}" destId="{F71722F2-3EDD-4442-89BB-1D62CEC05E31}" srcOrd="0" destOrd="0" presId="urn:microsoft.com/office/officeart/2018/2/layout/IconVerticalSolidList"/>
     <dgm:cxn modelId="{7C74E582-2BE5-4584-9795-8F909FACEDF9}" srcId="{F13FA4D8-D3E0-4763-BDC8-BBF5DA4E15FD}" destId="{913821BF-83DF-4ADF-8614-D2034099EC48}" srcOrd="1" destOrd="0" parTransId="{EA0EC60A-9911-4305-9EA8-5F2C53DB0466}" sibTransId="{5CB2C19F-275A-46B2-B811-30DEDACDFA5F}"/>
-    <dgm:cxn modelId="{E216D482-1F7F-458D-A685-CFD6DF6322C9}" type="presOf" srcId="{913821BF-83DF-4ADF-8614-D2034099EC48}" destId="{F71722F2-3EDD-4442-89BB-1D62CEC05E31}" srcOrd="0" destOrd="0" presId="urn:microsoft.com/office/officeart/2018/2/layout/IconVerticalSolidList"/>
-    <dgm:cxn modelId="{60C8F147-635B-421A-B908-01C90779D6EA}" type="presOf" srcId="{578D5210-8CF0-4E65-952D-216F3F978865}" destId="{425987ED-4CAE-4001-BA0F-3081353FDA03}" srcOrd="0" destOrd="0" presId="urn:microsoft.com/office/officeart/2018/2/layout/IconVerticalSolidList"/>
+    <dgm:cxn modelId="{96BFAF8B-3BD8-49F8-AF0D-B8B294147E50}" type="presOf" srcId="{054F5C4D-1173-41A6-9D24-221A1D0BA908}" destId="{53930A77-536D-48A0-8438-CD35F0094834}" srcOrd="0" destOrd="0" presId="urn:microsoft.com/office/officeart/2018/2/layout/IconVerticalSolidList"/>
+    <dgm:cxn modelId="{028A94A1-A9FA-4D39-97C0-5E8535969F6D}" srcId="{F13FA4D8-D3E0-4763-BDC8-BBF5DA4E15FD}" destId="{578D5210-8CF0-4E65-952D-216F3F978865}" srcOrd="2" destOrd="0" parTransId="{B8C8D5C8-F32C-4AD9-A5CC-F3F4165D13BF}" sibTransId="{4ADAAE05-E032-48BF-A8A4-E3B14E7511DA}"/>
+    <dgm:cxn modelId="{DC997CB8-9A96-4357-A7B3-A75A866C48B3}" type="presOf" srcId="{467AC474-3749-4D6D-9F98-22D74ADE2E07}" destId="{F208BB87-6071-4A2D-BB07-D8992B0B366A}" srcOrd="0" destOrd="0" presId="urn:microsoft.com/office/officeart/2018/2/layout/IconVerticalSolidList"/>
     <dgm:cxn modelId="{5B45B9BA-47AD-4734-8491-385505F2E542}" srcId="{F13FA4D8-D3E0-4763-BDC8-BBF5DA4E15FD}" destId="{054F5C4D-1173-41A6-9D24-221A1D0BA908}" srcOrd="0" destOrd="0" parTransId="{84C6F7CC-2F5E-4AF5-BF90-35E13E582FE1}" sibTransId="{1C38BB99-D59C-49D7-BAC0-DDAE930285A8}"/>
-    <dgm:cxn modelId="{028A94A1-A9FA-4D39-97C0-5E8535969F6D}" srcId="{F13FA4D8-D3E0-4763-BDC8-BBF5DA4E15FD}" destId="{578D5210-8CF0-4E65-952D-216F3F978865}" srcOrd="2" destOrd="0" parTransId="{B8C8D5C8-F32C-4AD9-A5CC-F3F4165D13BF}" sibTransId="{4ADAAE05-E032-48BF-A8A4-E3B14E7511DA}"/>
-    <dgm:cxn modelId="{CDA88C3C-55B8-4462-A3D6-8AC4DF4B46BA}" srcId="{F13FA4D8-D3E0-4763-BDC8-BBF5DA4E15FD}" destId="{467AC474-3749-4D6D-9F98-22D74ADE2E07}" srcOrd="4" destOrd="0" parTransId="{60C76AAD-0011-47C1-84EF-4F381781AD32}" sibTransId="{992915F8-5A37-49C4-8896-3B01CA2166EB}"/>
     <dgm:cxn modelId="{9C3C3FD1-F06B-4B32-A31B-35BED6167B44}" type="presOf" srcId="{3A1B893E-878B-4373-B173-0ECA00C7603B}" destId="{1FAF8FA4-3E2C-4736-AA37-83C756A0A49C}" srcOrd="0" destOrd="0" presId="urn:microsoft.com/office/officeart/2018/2/layout/IconVerticalSolidList"/>
-    <dgm:cxn modelId="{A7E0027C-63AA-47E6-8932-7CA6CEB5E410}" srcId="{F13FA4D8-D3E0-4763-BDC8-BBF5DA4E15FD}" destId="{3A1B893E-878B-4373-B173-0ECA00C7603B}" srcOrd="3" destOrd="0" parTransId="{07ACBA3D-96C7-476A-AAA0-F310DE4BC3CB}" sibTransId="{52680353-187F-4FD3-87F5-616B3DD8C651}"/>
-    <dgm:cxn modelId="{DC997CB8-9A96-4357-A7B3-A75A866C48B3}" type="presOf" srcId="{467AC474-3749-4D6D-9F98-22D74ADE2E07}" destId="{F208BB87-6071-4A2D-BB07-D8992B0B366A}" srcOrd="0" destOrd="0" presId="urn:microsoft.com/office/officeart/2018/2/layout/IconVerticalSolidList"/>
     <dgm:cxn modelId="{47F5C5EA-8611-41B2-9C16-17177B9BC425}" type="presOf" srcId="{F13FA4D8-D3E0-4763-BDC8-BBF5DA4E15FD}" destId="{9658A8FC-7F3C-40B5-9BDC-DCB18E19E0CB}" srcOrd="0" destOrd="0" presId="urn:microsoft.com/office/officeart/2018/2/layout/IconVerticalSolidList"/>
-    <dgm:cxn modelId="{96BFAF8B-3BD8-49F8-AF0D-B8B294147E50}" type="presOf" srcId="{054F5C4D-1173-41A6-9D24-221A1D0BA908}" destId="{53930A77-536D-48A0-8438-CD35F0094834}" srcOrd="0" destOrd="0" presId="urn:microsoft.com/office/officeart/2018/2/layout/IconVerticalSolidList"/>
     <dgm:cxn modelId="{8F91EE61-7498-40A8-9AE1-F4C6E016B141}" type="presParOf" srcId="{9658A8FC-7F3C-40B5-9BDC-DCB18E19E0CB}" destId="{913DA140-E60F-4C8B-B128-E0EA706D821F}" srcOrd="0" destOrd="0" presId="urn:microsoft.com/office/officeart/2018/2/layout/IconVerticalSolidList"/>
     <dgm:cxn modelId="{E3A7102B-D8B2-4891-91B4-8021222005A8}" type="presParOf" srcId="{913DA140-E60F-4C8B-B128-E0EA706D821F}" destId="{7053E9A6-3722-4829-A177-CEA2C6E8D9AB}" srcOrd="0" destOrd="0" presId="urn:microsoft.com/office/officeart/2018/2/layout/IconVerticalSolidList"/>
     <dgm:cxn modelId="{C98DC374-A648-4095-ACC6-81725E9AEAAD}" type="presParOf" srcId="{913DA140-E60F-4C8B-B128-E0EA706D821F}" destId="{7803480E-D620-409E-AE59-FA7C5B587EFA}" srcOrd="1" destOrd="0" presId="urn:microsoft.com/office/officeart/2018/2/layout/IconVerticalSolidList"/>
@@ -2691,13 +2625,6 @@
         </dgm:presLayoutVars>
       </dgm:prSet>
       <dgm:spPr/>
-      <dgm:t>
-        <a:bodyPr/>
-        <a:lstStyle/>
-        <a:p>
-          <a:endParaRPr lang="nl-NL"/>
-        </a:p>
-      </dgm:t>
     </dgm:pt>
     <dgm:pt modelId="{E7ACCACA-1982-42F7-B06C-23B0CFF114F1}" type="pres">
       <dgm:prSet presAssocID="{0AC97795-9F88-4C90-946D-717FAE4B21E4}" presName="compNode" presStyleCnt="0"/>
@@ -2717,7 +2644,7 @@
                 <a14:useLocalDpi xmlns:a14="http://schemas.microsoft.com/office/drawing/2010/main" val="0"/>
               </a:ext>
               <a:ext uri="{96DAC541-7B7A-43D3-8B79-37D633B846F1}">
-                <asvg:svgBlip xmlns:asvg="http://schemas.microsoft.com/office/drawing/2016/SVG/main" xmlns="" r:embed="rId2"/>
+                <asvg:svgBlip xmlns:asvg="http://schemas.microsoft.com/office/drawing/2016/SVG/main" r:embed="rId2"/>
               </a:ext>
             </a:extLst>
           </a:blip>
@@ -2729,13 +2656,6 @@
           <a:noFill/>
         </a:ln>
       </dgm:spPr>
-      <dgm:t>
-        <a:bodyPr/>
-        <a:lstStyle/>
-        <a:p>
-          <a:endParaRPr lang="nl-NL"/>
-        </a:p>
-      </dgm:t>
       <dgm:extLst>
         <a:ext uri="{E40237B7-FDA0-4F09-8148-C483321AD2D9}">
           <dgm14:cNvPr xmlns:dgm14="http://schemas.microsoft.com/office/drawing/2010/diagram" id="0" name="" descr="Robot"/>
@@ -2754,13 +2674,6 @@
         </dgm:presLayoutVars>
       </dgm:prSet>
       <dgm:spPr/>
-      <dgm:t>
-        <a:bodyPr/>
-        <a:lstStyle/>
-        <a:p>
-          <a:endParaRPr lang="nl-NL"/>
-        </a:p>
-      </dgm:t>
     </dgm:pt>
     <dgm:pt modelId="{8A75B01B-E8E2-4723-9638-120AF6453A4A}" type="pres">
       <dgm:prSet presAssocID="{B975B152-9237-471B-9D33-792BE3C5961E}" presName="sibTrans" presStyleCnt="0"/>
@@ -2784,7 +2697,7 @@
                 <a14:useLocalDpi xmlns:a14="http://schemas.microsoft.com/office/drawing/2010/main" val="0"/>
               </a:ext>
               <a:ext uri="{96DAC541-7B7A-43D3-8B79-37D633B846F1}">
-                <asvg:svgBlip xmlns:asvg="http://schemas.microsoft.com/office/drawing/2016/SVG/main" xmlns="" r:embed="rId4"/>
+                <asvg:svgBlip xmlns:asvg="http://schemas.microsoft.com/office/drawing/2016/SVG/main" r:embed="rId4"/>
               </a:ext>
             </a:extLst>
           </a:blip>
@@ -2796,13 +2709,6 @@
           <a:noFill/>
         </a:ln>
       </dgm:spPr>
-      <dgm:t>
-        <a:bodyPr/>
-        <a:lstStyle/>
-        <a:p>
-          <a:endParaRPr lang="nl-NL"/>
-        </a:p>
-      </dgm:t>
       <dgm:extLst>
         <a:ext uri="{E40237B7-FDA0-4F09-8148-C483321AD2D9}">
           <dgm14:cNvPr xmlns:dgm14="http://schemas.microsoft.com/office/drawing/2010/diagram" id="0" name="" descr="Paw Prints"/>
@@ -2821,13 +2727,6 @@
         </dgm:presLayoutVars>
       </dgm:prSet>
       <dgm:spPr/>
-      <dgm:t>
-        <a:bodyPr/>
-        <a:lstStyle/>
-        <a:p>
-          <a:endParaRPr lang="nl-NL"/>
-        </a:p>
-      </dgm:t>
     </dgm:pt>
     <dgm:pt modelId="{205D16AE-062F-4E5F-9183-17F5DBB03B69}" type="pres">
       <dgm:prSet presAssocID="{8D4652F5-6F21-4F80-A648-5565959B5032}" presName="sibTrans" presStyleCnt="0"/>
@@ -2851,7 +2750,7 @@
                 <a14:useLocalDpi xmlns:a14="http://schemas.microsoft.com/office/drawing/2010/main" val="0"/>
               </a:ext>
               <a:ext uri="{96DAC541-7B7A-43D3-8B79-37D633B846F1}">
-                <asvg:svgBlip xmlns:asvg="http://schemas.microsoft.com/office/drawing/2016/SVG/main" xmlns="" r:embed="rId6"/>
+                <asvg:svgBlip xmlns:asvg="http://schemas.microsoft.com/office/drawing/2016/SVG/main" r:embed="rId6"/>
               </a:ext>
             </a:extLst>
           </a:blip>
@@ -2863,13 +2762,6 @@
           <a:noFill/>
         </a:ln>
       </dgm:spPr>
-      <dgm:t>
-        <a:bodyPr/>
-        <a:lstStyle/>
-        <a:p>
-          <a:endParaRPr lang="nl-NL"/>
-        </a:p>
-      </dgm:t>
       <dgm:extLst>
         <a:ext uri="{E40237B7-FDA0-4F09-8148-C483321AD2D9}">
           <dgm14:cNvPr xmlns:dgm14="http://schemas.microsoft.com/office/drawing/2010/diagram" id="0" name="" descr="Horseshoe"/>
@@ -2888,13 +2780,6 @@
         </dgm:presLayoutVars>
       </dgm:prSet>
       <dgm:spPr/>
-      <dgm:t>
-        <a:bodyPr/>
-        <a:lstStyle/>
-        <a:p>
-          <a:endParaRPr lang="nl-NL"/>
-        </a:p>
-      </dgm:t>
     </dgm:pt>
     <dgm:pt modelId="{BE5977D7-57EA-4EF9-95BE-4DC30D5FFA8A}" type="pres">
       <dgm:prSet presAssocID="{55CEA6C5-2B17-437C-8232-D4AD8515F5F6}" presName="sibTrans" presStyleCnt="0"/>
@@ -2918,7 +2803,7 @@
                 <a14:useLocalDpi xmlns:a14="http://schemas.microsoft.com/office/drawing/2010/main" val="0"/>
               </a:ext>
               <a:ext uri="{96DAC541-7B7A-43D3-8B79-37D633B846F1}">
-                <asvg:svgBlip xmlns:asvg="http://schemas.microsoft.com/office/drawing/2016/SVG/main" xmlns="" r:embed="rId8"/>
+                <asvg:svgBlip xmlns:asvg="http://schemas.microsoft.com/office/drawing/2016/SVG/main" r:embed="rId8"/>
               </a:ext>
             </a:extLst>
           </a:blip>
@@ -2930,13 +2815,6 @@
           <a:noFill/>
         </a:ln>
       </dgm:spPr>
-      <dgm:t>
-        <a:bodyPr/>
-        <a:lstStyle/>
-        <a:p>
-          <a:endParaRPr lang="nl-NL"/>
-        </a:p>
-      </dgm:t>
       <dgm:extLst>
         <a:ext uri="{E40237B7-FDA0-4F09-8148-C483321AD2D9}">
           <dgm14:cNvPr xmlns:dgm14="http://schemas.microsoft.com/office/drawing/2010/diagram" id="0" name="" descr="Checkmark"/>
@@ -2955,13 +2833,6 @@
         </dgm:presLayoutVars>
       </dgm:prSet>
       <dgm:spPr/>
-      <dgm:t>
-        <a:bodyPr/>
-        <a:lstStyle/>
-        <a:p>
-          <a:endParaRPr lang="nl-NL"/>
-        </a:p>
-      </dgm:t>
     </dgm:pt>
     <dgm:pt modelId="{CCD475D2-65F9-4912-AED3-63D56AAB63A4}" type="pres">
       <dgm:prSet presAssocID="{DAD92414-6842-4C32-AA41-D32AEF732749}" presName="sibTrans" presStyleCnt="0"/>
@@ -2985,7 +2856,7 @@
                 <a14:useLocalDpi xmlns:a14="http://schemas.microsoft.com/office/drawing/2010/main" val="0"/>
               </a:ext>
               <a:ext uri="{96DAC541-7B7A-43D3-8B79-37D633B846F1}">
-                <asvg:svgBlip xmlns:asvg="http://schemas.microsoft.com/office/drawing/2016/SVG/main" xmlns="" r:embed="rId10"/>
+                <asvg:svgBlip xmlns:asvg="http://schemas.microsoft.com/office/drawing/2016/SVG/main" r:embed="rId10"/>
               </a:ext>
             </a:extLst>
           </a:blip>
@@ -2997,13 +2868,6 @@
           <a:noFill/>
         </a:ln>
       </dgm:spPr>
-      <dgm:t>
-        <a:bodyPr/>
-        <a:lstStyle/>
-        <a:p>
-          <a:endParaRPr lang="nl-NL"/>
-        </a:p>
-      </dgm:t>
       <dgm:extLst>
         <a:ext uri="{E40237B7-FDA0-4F09-8148-C483321AD2D9}">
           <dgm14:cNvPr xmlns:dgm14="http://schemas.microsoft.com/office/drawing/2010/diagram" id="0" name="" descr="Bank"/>
@@ -3022,13 +2886,6 @@
         </dgm:presLayoutVars>
       </dgm:prSet>
       <dgm:spPr/>
-      <dgm:t>
-        <a:bodyPr/>
-        <a:lstStyle/>
-        <a:p>
-          <a:endParaRPr lang="nl-NL"/>
-        </a:p>
-      </dgm:t>
     </dgm:pt>
     <dgm:pt modelId="{D6EAADD6-8821-412C-9010-D06FC364CD93}" type="pres">
       <dgm:prSet presAssocID="{6E6DAB41-44E4-4623-B2B7-B0E3D8A6F558}" presName="sibTrans" presStyleCnt="0"/>
@@ -3052,7 +2909,7 @@
                 <a14:useLocalDpi xmlns:a14="http://schemas.microsoft.com/office/drawing/2010/main" val="0"/>
               </a:ext>
               <a:ext uri="{96DAC541-7B7A-43D3-8B79-37D633B846F1}">
-                <asvg:svgBlip xmlns:asvg="http://schemas.microsoft.com/office/drawing/2016/SVG/main" xmlns="" r:embed="rId12"/>
+                <asvg:svgBlip xmlns:asvg="http://schemas.microsoft.com/office/drawing/2016/SVG/main" r:embed="rId12"/>
               </a:ext>
             </a:extLst>
           </a:blip>
@@ -3064,13 +2921,6 @@
           <a:noFill/>
         </a:ln>
       </dgm:spPr>
-      <dgm:t>
-        <a:bodyPr/>
-        <a:lstStyle/>
-        <a:p>
-          <a:endParaRPr lang="nl-NL"/>
-        </a:p>
-      </dgm:t>
       <dgm:extLst>
         <a:ext uri="{E40237B7-FDA0-4F09-8148-C483321AD2D9}">
           <dgm14:cNvPr xmlns:dgm14="http://schemas.microsoft.com/office/drawing/2010/diagram" id="0" name="" descr="Electric Car"/>
@@ -3089,29 +2939,22 @@
         </dgm:presLayoutVars>
       </dgm:prSet>
       <dgm:spPr/>
-      <dgm:t>
-        <a:bodyPr/>
-        <a:lstStyle/>
-        <a:p>
-          <a:endParaRPr lang="nl-NL"/>
-        </a:p>
-      </dgm:t>
     </dgm:pt>
   </dgm:ptLst>
   <dgm:cxnLst>
+    <dgm:cxn modelId="{EFA7F206-98CB-4B73-93EF-038A6B636967}" type="presOf" srcId="{5888F5DC-5919-4170-B130-76132F8691E4}" destId="{06669935-9971-4CF2-A0F7-51867D892268}" srcOrd="0" destOrd="0" presId="urn:microsoft.com/office/officeart/2018/2/layout/IconVerticalSolidList"/>
+    <dgm:cxn modelId="{2E307C1E-4781-4463-923D-16BC347ED155}" srcId="{5888F5DC-5919-4170-B130-76132F8691E4}" destId="{882E7E24-6325-4FBF-A922-8E8F86407993}" srcOrd="1" destOrd="0" parTransId="{FD8D5FFA-1C82-455A-AA6B-561F553D45E6}" sibTransId="{8D4652F5-6F21-4F80-A648-5565959B5032}"/>
+    <dgm:cxn modelId="{FB06CB29-F0ED-40B0-A7D8-186A88D1280C}" srcId="{5888F5DC-5919-4170-B130-76132F8691E4}" destId="{62C5DF51-6008-49C2-8556-390523F27240}" srcOrd="5" destOrd="0" parTransId="{872E6F8A-E04E-4E29-AB24-CB71EC7426BB}" sibTransId="{58340B6A-C27E-408E-826B-6E7FFC886531}"/>
+    <dgm:cxn modelId="{E57F162D-81B0-43C3-B783-5FF5F31F8775}" srcId="{5888F5DC-5919-4170-B130-76132F8691E4}" destId="{B1CB1B3E-A546-496C-95A3-305E109AABAE}" srcOrd="3" destOrd="0" parTransId="{D77249BD-416B-450F-914A-023C89CBD29A}" sibTransId="{DAD92414-6842-4C32-AA41-D32AEF732749}"/>
+    <dgm:cxn modelId="{18DE2B34-D3C0-45FD-AFFF-EDD396E5C50F}" type="presOf" srcId="{882E7E24-6325-4FBF-A922-8E8F86407993}" destId="{796B1E68-D3A2-4952-A878-CC8F401396D2}" srcOrd="0" destOrd="0" presId="urn:microsoft.com/office/officeart/2018/2/layout/IconVerticalSolidList"/>
+    <dgm:cxn modelId="{B36CE45D-FC2E-4B83-BCAB-A341BC6A6743}" srcId="{5888F5DC-5919-4170-B130-76132F8691E4}" destId="{DDE9762E-6E26-41A7-A562-88EFE58C7143}" srcOrd="4" destOrd="0" parTransId="{F4921550-0679-4978-B7ED-2B597135265E}" sibTransId="{6E6DAB41-44E4-4623-B2B7-B0E3D8A6F558}"/>
+    <dgm:cxn modelId="{4126CD67-F5AC-4233-B6D2-F1671D73A32C}" srcId="{5888F5DC-5919-4170-B130-76132F8691E4}" destId="{2B11A346-8C39-43B1-9509-030255D63F15}" srcOrd="2" destOrd="0" parTransId="{66AB8D97-DFD0-4000-A8C2-B1EED5EBF74E}" sibTransId="{55CEA6C5-2B17-437C-8232-D4AD8515F5F6}"/>
+    <dgm:cxn modelId="{5DD0AE69-603B-40E7-B32C-F54AE441D4CE}" type="presOf" srcId="{B1CB1B3E-A546-496C-95A3-305E109AABAE}" destId="{45AFF79C-D8B4-4870-ABB6-F1D9ED545015}" srcOrd="0" destOrd="0" presId="urn:microsoft.com/office/officeart/2018/2/layout/IconVerticalSolidList"/>
     <dgm:cxn modelId="{9B282797-4E54-498B-BCC9-84CA498F532B}" srcId="{5888F5DC-5919-4170-B130-76132F8691E4}" destId="{0AC97795-9F88-4C90-946D-717FAE4B21E4}" srcOrd="0" destOrd="0" parTransId="{3DA5B875-DBB5-4FD9-A5B9-459302A94ED7}" sibTransId="{B975B152-9237-471B-9D33-792BE3C5961E}"/>
-    <dgm:cxn modelId="{2E307C1E-4781-4463-923D-16BC347ED155}" srcId="{5888F5DC-5919-4170-B130-76132F8691E4}" destId="{882E7E24-6325-4FBF-A922-8E8F86407993}" srcOrd="1" destOrd="0" parTransId="{FD8D5FFA-1C82-455A-AA6B-561F553D45E6}" sibTransId="{8D4652F5-6F21-4F80-A648-5565959B5032}"/>
+    <dgm:cxn modelId="{A36764A5-3D18-4EE2-854A-F73B22CE6333}" type="presOf" srcId="{0AC97795-9F88-4C90-946D-717FAE4B21E4}" destId="{E87E3EB7-A136-476D-9886-6D815E43CC51}" srcOrd="0" destOrd="0" presId="urn:microsoft.com/office/officeart/2018/2/layout/IconVerticalSolidList"/>
     <dgm:cxn modelId="{CC0217B0-B2EF-4C03-9189-89441BBAB49D}" type="presOf" srcId="{62C5DF51-6008-49C2-8556-390523F27240}" destId="{98F8D2E0-ED0A-4E8E-9A54-03B7003F359A}" srcOrd="0" destOrd="0" presId="urn:microsoft.com/office/officeart/2018/2/layout/IconVerticalSolidList"/>
-    <dgm:cxn modelId="{B36CE45D-FC2E-4B83-BCAB-A341BC6A6743}" srcId="{5888F5DC-5919-4170-B130-76132F8691E4}" destId="{DDE9762E-6E26-41A7-A562-88EFE58C7143}" srcOrd="4" destOrd="0" parTransId="{F4921550-0679-4978-B7ED-2B597135265E}" sibTransId="{6E6DAB41-44E4-4623-B2B7-B0E3D8A6F558}"/>
+    <dgm:cxn modelId="{4DD260D1-9CB0-4A1D-90CA-626088A2C63D}" type="presOf" srcId="{2B11A346-8C39-43B1-9509-030255D63F15}" destId="{799C91B8-0190-4939-A91D-4ED14020DFAD}" srcOrd="0" destOrd="0" presId="urn:microsoft.com/office/officeart/2018/2/layout/IconVerticalSolidList"/>
     <dgm:cxn modelId="{D72DE6F5-5EF6-4F0A-B8B8-E0F87A761707}" type="presOf" srcId="{DDE9762E-6E26-41A7-A562-88EFE58C7143}" destId="{73AD4C8A-0286-42AD-8E61-6A444D7D5703}" srcOrd="0" destOrd="0" presId="urn:microsoft.com/office/officeart/2018/2/layout/IconVerticalSolidList"/>
-    <dgm:cxn modelId="{4126CD67-F5AC-4233-B6D2-F1671D73A32C}" srcId="{5888F5DC-5919-4170-B130-76132F8691E4}" destId="{2B11A346-8C39-43B1-9509-030255D63F15}" srcOrd="2" destOrd="0" parTransId="{66AB8D97-DFD0-4000-A8C2-B1EED5EBF74E}" sibTransId="{55CEA6C5-2B17-437C-8232-D4AD8515F5F6}"/>
-    <dgm:cxn modelId="{E57F162D-81B0-43C3-B783-5FF5F31F8775}" srcId="{5888F5DC-5919-4170-B130-76132F8691E4}" destId="{B1CB1B3E-A546-496C-95A3-305E109AABAE}" srcOrd="3" destOrd="0" parTransId="{D77249BD-416B-450F-914A-023C89CBD29A}" sibTransId="{DAD92414-6842-4C32-AA41-D32AEF732749}"/>
-    <dgm:cxn modelId="{A36764A5-3D18-4EE2-854A-F73B22CE6333}" type="presOf" srcId="{0AC97795-9F88-4C90-946D-717FAE4B21E4}" destId="{E87E3EB7-A136-476D-9886-6D815E43CC51}" srcOrd="0" destOrd="0" presId="urn:microsoft.com/office/officeart/2018/2/layout/IconVerticalSolidList"/>
-    <dgm:cxn modelId="{5DD0AE69-603B-40E7-B32C-F54AE441D4CE}" type="presOf" srcId="{B1CB1B3E-A546-496C-95A3-305E109AABAE}" destId="{45AFF79C-D8B4-4870-ABB6-F1D9ED545015}" srcOrd="0" destOrd="0" presId="urn:microsoft.com/office/officeart/2018/2/layout/IconVerticalSolidList"/>
-    <dgm:cxn modelId="{18DE2B34-D3C0-45FD-AFFF-EDD396E5C50F}" type="presOf" srcId="{882E7E24-6325-4FBF-A922-8E8F86407993}" destId="{796B1E68-D3A2-4952-A878-CC8F401396D2}" srcOrd="0" destOrd="0" presId="urn:microsoft.com/office/officeart/2018/2/layout/IconVerticalSolidList"/>
-    <dgm:cxn modelId="{FB06CB29-F0ED-40B0-A7D8-186A88D1280C}" srcId="{5888F5DC-5919-4170-B130-76132F8691E4}" destId="{62C5DF51-6008-49C2-8556-390523F27240}" srcOrd="5" destOrd="0" parTransId="{872E6F8A-E04E-4E29-AB24-CB71EC7426BB}" sibTransId="{58340B6A-C27E-408E-826B-6E7FFC886531}"/>
-    <dgm:cxn modelId="{4DD260D1-9CB0-4A1D-90CA-626088A2C63D}" type="presOf" srcId="{2B11A346-8C39-43B1-9509-030255D63F15}" destId="{799C91B8-0190-4939-A91D-4ED14020DFAD}" srcOrd="0" destOrd="0" presId="urn:microsoft.com/office/officeart/2018/2/layout/IconVerticalSolidList"/>
-    <dgm:cxn modelId="{EFA7F206-98CB-4B73-93EF-038A6B636967}" type="presOf" srcId="{5888F5DC-5919-4170-B130-76132F8691E4}" destId="{06669935-9971-4CF2-A0F7-51867D892268}" srcOrd="0" destOrd="0" presId="urn:microsoft.com/office/officeart/2018/2/layout/IconVerticalSolidList"/>
     <dgm:cxn modelId="{5A95AFF0-23A5-4EA0-A997-F97B59B1002C}" type="presParOf" srcId="{06669935-9971-4CF2-A0F7-51867D892268}" destId="{E7ACCACA-1982-42F7-B06C-23B0CFF114F1}" srcOrd="0" destOrd="0" presId="urn:microsoft.com/office/officeart/2018/2/layout/IconVerticalSolidList"/>
     <dgm:cxn modelId="{FDDA52C6-A4C9-43C1-A639-BFD4C33AE7EF}" type="presParOf" srcId="{E7ACCACA-1982-42F7-B06C-23B0CFF114F1}" destId="{768CA6C3-23EC-4558-863B-0885841C1A9F}" srcOrd="0" destOrd="0" presId="urn:microsoft.com/office/officeart/2018/2/layout/IconVerticalSolidList"/>
     <dgm:cxn modelId="{34E5CD42-60CA-4B19-831D-1FD6CE3F9D63}" type="presParOf" srcId="{E7ACCACA-1982-42F7-B06C-23B0CFF114F1}" destId="{29F3B48D-C0A3-4593-86FB-33590354086B}" srcOrd="1" destOrd="0" presId="urn:microsoft.com/office/officeart/2018/2/layout/IconVerticalSolidList"/>
@@ -3228,7 +3071,7 @@
                 <a14:useLocalDpi xmlns:a14="http://schemas.microsoft.com/office/drawing/2010/main" val="0"/>
               </a:ext>
               <a:ext uri="{96DAC541-7B7A-43D3-8B79-37D633B846F1}">
-                <asvg:svgBlip xmlns:asvg="http://schemas.microsoft.com/office/drawing/2016/SVG/main" xmlns="" r:embed="rId2"/>
+                <asvg:svgBlip xmlns:asvg="http://schemas.microsoft.com/office/drawing/2016/SVG/main" r:embed="rId2"/>
               </a:ext>
             </a:extLst>
           </a:blip>
@@ -3294,7 +3137,7 @@
         </a:bodyPr>
         <a:lstStyle/>
         <a:p>
-          <a:pPr lvl="0" algn="l" defTabSz="844550">
+          <a:pPr marL="0" lvl="0" indent="0" algn="l" defTabSz="844550">
             <a:lnSpc>
               <a:spcPct val="100000"/>
             </a:lnSpc>
@@ -3304,6 +3147,7 @@
             <a:spcAft>
               <a:spcPct val="35000"/>
             </a:spcAft>
+            <a:buNone/>
           </a:pPr>
           <a:r>
             <a:rPr lang="en-AU" sz="1900" kern="1200"/>
@@ -3379,7 +3223,7 @@
                 <a14:useLocalDpi xmlns:a14="http://schemas.microsoft.com/office/drawing/2010/main" val="0"/>
               </a:ext>
               <a:ext uri="{96DAC541-7B7A-43D3-8B79-37D633B846F1}">
-                <asvg:svgBlip xmlns:asvg="http://schemas.microsoft.com/office/drawing/2016/SVG/main" xmlns="" r:embed="rId4"/>
+                <asvg:svgBlip xmlns:asvg="http://schemas.microsoft.com/office/drawing/2016/SVG/main" r:embed="rId4"/>
               </a:ext>
             </a:extLst>
           </a:blip>
@@ -3445,7 +3289,7 @@
         </a:bodyPr>
         <a:lstStyle/>
         <a:p>
-          <a:pPr lvl="0" algn="l" defTabSz="844550">
+          <a:pPr marL="0" lvl="0" indent="0" algn="l" defTabSz="844550">
             <a:lnSpc>
               <a:spcPct val="100000"/>
             </a:lnSpc>
@@ -3455,6 +3299,7 @@
             <a:spcAft>
               <a:spcPct val="35000"/>
             </a:spcAft>
+            <a:buNone/>
           </a:pPr>
           <a:r>
             <a:rPr lang="en-AU" sz="1900" kern="1200"/>
@@ -3530,7 +3375,7 @@
                 <a14:useLocalDpi xmlns:a14="http://schemas.microsoft.com/office/drawing/2010/main" val="0"/>
               </a:ext>
               <a:ext uri="{96DAC541-7B7A-43D3-8B79-37D633B846F1}">
-                <asvg:svgBlip xmlns:asvg="http://schemas.microsoft.com/office/drawing/2016/SVG/main" xmlns="" r:embed="rId6"/>
+                <asvg:svgBlip xmlns:asvg="http://schemas.microsoft.com/office/drawing/2016/SVG/main" r:embed="rId6"/>
               </a:ext>
             </a:extLst>
           </a:blip>
@@ -3596,7 +3441,7 @@
         </a:bodyPr>
         <a:lstStyle/>
         <a:p>
-          <a:pPr lvl="0" algn="l" defTabSz="844550">
+          <a:pPr marL="0" lvl="0" indent="0" algn="l" defTabSz="844550">
             <a:lnSpc>
               <a:spcPct val="100000"/>
             </a:lnSpc>
@@ -3606,6 +3451,7 @@
             <a:spcAft>
               <a:spcPct val="35000"/>
             </a:spcAft>
+            <a:buNone/>
           </a:pPr>
           <a:r>
             <a:rPr lang="en-AU" sz="1900" kern="1200"/>
@@ -3681,7 +3527,7 @@
                 <a14:useLocalDpi xmlns:a14="http://schemas.microsoft.com/office/drawing/2010/main" val="0"/>
               </a:ext>
               <a:ext uri="{96DAC541-7B7A-43D3-8B79-37D633B846F1}">
-                <asvg:svgBlip xmlns:asvg="http://schemas.microsoft.com/office/drawing/2016/SVG/main" xmlns="" r:embed="rId8"/>
+                <asvg:svgBlip xmlns:asvg="http://schemas.microsoft.com/office/drawing/2016/SVG/main" r:embed="rId8"/>
               </a:ext>
             </a:extLst>
           </a:blip>
@@ -3747,7 +3593,7 @@
         </a:bodyPr>
         <a:lstStyle/>
         <a:p>
-          <a:pPr lvl="0" algn="l" defTabSz="844550">
+          <a:pPr marL="0" lvl="0" indent="0" algn="l" defTabSz="844550">
             <a:lnSpc>
               <a:spcPct val="100000"/>
             </a:lnSpc>
@@ -3757,6 +3603,7 @@
             <a:spcAft>
               <a:spcPct val="35000"/>
             </a:spcAft>
+            <a:buNone/>
           </a:pPr>
           <a:r>
             <a:rPr lang="en-AU" sz="1900" kern="1200" dirty="0"/>
@@ -3832,7 +3679,7 @@
                 <a14:useLocalDpi xmlns:a14="http://schemas.microsoft.com/office/drawing/2010/main" val="0"/>
               </a:ext>
               <a:ext uri="{96DAC541-7B7A-43D3-8B79-37D633B846F1}">
-                <asvg:svgBlip xmlns:asvg="http://schemas.microsoft.com/office/drawing/2016/SVG/main" xmlns="" r:embed="rId10"/>
+                <asvg:svgBlip xmlns:asvg="http://schemas.microsoft.com/office/drawing/2016/SVG/main" r:embed="rId10"/>
               </a:ext>
             </a:extLst>
           </a:blip>
@@ -3898,7 +3745,7 @@
         </a:bodyPr>
         <a:lstStyle/>
         <a:p>
-          <a:pPr lvl="0" algn="l" defTabSz="844550">
+          <a:pPr marL="0" lvl="0" indent="0" algn="l" defTabSz="844550">
             <a:lnSpc>
               <a:spcPct val="100000"/>
             </a:lnSpc>
@@ -3908,6 +3755,7 @@
             <a:spcAft>
               <a:spcPct val="35000"/>
             </a:spcAft>
+            <a:buNone/>
           </a:pPr>
           <a:r>
             <a:rPr lang="en-AU" sz="1900" kern="1200"/>
@@ -3995,7 +3843,7 @@
                 <a14:useLocalDpi xmlns:a14="http://schemas.microsoft.com/office/drawing/2010/main" val="0"/>
               </a:ext>
               <a:ext uri="{96DAC541-7B7A-43D3-8B79-37D633B846F1}">
-                <asvg:svgBlip xmlns:asvg="http://schemas.microsoft.com/office/drawing/2016/SVG/main" xmlns="" r:embed="rId2"/>
+                <asvg:svgBlip xmlns:asvg="http://schemas.microsoft.com/office/drawing/2016/SVG/main" r:embed="rId2"/>
               </a:ext>
             </a:extLst>
           </a:blip>
@@ -4061,7 +3909,7 @@
         </a:bodyPr>
         <a:lstStyle/>
         <a:p>
-          <a:pPr lvl="0" algn="l" defTabSz="844550">
+          <a:pPr marL="0" lvl="0" indent="0" algn="l" defTabSz="844550">
             <a:lnSpc>
               <a:spcPct val="90000"/>
             </a:lnSpc>
@@ -4071,6 +3919,7 @@
             <a:spcAft>
               <a:spcPct val="35000"/>
             </a:spcAft>
+            <a:buNone/>
           </a:pPr>
           <a:r>
             <a:rPr lang="en-AU" sz="1900" kern="1200"/>
@@ -4146,7 +3995,7 @@
                 <a14:useLocalDpi xmlns:a14="http://schemas.microsoft.com/office/drawing/2010/main" val="0"/>
               </a:ext>
               <a:ext uri="{96DAC541-7B7A-43D3-8B79-37D633B846F1}">
-                <asvg:svgBlip xmlns:asvg="http://schemas.microsoft.com/office/drawing/2016/SVG/main" xmlns="" r:embed="rId4"/>
+                <asvg:svgBlip xmlns:asvg="http://schemas.microsoft.com/office/drawing/2016/SVG/main" r:embed="rId4"/>
               </a:ext>
             </a:extLst>
           </a:blip>
@@ -4212,7 +4061,7 @@
         </a:bodyPr>
         <a:lstStyle/>
         <a:p>
-          <a:pPr lvl="0" algn="l" defTabSz="844550">
+          <a:pPr marL="0" lvl="0" indent="0" algn="l" defTabSz="844550">
             <a:lnSpc>
               <a:spcPct val="90000"/>
             </a:lnSpc>
@@ -4222,6 +4071,7 @@
             <a:spcAft>
               <a:spcPct val="35000"/>
             </a:spcAft>
+            <a:buNone/>
           </a:pPr>
           <a:r>
             <a:rPr lang="en-AU" sz="1900" kern="1200"/>
@@ -4297,7 +4147,7 @@
                 <a14:useLocalDpi xmlns:a14="http://schemas.microsoft.com/office/drawing/2010/main" val="0"/>
               </a:ext>
               <a:ext uri="{96DAC541-7B7A-43D3-8B79-37D633B846F1}">
-                <asvg:svgBlip xmlns:asvg="http://schemas.microsoft.com/office/drawing/2016/SVG/main" xmlns="" r:embed="rId6"/>
+                <asvg:svgBlip xmlns:asvg="http://schemas.microsoft.com/office/drawing/2016/SVG/main" r:embed="rId6"/>
               </a:ext>
             </a:extLst>
           </a:blip>
@@ -4363,7 +4213,7 @@
         </a:bodyPr>
         <a:lstStyle/>
         <a:p>
-          <a:pPr lvl="0" algn="l" defTabSz="844550">
+          <a:pPr marL="0" lvl="0" indent="0" algn="l" defTabSz="844550">
             <a:lnSpc>
               <a:spcPct val="90000"/>
             </a:lnSpc>
@@ -4373,6 +4223,7 @@
             <a:spcAft>
               <a:spcPct val="35000"/>
             </a:spcAft>
+            <a:buNone/>
           </a:pPr>
           <a:r>
             <a:rPr lang="en-AU" sz="1900" kern="1200"/>
@@ -4448,7 +4299,7 @@
                 <a14:useLocalDpi xmlns:a14="http://schemas.microsoft.com/office/drawing/2010/main" val="0"/>
               </a:ext>
               <a:ext uri="{96DAC541-7B7A-43D3-8B79-37D633B846F1}">
-                <asvg:svgBlip xmlns:asvg="http://schemas.microsoft.com/office/drawing/2016/SVG/main" xmlns="" r:embed="rId8"/>
+                <asvg:svgBlip xmlns:asvg="http://schemas.microsoft.com/office/drawing/2016/SVG/main" r:embed="rId8"/>
               </a:ext>
             </a:extLst>
           </a:blip>
@@ -4514,7 +4365,7 @@
         </a:bodyPr>
         <a:lstStyle/>
         <a:p>
-          <a:pPr lvl="0" algn="l" defTabSz="844550">
+          <a:pPr marL="0" lvl="0" indent="0" algn="l" defTabSz="844550">
             <a:lnSpc>
               <a:spcPct val="90000"/>
             </a:lnSpc>
@@ -4524,6 +4375,7 @@
             <a:spcAft>
               <a:spcPct val="35000"/>
             </a:spcAft>
+            <a:buNone/>
           </a:pPr>
           <a:r>
             <a:rPr lang="en-AU" sz="1900" kern="1200"/>
@@ -4599,7 +4451,7 @@
                 <a14:useLocalDpi xmlns:a14="http://schemas.microsoft.com/office/drawing/2010/main" val="0"/>
               </a:ext>
               <a:ext uri="{96DAC541-7B7A-43D3-8B79-37D633B846F1}">
-                <asvg:svgBlip xmlns:asvg="http://schemas.microsoft.com/office/drawing/2016/SVG/main" xmlns="" r:embed="rId10"/>
+                <asvg:svgBlip xmlns:asvg="http://schemas.microsoft.com/office/drawing/2016/SVG/main" r:embed="rId10"/>
               </a:ext>
             </a:extLst>
           </a:blip>
@@ -4665,7 +4517,7 @@
         </a:bodyPr>
         <a:lstStyle/>
         <a:p>
-          <a:pPr lvl="0" algn="l" defTabSz="844550">
+          <a:pPr marL="0" lvl="0" indent="0" algn="l" defTabSz="844550">
             <a:lnSpc>
               <a:spcPct val="90000"/>
             </a:lnSpc>
@@ -4675,6 +4527,7 @@
             <a:spcAft>
               <a:spcPct val="35000"/>
             </a:spcAft>
+            <a:buNone/>
           </a:pPr>
           <a:r>
             <a:rPr lang="en-AU" sz="1900" kern="1200"/>
@@ -4750,7 +4603,7 @@
                 <a14:useLocalDpi xmlns:a14="http://schemas.microsoft.com/office/drawing/2010/main" val="0"/>
               </a:ext>
               <a:ext uri="{96DAC541-7B7A-43D3-8B79-37D633B846F1}">
-                <asvg:svgBlip xmlns:asvg="http://schemas.microsoft.com/office/drawing/2016/SVG/main" xmlns="" r:embed="rId12"/>
+                <asvg:svgBlip xmlns:asvg="http://schemas.microsoft.com/office/drawing/2016/SVG/main" r:embed="rId12"/>
               </a:ext>
             </a:extLst>
           </a:blip>
@@ -4816,7 +4669,7 @@
         </a:bodyPr>
         <a:lstStyle/>
         <a:p>
-          <a:pPr lvl="0" algn="l" defTabSz="844550">
+          <a:pPr marL="0" lvl="0" indent="0" algn="l" defTabSz="844550">
             <a:lnSpc>
               <a:spcPct val="90000"/>
             </a:lnSpc>
@@ -4826,6 +4679,7 @@
             <a:spcAft>
               <a:spcPct val="35000"/>
             </a:spcAft>
+            <a:buNone/>
           </a:pPr>
           <a:r>
             <a:rPr lang="en-AU" sz="1900" kern="1200"/>
@@ -5120,7 +4974,7 @@
   </dgm:layoutNode>
   <dgm:extLst>
     <a:ext uri="{68A01E43-0DF5-4B5B-8FA6-DAF915123BFB}">
-      <dgm1612:lstStyle xmlns:dgm1612="http://schemas.microsoft.com/office/drawing/2016/12/diagram" xmlns="">
+      <dgm1612:lstStyle xmlns:dgm1612="http://schemas.microsoft.com/office/drawing/2016/12/diagram">
         <a:lvl1pPr>
           <a:lnSpc>
             <a:spcPct val="100000"/>
@@ -5414,7 +5268,7 @@
   </dgm:layoutNode>
   <dgm:extLst>
     <a:ext uri="{68A01E43-0DF5-4B5B-8FA6-DAF915123BFB}">
-      <dgm1612:lstStyle xmlns:dgm1612="http://schemas.microsoft.com/office/drawing/2016/12/diagram" xmlns="">
+      <dgm1612:lstStyle xmlns:dgm1612="http://schemas.microsoft.com/office/drawing/2016/12/diagram">
         <a:lvl1pPr>
           <a:lnSpc>
             <a:spcPct val="100000"/>
@@ -8263,7 +8117,7 @@
           <a:p>
             <a:fld id="{67B00F60-8E1D-4DF8-83E6-BB601543CFCD}" type="slidenum">
               <a:rPr lang="en-US" smtClean="0"/>
-              <a:t>‹nr.›</a:t>
+              <a:t>‹#›</a:t>
             </a:fld>
             <a:endParaRPr lang="en-US"/>
           </a:p>
@@ -8514,7 +8368,7 @@
           <a:p>
             <a:fld id="{67B00F60-8E1D-4DF8-83E6-BB601543CFCD}" type="slidenum">
               <a:rPr lang="en-US" smtClean="0"/>
-              <a:t>‹nr.›</a:t>
+              <a:t>‹#›</a:t>
             </a:fld>
             <a:endParaRPr lang="en-US"/>
           </a:p>
@@ -8828,7 +8682,7 @@
           <a:p>
             <a:fld id="{67B00F60-8E1D-4DF8-83E6-BB601543CFCD}" type="slidenum">
               <a:rPr lang="en-US" smtClean="0"/>
-              <a:t>‹nr.›</a:t>
+              <a:t>‹#›</a:t>
             </a:fld>
             <a:endParaRPr lang="en-US"/>
           </a:p>
@@ -9169,7 +9023,7 @@
           <a:p>
             <a:fld id="{67B00F60-8E1D-4DF8-83E6-BB601543CFCD}" type="slidenum">
               <a:rPr lang="en-US" smtClean="0"/>
-              <a:t>‹nr.›</a:t>
+              <a:t>‹#›</a:t>
             </a:fld>
             <a:endParaRPr lang="en-US"/>
           </a:p>
@@ -9483,7 +9337,7 @@
           <a:p>
             <a:fld id="{67B00F60-8E1D-4DF8-83E6-BB601543CFCD}" type="slidenum">
               <a:rPr lang="en-US" smtClean="0"/>
-              <a:t>‹nr.›</a:t>
+              <a:t>‹#›</a:t>
             </a:fld>
             <a:endParaRPr lang="en-US"/>
           </a:p>
@@ -9876,7 +9730,7 @@
           <a:p>
             <a:fld id="{67B00F60-8E1D-4DF8-83E6-BB601543CFCD}" type="slidenum">
               <a:rPr lang="en-US" smtClean="0"/>
-              <a:t>‹nr.›</a:t>
+              <a:t>‹#›</a:t>
             </a:fld>
             <a:endParaRPr lang="en-US"/>
           </a:p>
@@ -10046,7 +9900,7 @@
           <a:p>
             <a:fld id="{67B00F60-8E1D-4DF8-83E6-BB601543CFCD}" type="slidenum">
               <a:rPr lang="en-US" smtClean="0"/>
-              <a:t>‹nr.›</a:t>
+              <a:t>‹#›</a:t>
             </a:fld>
             <a:endParaRPr lang="en-US"/>
           </a:p>
@@ -10226,7 +10080,7 @@
           <a:p>
             <a:fld id="{67B00F60-8E1D-4DF8-83E6-BB601543CFCD}" type="slidenum">
               <a:rPr lang="en-US" smtClean="0"/>
-              <a:t>‹nr.›</a:t>
+              <a:t>‹#›</a:t>
             </a:fld>
             <a:endParaRPr lang="en-US"/>
           </a:p>
@@ -10402,7 +10256,7 @@
           <a:p>
             <a:fld id="{67B00F60-8E1D-4DF8-83E6-BB601543CFCD}" type="slidenum">
               <a:rPr lang="en-US" smtClean="0"/>
-              <a:t>‹nr.›</a:t>
+              <a:t>‹#›</a:t>
             </a:fld>
             <a:endParaRPr lang="en-US"/>
           </a:p>
@@ -10649,7 +10503,7 @@
           <a:p>
             <a:fld id="{67B00F60-8E1D-4DF8-83E6-BB601543CFCD}" type="slidenum">
               <a:rPr lang="en-US" smtClean="0"/>
-              <a:t>‹nr.›</a:t>
+              <a:t>‹#›</a:t>
             </a:fld>
             <a:endParaRPr lang="en-US"/>
           </a:p>
@@ -10881,7 +10735,7 @@
           <a:p>
             <a:fld id="{67B00F60-8E1D-4DF8-83E6-BB601543CFCD}" type="slidenum">
               <a:rPr lang="en-US" smtClean="0"/>
-              <a:t>‹nr.›</a:t>
+              <a:t>‹#›</a:t>
             </a:fld>
             <a:endParaRPr lang="en-US"/>
           </a:p>
@@ -11255,7 +11109,7 @@
           <a:p>
             <a:fld id="{67B00F60-8E1D-4DF8-83E6-BB601543CFCD}" type="slidenum">
               <a:rPr lang="en-US" smtClean="0"/>
-              <a:t>‹nr.›</a:t>
+              <a:t>‹#›</a:t>
             </a:fld>
             <a:endParaRPr lang="en-US"/>
           </a:p>
@@ -11378,7 +11232,7 @@
           <a:p>
             <a:fld id="{67B00F60-8E1D-4DF8-83E6-BB601543CFCD}" type="slidenum">
               <a:rPr lang="en-US" smtClean="0"/>
-              <a:t>‹nr.›</a:t>
+              <a:t>‹#›</a:t>
             </a:fld>
             <a:endParaRPr lang="en-US"/>
           </a:p>
@@ -11473,7 +11327,7 @@
           <a:p>
             <a:fld id="{67B00F60-8E1D-4DF8-83E6-BB601543CFCD}" type="slidenum">
               <a:rPr lang="en-US" smtClean="0"/>
-              <a:t>‹nr.›</a:t>
+              <a:t>‹#›</a:t>
             </a:fld>
             <a:endParaRPr lang="en-US"/>
           </a:p>
@@ -11728,7 +11582,7 @@
           <a:p>
             <a:fld id="{67B00F60-8E1D-4DF8-83E6-BB601543CFCD}" type="slidenum">
               <a:rPr lang="en-US" smtClean="0"/>
-              <a:t>‹nr.›</a:t>
+              <a:t>‹#›</a:t>
             </a:fld>
             <a:endParaRPr lang="en-US"/>
           </a:p>
@@ -11991,7 +11845,7 @@
           <a:p>
             <a:fld id="{67B00F60-8E1D-4DF8-83E6-BB601543CFCD}" type="slidenum">
               <a:rPr lang="en-US" smtClean="0"/>
-              <a:t>‹nr.›</a:t>
+              <a:t>‹#›</a:t>
             </a:fld>
             <a:endParaRPr lang="en-US"/>
           </a:p>
@@ -12768,7 +12622,7 @@
           <a:p>
             <a:fld id="{67B00F60-8E1D-4DF8-83E6-BB601543CFCD}" type="slidenum">
               <a:rPr lang="en-US" smtClean="0"/>
-              <a:t>‹nr.›</a:t>
+              <a:t>‹#›</a:t>
             </a:fld>
             <a:endParaRPr lang="en-US"/>
           </a:p>
@@ -13221,7 +13075,7 @@
           <p:cNvPr id="2" name="Title 1">
             <a:extLst>
               <a:ext uri="{FF2B5EF4-FFF2-40B4-BE49-F238E27FC236}">
-                <a16:creationId xmlns:a16="http://schemas.microsoft.com/office/drawing/2014/main" xmlns="" id="{F324B33E-B3BF-474C-807F-94DF0F1895DE}"/>
+                <a16:creationId xmlns:a16="http://schemas.microsoft.com/office/drawing/2014/main" id="{F324B33E-B3BF-474C-807F-94DF0F1895DE}"/>
               </a:ext>
             </a:extLst>
           </p:cNvPr>
@@ -13255,7 +13109,7 @@
           <p:cNvPr id="3" name="Content Placeholder 2">
             <a:extLst>
               <a:ext uri="{FF2B5EF4-FFF2-40B4-BE49-F238E27FC236}">
-                <a16:creationId xmlns:a16="http://schemas.microsoft.com/office/drawing/2014/main" xmlns="" id="{C699AC10-99B5-4F0F-9ACA-55BF432FE23C}"/>
+                <a16:creationId xmlns:a16="http://schemas.microsoft.com/office/drawing/2014/main" id="{C699AC10-99B5-4F0F-9ACA-55BF432FE23C}"/>
               </a:ext>
             </a:extLst>
           </p:cNvPr>
@@ -13334,7 +13188,7 @@
           <p:cNvPr id="5" name="Picture 4">
             <a:extLst>
               <a:ext uri="{FF2B5EF4-FFF2-40B4-BE49-F238E27FC236}">
-                <a16:creationId xmlns:a16="http://schemas.microsoft.com/office/drawing/2014/main" xmlns="" id="{5E128515-F1C3-4C1D-B4F3-EB6AA3C7E6B5}"/>
+                <a16:creationId xmlns:a16="http://schemas.microsoft.com/office/drawing/2014/main" id="{5E128515-F1C3-4C1D-B4F3-EB6AA3C7E6B5}"/>
               </a:ext>
             </a:extLst>
           </p:cNvPr>
@@ -13375,13 +13229,6 @@
   <p:clrMapOvr>
     <a:masterClrMapping/>
   </p:clrMapOvr>
-  <p:timing>
-    <p:tnLst>
-      <p:par>
-        <p:cTn id="1" dur="indefinite" restart="never" nodeType="tmRoot"/>
-      </p:par>
-    </p:tnLst>
-  </p:timing>
 </p:sld>
 </file>
 
@@ -13415,10 +13262,10 @@
           <p:cNvPr id="8" name="Rectangle 7">
             <a:extLst>
               <a:ext uri="{FF2B5EF4-FFF2-40B4-BE49-F238E27FC236}">
-                <a16:creationId xmlns:a16="http://schemas.microsoft.com/office/drawing/2014/main" xmlns="" id="{E80B86A7-A1EC-475B-9166-88902B033A38}"/>
+                <a16:creationId xmlns:a16="http://schemas.microsoft.com/office/drawing/2014/main" id="{E80B86A7-A1EC-475B-9166-88902B033A38}"/>
               </a:ext>
               <a:ext uri="{C183D7F6-B498-43B3-948B-1728B52AA6E4}">
-                <adec:decorative xmlns:adec="http://schemas.microsoft.com/office/drawing/2017/decorative" xmlns="" val="1"/>
+                <adec:decorative xmlns:adec="http://schemas.microsoft.com/office/drawing/2017/decorative" val="1"/>
               </a:ext>
             </a:extLst>
           </p:cNvPr>
@@ -13428,7 +13275,7 @@
           <p:nvPr>
             <p:extLst>
               <p:ext uri="{386F3935-93C4-4BCD-93E2-E3B085C9AB24}">
-                <p16:designElem xmlns:p16="http://schemas.microsoft.com/office/powerpoint/2015/main" xmlns="" val="1"/>
+                <p16:designElem xmlns:p16="http://schemas.microsoft.com/office/powerpoint/2015/main" val="1"/>
               </p:ext>
             </p:extLst>
           </p:nvPr>
@@ -13475,10 +13322,10 @@
           <p:cNvPr id="10" name="Isosceles Triangle 9">
             <a:extLst>
               <a:ext uri="{FF2B5EF4-FFF2-40B4-BE49-F238E27FC236}">
-                <a16:creationId xmlns:a16="http://schemas.microsoft.com/office/drawing/2014/main" xmlns="" id="{C2C29CB1-9F74-4879-A6AF-AEA67B6F1F4D}"/>
+                <a16:creationId xmlns:a16="http://schemas.microsoft.com/office/drawing/2014/main" id="{C2C29CB1-9F74-4879-A6AF-AEA67B6F1F4D}"/>
               </a:ext>
               <a:ext uri="{C183D7F6-B498-43B3-948B-1728B52AA6E4}">
-                <adec:decorative xmlns:adec="http://schemas.microsoft.com/office/drawing/2017/decorative" xmlns="" val="1"/>
+                <adec:decorative xmlns:adec="http://schemas.microsoft.com/office/drawing/2017/decorative" val="1"/>
               </a:ext>
             </a:extLst>
           </p:cNvPr>
@@ -13488,7 +13335,7 @@
           <p:nvPr>
             <p:extLst>
               <p:ext uri="{386F3935-93C4-4BCD-93E2-E3B085C9AB24}">
-                <p16:designElem xmlns:p16="http://schemas.microsoft.com/office/powerpoint/2015/main" xmlns="" val="1"/>
+                <p16:designElem xmlns:p16="http://schemas.microsoft.com/office/powerpoint/2015/main" val="1"/>
               </p:ext>
             </p:extLst>
           </p:nvPr>
@@ -13533,7 +13380,7 @@
           <p:cNvPr id="3" name="Content Placeholder 2">
             <a:extLst>
               <a:ext uri="{FF2B5EF4-FFF2-40B4-BE49-F238E27FC236}">
-                <a16:creationId xmlns:a16="http://schemas.microsoft.com/office/drawing/2014/main" xmlns="" id="{98E34D42-279B-4470-8DA3-8F9B0642ABB8}"/>
+                <a16:creationId xmlns:a16="http://schemas.microsoft.com/office/drawing/2014/main" id="{98E34D42-279B-4470-8DA3-8F9B0642ABB8}"/>
               </a:ext>
             </a:extLst>
           </p:cNvPr>
@@ -13579,10 +13426,10 @@
           <p:cNvPr id="12" name="Isosceles Triangle 11">
             <a:extLst>
               <a:ext uri="{FF2B5EF4-FFF2-40B4-BE49-F238E27FC236}">
-                <a16:creationId xmlns:a16="http://schemas.microsoft.com/office/drawing/2014/main" xmlns="" id="{7E2C7115-5336-410C-AD71-0F0952A2E5A7}"/>
+                <a16:creationId xmlns:a16="http://schemas.microsoft.com/office/drawing/2014/main" id="{7E2C7115-5336-410C-AD71-0F0952A2E5A7}"/>
               </a:ext>
               <a:ext uri="{C183D7F6-B498-43B3-948B-1728B52AA6E4}">
-                <adec:decorative xmlns:adec="http://schemas.microsoft.com/office/drawing/2017/decorative" xmlns="" val="1"/>
+                <adec:decorative xmlns:adec="http://schemas.microsoft.com/office/drawing/2017/decorative" val="1"/>
               </a:ext>
             </a:extLst>
           </p:cNvPr>
@@ -13592,7 +13439,7 @@
           <p:nvPr>
             <p:extLst>
               <p:ext uri="{386F3935-93C4-4BCD-93E2-E3B085C9AB24}">
-                <p16:designElem xmlns:p16="http://schemas.microsoft.com/office/powerpoint/2015/main" xmlns="" val="1"/>
+                <p16:designElem xmlns:p16="http://schemas.microsoft.com/office/powerpoint/2015/main" val="1"/>
               </p:ext>
             </p:extLst>
           </p:nvPr>
@@ -13637,7 +13484,7 @@
           <p:cNvPr id="4" name="Picture 3">
             <a:extLst>
               <a:ext uri="{FF2B5EF4-FFF2-40B4-BE49-F238E27FC236}">
-                <a16:creationId xmlns:a16="http://schemas.microsoft.com/office/drawing/2014/main" xmlns="" id="{F54F5F26-D13E-4FE3-8216-A6CA85940AD7}"/>
+                <a16:creationId xmlns:a16="http://schemas.microsoft.com/office/drawing/2014/main" id="{F54F5F26-D13E-4FE3-8216-A6CA85940AD7}"/>
               </a:ext>
             </a:extLst>
           </p:cNvPr>
@@ -13667,7 +13514,7 @@
           <p:cNvPr id="6" name="Picture 5" descr="A screenshot of a cell phone&#10;&#10;Description automatically generated">
             <a:extLst>
               <a:ext uri="{FF2B5EF4-FFF2-40B4-BE49-F238E27FC236}">
-                <a16:creationId xmlns:a16="http://schemas.microsoft.com/office/drawing/2014/main" xmlns="" id="{AACB32C2-7CCE-4FD3-812C-B84323E7F3C3}"/>
+                <a16:creationId xmlns:a16="http://schemas.microsoft.com/office/drawing/2014/main" id="{AACB32C2-7CCE-4FD3-812C-B84323E7F3C3}"/>
               </a:ext>
             </a:extLst>
           </p:cNvPr>
@@ -13708,13 +13555,6 @@
   <p:clrMapOvr>
     <a:masterClrMapping/>
   </p:clrMapOvr>
-  <p:timing>
-    <p:tnLst>
-      <p:par>
-        <p:cTn id="1" dur="indefinite" restart="never" nodeType="tmRoot"/>
-      </p:par>
-    </p:tnLst>
-  </p:timing>
 </p:sld>
 </file>
 
@@ -13748,10 +13588,10 @@
           <p:cNvPr id="8" name="Rectangle 7">
             <a:extLst>
               <a:ext uri="{FF2B5EF4-FFF2-40B4-BE49-F238E27FC236}">
-                <a16:creationId xmlns:a16="http://schemas.microsoft.com/office/drawing/2014/main" xmlns="" id="{E80B86A7-A1EC-475B-9166-88902B033A38}"/>
+                <a16:creationId xmlns:a16="http://schemas.microsoft.com/office/drawing/2014/main" id="{E80B86A7-A1EC-475B-9166-88902B033A38}"/>
               </a:ext>
               <a:ext uri="{C183D7F6-B498-43B3-948B-1728B52AA6E4}">
-                <adec:decorative xmlns:adec="http://schemas.microsoft.com/office/drawing/2017/decorative" xmlns="" val="1"/>
+                <adec:decorative xmlns:adec="http://schemas.microsoft.com/office/drawing/2017/decorative" val="1"/>
               </a:ext>
             </a:extLst>
           </p:cNvPr>
@@ -13761,7 +13601,7 @@
           <p:nvPr>
             <p:extLst>
               <p:ext uri="{386F3935-93C4-4BCD-93E2-E3B085C9AB24}">
-                <p16:designElem xmlns:p16="http://schemas.microsoft.com/office/powerpoint/2015/main" xmlns="" val="1"/>
+                <p16:designElem xmlns:p16="http://schemas.microsoft.com/office/powerpoint/2015/main" val="1"/>
               </p:ext>
             </p:extLst>
           </p:nvPr>
@@ -13808,10 +13648,10 @@
           <p:cNvPr id="10" name="Isosceles Triangle 9">
             <a:extLst>
               <a:ext uri="{FF2B5EF4-FFF2-40B4-BE49-F238E27FC236}">
-                <a16:creationId xmlns:a16="http://schemas.microsoft.com/office/drawing/2014/main" xmlns="" id="{C2C29CB1-9F74-4879-A6AF-AEA67B6F1F4D}"/>
+                <a16:creationId xmlns:a16="http://schemas.microsoft.com/office/drawing/2014/main" id="{C2C29CB1-9F74-4879-A6AF-AEA67B6F1F4D}"/>
               </a:ext>
               <a:ext uri="{C183D7F6-B498-43B3-948B-1728B52AA6E4}">
-                <adec:decorative xmlns:adec="http://schemas.microsoft.com/office/drawing/2017/decorative" xmlns="" val="1"/>
+                <adec:decorative xmlns:adec="http://schemas.microsoft.com/office/drawing/2017/decorative" val="1"/>
               </a:ext>
             </a:extLst>
           </p:cNvPr>
@@ -13821,7 +13661,7 @@
           <p:nvPr>
             <p:extLst>
               <p:ext uri="{386F3935-93C4-4BCD-93E2-E3B085C9AB24}">
-                <p16:designElem xmlns:p16="http://schemas.microsoft.com/office/powerpoint/2015/main" xmlns="" val="1"/>
+                <p16:designElem xmlns:p16="http://schemas.microsoft.com/office/powerpoint/2015/main" val="1"/>
               </p:ext>
             </p:extLst>
           </p:nvPr>
@@ -13866,7 +13706,7 @@
           <p:cNvPr id="3" name="Content Placeholder 2">
             <a:extLst>
               <a:ext uri="{FF2B5EF4-FFF2-40B4-BE49-F238E27FC236}">
-                <a16:creationId xmlns:a16="http://schemas.microsoft.com/office/drawing/2014/main" xmlns="" id="{98E34D42-279B-4470-8DA3-8F9B0642ABB8}"/>
+                <a16:creationId xmlns:a16="http://schemas.microsoft.com/office/drawing/2014/main" id="{98E34D42-279B-4470-8DA3-8F9B0642ABB8}"/>
               </a:ext>
             </a:extLst>
           </p:cNvPr>
@@ -13904,10 +13744,10 @@
           <p:cNvPr id="12" name="Isosceles Triangle 11">
             <a:extLst>
               <a:ext uri="{FF2B5EF4-FFF2-40B4-BE49-F238E27FC236}">
-                <a16:creationId xmlns:a16="http://schemas.microsoft.com/office/drawing/2014/main" xmlns="" id="{7E2C7115-5336-410C-AD71-0F0952A2E5A7}"/>
+                <a16:creationId xmlns:a16="http://schemas.microsoft.com/office/drawing/2014/main" id="{7E2C7115-5336-410C-AD71-0F0952A2E5A7}"/>
               </a:ext>
               <a:ext uri="{C183D7F6-B498-43B3-948B-1728B52AA6E4}">
-                <adec:decorative xmlns:adec="http://schemas.microsoft.com/office/drawing/2017/decorative" xmlns="" val="1"/>
+                <adec:decorative xmlns:adec="http://schemas.microsoft.com/office/drawing/2017/decorative" val="1"/>
               </a:ext>
             </a:extLst>
           </p:cNvPr>
@@ -13917,7 +13757,7 @@
           <p:nvPr>
             <p:extLst>
               <p:ext uri="{386F3935-93C4-4BCD-93E2-E3B085C9AB24}">
-                <p16:designElem xmlns:p16="http://schemas.microsoft.com/office/powerpoint/2015/main" xmlns="" val="1"/>
+                <p16:designElem xmlns:p16="http://schemas.microsoft.com/office/powerpoint/2015/main" val="1"/>
               </p:ext>
             </p:extLst>
           </p:nvPr>
@@ -13962,7 +13802,7 @@
           <p:cNvPr id="4" name="Picture 3">
             <a:extLst>
               <a:ext uri="{FF2B5EF4-FFF2-40B4-BE49-F238E27FC236}">
-                <a16:creationId xmlns:a16="http://schemas.microsoft.com/office/drawing/2014/main" xmlns="" id="{F54F5F26-D13E-4FE3-8216-A6CA85940AD7}"/>
+                <a16:creationId xmlns:a16="http://schemas.microsoft.com/office/drawing/2014/main" id="{F54F5F26-D13E-4FE3-8216-A6CA85940AD7}"/>
               </a:ext>
             </a:extLst>
           </p:cNvPr>
@@ -13992,7 +13832,7 @@
           <p:cNvPr id="5" name="Picture 4" descr="A screenshot of a computer screen&#10;&#10;Description automatically generated">
             <a:extLst>
               <a:ext uri="{FF2B5EF4-FFF2-40B4-BE49-F238E27FC236}">
-                <a16:creationId xmlns:a16="http://schemas.microsoft.com/office/drawing/2014/main" xmlns="" id="{E9D95E2F-00C9-4B02-BF8E-2ED05256D93B}"/>
+                <a16:creationId xmlns:a16="http://schemas.microsoft.com/office/drawing/2014/main" id="{E9D95E2F-00C9-4B02-BF8E-2ED05256D93B}"/>
               </a:ext>
             </a:extLst>
           </p:cNvPr>
@@ -14033,13 +13873,6 @@
   <p:clrMapOvr>
     <a:masterClrMapping/>
   </p:clrMapOvr>
-  <p:timing>
-    <p:tnLst>
-      <p:par>
-        <p:cTn id="1" dur="indefinite" restart="never" nodeType="tmRoot"/>
-      </p:par>
-    </p:tnLst>
-  </p:timing>
 </p:sld>
 </file>
 
@@ -14073,10 +13906,10 @@
           <p:cNvPr id="8" name="Rectangle 7">
             <a:extLst>
               <a:ext uri="{FF2B5EF4-FFF2-40B4-BE49-F238E27FC236}">
-                <a16:creationId xmlns:a16="http://schemas.microsoft.com/office/drawing/2014/main" xmlns="" id="{E80B86A7-A1EC-475B-9166-88902B033A38}"/>
+                <a16:creationId xmlns:a16="http://schemas.microsoft.com/office/drawing/2014/main" id="{E80B86A7-A1EC-475B-9166-88902B033A38}"/>
               </a:ext>
               <a:ext uri="{C183D7F6-B498-43B3-948B-1728B52AA6E4}">
-                <adec:decorative xmlns:adec="http://schemas.microsoft.com/office/drawing/2017/decorative" xmlns="" val="1"/>
+                <adec:decorative xmlns:adec="http://schemas.microsoft.com/office/drawing/2017/decorative" val="1"/>
               </a:ext>
             </a:extLst>
           </p:cNvPr>
@@ -14086,7 +13919,7 @@
           <p:nvPr>
             <p:extLst>
               <p:ext uri="{386F3935-93C4-4BCD-93E2-E3B085C9AB24}">
-                <p16:designElem xmlns:p16="http://schemas.microsoft.com/office/powerpoint/2015/main" xmlns="" val="1"/>
+                <p16:designElem xmlns:p16="http://schemas.microsoft.com/office/powerpoint/2015/main" val="1"/>
               </p:ext>
             </p:extLst>
           </p:nvPr>
@@ -14133,10 +13966,10 @@
           <p:cNvPr id="10" name="Isosceles Triangle 9">
             <a:extLst>
               <a:ext uri="{FF2B5EF4-FFF2-40B4-BE49-F238E27FC236}">
-                <a16:creationId xmlns:a16="http://schemas.microsoft.com/office/drawing/2014/main" xmlns="" id="{C2C29CB1-9F74-4879-A6AF-AEA67B6F1F4D}"/>
+                <a16:creationId xmlns:a16="http://schemas.microsoft.com/office/drawing/2014/main" id="{C2C29CB1-9F74-4879-A6AF-AEA67B6F1F4D}"/>
               </a:ext>
               <a:ext uri="{C183D7F6-B498-43B3-948B-1728B52AA6E4}">
-                <adec:decorative xmlns:adec="http://schemas.microsoft.com/office/drawing/2017/decorative" xmlns="" val="1"/>
+                <adec:decorative xmlns:adec="http://schemas.microsoft.com/office/drawing/2017/decorative" val="1"/>
               </a:ext>
             </a:extLst>
           </p:cNvPr>
@@ -14146,7 +13979,7 @@
           <p:nvPr>
             <p:extLst>
               <p:ext uri="{386F3935-93C4-4BCD-93E2-E3B085C9AB24}">
-                <p16:designElem xmlns:p16="http://schemas.microsoft.com/office/powerpoint/2015/main" xmlns="" val="1"/>
+                <p16:designElem xmlns:p16="http://schemas.microsoft.com/office/powerpoint/2015/main" val="1"/>
               </p:ext>
             </p:extLst>
           </p:nvPr>
@@ -14191,7 +14024,7 @@
           <p:cNvPr id="3" name="Content Placeholder 2">
             <a:extLst>
               <a:ext uri="{FF2B5EF4-FFF2-40B4-BE49-F238E27FC236}">
-                <a16:creationId xmlns:a16="http://schemas.microsoft.com/office/drawing/2014/main" xmlns="" id="{98E34D42-279B-4470-8DA3-8F9B0642ABB8}"/>
+                <a16:creationId xmlns:a16="http://schemas.microsoft.com/office/drawing/2014/main" id="{98E34D42-279B-4470-8DA3-8F9B0642ABB8}"/>
               </a:ext>
             </a:extLst>
           </p:cNvPr>
@@ -14229,10 +14062,10 @@
           <p:cNvPr id="12" name="Isosceles Triangle 11">
             <a:extLst>
               <a:ext uri="{FF2B5EF4-FFF2-40B4-BE49-F238E27FC236}">
-                <a16:creationId xmlns:a16="http://schemas.microsoft.com/office/drawing/2014/main" xmlns="" id="{7E2C7115-5336-410C-AD71-0F0952A2E5A7}"/>
+                <a16:creationId xmlns:a16="http://schemas.microsoft.com/office/drawing/2014/main" id="{7E2C7115-5336-410C-AD71-0F0952A2E5A7}"/>
               </a:ext>
               <a:ext uri="{C183D7F6-B498-43B3-948B-1728B52AA6E4}">
-                <adec:decorative xmlns:adec="http://schemas.microsoft.com/office/drawing/2017/decorative" xmlns="" val="1"/>
+                <adec:decorative xmlns:adec="http://schemas.microsoft.com/office/drawing/2017/decorative" val="1"/>
               </a:ext>
             </a:extLst>
           </p:cNvPr>
@@ -14242,7 +14075,7 @@
           <p:nvPr>
             <p:extLst>
               <p:ext uri="{386F3935-93C4-4BCD-93E2-E3B085C9AB24}">
-                <p16:designElem xmlns:p16="http://schemas.microsoft.com/office/powerpoint/2015/main" xmlns="" val="1"/>
+                <p16:designElem xmlns:p16="http://schemas.microsoft.com/office/powerpoint/2015/main" val="1"/>
               </p:ext>
             </p:extLst>
           </p:nvPr>
@@ -14287,7 +14120,7 @@
           <p:cNvPr id="4" name="Picture 3">
             <a:extLst>
               <a:ext uri="{FF2B5EF4-FFF2-40B4-BE49-F238E27FC236}">
-                <a16:creationId xmlns:a16="http://schemas.microsoft.com/office/drawing/2014/main" xmlns="" id="{F54F5F26-D13E-4FE3-8216-A6CA85940AD7}"/>
+                <a16:creationId xmlns:a16="http://schemas.microsoft.com/office/drawing/2014/main" id="{F54F5F26-D13E-4FE3-8216-A6CA85940AD7}"/>
               </a:ext>
             </a:extLst>
           </p:cNvPr>
@@ -14317,7 +14150,7 @@
           <p:cNvPr id="5" name="Picture 4" descr="A screenshot of a cell phone&#10;&#10;Description automatically generated">
             <a:extLst>
               <a:ext uri="{FF2B5EF4-FFF2-40B4-BE49-F238E27FC236}">
-                <a16:creationId xmlns:a16="http://schemas.microsoft.com/office/drawing/2014/main" xmlns="" id="{A6098B94-8E34-469A-8557-8DB12079B7F7}"/>
+                <a16:creationId xmlns:a16="http://schemas.microsoft.com/office/drawing/2014/main" id="{A6098B94-8E34-469A-8557-8DB12079B7F7}"/>
               </a:ext>
             </a:extLst>
           </p:cNvPr>
@@ -14353,7 +14186,7 @@
           <p:cNvPr id="7" name="Oval 6">
             <a:extLst>
               <a:ext uri="{FF2B5EF4-FFF2-40B4-BE49-F238E27FC236}">
-                <a16:creationId xmlns:a16="http://schemas.microsoft.com/office/drawing/2014/main" xmlns="" id="{BA05BEA6-C46A-4857-85A2-49E837075043}"/>
+                <a16:creationId xmlns:a16="http://schemas.microsoft.com/office/drawing/2014/main" id="{BA05BEA6-C46A-4857-85A2-49E837075043}"/>
               </a:ext>
             </a:extLst>
           </p:cNvPr>
@@ -14410,13 +14243,6 @@
   <p:clrMapOvr>
     <a:masterClrMapping/>
   </p:clrMapOvr>
-  <p:timing>
-    <p:tnLst>
-      <p:par>
-        <p:cTn id="1" dur="indefinite" restart="never" nodeType="tmRoot"/>
-      </p:par>
-    </p:tnLst>
-  </p:timing>
 </p:sld>
 </file>
 
@@ -14450,10 +14276,10 @@
           <p:cNvPr id="8" name="Rectangle 7">
             <a:extLst>
               <a:ext uri="{FF2B5EF4-FFF2-40B4-BE49-F238E27FC236}">
-                <a16:creationId xmlns:a16="http://schemas.microsoft.com/office/drawing/2014/main" xmlns="" id="{E80B86A7-A1EC-475B-9166-88902B033A38}"/>
+                <a16:creationId xmlns:a16="http://schemas.microsoft.com/office/drawing/2014/main" id="{E80B86A7-A1EC-475B-9166-88902B033A38}"/>
               </a:ext>
               <a:ext uri="{C183D7F6-B498-43B3-948B-1728B52AA6E4}">
-                <adec:decorative xmlns:adec="http://schemas.microsoft.com/office/drawing/2017/decorative" xmlns="" val="1"/>
+                <adec:decorative xmlns:adec="http://schemas.microsoft.com/office/drawing/2017/decorative" val="1"/>
               </a:ext>
             </a:extLst>
           </p:cNvPr>
@@ -14463,7 +14289,7 @@
           <p:nvPr>
             <p:extLst>
               <p:ext uri="{386F3935-93C4-4BCD-93E2-E3B085C9AB24}">
-                <p16:designElem xmlns:p16="http://schemas.microsoft.com/office/powerpoint/2015/main" xmlns="" val="1"/>
+                <p16:designElem xmlns:p16="http://schemas.microsoft.com/office/powerpoint/2015/main" val="1"/>
               </p:ext>
             </p:extLst>
           </p:nvPr>
@@ -14510,10 +14336,10 @@
           <p:cNvPr id="10" name="Isosceles Triangle 9">
             <a:extLst>
               <a:ext uri="{FF2B5EF4-FFF2-40B4-BE49-F238E27FC236}">
-                <a16:creationId xmlns:a16="http://schemas.microsoft.com/office/drawing/2014/main" xmlns="" id="{C2C29CB1-9F74-4879-A6AF-AEA67B6F1F4D}"/>
+                <a16:creationId xmlns:a16="http://schemas.microsoft.com/office/drawing/2014/main" id="{C2C29CB1-9F74-4879-A6AF-AEA67B6F1F4D}"/>
               </a:ext>
               <a:ext uri="{C183D7F6-B498-43B3-948B-1728B52AA6E4}">
-                <adec:decorative xmlns:adec="http://schemas.microsoft.com/office/drawing/2017/decorative" xmlns="" val="1"/>
+                <adec:decorative xmlns:adec="http://schemas.microsoft.com/office/drawing/2017/decorative" val="1"/>
               </a:ext>
             </a:extLst>
           </p:cNvPr>
@@ -14523,7 +14349,7 @@
           <p:nvPr>
             <p:extLst>
               <p:ext uri="{386F3935-93C4-4BCD-93E2-E3B085C9AB24}">
-                <p16:designElem xmlns:p16="http://schemas.microsoft.com/office/powerpoint/2015/main" xmlns="" val="1"/>
+                <p16:designElem xmlns:p16="http://schemas.microsoft.com/office/powerpoint/2015/main" val="1"/>
               </p:ext>
             </p:extLst>
           </p:nvPr>
@@ -14568,7 +14394,7 @@
           <p:cNvPr id="3" name="Content Placeholder 2">
             <a:extLst>
               <a:ext uri="{FF2B5EF4-FFF2-40B4-BE49-F238E27FC236}">
-                <a16:creationId xmlns:a16="http://schemas.microsoft.com/office/drawing/2014/main" xmlns="" id="{98E34D42-279B-4470-8DA3-8F9B0642ABB8}"/>
+                <a16:creationId xmlns:a16="http://schemas.microsoft.com/office/drawing/2014/main" id="{98E34D42-279B-4470-8DA3-8F9B0642ABB8}"/>
               </a:ext>
             </a:extLst>
           </p:cNvPr>
@@ -14606,10 +14432,10 @@
           <p:cNvPr id="12" name="Isosceles Triangle 11">
             <a:extLst>
               <a:ext uri="{FF2B5EF4-FFF2-40B4-BE49-F238E27FC236}">
-                <a16:creationId xmlns:a16="http://schemas.microsoft.com/office/drawing/2014/main" xmlns="" id="{7E2C7115-5336-410C-AD71-0F0952A2E5A7}"/>
+                <a16:creationId xmlns:a16="http://schemas.microsoft.com/office/drawing/2014/main" id="{7E2C7115-5336-410C-AD71-0F0952A2E5A7}"/>
               </a:ext>
               <a:ext uri="{C183D7F6-B498-43B3-948B-1728B52AA6E4}">
-                <adec:decorative xmlns:adec="http://schemas.microsoft.com/office/drawing/2017/decorative" xmlns="" val="1"/>
+                <adec:decorative xmlns:adec="http://schemas.microsoft.com/office/drawing/2017/decorative" val="1"/>
               </a:ext>
             </a:extLst>
           </p:cNvPr>
@@ -14619,7 +14445,7 @@
           <p:nvPr>
             <p:extLst>
               <p:ext uri="{386F3935-93C4-4BCD-93E2-E3B085C9AB24}">
-                <p16:designElem xmlns:p16="http://schemas.microsoft.com/office/powerpoint/2015/main" xmlns="" val="1"/>
+                <p16:designElem xmlns:p16="http://schemas.microsoft.com/office/powerpoint/2015/main" val="1"/>
               </p:ext>
             </p:extLst>
           </p:nvPr>
@@ -14664,7 +14490,7 @@
           <p:cNvPr id="13" name="Picture 12" descr="A close up of a logo&#10;&#10;Description automatically generated">
             <a:extLst>
               <a:ext uri="{FF2B5EF4-FFF2-40B4-BE49-F238E27FC236}">
-                <a16:creationId xmlns:a16="http://schemas.microsoft.com/office/drawing/2014/main" xmlns="" id="{DE6C59C6-5B8F-4A5E-A22C-A5B0231335C6}"/>
+                <a16:creationId xmlns:a16="http://schemas.microsoft.com/office/drawing/2014/main" id="{DE6C59C6-5B8F-4A5E-A22C-A5B0231335C6}"/>
               </a:ext>
             </a:extLst>
           </p:cNvPr>
@@ -14700,7 +14526,7 @@
           <p:cNvPr id="14" name="Picture 13">
             <a:extLst>
               <a:ext uri="{FF2B5EF4-FFF2-40B4-BE49-F238E27FC236}">
-                <a16:creationId xmlns:a16="http://schemas.microsoft.com/office/drawing/2014/main" xmlns="" id="{6F06B49C-37F7-4181-93B8-4BE1C1195DEF}"/>
+                <a16:creationId xmlns:a16="http://schemas.microsoft.com/office/drawing/2014/main" id="{6F06B49C-37F7-4181-93B8-4BE1C1195DEF}"/>
               </a:ext>
             </a:extLst>
           </p:cNvPr>
@@ -14735,13 +14561,6 @@
   <p:clrMapOvr>
     <a:masterClrMapping/>
   </p:clrMapOvr>
-  <p:timing>
-    <p:tnLst>
-      <p:par>
-        <p:cTn id="1" dur="indefinite" restart="never" nodeType="tmRoot"/>
-      </p:par>
-    </p:tnLst>
-  </p:timing>
 </p:sld>
 </file>
 
@@ -14775,7 +14594,7 @@
           <p:cNvPr id="2" name="Title 1">
             <a:extLst>
               <a:ext uri="{FF2B5EF4-FFF2-40B4-BE49-F238E27FC236}">
-                <a16:creationId xmlns:a16="http://schemas.microsoft.com/office/drawing/2014/main" xmlns="" id="{A6BA0E14-6CFA-48EA-A6B2-30AEA2385516}"/>
+                <a16:creationId xmlns:a16="http://schemas.microsoft.com/office/drawing/2014/main" id="{A6BA0E14-6CFA-48EA-A6B2-30AEA2385516}"/>
               </a:ext>
             </a:extLst>
           </p:cNvPr>
@@ -14814,7 +14633,7 @@
           <p:cNvPr id="3" name="Content Placeholder 2">
             <a:extLst>
               <a:ext uri="{FF2B5EF4-FFF2-40B4-BE49-F238E27FC236}">
-                <a16:creationId xmlns:a16="http://schemas.microsoft.com/office/drawing/2014/main" xmlns="" id="{4BB484F6-3CF2-4D4D-BD30-4A320D2AECFD}"/>
+                <a16:creationId xmlns:a16="http://schemas.microsoft.com/office/drawing/2014/main" id="{4BB484F6-3CF2-4D4D-BD30-4A320D2AECFD}"/>
               </a:ext>
             </a:extLst>
           </p:cNvPr>
@@ -14876,7 +14695,7 @@
           <p:cNvPr id="7" name="Picture 6" descr="A close up of text on a white background&#10;&#10;Description automatically generated">
             <a:extLst>
               <a:ext uri="{FF2B5EF4-FFF2-40B4-BE49-F238E27FC236}">
-                <a16:creationId xmlns:a16="http://schemas.microsoft.com/office/drawing/2014/main" xmlns="" id="{18D94CD8-ABCA-4CC0-BA76-7EE7852EB6B6}"/>
+                <a16:creationId xmlns:a16="http://schemas.microsoft.com/office/drawing/2014/main" id="{18D94CD8-ABCA-4CC0-BA76-7EE7852EB6B6}"/>
               </a:ext>
             </a:extLst>
           </p:cNvPr>
@@ -14938,10 +14757,10 @@
           <p:cNvPr id="14" name="Isosceles Triangle 11">
             <a:extLst>
               <a:ext uri="{FF2B5EF4-FFF2-40B4-BE49-F238E27FC236}">
-                <a16:creationId xmlns:a16="http://schemas.microsoft.com/office/drawing/2014/main" xmlns="" id="{3BCB5F6A-9EB0-40B0-9D13-3023E9A20508}"/>
+                <a16:creationId xmlns:a16="http://schemas.microsoft.com/office/drawing/2014/main" id="{3BCB5F6A-9EB0-40B0-9D13-3023E9A20508}"/>
               </a:ext>
               <a:ext uri="{C183D7F6-B498-43B3-948B-1728B52AA6E4}">
-                <adec:decorative xmlns:adec="http://schemas.microsoft.com/office/drawing/2017/decorative" xmlns="" val="1"/>
+                <adec:decorative xmlns:adec="http://schemas.microsoft.com/office/drawing/2017/decorative" val="1"/>
               </a:ext>
             </a:extLst>
           </p:cNvPr>
@@ -14951,7 +14770,7 @@
           <p:nvPr>
             <p:extLst>
               <p:ext uri="{386F3935-93C4-4BCD-93E2-E3B085C9AB24}">
-                <p16:designElem xmlns:p16="http://schemas.microsoft.com/office/powerpoint/2015/main" xmlns="" val="1"/>
+                <p16:designElem xmlns:p16="http://schemas.microsoft.com/office/powerpoint/2015/main" val="1"/>
               </p:ext>
             </p:extLst>
           </p:nvPr>
@@ -14999,13 +14818,6 @@
   <p:clrMapOvr>
     <a:overrideClrMapping bg1="dk1" tx1="lt1" bg2="dk2" tx2="lt2" accent1="accent1" accent2="accent2" accent3="accent3" accent4="accent4" accent5="accent5" accent6="accent6" hlink="hlink" folHlink="folHlink"/>
   </p:clrMapOvr>
-  <p:timing>
-    <p:tnLst>
-      <p:par>
-        <p:cTn id="1" dur="indefinite" restart="never" nodeType="tmRoot"/>
-      </p:par>
-    </p:tnLst>
-  </p:timing>
 </p:sld>
 </file>
 
@@ -15039,10 +14851,10 @@
           <p:cNvPr id="26" name="Rectangle 25">
             <a:extLst>
               <a:ext uri="{FF2B5EF4-FFF2-40B4-BE49-F238E27FC236}">
-                <a16:creationId xmlns:a16="http://schemas.microsoft.com/office/drawing/2014/main" xmlns="" id="{A65AC7D1-EAA9-48F5-B509-60A7F50BF703}"/>
+                <a16:creationId xmlns:a16="http://schemas.microsoft.com/office/drawing/2014/main" id="{A65AC7D1-EAA9-48F5-B509-60A7F50BF703}"/>
               </a:ext>
               <a:ext uri="{C183D7F6-B498-43B3-948B-1728B52AA6E4}">
-                <adec:decorative xmlns:adec="http://schemas.microsoft.com/office/drawing/2017/decorative" xmlns="" val="1"/>
+                <adec:decorative xmlns:adec="http://schemas.microsoft.com/office/drawing/2017/decorative" val="1"/>
               </a:ext>
             </a:extLst>
           </p:cNvPr>
@@ -15052,7 +14864,7 @@
           <p:nvPr>
             <p:extLst>
               <p:ext uri="{386F3935-93C4-4BCD-93E2-E3B085C9AB24}">
-                <p16:designElem xmlns:p16="http://schemas.microsoft.com/office/powerpoint/2015/main" xmlns="" val="1"/>
+                <p16:designElem xmlns:p16="http://schemas.microsoft.com/office/powerpoint/2015/main" val="1"/>
               </p:ext>
             </p:extLst>
           </p:nvPr>
@@ -15099,10 +14911,10 @@
           <p:cNvPr id="28" name="Rectangle 27">
             <a:extLst>
               <a:ext uri="{FF2B5EF4-FFF2-40B4-BE49-F238E27FC236}">
-                <a16:creationId xmlns:a16="http://schemas.microsoft.com/office/drawing/2014/main" xmlns="" id="{D6320AF9-619A-4175-865B-5663E1AEF4C5}"/>
+                <a16:creationId xmlns:a16="http://schemas.microsoft.com/office/drawing/2014/main" id="{D6320AF9-619A-4175-865B-5663E1AEF4C5}"/>
               </a:ext>
               <a:ext uri="{C183D7F6-B498-43B3-948B-1728B52AA6E4}">
-                <adec:decorative xmlns:adec="http://schemas.microsoft.com/office/drawing/2017/decorative" xmlns="" val="1"/>
+                <adec:decorative xmlns:adec="http://schemas.microsoft.com/office/drawing/2017/decorative" val="1"/>
               </a:ext>
             </a:extLst>
           </p:cNvPr>
@@ -15112,7 +14924,7 @@
           <p:nvPr>
             <p:extLst>
               <p:ext uri="{386F3935-93C4-4BCD-93E2-E3B085C9AB24}">
-                <p16:designElem xmlns:p16="http://schemas.microsoft.com/office/powerpoint/2015/main" xmlns="" val="1"/>
+                <p16:designElem xmlns:p16="http://schemas.microsoft.com/office/powerpoint/2015/main" val="1"/>
               </p:ext>
             </p:extLst>
           </p:nvPr>
@@ -15159,10 +14971,10 @@
           <p:cNvPr id="30" name="Straight Connector 29">
             <a:extLst>
               <a:ext uri="{FF2B5EF4-FFF2-40B4-BE49-F238E27FC236}">
-                <a16:creationId xmlns:a16="http://schemas.microsoft.com/office/drawing/2014/main" xmlns="" id="{063B6EC6-D752-4EE7-908B-F8F19E8C7FEA}"/>
+                <a16:creationId xmlns:a16="http://schemas.microsoft.com/office/drawing/2014/main" id="{063B6EC6-D752-4EE7-908B-F8F19E8C7FEA}"/>
               </a:ext>
               <a:ext uri="{C183D7F6-B498-43B3-948B-1728B52AA6E4}">
-                <adec:decorative xmlns:adec="http://schemas.microsoft.com/office/drawing/2017/decorative" xmlns="" val="1"/>
+                <adec:decorative xmlns:adec="http://schemas.microsoft.com/office/drawing/2017/decorative" val="1"/>
               </a:ext>
             </a:extLst>
           </p:cNvPr>
@@ -15172,7 +14984,7 @@
           <p:nvPr>
             <p:extLst>
               <p:ext uri="{386F3935-93C4-4BCD-93E2-E3B085C9AB24}">
-                <p16:designElem xmlns:p16="http://schemas.microsoft.com/office/powerpoint/2015/main" xmlns="" val="1"/>
+                <p16:designElem xmlns:p16="http://schemas.microsoft.com/office/powerpoint/2015/main" val="1"/>
               </p:ext>
             </p:extLst>
           </p:nvPr>
@@ -15213,10 +15025,10 @@
           <p:cNvPr id="32" name="Straight Connector 31">
             <a:extLst>
               <a:ext uri="{FF2B5EF4-FFF2-40B4-BE49-F238E27FC236}">
-                <a16:creationId xmlns:a16="http://schemas.microsoft.com/office/drawing/2014/main" xmlns="" id="{EFECD4E8-AD3E-4228-82A2-9461958EA94D}"/>
+                <a16:creationId xmlns:a16="http://schemas.microsoft.com/office/drawing/2014/main" id="{EFECD4E8-AD3E-4228-82A2-9461958EA94D}"/>
               </a:ext>
               <a:ext uri="{C183D7F6-B498-43B3-948B-1728B52AA6E4}">
-                <adec:decorative xmlns:adec="http://schemas.microsoft.com/office/drawing/2017/decorative" xmlns="" val="1"/>
+                <adec:decorative xmlns:adec="http://schemas.microsoft.com/office/drawing/2017/decorative" val="1"/>
               </a:ext>
             </a:extLst>
           </p:cNvPr>
@@ -15226,7 +15038,7 @@
           <p:nvPr>
             <p:extLst>
               <p:ext uri="{386F3935-93C4-4BCD-93E2-E3B085C9AB24}">
-                <p16:designElem xmlns:p16="http://schemas.microsoft.com/office/powerpoint/2015/main" xmlns="" val="1"/>
+                <p16:designElem xmlns:p16="http://schemas.microsoft.com/office/powerpoint/2015/main" val="1"/>
               </p:ext>
             </p:extLst>
           </p:nvPr>
@@ -15269,10 +15081,10 @@
           <p:cNvPr id="34" name="Rectangle 23">
             <a:extLst>
               <a:ext uri="{FF2B5EF4-FFF2-40B4-BE49-F238E27FC236}">
-                <a16:creationId xmlns:a16="http://schemas.microsoft.com/office/drawing/2014/main" xmlns="" id="{7E018740-5C2B-4A41-AC1A-7E68D1EC1954}"/>
+                <a16:creationId xmlns:a16="http://schemas.microsoft.com/office/drawing/2014/main" id="{7E018740-5C2B-4A41-AC1A-7E68D1EC1954}"/>
               </a:ext>
               <a:ext uri="{C183D7F6-B498-43B3-948B-1728B52AA6E4}">
-                <adec:decorative xmlns:adec="http://schemas.microsoft.com/office/drawing/2017/decorative" xmlns="" val="1"/>
+                <adec:decorative xmlns:adec="http://schemas.microsoft.com/office/drawing/2017/decorative" val="1"/>
               </a:ext>
             </a:extLst>
           </p:cNvPr>
@@ -15282,7 +15094,7 @@
           <p:nvPr>
             <p:extLst>
               <p:ext uri="{386F3935-93C4-4BCD-93E2-E3B085C9AB24}">
-                <p16:designElem xmlns:p16="http://schemas.microsoft.com/office/powerpoint/2015/main" xmlns="" val="1"/>
+                <p16:designElem xmlns:p16="http://schemas.microsoft.com/office/powerpoint/2015/main" val="1"/>
               </p:ext>
             </p:extLst>
           </p:nvPr>
@@ -15349,10 +15161,10 @@
           <p:cNvPr id="36" name="Rectangle 25">
             <a:extLst>
               <a:ext uri="{FF2B5EF4-FFF2-40B4-BE49-F238E27FC236}">
-                <a16:creationId xmlns:a16="http://schemas.microsoft.com/office/drawing/2014/main" xmlns="" id="{166F75A4-C475-4941-8EE2-B80A06A2C1BB}"/>
+                <a16:creationId xmlns:a16="http://schemas.microsoft.com/office/drawing/2014/main" id="{166F75A4-C475-4941-8EE2-B80A06A2C1BB}"/>
               </a:ext>
               <a:ext uri="{C183D7F6-B498-43B3-948B-1728B52AA6E4}">
-                <adec:decorative xmlns:adec="http://schemas.microsoft.com/office/drawing/2017/decorative" xmlns="" val="1"/>
+                <adec:decorative xmlns:adec="http://schemas.microsoft.com/office/drawing/2017/decorative" val="1"/>
               </a:ext>
             </a:extLst>
           </p:cNvPr>
@@ -15362,7 +15174,7 @@
           <p:nvPr>
             <p:extLst>
               <p:ext uri="{386F3935-93C4-4BCD-93E2-E3B085C9AB24}">
-                <p16:designElem xmlns:p16="http://schemas.microsoft.com/office/powerpoint/2015/main" xmlns="" val="1"/>
+                <p16:designElem xmlns:p16="http://schemas.microsoft.com/office/powerpoint/2015/main" val="1"/>
               </p:ext>
             </p:extLst>
           </p:nvPr>
@@ -15429,10 +15241,10 @@
           <p:cNvPr id="38" name="Isosceles Triangle 37">
             <a:extLst>
               <a:ext uri="{FF2B5EF4-FFF2-40B4-BE49-F238E27FC236}">
-                <a16:creationId xmlns:a16="http://schemas.microsoft.com/office/drawing/2014/main" xmlns="" id="{A032553A-72E8-4B0D-8405-FF9771C9AF05}"/>
+                <a16:creationId xmlns:a16="http://schemas.microsoft.com/office/drawing/2014/main" id="{A032553A-72E8-4B0D-8405-FF9771C9AF05}"/>
               </a:ext>
               <a:ext uri="{C183D7F6-B498-43B3-948B-1728B52AA6E4}">
-                <adec:decorative xmlns:adec="http://schemas.microsoft.com/office/drawing/2017/decorative" xmlns="" val="1"/>
+                <adec:decorative xmlns:adec="http://schemas.microsoft.com/office/drawing/2017/decorative" val="1"/>
               </a:ext>
             </a:extLst>
           </p:cNvPr>
@@ -15442,7 +15254,7 @@
           <p:nvPr>
             <p:extLst>
               <p:ext uri="{386F3935-93C4-4BCD-93E2-E3B085C9AB24}">
-                <p16:designElem xmlns:p16="http://schemas.microsoft.com/office/powerpoint/2015/main" xmlns="" val="1"/>
+                <p16:designElem xmlns:p16="http://schemas.microsoft.com/office/powerpoint/2015/main" val="1"/>
               </p:ext>
             </p:extLst>
           </p:nvPr>
@@ -15487,10 +15299,10 @@
           <p:cNvPr id="40" name="Rectangle 27">
             <a:extLst>
               <a:ext uri="{FF2B5EF4-FFF2-40B4-BE49-F238E27FC236}">
-                <a16:creationId xmlns:a16="http://schemas.microsoft.com/office/drawing/2014/main" xmlns="" id="{765800AC-C3B9-498E-87BC-29FAE4C76B21}"/>
+                <a16:creationId xmlns:a16="http://schemas.microsoft.com/office/drawing/2014/main" id="{765800AC-C3B9-498E-87BC-29FAE4C76B21}"/>
               </a:ext>
               <a:ext uri="{C183D7F6-B498-43B3-948B-1728B52AA6E4}">
-                <adec:decorative xmlns:adec="http://schemas.microsoft.com/office/drawing/2017/decorative" xmlns="" val="1"/>
+                <adec:decorative xmlns:adec="http://schemas.microsoft.com/office/drawing/2017/decorative" val="1"/>
               </a:ext>
             </a:extLst>
           </p:cNvPr>
@@ -15500,7 +15312,7 @@
           <p:nvPr>
             <p:extLst>
               <p:ext uri="{386F3935-93C4-4BCD-93E2-E3B085C9AB24}">
-                <p16:designElem xmlns:p16="http://schemas.microsoft.com/office/powerpoint/2015/main" xmlns="" val="1"/>
+                <p16:designElem xmlns:p16="http://schemas.microsoft.com/office/powerpoint/2015/main" val="1"/>
               </p:ext>
             </p:extLst>
           </p:nvPr>
@@ -15568,10 +15380,10 @@
           <p:cNvPr id="42" name="Isosceles Triangle 41">
             <a:extLst>
               <a:ext uri="{FF2B5EF4-FFF2-40B4-BE49-F238E27FC236}">
-                <a16:creationId xmlns:a16="http://schemas.microsoft.com/office/drawing/2014/main" xmlns="" id="{1F9D6ACB-2FF4-49F9-978A-E0D5327FC635}"/>
+                <a16:creationId xmlns:a16="http://schemas.microsoft.com/office/drawing/2014/main" id="{1F9D6ACB-2FF4-49F9-978A-E0D5327FC635}"/>
               </a:ext>
               <a:ext uri="{C183D7F6-B498-43B3-948B-1728B52AA6E4}">
-                <adec:decorative xmlns:adec="http://schemas.microsoft.com/office/drawing/2017/decorative" xmlns="" val="1"/>
+                <adec:decorative xmlns:adec="http://schemas.microsoft.com/office/drawing/2017/decorative" val="1"/>
               </a:ext>
             </a:extLst>
           </p:cNvPr>
@@ -15581,7 +15393,7 @@
           <p:nvPr>
             <p:extLst>
               <p:ext uri="{386F3935-93C4-4BCD-93E2-E3B085C9AB24}">
-                <p16:designElem xmlns:p16="http://schemas.microsoft.com/office/powerpoint/2015/main" xmlns="" val="1"/>
+                <p16:designElem xmlns:p16="http://schemas.microsoft.com/office/powerpoint/2015/main" val="1"/>
               </p:ext>
             </p:extLst>
           </p:nvPr>
@@ -15626,10 +15438,10 @@
           <p:cNvPr id="44" name="Freeform: Shape 43">
             <a:extLst>
               <a:ext uri="{FF2B5EF4-FFF2-40B4-BE49-F238E27FC236}">
-                <a16:creationId xmlns:a16="http://schemas.microsoft.com/office/drawing/2014/main" xmlns="" id="{A5EC319D-0FEA-4B95-A3EA-01E35672C95B}"/>
+                <a16:creationId xmlns:a16="http://schemas.microsoft.com/office/drawing/2014/main" id="{A5EC319D-0FEA-4B95-A3EA-01E35672C95B}"/>
               </a:ext>
               <a:ext uri="{C183D7F6-B498-43B3-948B-1728B52AA6E4}">
-                <adec:decorative xmlns:adec="http://schemas.microsoft.com/office/drawing/2017/decorative" xmlns="" val="1"/>
+                <adec:decorative xmlns:adec="http://schemas.microsoft.com/office/drawing/2017/decorative" val="1"/>
               </a:ext>
             </a:extLst>
           </p:cNvPr>
@@ -15639,7 +15451,7 @@
           <p:nvPr>
             <p:extLst>
               <p:ext uri="{386F3935-93C4-4BCD-93E2-E3B085C9AB24}">
-                <p16:designElem xmlns:p16="http://schemas.microsoft.com/office/powerpoint/2015/main" xmlns="" val="1"/>
+                <p16:designElem xmlns:p16="http://schemas.microsoft.com/office/powerpoint/2015/main" val="1"/>
               </p:ext>
             </p:extLst>
           </p:nvPr>
@@ -15760,7 +15572,7 @@
           <p:cNvPr id="2" name="Title 1">
             <a:extLst>
               <a:ext uri="{FF2B5EF4-FFF2-40B4-BE49-F238E27FC236}">
-                <a16:creationId xmlns:a16="http://schemas.microsoft.com/office/drawing/2014/main" xmlns="" id="{5C902266-A915-4455-8C89-5B7FFA7742B5}"/>
+                <a16:creationId xmlns:a16="http://schemas.microsoft.com/office/drawing/2014/main" id="{5C902266-A915-4455-8C89-5B7FFA7742B5}"/>
               </a:ext>
             </a:extLst>
           </p:cNvPr>
@@ -15784,18 +15596,21 @@
           <a:lstStyle/>
           <a:p>
             <a:r>
-              <a:rPr lang="en-AU">
+              <a:rPr lang="en-AU" dirty="0" err="1">
                 <a:solidFill>
                   <a:srgbClr val="FFFFFF"/>
                 </a:solidFill>
               </a:rPr>
-              <a:t>TreasureHunt web application</a:t>
+              <a:t>TreasureHunt</a:t>
             </a:r>
-            <a:endParaRPr lang="en-AU" dirty="0">
-              <a:solidFill>
-                <a:srgbClr val="FFFFFF"/>
-              </a:solidFill>
-            </a:endParaRPr>
+            <a:r>
+              <a:rPr lang="en-AU" dirty="0">
+                <a:solidFill>
+                  <a:srgbClr val="FFFFFF"/>
+                </a:solidFill>
+              </a:rPr>
+              <a:t> web application</a:t>
+            </a:r>
           </a:p>
         </p:txBody>
       </p:sp>
@@ -15804,7 +15619,7 @@
           <p:cNvPr id="21" name="Picture 20" descr="A screenshot of a cell phone&#10;&#10;Description automatically generated">
             <a:extLst>
               <a:ext uri="{FF2B5EF4-FFF2-40B4-BE49-F238E27FC236}">
-                <a16:creationId xmlns:a16="http://schemas.microsoft.com/office/drawing/2014/main" xmlns="" id="{9D98D639-AB34-45F0-9D12-6DC2877524C1}"/>
+                <a16:creationId xmlns:a16="http://schemas.microsoft.com/office/drawing/2014/main" id="{9D98D639-AB34-45F0-9D12-6DC2877524C1}"/>
               </a:ext>
             </a:extLst>
           </p:cNvPr>
@@ -15840,7 +15655,7 @@
           <p:cNvPr id="3" name="Content Placeholder 2">
             <a:extLst>
               <a:ext uri="{FF2B5EF4-FFF2-40B4-BE49-F238E27FC236}">
-                <a16:creationId xmlns:a16="http://schemas.microsoft.com/office/drawing/2014/main" xmlns="" id="{1E72A3C1-A192-419B-B0D1-D21CAACDDACE}"/>
+                <a16:creationId xmlns:a16="http://schemas.microsoft.com/office/drawing/2014/main" id="{1E72A3C1-A192-419B-B0D1-D21CAACDDACE}"/>
               </a:ext>
             </a:extLst>
           </p:cNvPr>
@@ -15883,6 +15698,29 @@
             </a:r>
           </a:p>
           <a:p>
+            <a:r>
+              <a:rPr lang="en-AU" dirty="0">
+                <a:solidFill>
+                  <a:srgbClr val="FFFFFF"/>
+                </a:solidFill>
+              </a:rPr>
+              <a:t>Firebase easy to run, directly connected to </a:t>
+            </a:r>
+            <a:r>
+              <a:rPr lang="en-AU" dirty="0" err="1">
+                <a:solidFill>
+                  <a:srgbClr val="FFFFFF"/>
+                </a:solidFill>
+              </a:rPr>
+              <a:t>Firestore</a:t>
+            </a:r>
+            <a:endParaRPr lang="en-AU" dirty="0">
+              <a:solidFill>
+                <a:srgbClr val="FFFFFF"/>
+              </a:solidFill>
+            </a:endParaRPr>
+          </a:p>
+          <a:p>
             <a:endParaRPr lang="en-AU" dirty="0">
               <a:solidFill>
                 <a:srgbClr val="FFFFFF"/>
@@ -15896,7 +15734,7 @@
           <p:cNvPr id="5" name="Picture 4" descr="A close up of a sign&#10;&#10;Description automatically generated">
             <a:extLst>
               <a:ext uri="{FF2B5EF4-FFF2-40B4-BE49-F238E27FC236}">
-                <a16:creationId xmlns:a16="http://schemas.microsoft.com/office/drawing/2014/main" xmlns="" id="{09C67F5F-F5A6-46A9-AB19-FFA534C6B9AF}"/>
+                <a16:creationId xmlns:a16="http://schemas.microsoft.com/office/drawing/2014/main" id="{09C67F5F-F5A6-46A9-AB19-FFA534C6B9AF}"/>
               </a:ext>
             </a:extLst>
           </p:cNvPr>
@@ -15919,7 +15757,7 @@
         </p:blipFill>
         <p:spPr>
           <a:xfrm>
-            <a:off x="7115395" y="4082312"/>
+            <a:off x="7302132" y="4953000"/>
             <a:ext cx="4763558" cy="1804378"/>
           </a:xfrm>
           <a:prstGeom prst="rect">
@@ -15937,13 +15775,6 @@
   <p:clrMapOvr>
     <a:masterClrMapping/>
   </p:clrMapOvr>
-  <p:timing>
-    <p:tnLst>
-      <p:par>
-        <p:cTn id="1" dur="indefinite" restart="never" nodeType="tmRoot"/>
-      </p:par>
-    </p:tnLst>
-  </p:timing>
 </p:sld>
 </file>
 
@@ -15977,10 +15808,10 @@
           <p:cNvPr id="70" name="Rectangle 61">
             <a:extLst>
               <a:ext uri="{FF2B5EF4-FFF2-40B4-BE49-F238E27FC236}">
-                <a16:creationId xmlns:a16="http://schemas.microsoft.com/office/drawing/2014/main" xmlns="" id="{E80B86A7-A1EC-475B-9166-88902B033A38}"/>
+                <a16:creationId xmlns:a16="http://schemas.microsoft.com/office/drawing/2014/main" id="{E80B86A7-A1EC-475B-9166-88902B033A38}"/>
               </a:ext>
               <a:ext uri="{C183D7F6-B498-43B3-948B-1728B52AA6E4}">
-                <adec:decorative xmlns:adec="http://schemas.microsoft.com/office/drawing/2017/decorative" xmlns="" val="1"/>
+                <adec:decorative xmlns:adec="http://schemas.microsoft.com/office/drawing/2017/decorative" val="1"/>
               </a:ext>
             </a:extLst>
           </p:cNvPr>
@@ -15990,7 +15821,7 @@
           <p:nvPr>
             <p:extLst>
               <p:ext uri="{386F3935-93C4-4BCD-93E2-E3B085C9AB24}">
-                <p16:designElem xmlns:p16="http://schemas.microsoft.com/office/powerpoint/2015/main" xmlns="" val="1"/>
+                <p16:designElem xmlns:p16="http://schemas.microsoft.com/office/powerpoint/2015/main" val="1"/>
               </p:ext>
             </p:extLst>
           </p:nvPr>
@@ -16066,7 +15897,7 @@
           <p:cNvPr id="2" name="Title 1">
             <a:extLst>
               <a:ext uri="{FF2B5EF4-FFF2-40B4-BE49-F238E27FC236}">
-                <a16:creationId xmlns:a16="http://schemas.microsoft.com/office/drawing/2014/main" xmlns="" id="{AA746351-EAA2-4E3F-B9C4-5C5B36A9CC06}"/>
+                <a16:creationId xmlns:a16="http://schemas.microsoft.com/office/drawing/2014/main" id="{AA746351-EAA2-4E3F-B9C4-5C5B36A9CC06}"/>
               </a:ext>
             </a:extLst>
           </p:cNvPr>
@@ -16106,10 +15937,10 @@
           <p:cNvPr id="71" name="Isosceles Triangle 63">
             <a:extLst>
               <a:ext uri="{FF2B5EF4-FFF2-40B4-BE49-F238E27FC236}">
-                <a16:creationId xmlns:a16="http://schemas.microsoft.com/office/drawing/2014/main" xmlns="" id="{C2C29CB1-9F74-4879-A6AF-AEA67B6F1F4D}"/>
+                <a16:creationId xmlns:a16="http://schemas.microsoft.com/office/drawing/2014/main" id="{C2C29CB1-9F74-4879-A6AF-AEA67B6F1F4D}"/>
               </a:ext>
               <a:ext uri="{C183D7F6-B498-43B3-948B-1728B52AA6E4}">
-                <adec:decorative xmlns:adec="http://schemas.microsoft.com/office/drawing/2017/decorative" xmlns="" val="1"/>
+                <adec:decorative xmlns:adec="http://schemas.microsoft.com/office/drawing/2017/decorative" val="1"/>
               </a:ext>
             </a:extLst>
           </p:cNvPr>
@@ -16119,7 +15950,7 @@
           <p:nvPr>
             <p:extLst>
               <p:ext uri="{386F3935-93C4-4BCD-93E2-E3B085C9AB24}">
-                <p16:designElem xmlns:p16="http://schemas.microsoft.com/office/powerpoint/2015/main" xmlns="" val="1"/>
+                <p16:designElem xmlns:p16="http://schemas.microsoft.com/office/powerpoint/2015/main" val="1"/>
               </p:ext>
             </p:extLst>
           </p:nvPr>
@@ -16164,7 +15995,7 @@
           <p:cNvPr id="57" name="Content Placeholder 2">
             <a:extLst>
               <a:ext uri="{FF2B5EF4-FFF2-40B4-BE49-F238E27FC236}">
-                <a16:creationId xmlns:a16="http://schemas.microsoft.com/office/drawing/2014/main" xmlns="" id="{96C3A22E-CF60-4733-8E86-48B15246AE95}"/>
+                <a16:creationId xmlns:a16="http://schemas.microsoft.com/office/drawing/2014/main" id="{96C3A22E-CF60-4733-8E86-48B15246AE95}"/>
               </a:ext>
             </a:extLst>
           </p:cNvPr>
@@ -16189,24 +16020,14 @@
           <a:p>
             <a:r>
               <a:rPr lang="en-GB" dirty="0"/>
-              <a:t>B</a:t>
+              <a:t>Browsing hunts works functionally the same as in the Android </a:t>
             </a:r>
-            <a:r>
-              <a:rPr lang="en-GB" dirty="0" smtClean="0"/>
-              <a:t>rowsing </a:t>
-            </a:r>
+          </a:p>
+          <a:p>
             <a:r>
               <a:rPr lang="en-GB" dirty="0"/>
-              <a:t>hunts works functionally the same as in the Android </a:t>
-            </a:r>
-            <a:endParaRPr lang="en-GB" dirty="0" smtClean="0"/>
-          </a:p>
-          <a:p>
-            <a:r>
-              <a:rPr lang="en-GB" dirty="0" smtClean="0"/>
               <a:t>The web application also allows for creating new hunts</a:t>
             </a:r>
-            <a:endParaRPr lang="en-GB" dirty="0"/>
           </a:p>
         </p:txBody>
       </p:sp>
@@ -16215,10 +16036,10 @@
           <p:cNvPr id="72" name="Isosceles Triangle 65">
             <a:extLst>
               <a:ext uri="{FF2B5EF4-FFF2-40B4-BE49-F238E27FC236}">
-                <a16:creationId xmlns:a16="http://schemas.microsoft.com/office/drawing/2014/main" xmlns="" id="{7E2C7115-5336-410C-AD71-0F0952A2E5A7}"/>
+                <a16:creationId xmlns:a16="http://schemas.microsoft.com/office/drawing/2014/main" id="{7E2C7115-5336-410C-AD71-0F0952A2E5A7}"/>
               </a:ext>
               <a:ext uri="{C183D7F6-B498-43B3-948B-1728B52AA6E4}">
-                <adec:decorative xmlns:adec="http://schemas.microsoft.com/office/drawing/2017/decorative" xmlns="" val="1"/>
+                <adec:decorative xmlns:adec="http://schemas.microsoft.com/office/drawing/2017/decorative" val="1"/>
               </a:ext>
             </a:extLst>
           </p:cNvPr>
@@ -16228,7 +16049,7 @@
           <p:nvPr>
             <p:extLst>
               <p:ext uri="{386F3935-93C4-4BCD-93E2-E3B085C9AB24}">
-                <p16:designElem xmlns:p16="http://schemas.microsoft.com/office/powerpoint/2015/main" xmlns="" val="1"/>
+                <p16:designElem xmlns:p16="http://schemas.microsoft.com/office/powerpoint/2015/main" val="1"/>
               </p:ext>
             </p:extLst>
           </p:nvPr>
@@ -16273,7 +16094,7 @@
           <p:cNvPr id="5" name="Picture 4" descr="A close up of a map&#10;&#10;Description automatically generated">
             <a:extLst>
               <a:ext uri="{FF2B5EF4-FFF2-40B4-BE49-F238E27FC236}">
-                <a16:creationId xmlns:a16="http://schemas.microsoft.com/office/drawing/2014/main" xmlns="" id="{48277436-64EA-4043-9FE5-7EEEC43B413E}"/>
+                <a16:creationId xmlns:a16="http://schemas.microsoft.com/office/drawing/2014/main" id="{48277436-64EA-4043-9FE5-7EEEC43B413E}"/>
               </a:ext>
             </a:extLst>
           </p:cNvPr>
@@ -16309,7 +16130,7 @@
           <p:cNvPr id="7" name="Picture 6" descr="A picture containing monitor, black, sitting, sign&#10;&#10;Description automatically generated">
             <a:extLst>
               <a:ext uri="{FF2B5EF4-FFF2-40B4-BE49-F238E27FC236}">
-                <a16:creationId xmlns:a16="http://schemas.microsoft.com/office/drawing/2014/main" xmlns="" id="{2E05299F-3CDB-4B79-BB47-27FBBA6B6BA5}"/>
+                <a16:creationId xmlns:a16="http://schemas.microsoft.com/office/drawing/2014/main" id="{2E05299F-3CDB-4B79-BB47-27FBBA6B6BA5}"/>
               </a:ext>
             </a:extLst>
           </p:cNvPr>
@@ -16350,13 +16171,6 @@
   <p:clrMapOvr>
     <a:masterClrMapping/>
   </p:clrMapOvr>
-  <p:timing>
-    <p:tnLst>
-      <p:par>
-        <p:cTn id="1" dur="indefinite" restart="never" nodeType="tmRoot"/>
-      </p:par>
-    </p:tnLst>
-  </p:timing>
 </p:sld>
 </file>
 
@@ -16390,10 +16204,10 @@
           <p:cNvPr id="10" name="Rectangle 9">
             <a:extLst>
               <a:ext uri="{FF2B5EF4-FFF2-40B4-BE49-F238E27FC236}">
-                <a16:creationId xmlns:a16="http://schemas.microsoft.com/office/drawing/2014/main" xmlns="" id="{9F4444CE-BC8D-4D61-B303-4C05614E62AB}"/>
+                <a16:creationId xmlns:a16="http://schemas.microsoft.com/office/drawing/2014/main" id="{9F4444CE-BC8D-4D61-B303-4C05614E62AB}"/>
               </a:ext>
               <a:ext uri="{C183D7F6-B498-43B3-948B-1728B52AA6E4}">
-                <adec:decorative xmlns:adec="http://schemas.microsoft.com/office/drawing/2017/decorative" xmlns="" val="1"/>
+                <adec:decorative xmlns:adec="http://schemas.microsoft.com/office/drawing/2017/decorative" val="1"/>
               </a:ext>
             </a:extLst>
           </p:cNvPr>
@@ -16403,7 +16217,7 @@
           <p:nvPr>
             <p:extLst>
               <p:ext uri="{386F3935-93C4-4BCD-93E2-E3B085C9AB24}">
-                <p16:designElem xmlns:p16="http://schemas.microsoft.com/office/powerpoint/2015/main" xmlns="" val="1"/>
+                <p16:designElem xmlns:p16="http://schemas.microsoft.com/office/powerpoint/2015/main" val="1"/>
               </p:ext>
             </p:extLst>
           </p:nvPr>
@@ -16450,10 +16264,10 @@
           <p:cNvPr id="28" name="Rectangle 11">
             <a:extLst>
               <a:ext uri="{FF2B5EF4-FFF2-40B4-BE49-F238E27FC236}">
-                <a16:creationId xmlns:a16="http://schemas.microsoft.com/office/drawing/2014/main" xmlns="" id="{62423CA5-E2E1-4789-B759-9906C1C94063}"/>
+                <a16:creationId xmlns:a16="http://schemas.microsoft.com/office/drawing/2014/main" id="{62423CA5-E2E1-4789-B759-9906C1C94063}"/>
               </a:ext>
               <a:ext uri="{C183D7F6-B498-43B3-948B-1728B52AA6E4}">
-                <adec:decorative xmlns:adec="http://schemas.microsoft.com/office/drawing/2017/decorative" xmlns="" val="1"/>
+                <adec:decorative xmlns:adec="http://schemas.microsoft.com/office/drawing/2017/decorative" val="1"/>
               </a:ext>
             </a:extLst>
           </p:cNvPr>
@@ -16463,7 +16277,7 @@
           <p:nvPr>
             <p:extLst>
               <p:ext uri="{386F3935-93C4-4BCD-93E2-E3B085C9AB24}">
-                <p16:designElem xmlns:p16="http://schemas.microsoft.com/office/powerpoint/2015/main" xmlns="" val="1"/>
+                <p16:designElem xmlns:p16="http://schemas.microsoft.com/office/powerpoint/2015/main" val="1"/>
               </p:ext>
             </p:extLst>
           </p:nvPr>
@@ -16511,10 +16325,10 @@
           <p:cNvPr id="29" name="Isosceles Triangle 13">
             <a:extLst>
               <a:ext uri="{FF2B5EF4-FFF2-40B4-BE49-F238E27FC236}">
-                <a16:creationId xmlns:a16="http://schemas.microsoft.com/office/drawing/2014/main" xmlns="" id="{73772B81-181F-48B7-8826-4D9686D15DF5}"/>
+                <a16:creationId xmlns:a16="http://schemas.microsoft.com/office/drawing/2014/main" id="{73772B81-181F-48B7-8826-4D9686D15DF5}"/>
               </a:ext>
               <a:ext uri="{C183D7F6-B498-43B3-948B-1728B52AA6E4}">
-                <adec:decorative xmlns:adec="http://schemas.microsoft.com/office/drawing/2017/decorative" xmlns="" val="1"/>
+                <adec:decorative xmlns:adec="http://schemas.microsoft.com/office/drawing/2017/decorative" val="1"/>
               </a:ext>
             </a:extLst>
           </p:cNvPr>
@@ -16524,7 +16338,7 @@
           <p:nvPr>
             <p:extLst>
               <p:ext uri="{386F3935-93C4-4BCD-93E2-E3B085C9AB24}">
-                <p16:designElem xmlns:p16="http://schemas.microsoft.com/office/powerpoint/2015/main" xmlns="" val="1"/>
+                <p16:designElem xmlns:p16="http://schemas.microsoft.com/office/powerpoint/2015/main" val="1"/>
               </p:ext>
             </p:extLst>
           </p:nvPr>
@@ -16574,7 +16388,7 @@
           <p:cNvPr id="2" name="Title 1">
             <a:extLst>
               <a:ext uri="{FF2B5EF4-FFF2-40B4-BE49-F238E27FC236}">
-                <a16:creationId xmlns:a16="http://schemas.microsoft.com/office/drawing/2014/main" xmlns="" id="{F90D6050-4D76-47F6-81E5-DCEDCF21FE39}"/>
+                <a16:creationId xmlns:a16="http://schemas.microsoft.com/office/drawing/2014/main" id="{F90D6050-4D76-47F6-81E5-DCEDCF21FE39}"/>
               </a:ext>
             </a:extLst>
           </p:cNvPr>
@@ -16613,7 +16427,7 @@
           <p:cNvPr id="3" name="Content Placeholder 2">
             <a:extLst>
               <a:ext uri="{FF2B5EF4-FFF2-40B4-BE49-F238E27FC236}">
-                <a16:creationId xmlns:a16="http://schemas.microsoft.com/office/drawing/2014/main" xmlns="" id="{CBD0E891-0091-4D1F-AF79-3AE0FFBDAD6B}"/>
+                <a16:creationId xmlns:a16="http://schemas.microsoft.com/office/drawing/2014/main" id="{CBD0E891-0091-4D1F-AF79-3AE0FFBDAD6B}"/>
               </a:ext>
             </a:extLst>
           </p:cNvPr>
@@ -16652,7 +16466,7 @@
           <p:cNvPr id="5" name="Picture 4" descr="A screenshot of a social media post&#10;&#10;Description automatically generated">
             <a:extLst>
               <a:ext uri="{FF2B5EF4-FFF2-40B4-BE49-F238E27FC236}">
-                <a16:creationId xmlns:a16="http://schemas.microsoft.com/office/drawing/2014/main" xmlns="" id="{A08708E9-2007-4090-8B16-ECB3820F34FC}"/>
+                <a16:creationId xmlns:a16="http://schemas.microsoft.com/office/drawing/2014/main" id="{A08708E9-2007-4090-8B16-ECB3820F34FC}"/>
               </a:ext>
             </a:extLst>
           </p:cNvPr>
@@ -16688,10 +16502,10 @@
           <p:cNvPr id="30" name="Isosceles Triangle 15">
             <a:extLst>
               <a:ext uri="{FF2B5EF4-FFF2-40B4-BE49-F238E27FC236}">
-                <a16:creationId xmlns:a16="http://schemas.microsoft.com/office/drawing/2014/main" xmlns="" id="{B2205F6E-03C6-4E92-877C-E2482F6599AA}"/>
+                <a16:creationId xmlns:a16="http://schemas.microsoft.com/office/drawing/2014/main" id="{B2205F6E-03C6-4E92-877C-E2482F6599AA}"/>
               </a:ext>
               <a:ext uri="{C183D7F6-B498-43B3-948B-1728B52AA6E4}">
-                <adec:decorative xmlns:adec="http://schemas.microsoft.com/office/drawing/2017/decorative" xmlns="" val="1"/>
+                <adec:decorative xmlns:adec="http://schemas.microsoft.com/office/drawing/2017/decorative" val="1"/>
               </a:ext>
             </a:extLst>
           </p:cNvPr>
@@ -16701,7 +16515,7 @@
           <p:nvPr>
             <p:extLst>
               <p:ext uri="{386F3935-93C4-4BCD-93E2-E3B085C9AB24}">
-                <p16:designElem xmlns:p16="http://schemas.microsoft.com/office/powerpoint/2015/main" xmlns="" val="1"/>
+                <p16:designElem xmlns:p16="http://schemas.microsoft.com/office/powerpoint/2015/main" val="1"/>
               </p:ext>
             </p:extLst>
           </p:nvPr>
@@ -16753,7 +16567,7 @@
           <p:cNvPr id="7" name="Picture 6">
             <a:extLst>
               <a:ext uri="{FF2B5EF4-FFF2-40B4-BE49-F238E27FC236}">
-                <a16:creationId xmlns:a16="http://schemas.microsoft.com/office/drawing/2014/main" xmlns="" id="{23D71502-3EBE-443B-9243-25709E5EBBDB}"/>
+                <a16:creationId xmlns:a16="http://schemas.microsoft.com/office/drawing/2014/main" id="{23D71502-3EBE-443B-9243-25709E5EBBDB}"/>
               </a:ext>
             </a:extLst>
           </p:cNvPr>
@@ -16789,7 +16603,7 @@
           <p:cNvPr id="8" name="Oval 7">
             <a:extLst>
               <a:ext uri="{FF2B5EF4-FFF2-40B4-BE49-F238E27FC236}">
-                <a16:creationId xmlns:a16="http://schemas.microsoft.com/office/drawing/2014/main" xmlns="" id="{85EA628D-E867-4182-B5C1-BE2D7CE33D8B}"/>
+                <a16:creationId xmlns:a16="http://schemas.microsoft.com/office/drawing/2014/main" id="{85EA628D-E867-4182-B5C1-BE2D7CE33D8B}"/>
               </a:ext>
             </a:extLst>
           </p:cNvPr>
@@ -16846,13 +16660,6 @@
   <p:clrMapOvr>
     <a:masterClrMapping/>
   </p:clrMapOvr>
-  <p:timing>
-    <p:tnLst>
-      <p:par>
-        <p:cTn id="1" dur="indefinite" restart="never" nodeType="tmRoot"/>
-      </p:par>
-    </p:tnLst>
-  </p:timing>
 </p:sld>
 </file>
 
@@ -16886,10 +16693,10 @@
           <p:cNvPr id="70" name="Rectangle 61">
             <a:extLst>
               <a:ext uri="{FF2B5EF4-FFF2-40B4-BE49-F238E27FC236}">
-                <a16:creationId xmlns:a16="http://schemas.microsoft.com/office/drawing/2014/main" xmlns="" id="{E80B86A7-A1EC-475B-9166-88902B033A38}"/>
+                <a16:creationId xmlns:a16="http://schemas.microsoft.com/office/drawing/2014/main" id="{E80B86A7-A1EC-475B-9166-88902B033A38}"/>
               </a:ext>
               <a:ext uri="{C183D7F6-B498-43B3-948B-1728B52AA6E4}">
-                <adec:decorative xmlns:adec="http://schemas.microsoft.com/office/drawing/2017/decorative" xmlns="" val="1"/>
+                <adec:decorative xmlns:adec="http://schemas.microsoft.com/office/drawing/2017/decorative" val="1"/>
               </a:ext>
             </a:extLst>
           </p:cNvPr>
@@ -16899,7 +16706,7 @@
           <p:nvPr>
             <p:extLst>
               <p:ext uri="{386F3935-93C4-4BCD-93E2-E3B085C9AB24}">
-                <p16:designElem xmlns:p16="http://schemas.microsoft.com/office/powerpoint/2015/main" xmlns="" val="1"/>
+                <p16:designElem xmlns:p16="http://schemas.microsoft.com/office/powerpoint/2015/main" val="1"/>
               </p:ext>
             </p:extLst>
           </p:nvPr>
@@ -16975,7 +16782,7 @@
           <p:cNvPr id="2" name="Title 1">
             <a:extLst>
               <a:ext uri="{FF2B5EF4-FFF2-40B4-BE49-F238E27FC236}">
-                <a16:creationId xmlns:a16="http://schemas.microsoft.com/office/drawing/2014/main" xmlns="" id="{AA746351-EAA2-4E3F-B9C4-5C5B36A9CC06}"/>
+                <a16:creationId xmlns:a16="http://schemas.microsoft.com/office/drawing/2014/main" id="{AA746351-EAA2-4E3F-B9C4-5C5B36A9CC06}"/>
               </a:ext>
             </a:extLst>
           </p:cNvPr>
@@ -17015,10 +16822,10 @@
           <p:cNvPr id="71" name="Isosceles Triangle 63">
             <a:extLst>
               <a:ext uri="{FF2B5EF4-FFF2-40B4-BE49-F238E27FC236}">
-                <a16:creationId xmlns:a16="http://schemas.microsoft.com/office/drawing/2014/main" xmlns="" id="{C2C29CB1-9F74-4879-A6AF-AEA67B6F1F4D}"/>
+                <a16:creationId xmlns:a16="http://schemas.microsoft.com/office/drawing/2014/main" id="{C2C29CB1-9F74-4879-A6AF-AEA67B6F1F4D}"/>
               </a:ext>
               <a:ext uri="{C183D7F6-B498-43B3-948B-1728B52AA6E4}">
-                <adec:decorative xmlns:adec="http://schemas.microsoft.com/office/drawing/2017/decorative" xmlns="" val="1"/>
+                <adec:decorative xmlns:adec="http://schemas.microsoft.com/office/drawing/2017/decorative" val="1"/>
               </a:ext>
             </a:extLst>
           </p:cNvPr>
@@ -17028,7 +16835,7 @@
           <p:nvPr>
             <p:extLst>
               <p:ext uri="{386F3935-93C4-4BCD-93E2-E3B085C9AB24}">
-                <p16:designElem xmlns:p16="http://schemas.microsoft.com/office/powerpoint/2015/main" xmlns="" val="1"/>
+                <p16:designElem xmlns:p16="http://schemas.microsoft.com/office/powerpoint/2015/main" val="1"/>
               </p:ext>
             </p:extLst>
           </p:nvPr>
@@ -17073,7 +16880,7 @@
           <p:cNvPr id="57" name="Content Placeholder 2">
             <a:extLst>
               <a:ext uri="{FF2B5EF4-FFF2-40B4-BE49-F238E27FC236}">
-                <a16:creationId xmlns:a16="http://schemas.microsoft.com/office/drawing/2014/main" xmlns="" id="{96C3A22E-CF60-4733-8E86-48B15246AE95}"/>
+                <a16:creationId xmlns:a16="http://schemas.microsoft.com/office/drawing/2014/main" id="{96C3A22E-CF60-4733-8E86-48B15246AE95}"/>
               </a:ext>
             </a:extLst>
           </p:cNvPr>
@@ -17101,6 +16908,18 @@
               <a:t>All calls to the database made using a single class in JavaScript</a:t>
             </a:r>
           </a:p>
+          <a:p>
+            <a:r>
+              <a:rPr lang="en-GB" dirty="0"/>
+              <a:t>Once configured, database initialisation and login are all handled by Firebase</a:t>
+            </a:r>
+          </a:p>
+          <a:p>
+            <a:r>
+              <a:rPr lang="en-GB" dirty="0"/>
+              <a:t>Methods for registering a new user, storing a new hunt and editing a hunt is all contained in this class. </a:t>
+            </a:r>
+          </a:p>
         </p:txBody>
       </p:sp>
       <p:sp>
@@ -17108,10 +16927,10 @@
           <p:cNvPr id="72" name="Isosceles Triangle 65">
             <a:extLst>
               <a:ext uri="{FF2B5EF4-FFF2-40B4-BE49-F238E27FC236}">
-                <a16:creationId xmlns:a16="http://schemas.microsoft.com/office/drawing/2014/main" xmlns="" id="{7E2C7115-5336-410C-AD71-0F0952A2E5A7}"/>
+                <a16:creationId xmlns:a16="http://schemas.microsoft.com/office/drawing/2014/main" id="{7E2C7115-5336-410C-AD71-0F0952A2E5A7}"/>
               </a:ext>
               <a:ext uri="{C183D7F6-B498-43B3-948B-1728B52AA6E4}">
-                <adec:decorative xmlns:adec="http://schemas.microsoft.com/office/drawing/2017/decorative" xmlns="" val="1"/>
+                <adec:decorative xmlns:adec="http://schemas.microsoft.com/office/drawing/2017/decorative" val="1"/>
               </a:ext>
             </a:extLst>
           </p:cNvPr>
@@ -17121,7 +16940,7 @@
           <p:nvPr>
             <p:extLst>
               <p:ext uri="{386F3935-93C4-4BCD-93E2-E3B085C9AB24}">
-                <p16:designElem xmlns:p16="http://schemas.microsoft.com/office/powerpoint/2015/main" xmlns="" val="1"/>
+                <p16:designElem xmlns:p16="http://schemas.microsoft.com/office/powerpoint/2015/main" val="1"/>
               </p:ext>
             </p:extLst>
           </p:nvPr>
@@ -17166,7 +16985,7 @@
           <p:cNvPr id="4" name="Picture 3" descr="A screenshot of a cell phone&#10;&#10;Description automatically generated">
             <a:extLst>
               <a:ext uri="{FF2B5EF4-FFF2-40B4-BE49-F238E27FC236}">
-                <a16:creationId xmlns:a16="http://schemas.microsoft.com/office/drawing/2014/main" xmlns="" id="{EBFC3AA2-D50E-4F3B-8E35-1D230508BF3D}"/>
+                <a16:creationId xmlns:a16="http://schemas.microsoft.com/office/drawing/2014/main" id="{EBFC3AA2-D50E-4F3B-8E35-1D230508BF3D}"/>
               </a:ext>
             </a:extLst>
           </p:cNvPr>
@@ -17189,8 +17008,8 @@
         </p:blipFill>
         <p:spPr>
           <a:xfrm>
-            <a:off x="1191320" y="1520044"/>
-            <a:ext cx="9809360" cy="5091881"/>
+            <a:off x="2176326" y="2586881"/>
+            <a:ext cx="7839348" cy="4069280"/>
           </a:xfrm>
           <a:prstGeom prst="rect">
             <a:avLst/>
@@ -17207,13 +17026,6 @@
   <p:clrMapOvr>
     <a:masterClrMapping/>
   </p:clrMapOvr>
-  <p:timing>
-    <p:tnLst>
-      <p:par>
-        <p:cTn id="1" dur="indefinite" restart="never" nodeType="tmRoot"/>
-      </p:par>
-    </p:tnLst>
-  </p:timing>
 </p:sld>
 </file>
 
@@ -17247,7 +17059,7 @@
           <p:cNvPr id="2" name="Title 1">
             <a:extLst>
               <a:ext uri="{FF2B5EF4-FFF2-40B4-BE49-F238E27FC236}">
-                <a16:creationId xmlns:a16="http://schemas.microsoft.com/office/drawing/2014/main" xmlns="" id="{0740C164-CDFE-4433-AF71-ED503FE105EE}"/>
+                <a16:creationId xmlns:a16="http://schemas.microsoft.com/office/drawing/2014/main" id="{0740C164-CDFE-4433-AF71-ED503FE105EE}"/>
               </a:ext>
             </a:extLst>
           </p:cNvPr>
@@ -17283,7 +17095,7 @@
           <p:cNvPr id="3" name="Content Placeholder 2">
             <a:extLst>
               <a:ext uri="{FF2B5EF4-FFF2-40B4-BE49-F238E27FC236}">
-                <a16:creationId xmlns:a16="http://schemas.microsoft.com/office/drawing/2014/main" xmlns="" id="{B104876E-FE03-4CB4-B424-AE1F3DB571A7}"/>
+                <a16:creationId xmlns:a16="http://schemas.microsoft.com/office/drawing/2014/main" id="{B104876E-FE03-4CB4-B424-AE1F3DB571A7}"/>
               </a:ext>
             </a:extLst>
           </p:cNvPr>
@@ -17344,7 +17156,7 @@
           <p:cNvPr id="6" name="Picture 5" descr="A picture containing light, computer&#10;&#10;Description automatically generated">
             <a:extLst>
               <a:ext uri="{FF2B5EF4-FFF2-40B4-BE49-F238E27FC236}">
-                <a16:creationId xmlns:a16="http://schemas.microsoft.com/office/drawing/2014/main" xmlns="" id="{E144B3CA-CC86-487C-861B-49A79664BB08}"/>
+                <a16:creationId xmlns:a16="http://schemas.microsoft.com/office/drawing/2014/main" id="{E144B3CA-CC86-487C-861B-49A79664BB08}"/>
               </a:ext>
             </a:extLst>
           </p:cNvPr>
@@ -17406,10 +17218,10 @@
           <p:cNvPr id="41" name="Isosceles Triangle 38">
             <a:extLst>
               <a:ext uri="{FF2B5EF4-FFF2-40B4-BE49-F238E27FC236}">
-                <a16:creationId xmlns:a16="http://schemas.microsoft.com/office/drawing/2014/main" xmlns="" id="{3BCB5F6A-9EB0-40B0-9D13-3023E9A20508}"/>
+                <a16:creationId xmlns:a16="http://schemas.microsoft.com/office/drawing/2014/main" id="{3BCB5F6A-9EB0-40B0-9D13-3023E9A20508}"/>
               </a:ext>
               <a:ext uri="{C183D7F6-B498-43B3-948B-1728B52AA6E4}">
-                <adec:decorative xmlns:adec="http://schemas.microsoft.com/office/drawing/2017/decorative" xmlns="" val="1"/>
+                <adec:decorative xmlns:adec="http://schemas.microsoft.com/office/drawing/2017/decorative" val="1"/>
               </a:ext>
             </a:extLst>
           </p:cNvPr>
@@ -17419,7 +17231,7 @@
           <p:nvPr>
             <p:extLst>
               <p:ext uri="{386F3935-93C4-4BCD-93E2-E3B085C9AB24}">
-                <p16:designElem xmlns:p16="http://schemas.microsoft.com/office/powerpoint/2015/main" xmlns="" val="1"/>
+                <p16:designElem xmlns:p16="http://schemas.microsoft.com/office/powerpoint/2015/main" val="1"/>
               </p:ext>
             </p:extLst>
           </p:nvPr>
@@ -17467,13 +17279,6 @@
   <p:clrMapOvr>
     <a:masterClrMapping/>
   </p:clrMapOvr>
-  <p:timing>
-    <p:tnLst>
-      <p:par>
-        <p:cTn id="1" dur="indefinite" restart="never" nodeType="tmRoot"/>
-      </p:par>
-    </p:tnLst>
-  </p:timing>
 </p:sld>
 </file>
 
@@ -17507,10 +17312,10 @@
           <p:cNvPr id="70" name="Rectangle 61">
             <a:extLst>
               <a:ext uri="{FF2B5EF4-FFF2-40B4-BE49-F238E27FC236}">
-                <a16:creationId xmlns:a16="http://schemas.microsoft.com/office/drawing/2014/main" xmlns="" id="{E80B86A7-A1EC-475B-9166-88902B033A38}"/>
+                <a16:creationId xmlns:a16="http://schemas.microsoft.com/office/drawing/2014/main" id="{E80B86A7-A1EC-475B-9166-88902B033A38}"/>
               </a:ext>
               <a:ext uri="{C183D7F6-B498-43B3-948B-1728B52AA6E4}">
-                <adec:decorative xmlns:adec="http://schemas.microsoft.com/office/drawing/2017/decorative" xmlns="" val="1"/>
+                <adec:decorative xmlns:adec="http://schemas.microsoft.com/office/drawing/2017/decorative" val="1"/>
               </a:ext>
             </a:extLst>
           </p:cNvPr>
@@ -17520,7 +17325,7 @@
           <p:nvPr>
             <p:extLst>
               <p:ext uri="{386F3935-93C4-4BCD-93E2-E3B085C9AB24}">
-                <p16:designElem xmlns:p16="http://schemas.microsoft.com/office/powerpoint/2015/main" xmlns="" val="1"/>
+                <p16:designElem xmlns:p16="http://schemas.microsoft.com/office/powerpoint/2015/main" val="1"/>
               </p:ext>
             </p:extLst>
           </p:nvPr>
@@ -17567,7 +17372,7 @@
           <p:cNvPr id="2" name="Title 1">
             <a:extLst>
               <a:ext uri="{FF2B5EF4-FFF2-40B4-BE49-F238E27FC236}">
-                <a16:creationId xmlns:a16="http://schemas.microsoft.com/office/drawing/2014/main" xmlns="" id="{AA746351-EAA2-4E3F-B9C4-5C5B36A9CC06}"/>
+                <a16:creationId xmlns:a16="http://schemas.microsoft.com/office/drawing/2014/main" id="{AA746351-EAA2-4E3F-B9C4-5C5B36A9CC06}"/>
               </a:ext>
             </a:extLst>
           </p:cNvPr>
@@ -17603,10 +17408,10 @@
           <p:cNvPr id="71" name="Isosceles Triangle 63">
             <a:extLst>
               <a:ext uri="{FF2B5EF4-FFF2-40B4-BE49-F238E27FC236}">
-                <a16:creationId xmlns:a16="http://schemas.microsoft.com/office/drawing/2014/main" xmlns="" id="{C2C29CB1-9F74-4879-A6AF-AEA67B6F1F4D}"/>
+                <a16:creationId xmlns:a16="http://schemas.microsoft.com/office/drawing/2014/main" id="{C2C29CB1-9F74-4879-A6AF-AEA67B6F1F4D}"/>
               </a:ext>
               <a:ext uri="{C183D7F6-B498-43B3-948B-1728B52AA6E4}">
-                <adec:decorative xmlns:adec="http://schemas.microsoft.com/office/drawing/2017/decorative" xmlns="" val="1"/>
+                <adec:decorative xmlns:adec="http://schemas.microsoft.com/office/drawing/2017/decorative" val="1"/>
               </a:ext>
             </a:extLst>
           </p:cNvPr>
@@ -17616,7 +17421,7 @@
           <p:nvPr>
             <p:extLst>
               <p:ext uri="{386F3935-93C4-4BCD-93E2-E3B085C9AB24}">
-                <p16:designElem xmlns:p16="http://schemas.microsoft.com/office/powerpoint/2015/main" xmlns="" val="1"/>
+                <p16:designElem xmlns:p16="http://schemas.microsoft.com/office/powerpoint/2015/main" val="1"/>
               </p:ext>
             </p:extLst>
           </p:nvPr>
@@ -17661,7 +17466,7 @@
           <p:cNvPr id="57" name="Content Placeholder 2">
             <a:extLst>
               <a:ext uri="{FF2B5EF4-FFF2-40B4-BE49-F238E27FC236}">
-                <a16:creationId xmlns:a16="http://schemas.microsoft.com/office/drawing/2014/main" xmlns="" id="{96C3A22E-CF60-4733-8E86-48B15246AE95}"/>
+                <a16:creationId xmlns:a16="http://schemas.microsoft.com/office/drawing/2014/main" id="{96C3A22E-CF60-4733-8E86-48B15246AE95}"/>
               </a:ext>
             </a:extLst>
           </p:cNvPr>
@@ -17720,10 +17525,10 @@
           <p:cNvPr id="72" name="Isosceles Triangle 65">
             <a:extLst>
               <a:ext uri="{FF2B5EF4-FFF2-40B4-BE49-F238E27FC236}">
-                <a16:creationId xmlns:a16="http://schemas.microsoft.com/office/drawing/2014/main" xmlns="" id="{7E2C7115-5336-410C-AD71-0F0952A2E5A7}"/>
+                <a16:creationId xmlns:a16="http://schemas.microsoft.com/office/drawing/2014/main" id="{7E2C7115-5336-410C-AD71-0F0952A2E5A7}"/>
               </a:ext>
               <a:ext uri="{C183D7F6-B498-43B3-948B-1728B52AA6E4}">
-                <adec:decorative xmlns:adec="http://schemas.microsoft.com/office/drawing/2017/decorative" xmlns="" val="1"/>
+                <adec:decorative xmlns:adec="http://schemas.microsoft.com/office/drawing/2017/decorative" val="1"/>
               </a:ext>
             </a:extLst>
           </p:cNvPr>
@@ -17733,7 +17538,7 @@
           <p:nvPr>
             <p:extLst>
               <p:ext uri="{386F3935-93C4-4BCD-93E2-E3B085C9AB24}">
-                <p16:designElem xmlns:p16="http://schemas.microsoft.com/office/powerpoint/2015/main" xmlns="" val="1"/>
+                <p16:designElem xmlns:p16="http://schemas.microsoft.com/office/powerpoint/2015/main" val="1"/>
               </p:ext>
             </p:extLst>
           </p:nvPr>
@@ -17778,7 +17583,7 @@
           <p:cNvPr id="28" name="Picture 27" descr="A close up of a device&#10;&#10;Description automatically generated">
             <a:extLst>
               <a:ext uri="{FF2B5EF4-FFF2-40B4-BE49-F238E27FC236}">
-                <a16:creationId xmlns:a16="http://schemas.microsoft.com/office/drawing/2014/main" xmlns="" id="{565FD89F-E594-4DFA-A9A4-077BEE024DC5}"/>
+                <a16:creationId xmlns:a16="http://schemas.microsoft.com/office/drawing/2014/main" id="{565FD89F-E594-4DFA-A9A4-077BEE024DC5}"/>
               </a:ext>
             </a:extLst>
           </p:cNvPr>
@@ -17801,8 +17606,8 @@
         </p:blipFill>
         <p:spPr>
           <a:xfrm>
-            <a:off x="1333502" y="609600"/>
-            <a:ext cx="4401164" cy="914528"/>
+            <a:off x="1333502" y="494505"/>
+            <a:ext cx="7464138" cy="1550990"/>
           </a:xfrm>
           <a:prstGeom prst="rect">
             <a:avLst/>
@@ -17819,13 +17624,6 @@
   <p:clrMapOvr>
     <a:masterClrMapping/>
   </p:clrMapOvr>
-  <p:timing>
-    <p:tnLst>
-      <p:par>
-        <p:cTn id="1" dur="indefinite" restart="never" nodeType="tmRoot"/>
-      </p:par>
-    </p:tnLst>
-  </p:timing>
 </p:sld>
 </file>
 
@@ -17859,7 +17657,7 @@
           <p:cNvPr id="24" name="Picture 9">
             <a:extLst>
               <a:ext uri="{FF2B5EF4-FFF2-40B4-BE49-F238E27FC236}">
-                <a16:creationId xmlns:a16="http://schemas.microsoft.com/office/drawing/2014/main" xmlns="" id="{B63BCFC5-0A5B-427C-B525-77A7AD9F3647}"/>
+                <a16:creationId xmlns:a16="http://schemas.microsoft.com/office/drawing/2014/main" id="{B63BCFC5-0A5B-427C-B525-77A7AD9F3647}"/>
               </a:ext>
             </a:extLst>
           </p:cNvPr>
@@ -17946,7 +17744,7 @@
           <p:cNvPr id="2" name="Title 1">
             <a:extLst>
               <a:ext uri="{FF2B5EF4-FFF2-40B4-BE49-F238E27FC236}">
-                <a16:creationId xmlns:a16="http://schemas.microsoft.com/office/drawing/2014/main" xmlns="" id="{0EEF76FD-FD9E-4FFA-B9EB-DF7FB6A55AC2}"/>
+                <a16:creationId xmlns:a16="http://schemas.microsoft.com/office/drawing/2014/main" id="{0EEF76FD-FD9E-4FFA-B9EB-DF7FB6A55AC2}"/>
               </a:ext>
             </a:extLst>
           </p:cNvPr>
@@ -17981,7 +17779,7 @@
           <p:cNvPr id="23" name="Content Placeholder 2">
             <a:extLst>
               <a:ext uri="{FF2B5EF4-FFF2-40B4-BE49-F238E27FC236}">
-                <a16:creationId xmlns:a16="http://schemas.microsoft.com/office/drawing/2014/main" xmlns="" id="{4D80C9DA-709E-4377-A117-81DAA4FF3850}"/>
+                <a16:creationId xmlns:a16="http://schemas.microsoft.com/office/drawing/2014/main" id="{4D80C9DA-709E-4377-A117-81DAA4FF3850}"/>
               </a:ext>
             </a:extLst>
           </p:cNvPr>
@@ -18051,10 +17849,10 @@
           <p:cNvPr id="30" name="Straight Connector 29">
             <a:extLst>
               <a:ext uri="{FF2B5EF4-FFF2-40B4-BE49-F238E27FC236}">
-                <a16:creationId xmlns:a16="http://schemas.microsoft.com/office/drawing/2014/main" xmlns="" id="{64FA5DFF-7FE6-4855-84E6-DFA78EE978BD}"/>
+                <a16:creationId xmlns:a16="http://schemas.microsoft.com/office/drawing/2014/main" id="{64FA5DFF-7FE6-4855-84E6-DFA78EE978BD}"/>
               </a:ext>
               <a:ext uri="{C183D7F6-B498-43B3-948B-1728B52AA6E4}">
-                <adec:decorative xmlns:adec="http://schemas.microsoft.com/office/drawing/2017/decorative" xmlns="" val="1"/>
+                <adec:decorative xmlns:adec="http://schemas.microsoft.com/office/drawing/2017/decorative" val="1"/>
               </a:ext>
             </a:extLst>
           </p:cNvPr>
@@ -18064,7 +17862,7 @@
           <p:nvPr>
             <p:extLst>
               <p:ext uri="{386F3935-93C4-4BCD-93E2-E3B085C9AB24}">
-                <p16:designElem xmlns:p16="http://schemas.microsoft.com/office/powerpoint/2015/main" xmlns="" val="1"/>
+                <p16:designElem xmlns:p16="http://schemas.microsoft.com/office/powerpoint/2015/main" val="1"/>
               </p:ext>
             </p:extLst>
           </p:nvPr>
@@ -18105,10 +17903,10 @@
           <p:cNvPr id="32" name="Straight Connector 31">
             <a:extLst>
               <a:ext uri="{FF2B5EF4-FFF2-40B4-BE49-F238E27FC236}">
-                <a16:creationId xmlns:a16="http://schemas.microsoft.com/office/drawing/2014/main" xmlns="" id="{2AFD8CBA-54A3-4363-991B-B9C631BBFA74}"/>
+                <a16:creationId xmlns:a16="http://schemas.microsoft.com/office/drawing/2014/main" id="{2AFD8CBA-54A3-4363-991B-B9C631BBFA74}"/>
               </a:ext>
               <a:ext uri="{C183D7F6-B498-43B3-948B-1728B52AA6E4}">
-                <adec:decorative xmlns:adec="http://schemas.microsoft.com/office/drawing/2017/decorative" xmlns="" val="1"/>
+                <adec:decorative xmlns:adec="http://schemas.microsoft.com/office/drawing/2017/decorative" val="1"/>
               </a:ext>
             </a:extLst>
           </p:cNvPr>
@@ -18118,7 +17916,7 @@
           <p:nvPr>
             <p:extLst>
               <p:ext uri="{386F3935-93C4-4BCD-93E2-E3B085C9AB24}">
-                <p16:designElem xmlns:p16="http://schemas.microsoft.com/office/powerpoint/2015/main" xmlns="" val="1"/>
+                <p16:designElem xmlns:p16="http://schemas.microsoft.com/office/powerpoint/2015/main" val="1"/>
               </p:ext>
             </p:extLst>
           </p:nvPr>
@@ -18159,10 +17957,10 @@
           <p:cNvPr id="34" name="Rectangle 23">
             <a:extLst>
               <a:ext uri="{FF2B5EF4-FFF2-40B4-BE49-F238E27FC236}">
-                <a16:creationId xmlns:a16="http://schemas.microsoft.com/office/drawing/2014/main" xmlns="" id="{3F088236-D655-4F88-B238-E16762358025}"/>
+                <a16:creationId xmlns:a16="http://schemas.microsoft.com/office/drawing/2014/main" id="{3F088236-D655-4F88-B238-E16762358025}"/>
               </a:ext>
               <a:ext uri="{C183D7F6-B498-43B3-948B-1728B52AA6E4}">
-                <adec:decorative xmlns:adec="http://schemas.microsoft.com/office/drawing/2017/decorative" xmlns="" val="1"/>
+                <adec:decorative xmlns:adec="http://schemas.microsoft.com/office/drawing/2017/decorative" val="1"/>
               </a:ext>
             </a:extLst>
           </p:cNvPr>
@@ -18172,7 +17970,7 @@
           <p:nvPr>
             <p:extLst>
               <p:ext uri="{386F3935-93C4-4BCD-93E2-E3B085C9AB24}">
-                <p16:designElem xmlns:p16="http://schemas.microsoft.com/office/powerpoint/2015/main" xmlns="" val="1"/>
+                <p16:designElem xmlns:p16="http://schemas.microsoft.com/office/powerpoint/2015/main" val="1"/>
               </p:ext>
             </p:extLst>
           </p:nvPr>
@@ -18239,10 +18037,10 @@
           <p:cNvPr id="36" name="Rectangle 25">
             <a:extLst>
               <a:ext uri="{FF2B5EF4-FFF2-40B4-BE49-F238E27FC236}">
-                <a16:creationId xmlns:a16="http://schemas.microsoft.com/office/drawing/2014/main" xmlns="" id="{3DAC0C92-199E-475C-9390-119A9B027276}"/>
+                <a16:creationId xmlns:a16="http://schemas.microsoft.com/office/drawing/2014/main" id="{3DAC0C92-199E-475C-9390-119A9B027276}"/>
               </a:ext>
               <a:ext uri="{C183D7F6-B498-43B3-948B-1728B52AA6E4}">
-                <adec:decorative xmlns:adec="http://schemas.microsoft.com/office/drawing/2017/decorative" xmlns="" val="1"/>
+                <adec:decorative xmlns:adec="http://schemas.microsoft.com/office/drawing/2017/decorative" val="1"/>
               </a:ext>
             </a:extLst>
           </p:cNvPr>
@@ -18252,7 +18050,7 @@
           <p:nvPr>
             <p:extLst>
               <p:ext uri="{386F3935-93C4-4BCD-93E2-E3B085C9AB24}">
-                <p16:designElem xmlns:p16="http://schemas.microsoft.com/office/powerpoint/2015/main" xmlns="" val="1"/>
+                <p16:designElem xmlns:p16="http://schemas.microsoft.com/office/powerpoint/2015/main" val="1"/>
               </p:ext>
             </p:extLst>
           </p:nvPr>
@@ -18319,10 +18117,10 @@
           <p:cNvPr id="38" name="Isosceles Triangle 24">
             <a:extLst>
               <a:ext uri="{FF2B5EF4-FFF2-40B4-BE49-F238E27FC236}">
-                <a16:creationId xmlns:a16="http://schemas.microsoft.com/office/drawing/2014/main" xmlns="" id="{C4CFB339-0ED8-4FE2-9EF1-6D1375B8499B}"/>
+                <a16:creationId xmlns:a16="http://schemas.microsoft.com/office/drawing/2014/main" id="{C4CFB339-0ED8-4FE2-9EF1-6D1375B8499B}"/>
               </a:ext>
               <a:ext uri="{C183D7F6-B498-43B3-948B-1728B52AA6E4}">
-                <adec:decorative xmlns:adec="http://schemas.microsoft.com/office/drawing/2017/decorative" xmlns="" val="1"/>
+                <adec:decorative xmlns:adec="http://schemas.microsoft.com/office/drawing/2017/decorative" val="1"/>
               </a:ext>
             </a:extLst>
           </p:cNvPr>
@@ -18332,7 +18130,7 @@
           <p:nvPr>
             <p:extLst>
               <p:ext uri="{386F3935-93C4-4BCD-93E2-E3B085C9AB24}">
-                <p16:designElem xmlns:p16="http://schemas.microsoft.com/office/powerpoint/2015/main" xmlns="" val="1"/>
+                <p16:designElem xmlns:p16="http://schemas.microsoft.com/office/powerpoint/2015/main" val="1"/>
               </p:ext>
             </p:extLst>
           </p:nvPr>
@@ -18377,10 +18175,10 @@
           <p:cNvPr id="40" name="Rectangle 27">
             <a:extLst>
               <a:ext uri="{FF2B5EF4-FFF2-40B4-BE49-F238E27FC236}">
-                <a16:creationId xmlns:a16="http://schemas.microsoft.com/office/drawing/2014/main" xmlns="" id="{31896C80-2069-4431-9C19-83B913734490}"/>
+                <a16:creationId xmlns:a16="http://schemas.microsoft.com/office/drawing/2014/main" id="{31896C80-2069-4431-9C19-83B913734490}"/>
               </a:ext>
               <a:ext uri="{C183D7F6-B498-43B3-948B-1728B52AA6E4}">
-                <adec:decorative xmlns:adec="http://schemas.microsoft.com/office/drawing/2017/decorative" xmlns="" val="1"/>
+                <adec:decorative xmlns:adec="http://schemas.microsoft.com/office/drawing/2017/decorative" val="1"/>
               </a:ext>
             </a:extLst>
           </p:cNvPr>
@@ -18390,7 +18188,7 @@
           <p:nvPr>
             <p:extLst>
               <p:ext uri="{386F3935-93C4-4BCD-93E2-E3B085C9AB24}">
-                <p16:designElem xmlns:p16="http://schemas.microsoft.com/office/powerpoint/2015/main" xmlns="" val="1"/>
+                <p16:designElem xmlns:p16="http://schemas.microsoft.com/office/powerpoint/2015/main" val="1"/>
               </p:ext>
             </p:extLst>
           </p:nvPr>
@@ -18458,10 +18256,10 @@
           <p:cNvPr id="42" name="Rectangle 28">
             <a:extLst>
               <a:ext uri="{FF2B5EF4-FFF2-40B4-BE49-F238E27FC236}">
-                <a16:creationId xmlns:a16="http://schemas.microsoft.com/office/drawing/2014/main" xmlns="" id="{BF120A21-0841-4823-B0C4-28AEBCEF9B78}"/>
+                <a16:creationId xmlns:a16="http://schemas.microsoft.com/office/drawing/2014/main" id="{BF120A21-0841-4823-B0C4-28AEBCEF9B78}"/>
               </a:ext>
               <a:ext uri="{C183D7F6-B498-43B3-948B-1728B52AA6E4}">
-                <adec:decorative xmlns:adec="http://schemas.microsoft.com/office/drawing/2017/decorative" xmlns="" val="1"/>
+                <adec:decorative xmlns:adec="http://schemas.microsoft.com/office/drawing/2017/decorative" val="1"/>
               </a:ext>
             </a:extLst>
           </p:cNvPr>
@@ -18471,7 +18269,7 @@
           <p:nvPr>
             <p:extLst>
               <p:ext uri="{386F3935-93C4-4BCD-93E2-E3B085C9AB24}">
-                <p16:designElem xmlns:p16="http://schemas.microsoft.com/office/powerpoint/2015/main" xmlns="" val="1"/>
+                <p16:designElem xmlns:p16="http://schemas.microsoft.com/office/powerpoint/2015/main" val="1"/>
               </p:ext>
             </p:extLst>
           </p:nvPr>
@@ -18540,10 +18338,10 @@
           <p:cNvPr id="44" name="Rectangle 29">
             <a:extLst>
               <a:ext uri="{FF2B5EF4-FFF2-40B4-BE49-F238E27FC236}">
-                <a16:creationId xmlns:a16="http://schemas.microsoft.com/office/drawing/2014/main" xmlns="" id="{DBB05BAE-BBD3-4289-899F-A6851503C6B0}"/>
+                <a16:creationId xmlns:a16="http://schemas.microsoft.com/office/drawing/2014/main" id="{DBB05BAE-BBD3-4289-899F-A6851503C6B0}"/>
               </a:ext>
               <a:ext uri="{C183D7F6-B498-43B3-948B-1728B52AA6E4}">
-                <adec:decorative xmlns:adec="http://schemas.microsoft.com/office/drawing/2017/decorative" xmlns="" val="1"/>
+                <adec:decorative xmlns:adec="http://schemas.microsoft.com/office/drawing/2017/decorative" val="1"/>
               </a:ext>
             </a:extLst>
           </p:cNvPr>
@@ -18553,7 +18351,7 @@
           <p:nvPr>
             <p:extLst>
               <p:ext uri="{386F3935-93C4-4BCD-93E2-E3B085C9AB24}">
-                <p16:designElem xmlns:p16="http://schemas.microsoft.com/office/powerpoint/2015/main" xmlns="" val="1"/>
+                <p16:designElem xmlns:p16="http://schemas.microsoft.com/office/powerpoint/2015/main" val="1"/>
               </p:ext>
             </p:extLst>
           </p:nvPr>
@@ -18620,10 +18418,10 @@
           <p:cNvPr id="46" name="Isosceles Triangle 29">
             <a:extLst>
               <a:ext uri="{FF2B5EF4-FFF2-40B4-BE49-F238E27FC236}">
-                <a16:creationId xmlns:a16="http://schemas.microsoft.com/office/drawing/2014/main" xmlns="" id="{9874D11C-36F5-4BBE-A490-019A54E953B0}"/>
+                <a16:creationId xmlns:a16="http://schemas.microsoft.com/office/drawing/2014/main" id="{9874D11C-36F5-4BBE-A490-019A54E953B0}"/>
               </a:ext>
               <a:ext uri="{C183D7F6-B498-43B3-948B-1728B52AA6E4}">
-                <adec:decorative xmlns:adec="http://schemas.microsoft.com/office/drawing/2017/decorative" xmlns="" val="1"/>
+                <adec:decorative xmlns:adec="http://schemas.microsoft.com/office/drawing/2017/decorative" val="1"/>
               </a:ext>
             </a:extLst>
           </p:cNvPr>
@@ -18633,7 +18431,7 @@
           <p:nvPr>
             <p:extLst>
               <p:ext uri="{386F3935-93C4-4BCD-93E2-E3B085C9AB24}">
-                <p16:designElem xmlns:p16="http://schemas.microsoft.com/office/powerpoint/2015/main" xmlns="" val="1"/>
+                <p16:designElem xmlns:p16="http://schemas.microsoft.com/office/powerpoint/2015/main" val="1"/>
               </p:ext>
             </p:extLst>
           </p:nvPr>
@@ -18683,13 +18481,6 @@
   <p:clrMapOvr>
     <a:masterClrMapping/>
   </p:clrMapOvr>
-  <p:timing>
-    <p:tnLst>
-      <p:par>
-        <p:cTn id="1" dur="indefinite" restart="never" nodeType="tmRoot"/>
-      </p:par>
-    </p:tnLst>
-  </p:timing>
 </p:sld>
 </file>
 
@@ -18723,10 +18514,10 @@
           <p:cNvPr id="9" name="Rectangle 8">
             <a:extLst>
               <a:ext uri="{FF2B5EF4-FFF2-40B4-BE49-F238E27FC236}">
-                <a16:creationId xmlns:a16="http://schemas.microsoft.com/office/drawing/2014/main" xmlns="" id="{655AE6B0-AC9E-4167-806F-E9DB135FC46B}"/>
+                <a16:creationId xmlns:a16="http://schemas.microsoft.com/office/drawing/2014/main" id="{655AE6B0-AC9E-4167-806F-E9DB135FC46B}"/>
               </a:ext>
               <a:ext uri="{C183D7F6-B498-43B3-948B-1728B52AA6E4}">
-                <adec:decorative xmlns:adec="http://schemas.microsoft.com/office/drawing/2017/decorative" xmlns="" val="1"/>
+                <adec:decorative xmlns:adec="http://schemas.microsoft.com/office/drawing/2017/decorative" val="1"/>
               </a:ext>
             </a:extLst>
           </p:cNvPr>
@@ -18736,7 +18527,7 @@
           <p:nvPr>
             <p:extLst>
               <p:ext uri="{386F3935-93C4-4BCD-93E2-E3B085C9AB24}">
-                <p16:designElem xmlns:p16="http://schemas.microsoft.com/office/powerpoint/2015/main" xmlns="" val="1"/>
+                <p16:designElem xmlns:p16="http://schemas.microsoft.com/office/powerpoint/2015/main" val="1"/>
               </p:ext>
             </p:extLst>
           </p:nvPr>
@@ -18783,7 +18574,7 @@
           <p:cNvPr id="2" name="Title 1">
             <a:extLst>
               <a:ext uri="{FF2B5EF4-FFF2-40B4-BE49-F238E27FC236}">
-                <a16:creationId xmlns:a16="http://schemas.microsoft.com/office/drawing/2014/main" xmlns="" id="{FF91BA1E-FE91-4680-8615-954B083FA398}"/>
+                <a16:creationId xmlns:a16="http://schemas.microsoft.com/office/drawing/2014/main" id="{FF91BA1E-FE91-4680-8615-954B083FA398}"/>
               </a:ext>
             </a:extLst>
           </p:cNvPr>
@@ -18818,10 +18609,10 @@
           <p:cNvPr id="11" name="Group 10">
             <a:extLst>
               <a:ext uri="{FF2B5EF4-FFF2-40B4-BE49-F238E27FC236}">
-                <a16:creationId xmlns:a16="http://schemas.microsoft.com/office/drawing/2014/main" xmlns="" id="{3523416A-383B-4FDC-B4C9-D8EDDFE9C043}"/>
+                <a16:creationId xmlns:a16="http://schemas.microsoft.com/office/drawing/2014/main" id="{3523416A-383B-4FDC-B4C9-D8EDDFE9C043}"/>
               </a:ext>
               <a:ext uri="{C183D7F6-B498-43B3-948B-1728B52AA6E4}">
-                <adec:decorative xmlns:adec="http://schemas.microsoft.com/office/drawing/2017/decorative" xmlns="" val="1"/>
+                <adec:decorative xmlns:adec="http://schemas.microsoft.com/office/drawing/2017/decorative" val="1"/>
               </a:ext>
             </a:extLst>
           </p:cNvPr>
@@ -18831,7 +18622,7 @@
           <p:nvPr>
             <p:extLst>
               <p:ext uri="{386F3935-93C4-4BCD-93E2-E3B085C9AB24}">
-                <p16:designElem xmlns:p16="http://schemas.microsoft.com/office/powerpoint/2015/main" xmlns="" val="1"/>
+                <p16:designElem xmlns:p16="http://schemas.microsoft.com/office/powerpoint/2015/main" val="1"/>
               </p:ext>
             </p:extLst>
           </p:nvPr>
@@ -18849,10 +18640,10 @@
             <p:cNvPr id="12" name="Straight Connector 11">
               <a:extLst>
                 <a:ext uri="{FF2B5EF4-FFF2-40B4-BE49-F238E27FC236}">
-                  <a16:creationId xmlns:a16="http://schemas.microsoft.com/office/drawing/2014/main" xmlns="" id="{CB0D29D5-3F7C-4197-821B-6D60A66CC04B}"/>
+                  <a16:creationId xmlns:a16="http://schemas.microsoft.com/office/drawing/2014/main" id="{CB0D29D5-3F7C-4197-821B-6D60A66CC04B}"/>
                 </a:ext>
                 <a:ext uri="{C183D7F6-B498-43B3-948B-1728B52AA6E4}">
-                  <adec:decorative xmlns:adec="http://schemas.microsoft.com/office/drawing/2017/decorative" xmlns="" val="1"/>
+                  <adec:decorative xmlns:adec="http://schemas.microsoft.com/office/drawing/2017/decorative" val="1"/>
                 </a:ext>
               </a:extLst>
             </p:cNvPr>
@@ -18860,7 +18651,7 @@
             <p:nvPr>
               <p:extLst>
                 <p:ext uri="{386F3935-93C4-4BCD-93E2-E3B085C9AB24}">
-                  <p16:designElem xmlns:p16="http://schemas.microsoft.com/office/powerpoint/2015/main" xmlns="" val="1"/>
+                  <p16:designElem xmlns:p16="http://schemas.microsoft.com/office/powerpoint/2015/main" val="1"/>
                 </p:ext>
               </p:extLst>
             </p:nvPr>
@@ -18901,10 +18692,10 @@
             <p:cNvPr id="13" name="Straight Connector 12">
               <a:extLst>
                 <a:ext uri="{FF2B5EF4-FFF2-40B4-BE49-F238E27FC236}">
-                  <a16:creationId xmlns:a16="http://schemas.microsoft.com/office/drawing/2014/main" xmlns="" id="{347FB49A-3541-428A-AADE-682A3C50563D}"/>
+                  <a16:creationId xmlns:a16="http://schemas.microsoft.com/office/drawing/2014/main" id="{347FB49A-3541-428A-AADE-682A3C50563D}"/>
                 </a:ext>
                 <a:ext uri="{C183D7F6-B498-43B3-948B-1728B52AA6E4}">
-                  <adec:decorative xmlns:adec="http://schemas.microsoft.com/office/drawing/2017/decorative" xmlns="" val="1"/>
+                  <adec:decorative xmlns:adec="http://schemas.microsoft.com/office/drawing/2017/decorative" val="1"/>
                 </a:ext>
               </a:extLst>
             </p:cNvPr>
@@ -18912,7 +18703,7 @@
             <p:nvPr>
               <p:extLst>
                 <p:ext uri="{386F3935-93C4-4BCD-93E2-E3B085C9AB24}">
-                  <p16:designElem xmlns:p16="http://schemas.microsoft.com/office/powerpoint/2015/main" xmlns="" val="1"/>
+                  <p16:designElem xmlns:p16="http://schemas.microsoft.com/office/powerpoint/2015/main" val="1"/>
                 </p:ext>
               </p:extLst>
             </p:nvPr>
@@ -18953,10 +18744,10 @@
             <p:cNvPr id="14" name="Rectangle 23">
               <a:extLst>
                 <a:ext uri="{FF2B5EF4-FFF2-40B4-BE49-F238E27FC236}">
-                  <a16:creationId xmlns:a16="http://schemas.microsoft.com/office/drawing/2014/main" xmlns="" id="{D96F53DC-08F1-42C6-B558-B83D54B27664}"/>
+                  <a16:creationId xmlns:a16="http://schemas.microsoft.com/office/drawing/2014/main" id="{D96F53DC-08F1-42C6-B558-B83D54B27664}"/>
                 </a:ext>
                 <a:ext uri="{C183D7F6-B498-43B3-948B-1728B52AA6E4}">
-                  <adec:decorative xmlns:adec="http://schemas.microsoft.com/office/drawing/2017/decorative" xmlns="" val="1"/>
+                  <adec:decorative xmlns:adec="http://schemas.microsoft.com/office/drawing/2017/decorative" val="1"/>
                 </a:ext>
               </a:extLst>
             </p:cNvPr>
@@ -18964,7 +18755,7 @@
             <p:nvPr>
               <p:extLst>
                 <p:ext uri="{386F3935-93C4-4BCD-93E2-E3B085C9AB24}">
-                  <p16:designElem xmlns:p16="http://schemas.microsoft.com/office/powerpoint/2015/main" xmlns="" val="1"/>
+                  <p16:designElem xmlns:p16="http://schemas.microsoft.com/office/powerpoint/2015/main" val="1"/>
                 </p:ext>
               </p:extLst>
             </p:nvPr>
@@ -19031,10 +18822,10 @@
             <p:cNvPr id="15" name="Rectangle 25">
               <a:extLst>
                 <a:ext uri="{FF2B5EF4-FFF2-40B4-BE49-F238E27FC236}">
-                  <a16:creationId xmlns:a16="http://schemas.microsoft.com/office/drawing/2014/main" xmlns="" id="{AFE48CAF-A51C-463F-A570-ED99439A5CA3}"/>
+                  <a16:creationId xmlns:a16="http://schemas.microsoft.com/office/drawing/2014/main" id="{AFE48CAF-A51C-463F-A570-ED99439A5CA3}"/>
                 </a:ext>
                 <a:ext uri="{C183D7F6-B498-43B3-948B-1728B52AA6E4}">
-                  <adec:decorative xmlns:adec="http://schemas.microsoft.com/office/drawing/2017/decorative" xmlns="" val="1"/>
+                  <adec:decorative xmlns:adec="http://schemas.microsoft.com/office/drawing/2017/decorative" val="1"/>
                 </a:ext>
               </a:extLst>
             </p:cNvPr>
@@ -19042,7 +18833,7 @@
             <p:nvPr>
               <p:extLst>
                 <p:ext uri="{386F3935-93C4-4BCD-93E2-E3B085C9AB24}">
-                  <p16:designElem xmlns:p16="http://schemas.microsoft.com/office/powerpoint/2015/main" xmlns="" val="1"/>
+                  <p16:designElem xmlns:p16="http://schemas.microsoft.com/office/powerpoint/2015/main" val="1"/>
                 </p:ext>
               </p:extLst>
             </p:nvPr>
@@ -19109,10 +18900,10 @@
             <p:cNvPr id="16" name="Isosceles Triangle 15">
               <a:extLst>
                 <a:ext uri="{FF2B5EF4-FFF2-40B4-BE49-F238E27FC236}">
-                  <a16:creationId xmlns:a16="http://schemas.microsoft.com/office/drawing/2014/main" xmlns="" id="{01F0C48B-50FF-4351-8207-16D096048311}"/>
+                  <a16:creationId xmlns:a16="http://schemas.microsoft.com/office/drawing/2014/main" id="{01F0C48B-50FF-4351-8207-16D096048311}"/>
                 </a:ext>
                 <a:ext uri="{C183D7F6-B498-43B3-948B-1728B52AA6E4}">
-                  <adec:decorative xmlns:adec="http://schemas.microsoft.com/office/drawing/2017/decorative" xmlns="" val="1"/>
+                  <adec:decorative xmlns:adec="http://schemas.microsoft.com/office/drawing/2017/decorative" val="1"/>
                 </a:ext>
               </a:extLst>
             </p:cNvPr>
@@ -19120,7 +18911,7 @@
             <p:nvPr>
               <p:extLst>
                 <p:ext uri="{386F3935-93C4-4BCD-93E2-E3B085C9AB24}">
-                  <p16:designElem xmlns:p16="http://schemas.microsoft.com/office/powerpoint/2015/main" xmlns="" val="1"/>
+                  <p16:designElem xmlns:p16="http://schemas.microsoft.com/office/powerpoint/2015/main" val="1"/>
                 </p:ext>
               </p:extLst>
             </p:nvPr>
@@ -19165,10 +18956,10 @@
             <p:cNvPr id="17" name="Rectangle 27">
               <a:extLst>
                 <a:ext uri="{FF2B5EF4-FFF2-40B4-BE49-F238E27FC236}">
-                  <a16:creationId xmlns:a16="http://schemas.microsoft.com/office/drawing/2014/main" xmlns="" id="{300384B6-5ED6-4F91-A548-B706D837513E}"/>
+                  <a16:creationId xmlns:a16="http://schemas.microsoft.com/office/drawing/2014/main" id="{300384B6-5ED6-4F91-A548-B706D837513E}"/>
                 </a:ext>
                 <a:ext uri="{C183D7F6-B498-43B3-948B-1728B52AA6E4}">
-                  <adec:decorative xmlns:adec="http://schemas.microsoft.com/office/drawing/2017/decorative" xmlns="" val="1"/>
+                  <adec:decorative xmlns:adec="http://schemas.microsoft.com/office/drawing/2017/decorative" val="1"/>
                 </a:ext>
               </a:extLst>
             </p:cNvPr>
@@ -19176,7 +18967,7 @@
             <p:nvPr>
               <p:extLst>
                 <p:ext uri="{386F3935-93C4-4BCD-93E2-E3B085C9AB24}">
-                  <p16:designElem xmlns:p16="http://schemas.microsoft.com/office/powerpoint/2015/main" xmlns="" val="1"/>
+                  <p16:designElem xmlns:p16="http://schemas.microsoft.com/office/powerpoint/2015/main" val="1"/>
                 </p:ext>
               </p:extLst>
             </p:nvPr>
@@ -19244,10 +19035,10 @@
             <p:cNvPr id="18" name="Rectangle 28">
               <a:extLst>
                 <a:ext uri="{FF2B5EF4-FFF2-40B4-BE49-F238E27FC236}">
-                  <a16:creationId xmlns:a16="http://schemas.microsoft.com/office/drawing/2014/main" xmlns="" id="{337AFFAE-C182-463C-9459-8AB3C69D9A29}"/>
+                  <a16:creationId xmlns:a16="http://schemas.microsoft.com/office/drawing/2014/main" id="{337AFFAE-C182-463C-9459-8AB3C69D9A29}"/>
                 </a:ext>
                 <a:ext uri="{C183D7F6-B498-43B3-948B-1728B52AA6E4}">
-                  <adec:decorative xmlns:adec="http://schemas.microsoft.com/office/drawing/2017/decorative" xmlns="" val="1"/>
+                  <adec:decorative xmlns:adec="http://schemas.microsoft.com/office/drawing/2017/decorative" val="1"/>
                 </a:ext>
               </a:extLst>
             </p:cNvPr>
@@ -19255,7 +19046,7 @@
             <p:nvPr>
               <p:extLst>
                 <p:ext uri="{386F3935-93C4-4BCD-93E2-E3B085C9AB24}">
-                  <p16:designElem xmlns:p16="http://schemas.microsoft.com/office/powerpoint/2015/main" xmlns="" val="1"/>
+                  <p16:designElem xmlns:p16="http://schemas.microsoft.com/office/powerpoint/2015/main" val="1"/>
                 </p:ext>
               </p:extLst>
             </p:nvPr>
@@ -19324,10 +19115,10 @@
             <p:cNvPr id="19" name="Rectangle 29">
               <a:extLst>
                 <a:ext uri="{FF2B5EF4-FFF2-40B4-BE49-F238E27FC236}">
-                  <a16:creationId xmlns:a16="http://schemas.microsoft.com/office/drawing/2014/main" xmlns="" id="{510ACF17-C3F0-42BF-BDEB-D079277121E4}"/>
+                  <a16:creationId xmlns:a16="http://schemas.microsoft.com/office/drawing/2014/main" id="{510ACF17-C3F0-42BF-BDEB-D079277121E4}"/>
                 </a:ext>
                 <a:ext uri="{C183D7F6-B498-43B3-948B-1728B52AA6E4}">
-                  <adec:decorative xmlns:adec="http://schemas.microsoft.com/office/drawing/2017/decorative" xmlns="" val="1"/>
+                  <adec:decorative xmlns:adec="http://schemas.microsoft.com/office/drawing/2017/decorative" val="1"/>
                 </a:ext>
               </a:extLst>
             </p:cNvPr>
@@ -19335,7 +19126,7 @@
             <p:nvPr>
               <p:extLst>
                 <p:ext uri="{386F3935-93C4-4BCD-93E2-E3B085C9AB24}">
-                  <p16:designElem xmlns:p16="http://schemas.microsoft.com/office/powerpoint/2015/main" xmlns="" val="1"/>
+                  <p16:designElem xmlns:p16="http://schemas.microsoft.com/office/powerpoint/2015/main" val="1"/>
                 </p:ext>
               </p:extLst>
             </p:nvPr>
@@ -19402,10 +19193,10 @@
             <p:cNvPr id="20" name="Isosceles Triangle 19">
               <a:extLst>
                 <a:ext uri="{FF2B5EF4-FFF2-40B4-BE49-F238E27FC236}">
-                  <a16:creationId xmlns:a16="http://schemas.microsoft.com/office/drawing/2014/main" xmlns="" id="{E804EFD0-B84E-476F-9FC6-6C4A42EA0054}"/>
+                  <a16:creationId xmlns:a16="http://schemas.microsoft.com/office/drawing/2014/main" id="{E804EFD0-B84E-476F-9FC6-6C4A42EA0054}"/>
                 </a:ext>
                 <a:ext uri="{C183D7F6-B498-43B3-948B-1728B52AA6E4}">
-                  <adec:decorative xmlns:adec="http://schemas.microsoft.com/office/drawing/2017/decorative" xmlns="" val="1"/>
+                  <adec:decorative xmlns:adec="http://schemas.microsoft.com/office/drawing/2017/decorative" val="1"/>
                 </a:ext>
               </a:extLst>
             </p:cNvPr>
@@ -19413,7 +19204,7 @@
             <p:nvPr>
               <p:extLst>
                 <p:ext uri="{386F3935-93C4-4BCD-93E2-E3B085C9AB24}">
-                  <p16:designElem xmlns:p16="http://schemas.microsoft.com/office/powerpoint/2015/main" xmlns="" val="1"/>
+                  <p16:designElem xmlns:p16="http://schemas.microsoft.com/office/powerpoint/2015/main" val="1"/>
                 </p:ext>
               </p:extLst>
             </p:nvPr>
@@ -19459,10 +19250,10 @@
           <p:cNvPr id="22" name="Rectangle 21">
             <a:extLst>
               <a:ext uri="{FF2B5EF4-FFF2-40B4-BE49-F238E27FC236}">
-                <a16:creationId xmlns:a16="http://schemas.microsoft.com/office/drawing/2014/main" xmlns="" id="{87BD1F4E-A66D-4C06-86DA-8D56CA7A3B41}"/>
+                <a16:creationId xmlns:a16="http://schemas.microsoft.com/office/drawing/2014/main" id="{87BD1F4E-A66D-4C06-86DA-8D56CA7A3B41}"/>
               </a:ext>
               <a:ext uri="{C183D7F6-B498-43B3-948B-1728B52AA6E4}">
-                <adec:decorative xmlns:adec="http://schemas.microsoft.com/office/drawing/2017/decorative" xmlns="" val="1"/>
+                <adec:decorative xmlns:adec="http://schemas.microsoft.com/office/drawing/2017/decorative" val="1"/>
               </a:ext>
             </a:extLst>
           </p:cNvPr>
@@ -19472,7 +19263,7 @@
           <p:nvPr>
             <p:extLst>
               <p:ext uri="{386F3935-93C4-4BCD-93E2-E3B085C9AB24}">
-                <p16:designElem xmlns:p16="http://schemas.microsoft.com/office/powerpoint/2015/main" xmlns="" val="1"/>
+                <p16:designElem xmlns:p16="http://schemas.microsoft.com/office/powerpoint/2015/main" val="1"/>
               </p:ext>
             </p:extLst>
           </p:nvPr>
@@ -19519,7 +19310,7 @@
           <p:cNvPr id="5" name="Content Placeholder 2">
             <a:extLst>
               <a:ext uri="{FF2B5EF4-FFF2-40B4-BE49-F238E27FC236}">
-                <a16:creationId xmlns:a16="http://schemas.microsoft.com/office/drawing/2014/main" xmlns="" id="{79231F9F-A585-4167-B0C6-438DDEFB1C41}"/>
+                <a16:creationId xmlns:a16="http://schemas.microsoft.com/office/drawing/2014/main" id="{79231F9F-A585-4167-B0C6-438DDEFB1C41}"/>
               </a:ext>
             </a:extLst>
           </p:cNvPr>
@@ -19555,13 +19346,6 @@
   <p:clrMapOvr>
     <a:masterClrMapping/>
   </p:clrMapOvr>
-  <p:timing>
-    <p:tnLst>
-      <p:par>
-        <p:cTn id="1" dur="indefinite" restart="never" nodeType="tmRoot"/>
-      </p:par>
-    </p:tnLst>
-  </p:timing>
 </p:sld>
 </file>
 
@@ -19595,10 +19379,10 @@
           <p:cNvPr id="12" name="Group 11">
             <a:extLst>
               <a:ext uri="{FF2B5EF4-FFF2-40B4-BE49-F238E27FC236}">
-                <a16:creationId xmlns:a16="http://schemas.microsoft.com/office/drawing/2014/main" xmlns="" id="{28460BD8-AE3F-4AC9-9D0B-717052AA5D3A}"/>
+                <a16:creationId xmlns:a16="http://schemas.microsoft.com/office/drawing/2014/main" id="{28460BD8-AE3F-4AC9-9D0B-717052AA5D3A}"/>
               </a:ext>
               <a:ext uri="{C183D7F6-B498-43B3-948B-1728B52AA6E4}">
-                <adec:decorative xmlns:adec="http://schemas.microsoft.com/office/drawing/2017/decorative" xmlns="" val="1"/>
+                <adec:decorative xmlns:adec="http://schemas.microsoft.com/office/drawing/2017/decorative" val="1"/>
               </a:ext>
             </a:extLst>
           </p:cNvPr>
@@ -19608,7 +19392,7 @@
           <p:nvPr>
             <p:extLst>
               <p:ext uri="{386F3935-93C4-4BCD-93E2-E3B085C9AB24}">
-                <p16:designElem xmlns:p16="http://schemas.microsoft.com/office/powerpoint/2015/main" xmlns="" val="1"/>
+                <p16:designElem xmlns:p16="http://schemas.microsoft.com/office/powerpoint/2015/main" val="1"/>
               </p:ext>
             </p:extLst>
           </p:nvPr>
@@ -19626,10 +19410,10 @@
             <p:cNvPr id="13" name="Straight Connector 12">
               <a:extLst>
                 <a:ext uri="{FF2B5EF4-FFF2-40B4-BE49-F238E27FC236}">
-                  <a16:creationId xmlns:a16="http://schemas.microsoft.com/office/drawing/2014/main" xmlns="" id="{54420CFE-F482-466E-9E1E-C78513C0B85D}"/>
+                  <a16:creationId xmlns:a16="http://schemas.microsoft.com/office/drawing/2014/main" id="{54420CFE-F482-466E-9E1E-C78513C0B85D}"/>
                 </a:ext>
                 <a:ext uri="{C183D7F6-B498-43B3-948B-1728B52AA6E4}">
-                  <adec:decorative xmlns:adec="http://schemas.microsoft.com/office/drawing/2017/decorative" xmlns="" val="1"/>
+                  <adec:decorative xmlns:adec="http://schemas.microsoft.com/office/drawing/2017/decorative" val="1"/>
                 </a:ext>
               </a:extLst>
             </p:cNvPr>
@@ -19637,7 +19421,7 @@
             <p:nvPr>
               <p:extLst>
                 <p:ext uri="{386F3935-93C4-4BCD-93E2-E3B085C9AB24}">
-                  <p16:designElem xmlns:p16="http://schemas.microsoft.com/office/powerpoint/2015/main" xmlns="" val="1"/>
+                  <p16:designElem xmlns:p16="http://schemas.microsoft.com/office/powerpoint/2015/main" val="1"/>
                 </p:ext>
               </p:extLst>
             </p:nvPr>
@@ -19678,10 +19462,10 @@
             <p:cNvPr id="14" name="Straight Connector 13">
               <a:extLst>
                 <a:ext uri="{FF2B5EF4-FFF2-40B4-BE49-F238E27FC236}">
-                  <a16:creationId xmlns:a16="http://schemas.microsoft.com/office/drawing/2014/main" xmlns="" id="{5331032B-BD21-4BDA-920C-12E358052567}"/>
+                  <a16:creationId xmlns:a16="http://schemas.microsoft.com/office/drawing/2014/main" id="{5331032B-BD21-4BDA-920C-12E358052567}"/>
                 </a:ext>
                 <a:ext uri="{C183D7F6-B498-43B3-948B-1728B52AA6E4}">
-                  <adec:decorative xmlns:adec="http://schemas.microsoft.com/office/drawing/2017/decorative" xmlns="" val="1"/>
+                  <adec:decorative xmlns:adec="http://schemas.microsoft.com/office/drawing/2017/decorative" val="1"/>
                 </a:ext>
               </a:extLst>
             </p:cNvPr>
@@ -19689,7 +19473,7 @@
             <p:nvPr>
               <p:extLst>
                 <p:ext uri="{386F3935-93C4-4BCD-93E2-E3B085C9AB24}">
-                  <p16:designElem xmlns:p16="http://schemas.microsoft.com/office/powerpoint/2015/main" xmlns="" val="1"/>
+                  <p16:designElem xmlns:p16="http://schemas.microsoft.com/office/powerpoint/2015/main" val="1"/>
                 </p:ext>
               </p:extLst>
             </p:nvPr>
@@ -19730,10 +19514,10 @@
             <p:cNvPr id="15" name="Rectangle 23">
               <a:extLst>
                 <a:ext uri="{FF2B5EF4-FFF2-40B4-BE49-F238E27FC236}">
-                  <a16:creationId xmlns:a16="http://schemas.microsoft.com/office/drawing/2014/main" xmlns="" id="{E7514DA3-59E7-409E-8A3B-AD097F6E5644}"/>
+                  <a16:creationId xmlns:a16="http://schemas.microsoft.com/office/drawing/2014/main" id="{E7514DA3-59E7-409E-8A3B-AD097F6E5644}"/>
                 </a:ext>
                 <a:ext uri="{C183D7F6-B498-43B3-948B-1728B52AA6E4}">
-                  <adec:decorative xmlns:adec="http://schemas.microsoft.com/office/drawing/2017/decorative" xmlns="" val="1"/>
+                  <adec:decorative xmlns:adec="http://schemas.microsoft.com/office/drawing/2017/decorative" val="1"/>
                 </a:ext>
               </a:extLst>
             </p:cNvPr>
@@ -19741,7 +19525,7 @@
             <p:nvPr>
               <p:extLst>
                 <p:ext uri="{386F3935-93C4-4BCD-93E2-E3B085C9AB24}">
-                  <p16:designElem xmlns:p16="http://schemas.microsoft.com/office/powerpoint/2015/main" xmlns="" val="1"/>
+                  <p16:designElem xmlns:p16="http://schemas.microsoft.com/office/powerpoint/2015/main" val="1"/>
                 </p:ext>
               </p:extLst>
             </p:nvPr>
@@ -19808,10 +19592,10 @@
             <p:cNvPr id="16" name="Rectangle 25">
               <a:extLst>
                 <a:ext uri="{FF2B5EF4-FFF2-40B4-BE49-F238E27FC236}">
-                  <a16:creationId xmlns:a16="http://schemas.microsoft.com/office/drawing/2014/main" xmlns="" id="{57B9A2A6-3BE4-4599-9364-F71C5BFD61F8}"/>
+                  <a16:creationId xmlns:a16="http://schemas.microsoft.com/office/drawing/2014/main" id="{57B9A2A6-3BE4-4599-9364-F71C5BFD61F8}"/>
                 </a:ext>
                 <a:ext uri="{C183D7F6-B498-43B3-948B-1728B52AA6E4}">
-                  <adec:decorative xmlns:adec="http://schemas.microsoft.com/office/drawing/2017/decorative" xmlns="" val="1"/>
+                  <adec:decorative xmlns:adec="http://schemas.microsoft.com/office/drawing/2017/decorative" val="1"/>
                 </a:ext>
               </a:extLst>
             </p:cNvPr>
@@ -19819,7 +19603,7 @@
             <p:nvPr>
               <p:extLst>
                 <p:ext uri="{386F3935-93C4-4BCD-93E2-E3B085C9AB24}">
-                  <p16:designElem xmlns:p16="http://schemas.microsoft.com/office/powerpoint/2015/main" xmlns="" val="1"/>
+                  <p16:designElem xmlns:p16="http://schemas.microsoft.com/office/powerpoint/2015/main" val="1"/>
                 </p:ext>
               </p:extLst>
             </p:nvPr>
@@ -19886,10 +19670,10 @@
             <p:cNvPr id="17" name="Isosceles Triangle 16">
               <a:extLst>
                 <a:ext uri="{FF2B5EF4-FFF2-40B4-BE49-F238E27FC236}">
-                  <a16:creationId xmlns:a16="http://schemas.microsoft.com/office/drawing/2014/main" xmlns="" id="{4FD744C6-4ED8-4BC9-BF68-6BDF701C5DB4}"/>
+                  <a16:creationId xmlns:a16="http://schemas.microsoft.com/office/drawing/2014/main" id="{4FD744C6-4ED8-4BC9-BF68-6BDF701C5DB4}"/>
                 </a:ext>
                 <a:ext uri="{C183D7F6-B498-43B3-948B-1728B52AA6E4}">
-                  <adec:decorative xmlns:adec="http://schemas.microsoft.com/office/drawing/2017/decorative" xmlns="" val="1"/>
+                  <adec:decorative xmlns:adec="http://schemas.microsoft.com/office/drawing/2017/decorative" val="1"/>
                 </a:ext>
               </a:extLst>
             </p:cNvPr>
@@ -19897,7 +19681,7 @@
             <p:nvPr>
               <p:extLst>
                 <p:ext uri="{386F3935-93C4-4BCD-93E2-E3B085C9AB24}">
-                  <p16:designElem xmlns:p16="http://schemas.microsoft.com/office/powerpoint/2015/main" xmlns="" val="1"/>
+                  <p16:designElem xmlns:p16="http://schemas.microsoft.com/office/powerpoint/2015/main" val="1"/>
                 </p:ext>
               </p:extLst>
             </p:nvPr>
@@ -19942,10 +19726,10 @@
             <p:cNvPr id="18" name="Rectangle 27">
               <a:extLst>
                 <a:ext uri="{FF2B5EF4-FFF2-40B4-BE49-F238E27FC236}">
-                  <a16:creationId xmlns:a16="http://schemas.microsoft.com/office/drawing/2014/main" xmlns="" id="{092C5BAD-C911-4F8F-A1C5-470268BE668B}"/>
+                  <a16:creationId xmlns:a16="http://schemas.microsoft.com/office/drawing/2014/main" id="{092C5BAD-C911-4F8F-A1C5-470268BE668B}"/>
                 </a:ext>
                 <a:ext uri="{C183D7F6-B498-43B3-948B-1728B52AA6E4}">
-                  <adec:decorative xmlns:adec="http://schemas.microsoft.com/office/drawing/2017/decorative" xmlns="" val="1"/>
+                  <adec:decorative xmlns:adec="http://schemas.microsoft.com/office/drawing/2017/decorative" val="1"/>
                 </a:ext>
               </a:extLst>
             </p:cNvPr>
@@ -19953,7 +19737,7 @@
             <p:nvPr>
               <p:extLst>
                 <p:ext uri="{386F3935-93C4-4BCD-93E2-E3B085C9AB24}">
-                  <p16:designElem xmlns:p16="http://schemas.microsoft.com/office/powerpoint/2015/main" xmlns="" val="1"/>
+                  <p16:designElem xmlns:p16="http://schemas.microsoft.com/office/powerpoint/2015/main" val="1"/>
                 </p:ext>
               </p:extLst>
             </p:nvPr>
@@ -20021,10 +19805,10 @@
             <p:cNvPr id="19" name="Rectangle 28">
               <a:extLst>
                 <a:ext uri="{FF2B5EF4-FFF2-40B4-BE49-F238E27FC236}">
-                  <a16:creationId xmlns:a16="http://schemas.microsoft.com/office/drawing/2014/main" xmlns="" id="{B133D0C8-4EC4-424F-8E70-0482D5B1B653}"/>
+                  <a16:creationId xmlns:a16="http://schemas.microsoft.com/office/drawing/2014/main" id="{B133D0C8-4EC4-424F-8E70-0482D5B1B653}"/>
                 </a:ext>
                 <a:ext uri="{C183D7F6-B498-43B3-948B-1728B52AA6E4}">
-                  <adec:decorative xmlns:adec="http://schemas.microsoft.com/office/drawing/2017/decorative" xmlns="" val="1"/>
+                  <adec:decorative xmlns:adec="http://schemas.microsoft.com/office/drawing/2017/decorative" val="1"/>
                 </a:ext>
               </a:extLst>
             </p:cNvPr>
@@ -20032,7 +19816,7 @@
             <p:nvPr>
               <p:extLst>
                 <p:ext uri="{386F3935-93C4-4BCD-93E2-E3B085C9AB24}">
-                  <p16:designElem xmlns:p16="http://schemas.microsoft.com/office/powerpoint/2015/main" xmlns="" val="1"/>
+                  <p16:designElem xmlns:p16="http://schemas.microsoft.com/office/powerpoint/2015/main" val="1"/>
                 </p:ext>
               </p:extLst>
             </p:nvPr>
@@ -20101,10 +19885,10 @@
             <p:cNvPr id="20" name="Rectangle 29">
               <a:extLst>
                 <a:ext uri="{FF2B5EF4-FFF2-40B4-BE49-F238E27FC236}">
-                  <a16:creationId xmlns:a16="http://schemas.microsoft.com/office/drawing/2014/main" xmlns="" id="{7B1532A0-F4B3-4DE8-B18F-740CAAD25AC4}"/>
+                  <a16:creationId xmlns:a16="http://schemas.microsoft.com/office/drawing/2014/main" id="{7B1532A0-F4B3-4DE8-B18F-740CAAD25AC4}"/>
                 </a:ext>
                 <a:ext uri="{C183D7F6-B498-43B3-948B-1728B52AA6E4}">
-                  <adec:decorative xmlns:adec="http://schemas.microsoft.com/office/drawing/2017/decorative" xmlns="" val="1"/>
+                  <adec:decorative xmlns:adec="http://schemas.microsoft.com/office/drawing/2017/decorative" val="1"/>
                 </a:ext>
               </a:extLst>
             </p:cNvPr>
@@ -20112,7 +19896,7 @@
             <p:nvPr>
               <p:extLst>
                 <p:ext uri="{386F3935-93C4-4BCD-93E2-E3B085C9AB24}">
-                  <p16:designElem xmlns:p16="http://schemas.microsoft.com/office/powerpoint/2015/main" xmlns="" val="1"/>
+                  <p16:designElem xmlns:p16="http://schemas.microsoft.com/office/powerpoint/2015/main" val="1"/>
                 </p:ext>
               </p:extLst>
             </p:nvPr>
@@ -20179,10 +19963,10 @@
             <p:cNvPr id="21" name="Isosceles Triangle 20">
               <a:extLst>
                 <a:ext uri="{FF2B5EF4-FFF2-40B4-BE49-F238E27FC236}">
-                  <a16:creationId xmlns:a16="http://schemas.microsoft.com/office/drawing/2014/main" xmlns="" id="{8EFDD162-BBBA-4062-8BBF-53DBA1091374}"/>
+                  <a16:creationId xmlns:a16="http://schemas.microsoft.com/office/drawing/2014/main" id="{8EFDD162-BBBA-4062-8BBF-53DBA1091374}"/>
                 </a:ext>
                 <a:ext uri="{C183D7F6-B498-43B3-948B-1728B52AA6E4}">
-                  <adec:decorative xmlns:adec="http://schemas.microsoft.com/office/drawing/2017/decorative" xmlns="" val="1"/>
+                  <adec:decorative xmlns:adec="http://schemas.microsoft.com/office/drawing/2017/decorative" val="1"/>
                 </a:ext>
               </a:extLst>
             </p:cNvPr>
@@ -20190,7 +19974,7 @@
             <p:nvPr>
               <p:extLst>
                 <p:ext uri="{386F3935-93C4-4BCD-93E2-E3B085C9AB24}">
-                  <p16:designElem xmlns:p16="http://schemas.microsoft.com/office/powerpoint/2015/main" xmlns="" val="1"/>
+                  <p16:designElem xmlns:p16="http://schemas.microsoft.com/office/powerpoint/2015/main" val="1"/>
                 </p:ext>
               </p:extLst>
             </p:nvPr>
@@ -20235,10 +20019,10 @@
             <p:cNvPr id="22" name="Isosceles Triangle 21">
               <a:extLst>
                 <a:ext uri="{FF2B5EF4-FFF2-40B4-BE49-F238E27FC236}">
-                  <a16:creationId xmlns:a16="http://schemas.microsoft.com/office/drawing/2014/main" xmlns="" id="{DCFC9E65-3E19-4483-B952-25D29683CA56}"/>
+                  <a16:creationId xmlns:a16="http://schemas.microsoft.com/office/drawing/2014/main" id="{DCFC9E65-3E19-4483-B952-25D29683CA56}"/>
                 </a:ext>
                 <a:ext uri="{C183D7F6-B498-43B3-948B-1728B52AA6E4}">
-                  <adec:decorative xmlns:adec="http://schemas.microsoft.com/office/drawing/2017/decorative" xmlns="" val="1"/>
+                  <adec:decorative xmlns:adec="http://schemas.microsoft.com/office/drawing/2017/decorative" val="1"/>
                 </a:ext>
               </a:extLst>
             </p:cNvPr>
@@ -20246,7 +20030,7 @@
             <p:nvPr>
               <p:extLst>
                 <p:ext uri="{386F3935-93C4-4BCD-93E2-E3B085C9AB24}">
-                  <p16:designElem xmlns:p16="http://schemas.microsoft.com/office/powerpoint/2015/main" xmlns="" val="1"/>
+                  <p16:designElem xmlns:p16="http://schemas.microsoft.com/office/powerpoint/2015/main" val="1"/>
                 </p:ext>
               </p:extLst>
             </p:nvPr>
@@ -20292,10 +20076,10 @@
           <p:cNvPr id="24" name="Rectangle 23">
             <a:extLst>
               <a:ext uri="{FF2B5EF4-FFF2-40B4-BE49-F238E27FC236}">
-                <a16:creationId xmlns:a16="http://schemas.microsoft.com/office/drawing/2014/main" xmlns="" id="{2783C067-F8BF-4755-B516-8A0CD74CF60C}"/>
+                <a16:creationId xmlns:a16="http://schemas.microsoft.com/office/drawing/2014/main" id="{2783C067-F8BF-4755-B516-8A0CD74CF60C}"/>
               </a:ext>
               <a:ext uri="{C183D7F6-B498-43B3-948B-1728B52AA6E4}">
-                <adec:decorative xmlns:adec="http://schemas.microsoft.com/office/drawing/2017/decorative" xmlns="" val="1"/>
+                <adec:decorative xmlns:adec="http://schemas.microsoft.com/office/drawing/2017/decorative" val="1"/>
               </a:ext>
             </a:extLst>
           </p:cNvPr>
@@ -20305,7 +20089,7 @@
           <p:nvPr>
             <p:extLst>
               <p:ext uri="{386F3935-93C4-4BCD-93E2-E3B085C9AB24}">
-                <p16:designElem xmlns:p16="http://schemas.microsoft.com/office/powerpoint/2015/main" xmlns="" val="1"/>
+                <p16:designElem xmlns:p16="http://schemas.microsoft.com/office/powerpoint/2015/main" val="1"/>
               </p:ext>
             </p:extLst>
           </p:nvPr>
@@ -20352,10 +20136,10 @@
           <p:cNvPr id="26" name="Isosceles Triangle 25">
             <a:extLst>
               <a:ext uri="{FF2B5EF4-FFF2-40B4-BE49-F238E27FC236}">
-                <a16:creationId xmlns:a16="http://schemas.microsoft.com/office/drawing/2014/main" xmlns="" id="{2ED796EC-E7FF-46DB-B912-FB08BF12AA6E}"/>
+                <a16:creationId xmlns:a16="http://schemas.microsoft.com/office/drawing/2014/main" id="{2ED796EC-E7FF-46DB-B912-FB08BF12AA6E}"/>
               </a:ext>
               <a:ext uri="{C183D7F6-B498-43B3-948B-1728B52AA6E4}">
-                <adec:decorative xmlns:adec="http://schemas.microsoft.com/office/drawing/2017/decorative" xmlns="" val="1"/>
+                <adec:decorative xmlns:adec="http://schemas.microsoft.com/office/drawing/2017/decorative" val="1"/>
               </a:ext>
             </a:extLst>
           </p:cNvPr>
@@ -20365,7 +20149,7 @@
           <p:nvPr>
             <p:extLst>
               <p:ext uri="{386F3935-93C4-4BCD-93E2-E3B085C9AB24}">
-                <p16:designElem xmlns:p16="http://schemas.microsoft.com/office/powerpoint/2015/main" xmlns="" val="1"/>
+                <p16:designElem xmlns:p16="http://schemas.microsoft.com/office/powerpoint/2015/main" val="1"/>
               </p:ext>
             </p:extLst>
           </p:nvPr>
@@ -20408,10 +20192,10 @@
           <p:cNvPr id="28" name="Isosceles Triangle 27">
             <a:extLst>
               <a:ext uri="{FF2B5EF4-FFF2-40B4-BE49-F238E27FC236}">
-                <a16:creationId xmlns:a16="http://schemas.microsoft.com/office/drawing/2014/main" xmlns="" id="{549A2DAB-B431-487D-95AD-BB0FECB49E57}"/>
+                <a16:creationId xmlns:a16="http://schemas.microsoft.com/office/drawing/2014/main" id="{549A2DAB-B431-487D-95AD-BB0FECB49E57}"/>
               </a:ext>
               <a:ext uri="{C183D7F6-B498-43B3-948B-1728B52AA6E4}">
-                <adec:decorative xmlns:adec="http://schemas.microsoft.com/office/drawing/2017/decorative" xmlns="" val="1"/>
+                <adec:decorative xmlns:adec="http://schemas.microsoft.com/office/drawing/2017/decorative" val="1"/>
               </a:ext>
             </a:extLst>
           </p:cNvPr>
@@ -20421,7 +20205,7 @@
           <p:nvPr>
             <p:extLst>
               <p:ext uri="{386F3935-93C4-4BCD-93E2-E3B085C9AB24}">
-                <p16:designElem xmlns:p16="http://schemas.microsoft.com/office/powerpoint/2015/main" xmlns="" val="1"/>
+                <p16:designElem xmlns:p16="http://schemas.microsoft.com/office/powerpoint/2015/main" val="1"/>
               </p:ext>
             </p:extLst>
           </p:nvPr>
@@ -20466,10 +20250,10 @@
           <p:cNvPr id="30" name="Rectangle 27">
             <a:extLst>
               <a:ext uri="{FF2B5EF4-FFF2-40B4-BE49-F238E27FC236}">
-                <a16:creationId xmlns:a16="http://schemas.microsoft.com/office/drawing/2014/main" xmlns="" id="{0819F787-32B4-46A8-BC57-C6571BCEE243}"/>
+                <a16:creationId xmlns:a16="http://schemas.microsoft.com/office/drawing/2014/main" id="{0819F787-32B4-46A8-BC57-C6571BCEE243}"/>
               </a:ext>
               <a:ext uri="{C183D7F6-B498-43B3-948B-1728B52AA6E4}">
-                <adec:decorative xmlns:adec="http://schemas.microsoft.com/office/drawing/2017/decorative" xmlns="" val="1"/>
+                <adec:decorative xmlns:adec="http://schemas.microsoft.com/office/drawing/2017/decorative" val="1"/>
               </a:ext>
             </a:extLst>
           </p:cNvPr>
@@ -20479,7 +20263,7 @@
           <p:nvPr>
             <p:extLst>
               <p:ext uri="{386F3935-93C4-4BCD-93E2-E3B085C9AB24}">
-                <p16:designElem xmlns:p16="http://schemas.microsoft.com/office/powerpoint/2015/main" xmlns="" val="1"/>
+                <p16:designElem xmlns:p16="http://schemas.microsoft.com/office/powerpoint/2015/main" val="1"/>
               </p:ext>
             </p:extLst>
           </p:nvPr>
@@ -20544,10 +20328,10 @@
           <p:cNvPr id="32" name="Straight Connector 31">
             <a:extLst>
               <a:ext uri="{FF2B5EF4-FFF2-40B4-BE49-F238E27FC236}">
-                <a16:creationId xmlns:a16="http://schemas.microsoft.com/office/drawing/2014/main" xmlns="" id="{C5ECDEE1-7093-418F-9CF5-24EEB115C1C1}"/>
+                <a16:creationId xmlns:a16="http://schemas.microsoft.com/office/drawing/2014/main" id="{C5ECDEE1-7093-418F-9CF5-24EEB115C1C1}"/>
               </a:ext>
               <a:ext uri="{C183D7F6-B498-43B3-948B-1728B52AA6E4}">
-                <adec:decorative xmlns:adec="http://schemas.microsoft.com/office/drawing/2017/decorative" xmlns="" val="1"/>
+                <adec:decorative xmlns:adec="http://schemas.microsoft.com/office/drawing/2017/decorative" val="1"/>
               </a:ext>
             </a:extLst>
           </p:cNvPr>
@@ -20557,7 +20341,7 @@
           <p:nvPr>
             <p:extLst>
               <p:ext uri="{386F3935-93C4-4BCD-93E2-E3B085C9AB24}">
-                <p16:designElem xmlns:p16="http://schemas.microsoft.com/office/powerpoint/2015/main" xmlns="" val="1"/>
+                <p16:designElem xmlns:p16="http://schemas.microsoft.com/office/powerpoint/2015/main" val="1"/>
               </p:ext>
             </p:extLst>
           </p:nvPr>
@@ -20597,10 +20381,10 @@
           <p:cNvPr id="34" name="Straight Connector 33">
             <a:extLst>
               <a:ext uri="{FF2B5EF4-FFF2-40B4-BE49-F238E27FC236}">
-                <a16:creationId xmlns:a16="http://schemas.microsoft.com/office/drawing/2014/main" xmlns="" id="{045062AF-EB11-4651-BC4A-4DA21768DE8E}"/>
+                <a16:creationId xmlns:a16="http://schemas.microsoft.com/office/drawing/2014/main" id="{045062AF-EB11-4651-BC4A-4DA21768DE8E}"/>
               </a:ext>
               <a:ext uri="{C183D7F6-B498-43B3-948B-1728B52AA6E4}">
-                <adec:decorative xmlns:adec="http://schemas.microsoft.com/office/drawing/2017/decorative" xmlns="" val="1"/>
+                <adec:decorative xmlns:adec="http://schemas.microsoft.com/office/drawing/2017/decorative" val="1"/>
               </a:ext>
             </a:extLst>
           </p:cNvPr>
@@ -20610,7 +20394,7 @@
           <p:nvPr>
             <p:extLst>
               <p:ext uri="{386F3935-93C4-4BCD-93E2-E3B085C9AB24}">
-                <p16:designElem xmlns:p16="http://schemas.microsoft.com/office/powerpoint/2015/main" xmlns="" val="1"/>
+                <p16:designElem xmlns:p16="http://schemas.microsoft.com/office/powerpoint/2015/main" val="1"/>
               </p:ext>
             </p:extLst>
           </p:nvPr>
@@ -20649,7 +20433,7 @@
           <p:cNvPr id="2" name="Title 1">
             <a:extLst>
               <a:ext uri="{FF2B5EF4-FFF2-40B4-BE49-F238E27FC236}">
-                <a16:creationId xmlns:a16="http://schemas.microsoft.com/office/drawing/2014/main" xmlns="" id="{D075034A-6DCC-4B50-B96F-27AECCBEE6C5}"/>
+                <a16:creationId xmlns:a16="http://schemas.microsoft.com/office/drawing/2014/main" id="{D075034A-6DCC-4B50-B96F-27AECCBEE6C5}"/>
               </a:ext>
             </a:extLst>
           </p:cNvPr>
@@ -20685,7 +20469,7 @@
           <p:cNvPr id="9" name="Picture 8" descr="A close up of a device&#10;&#10;Description automatically generated">
             <a:extLst>
               <a:ext uri="{FF2B5EF4-FFF2-40B4-BE49-F238E27FC236}">
-                <a16:creationId xmlns:a16="http://schemas.microsoft.com/office/drawing/2014/main" xmlns="" id="{B0EBD32E-4949-493D-8540-22C082C41921}"/>
+                <a16:creationId xmlns:a16="http://schemas.microsoft.com/office/drawing/2014/main" id="{B0EBD32E-4949-493D-8540-22C082C41921}"/>
               </a:ext>
             </a:extLst>
           </p:cNvPr>
@@ -20726,13 +20510,6 @@
   <p:clrMapOvr>
     <a:masterClrMapping/>
   </p:clrMapOvr>
-  <p:timing>
-    <p:tnLst>
-      <p:par>
-        <p:cTn id="1" dur="indefinite" restart="never" nodeType="tmRoot"/>
-      </p:par>
-    </p:tnLst>
-  </p:timing>
 </p:sld>
 </file>
 
@@ -20766,7 +20543,7 @@
           <p:cNvPr id="2" name="Title 1">
             <a:extLst>
               <a:ext uri="{FF2B5EF4-FFF2-40B4-BE49-F238E27FC236}">
-                <a16:creationId xmlns:a16="http://schemas.microsoft.com/office/drawing/2014/main" xmlns="" id="{982E5FB2-E978-4BA4-9F75-5471C38516A4}"/>
+                <a16:creationId xmlns:a16="http://schemas.microsoft.com/office/drawing/2014/main" id="{982E5FB2-E978-4BA4-9F75-5471C38516A4}"/>
               </a:ext>
             </a:extLst>
           </p:cNvPr>
@@ -20801,7 +20578,7 @@
           <p:cNvPr id="5" name="Content Placeholder 2">
             <a:extLst>
               <a:ext uri="{FF2B5EF4-FFF2-40B4-BE49-F238E27FC236}">
-                <a16:creationId xmlns:a16="http://schemas.microsoft.com/office/drawing/2014/main" xmlns="" id="{80DFF5B3-01BC-410E-AD29-59D4DFD2C07F}"/>
+                <a16:creationId xmlns:a16="http://schemas.microsoft.com/office/drawing/2014/main" id="{80DFF5B3-01BC-410E-AD29-59D4DFD2C07F}"/>
               </a:ext>
             </a:extLst>
           </p:cNvPr>
@@ -20837,13 +20614,6 @@
   <p:clrMapOvr>
     <a:masterClrMapping/>
   </p:clrMapOvr>
-  <p:timing>
-    <p:tnLst>
-      <p:par>
-        <p:cTn id="1" dur="indefinite" restart="never" nodeType="tmRoot"/>
-      </p:par>
-    </p:tnLst>
-  </p:timing>
 </p:sld>
 </file>
 
@@ -20877,10 +20647,10 @@
           <p:cNvPr id="10" name="Rectangle 9">
             <a:extLst>
               <a:ext uri="{FF2B5EF4-FFF2-40B4-BE49-F238E27FC236}">
-                <a16:creationId xmlns:a16="http://schemas.microsoft.com/office/drawing/2014/main" xmlns="" id="{A65AC7D1-EAA9-48F5-B509-60A7F50BF703}"/>
+                <a16:creationId xmlns:a16="http://schemas.microsoft.com/office/drawing/2014/main" id="{A65AC7D1-EAA9-48F5-B509-60A7F50BF703}"/>
               </a:ext>
               <a:ext uri="{C183D7F6-B498-43B3-948B-1728B52AA6E4}">
-                <adec:decorative xmlns:adec="http://schemas.microsoft.com/office/drawing/2017/decorative" xmlns="" val="1"/>
+                <adec:decorative xmlns:adec="http://schemas.microsoft.com/office/drawing/2017/decorative" val="1"/>
               </a:ext>
             </a:extLst>
           </p:cNvPr>
@@ -20890,7 +20660,7 @@
           <p:nvPr>
             <p:extLst>
               <p:ext uri="{386F3935-93C4-4BCD-93E2-E3B085C9AB24}">
-                <p16:designElem xmlns:p16="http://schemas.microsoft.com/office/powerpoint/2015/main" xmlns="" val="1"/>
+                <p16:designElem xmlns:p16="http://schemas.microsoft.com/office/powerpoint/2015/main" val="1"/>
               </p:ext>
             </p:extLst>
           </p:nvPr>
@@ -20937,10 +20707,10 @@
           <p:cNvPr id="19" name="Rectangle 11">
             <a:extLst>
               <a:ext uri="{FF2B5EF4-FFF2-40B4-BE49-F238E27FC236}">
-                <a16:creationId xmlns:a16="http://schemas.microsoft.com/office/drawing/2014/main" xmlns="" id="{D6320AF9-619A-4175-865B-5663E1AEF4C5}"/>
+                <a16:creationId xmlns:a16="http://schemas.microsoft.com/office/drawing/2014/main" id="{D6320AF9-619A-4175-865B-5663E1AEF4C5}"/>
               </a:ext>
               <a:ext uri="{C183D7F6-B498-43B3-948B-1728B52AA6E4}">
-                <adec:decorative xmlns:adec="http://schemas.microsoft.com/office/drawing/2017/decorative" xmlns="" val="1"/>
+                <adec:decorative xmlns:adec="http://schemas.microsoft.com/office/drawing/2017/decorative" val="1"/>
               </a:ext>
             </a:extLst>
           </p:cNvPr>
@@ -20950,7 +20720,7 @@
           <p:nvPr>
             <p:extLst>
               <p:ext uri="{386F3935-93C4-4BCD-93E2-E3B085C9AB24}">
-                <p16:designElem xmlns:p16="http://schemas.microsoft.com/office/powerpoint/2015/main" xmlns="" val="1"/>
+                <p16:designElem xmlns:p16="http://schemas.microsoft.com/office/powerpoint/2015/main" val="1"/>
               </p:ext>
             </p:extLst>
           </p:nvPr>
@@ -20997,10 +20767,10 @@
           <p:cNvPr id="21" name="Straight Connector 13">
             <a:extLst>
               <a:ext uri="{FF2B5EF4-FFF2-40B4-BE49-F238E27FC236}">
-                <a16:creationId xmlns:a16="http://schemas.microsoft.com/office/drawing/2014/main" xmlns="" id="{063B6EC6-D752-4EE7-908B-F8F19E8C7FEA}"/>
+                <a16:creationId xmlns:a16="http://schemas.microsoft.com/office/drawing/2014/main" id="{063B6EC6-D752-4EE7-908B-F8F19E8C7FEA}"/>
               </a:ext>
               <a:ext uri="{C183D7F6-B498-43B3-948B-1728B52AA6E4}">
-                <adec:decorative xmlns:adec="http://schemas.microsoft.com/office/drawing/2017/decorative" xmlns="" val="1"/>
+                <adec:decorative xmlns:adec="http://schemas.microsoft.com/office/drawing/2017/decorative" val="1"/>
               </a:ext>
             </a:extLst>
           </p:cNvPr>
@@ -21010,7 +20780,7 @@
           <p:nvPr>
             <p:extLst>
               <p:ext uri="{386F3935-93C4-4BCD-93E2-E3B085C9AB24}">
-                <p16:designElem xmlns:p16="http://schemas.microsoft.com/office/powerpoint/2015/main" xmlns="" val="1"/>
+                <p16:designElem xmlns:p16="http://schemas.microsoft.com/office/powerpoint/2015/main" val="1"/>
               </p:ext>
             </p:extLst>
           </p:nvPr>
@@ -21051,10 +20821,10 @@
           <p:cNvPr id="23" name="Straight Connector 15">
             <a:extLst>
               <a:ext uri="{FF2B5EF4-FFF2-40B4-BE49-F238E27FC236}">
-                <a16:creationId xmlns:a16="http://schemas.microsoft.com/office/drawing/2014/main" xmlns="" id="{EFECD4E8-AD3E-4228-82A2-9461958EA94D}"/>
+                <a16:creationId xmlns:a16="http://schemas.microsoft.com/office/drawing/2014/main" id="{EFECD4E8-AD3E-4228-82A2-9461958EA94D}"/>
               </a:ext>
               <a:ext uri="{C183D7F6-B498-43B3-948B-1728B52AA6E4}">
-                <adec:decorative xmlns:adec="http://schemas.microsoft.com/office/drawing/2017/decorative" xmlns="" val="1"/>
+                <adec:decorative xmlns:adec="http://schemas.microsoft.com/office/drawing/2017/decorative" val="1"/>
               </a:ext>
             </a:extLst>
           </p:cNvPr>
@@ -21064,7 +20834,7 @@
           <p:nvPr>
             <p:extLst>
               <p:ext uri="{386F3935-93C4-4BCD-93E2-E3B085C9AB24}">
-                <p16:designElem xmlns:p16="http://schemas.microsoft.com/office/powerpoint/2015/main" xmlns="" val="1"/>
+                <p16:designElem xmlns:p16="http://schemas.microsoft.com/office/powerpoint/2015/main" val="1"/>
               </p:ext>
             </p:extLst>
           </p:nvPr>
@@ -21107,10 +20877,10 @@
           <p:cNvPr id="18" name="Rectangle 23">
             <a:extLst>
               <a:ext uri="{FF2B5EF4-FFF2-40B4-BE49-F238E27FC236}">
-                <a16:creationId xmlns:a16="http://schemas.microsoft.com/office/drawing/2014/main" xmlns="" id="{7E018740-5C2B-4A41-AC1A-7E68D1EC1954}"/>
+                <a16:creationId xmlns:a16="http://schemas.microsoft.com/office/drawing/2014/main" id="{7E018740-5C2B-4A41-AC1A-7E68D1EC1954}"/>
               </a:ext>
               <a:ext uri="{C183D7F6-B498-43B3-948B-1728B52AA6E4}">
-                <adec:decorative xmlns:adec="http://schemas.microsoft.com/office/drawing/2017/decorative" xmlns="" val="1"/>
+                <adec:decorative xmlns:adec="http://schemas.microsoft.com/office/drawing/2017/decorative" val="1"/>
               </a:ext>
             </a:extLst>
           </p:cNvPr>
@@ -21120,7 +20890,7 @@
           <p:nvPr>
             <p:extLst>
               <p:ext uri="{386F3935-93C4-4BCD-93E2-E3B085C9AB24}">
-                <p16:designElem xmlns:p16="http://schemas.microsoft.com/office/powerpoint/2015/main" xmlns="" val="1"/>
+                <p16:designElem xmlns:p16="http://schemas.microsoft.com/office/powerpoint/2015/main" val="1"/>
               </p:ext>
             </p:extLst>
           </p:nvPr>
@@ -21187,10 +20957,10 @@
           <p:cNvPr id="20" name="Rectangle 25">
             <a:extLst>
               <a:ext uri="{FF2B5EF4-FFF2-40B4-BE49-F238E27FC236}">
-                <a16:creationId xmlns:a16="http://schemas.microsoft.com/office/drawing/2014/main" xmlns="" id="{166F75A4-C475-4941-8EE2-B80A06A2C1BB}"/>
+                <a16:creationId xmlns:a16="http://schemas.microsoft.com/office/drawing/2014/main" id="{166F75A4-C475-4941-8EE2-B80A06A2C1BB}"/>
               </a:ext>
               <a:ext uri="{C183D7F6-B498-43B3-948B-1728B52AA6E4}">
-                <adec:decorative xmlns:adec="http://schemas.microsoft.com/office/drawing/2017/decorative" xmlns="" val="1"/>
+                <adec:decorative xmlns:adec="http://schemas.microsoft.com/office/drawing/2017/decorative" val="1"/>
               </a:ext>
             </a:extLst>
           </p:cNvPr>
@@ -21200,7 +20970,7 @@
           <p:nvPr>
             <p:extLst>
               <p:ext uri="{386F3935-93C4-4BCD-93E2-E3B085C9AB24}">
-                <p16:designElem xmlns:p16="http://schemas.microsoft.com/office/powerpoint/2015/main" xmlns="" val="1"/>
+                <p16:designElem xmlns:p16="http://schemas.microsoft.com/office/powerpoint/2015/main" val="1"/>
               </p:ext>
             </p:extLst>
           </p:nvPr>
@@ -21267,10 +21037,10 @@
           <p:cNvPr id="22" name="Isosceles Triangle 21">
             <a:extLst>
               <a:ext uri="{FF2B5EF4-FFF2-40B4-BE49-F238E27FC236}">
-                <a16:creationId xmlns:a16="http://schemas.microsoft.com/office/drawing/2014/main" xmlns="" id="{A032553A-72E8-4B0D-8405-FF9771C9AF05}"/>
+                <a16:creationId xmlns:a16="http://schemas.microsoft.com/office/drawing/2014/main" id="{A032553A-72E8-4B0D-8405-FF9771C9AF05}"/>
               </a:ext>
               <a:ext uri="{C183D7F6-B498-43B3-948B-1728B52AA6E4}">
-                <adec:decorative xmlns:adec="http://schemas.microsoft.com/office/drawing/2017/decorative" xmlns="" val="1"/>
+                <adec:decorative xmlns:adec="http://schemas.microsoft.com/office/drawing/2017/decorative" val="1"/>
               </a:ext>
             </a:extLst>
           </p:cNvPr>
@@ -21280,7 +21050,7 @@
           <p:nvPr>
             <p:extLst>
               <p:ext uri="{386F3935-93C4-4BCD-93E2-E3B085C9AB24}">
-                <p16:designElem xmlns:p16="http://schemas.microsoft.com/office/powerpoint/2015/main" xmlns="" val="1"/>
+                <p16:designElem xmlns:p16="http://schemas.microsoft.com/office/powerpoint/2015/main" val="1"/>
               </p:ext>
             </p:extLst>
           </p:nvPr>
@@ -21325,10 +21095,10 @@
           <p:cNvPr id="24" name="Rectangle 27">
             <a:extLst>
               <a:ext uri="{FF2B5EF4-FFF2-40B4-BE49-F238E27FC236}">
-                <a16:creationId xmlns:a16="http://schemas.microsoft.com/office/drawing/2014/main" xmlns="" id="{765800AC-C3B9-498E-87BC-29FAE4C76B21}"/>
+                <a16:creationId xmlns:a16="http://schemas.microsoft.com/office/drawing/2014/main" id="{765800AC-C3B9-498E-87BC-29FAE4C76B21}"/>
               </a:ext>
               <a:ext uri="{C183D7F6-B498-43B3-948B-1728B52AA6E4}">
-                <adec:decorative xmlns:adec="http://schemas.microsoft.com/office/drawing/2017/decorative" xmlns="" val="1"/>
+                <adec:decorative xmlns:adec="http://schemas.microsoft.com/office/drawing/2017/decorative" val="1"/>
               </a:ext>
             </a:extLst>
           </p:cNvPr>
@@ -21338,7 +21108,7 @@
           <p:nvPr>
             <p:extLst>
               <p:ext uri="{386F3935-93C4-4BCD-93E2-E3B085C9AB24}">
-                <p16:designElem xmlns:p16="http://schemas.microsoft.com/office/powerpoint/2015/main" xmlns="" val="1"/>
+                <p16:designElem xmlns:p16="http://schemas.microsoft.com/office/powerpoint/2015/main" val="1"/>
               </p:ext>
             </p:extLst>
           </p:nvPr>
@@ -21406,10 +21176,10 @@
           <p:cNvPr id="26" name="Isosceles Triangle 25">
             <a:extLst>
               <a:ext uri="{FF2B5EF4-FFF2-40B4-BE49-F238E27FC236}">
-                <a16:creationId xmlns:a16="http://schemas.microsoft.com/office/drawing/2014/main" xmlns="" id="{1F9D6ACB-2FF4-49F9-978A-E0D5327FC635}"/>
+                <a16:creationId xmlns:a16="http://schemas.microsoft.com/office/drawing/2014/main" id="{1F9D6ACB-2FF4-49F9-978A-E0D5327FC635}"/>
               </a:ext>
               <a:ext uri="{C183D7F6-B498-43B3-948B-1728B52AA6E4}">
-                <adec:decorative xmlns:adec="http://schemas.microsoft.com/office/drawing/2017/decorative" xmlns="" val="1"/>
+                <adec:decorative xmlns:adec="http://schemas.microsoft.com/office/drawing/2017/decorative" val="1"/>
               </a:ext>
             </a:extLst>
           </p:cNvPr>
@@ -21419,7 +21189,7 @@
           <p:nvPr>
             <p:extLst>
               <p:ext uri="{386F3935-93C4-4BCD-93E2-E3B085C9AB24}">
-                <p16:designElem xmlns:p16="http://schemas.microsoft.com/office/powerpoint/2015/main" xmlns="" val="1"/>
+                <p16:designElem xmlns:p16="http://schemas.microsoft.com/office/powerpoint/2015/main" val="1"/>
               </p:ext>
             </p:extLst>
           </p:nvPr>
@@ -21464,10 +21234,10 @@
           <p:cNvPr id="28" name="Freeform: Shape 27">
             <a:extLst>
               <a:ext uri="{FF2B5EF4-FFF2-40B4-BE49-F238E27FC236}">
-                <a16:creationId xmlns:a16="http://schemas.microsoft.com/office/drawing/2014/main" xmlns="" id="{A5EC319D-0FEA-4B95-A3EA-01E35672C95B}"/>
+                <a16:creationId xmlns:a16="http://schemas.microsoft.com/office/drawing/2014/main" id="{A5EC319D-0FEA-4B95-A3EA-01E35672C95B}"/>
               </a:ext>
               <a:ext uri="{C183D7F6-B498-43B3-948B-1728B52AA6E4}">
-                <adec:decorative xmlns:adec="http://schemas.microsoft.com/office/drawing/2017/decorative" xmlns="" val="1"/>
+                <adec:decorative xmlns:adec="http://schemas.microsoft.com/office/drawing/2017/decorative" val="1"/>
               </a:ext>
             </a:extLst>
           </p:cNvPr>
@@ -21477,7 +21247,7 @@
           <p:nvPr>
             <p:extLst>
               <p:ext uri="{386F3935-93C4-4BCD-93E2-E3B085C9AB24}">
-                <p16:designElem xmlns:p16="http://schemas.microsoft.com/office/powerpoint/2015/main" xmlns="" val="1"/>
+                <p16:designElem xmlns:p16="http://schemas.microsoft.com/office/powerpoint/2015/main" val="1"/>
               </p:ext>
             </p:extLst>
           </p:nvPr>
@@ -21598,7 +21368,7 @@
           <p:cNvPr id="2" name="Title 1">
             <a:extLst>
               <a:ext uri="{FF2B5EF4-FFF2-40B4-BE49-F238E27FC236}">
-                <a16:creationId xmlns:a16="http://schemas.microsoft.com/office/drawing/2014/main" xmlns="" id="{AAF610D5-077C-4B8E-9993-1BC7ADB8BA0A}"/>
+                <a16:creationId xmlns:a16="http://schemas.microsoft.com/office/drawing/2014/main" id="{AAF610D5-077C-4B8E-9993-1BC7ADB8BA0A}"/>
               </a:ext>
             </a:extLst>
           </p:cNvPr>
@@ -21645,7 +21415,7 @@
           <p:cNvPr id="5" name="Picture 4" descr="A screen shot of a computer&#10;&#10;Description automatically generated">
             <a:extLst>
               <a:ext uri="{FF2B5EF4-FFF2-40B4-BE49-F238E27FC236}">
-                <a16:creationId xmlns:a16="http://schemas.microsoft.com/office/drawing/2014/main" xmlns="" id="{DA159562-D4C0-485C-8FC9-95A5A31F9557}"/>
+                <a16:creationId xmlns:a16="http://schemas.microsoft.com/office/drawing/2014/main" id="{DA159562-D4C0-485C-8FC9-95A5A31F9557}"/>
               </a:ext>
             </a:extLst>
           </p:cNvPr>
@@ -21681,7 +21451,7 @@
           <p:cNvPr id="3" name="Content Placeholder 2">
             <a:extLst>
               <a:ext uri="{FF2B5EF4-FFF2-40B4-BE49-F238E27FC236}">
-                <a16:creationId xmlns:a16="http://schemas.microsoft.com/office/drawing/2014/main" xmlns="" id="{A674F310-E755-4621-B164-234DAB8B0A6C}"/>
+                <a16:creationId xmlns:a16="http://schemas.microsoft.com/office/drawing/2014/main" id="{A674F310-E755-4621-B164-234DAB8B0A6C}"/>
               </a:ext>
             </a:extLst>
           </p:cNvPr>
@@ -21727,7 +21497,7 @@
           <a:p>
             <a:pPr lvl="1"/>
             <a:r>
-              <a:rPr lang="en-AU" dirty="0" smtClean="0">
+              <a:rPr lang="en-AU" dirty="0">
                 <a:solidFill>
                   <a:srgbClr val="FFFFFF"/>
                 </a:solidFill>
@@ -21738,20 +21508,12 @@
           <a:p>
             <a:pPr lvl="1"/>
             <a:r>
-              <a:rPr lang="en-AU" dirty="0" smtClean="0">
-                <a:solidFill>
-                  <a:srgbClr val="FFFFFF"/>
-                </a:solidFill>
-              </a:rPr>
-              <a:t>Browse </a:t>
-            </a:r>
-            <a:r>
               <a:rPr lang="en-AU" dirty="0">
                 <a:solidFill>
                   <a:srgbClr val="FFFFFF"/>
                 </a:solidFill>
               </a:rPr>
-              <a:t>nearby hunts</a:t>
+              <a:t>Browse nearby hunts</a:t>
             </a:r>
           </a:p>
           <a:p>
@@ -21802,13 +21564,6 @@
   <p:clrMapOvr>
     <a:masterClrMapping/>
   </p:clrMapOvr>
-  <p:timing>
-    <p:tnLst>
-      <p:par>
-        <p:cTn id="1" dur="indefinite" restart="never" nodeType="tmRoot"/>
-      </p:par>
-    </p:tnLst>
-  </p:timing>
 </p:sld>
 </file>
 
@@ -21842,10 +21597,10 @@
           <p:cNvPr id="10" name="Rectangle 9">
             <a:extLst>
               <a:ext uri="{FF2B5EF4-FFF2-40B4-BE49-F238E27FC236}">
-                <a16:creationId xmlns:a16="http://schemas.microsoft.com/office/drawing/2014/main" xmlns="" id="{A65AC7D1-EAA9-48F5-B509-60A7F50BF703}"/>
+                <a16:creationId xmlns:a16="http://schemas.microsoft.com/office/drawing/2014/main" id="{A65AC7D1-EAA9-48F5-B509-60A7F50BF703}"/>
               </a:ext>
               <a:ext uri="{C183D7F6-B498-43B3-948B-1728B52AA6E4}">
-                <adec:decorative xmlns:adec="http://schemas.microsoft.com/office/drawing/2017/decorative" xmlns="" val="1"/>
+                <adec:decorative xmlns:adec="http://schemas.microsoft.com/office/drawing/2017/decorative" val="1"/>
               </a:ext>
             </a:extLst>
           </p:cNvPr>
@@ -21855,7 +21610,7 @@
           <p:nvPr>
             <p:extLst>
               <p:ext uri="{386F3935-93C4-4BCD-93E2-E3B085C9AB24}">
-                <p16:designElem xmlns:p16="http://schemas.microsoft.com/office/powerpoint/2015/main" xmlns="" val="1"/>
+                <p16:designElem xmlns:p16="http://schemas.microsoft.com/office/powerpoint/2015/main" val="1"/>
               </p:ext>
             </p:extLst>
           </p:nvPr>
@@ -21902,10 +21657,10 @@
           <p:cNvPr id="12" name="Rectangle 11">
             <a:extLst>
               <a:ext uri="{FF2B5EF4-FFF2-40B4-BE49-F238E27FC236}">
-                <a16:creationId xmlns:a16="http://schemas.microsoft.com/office/drawing/2014/main" xmlns="" id="{D6320AF9-619A-4175-865B-5663E1AEF4C5}"/>
+                <a16:creationId xmlns:a16="http://schemas.microsoft.com/office/drawing/2014/main" id="{D6320AF9-619A-4175-865B-5663E1AEF4C5}"/>
               </a:ext>
               <a:ext uri="{C183D7F6-B498-43B3-948B-1728B52AA6E4}">
-                <adec:decorative xmlns:adec="http://schemas.microsoft.com/office/drawing/2017/decorative" xmlns="" val="1"/>
+                <adec:decorative xmlns:adec="http://schemas.microsoft.com/office/drawing/2017/decorative" val="1"/>
               </a:ext>
             </a:extLst>
           </p:cNvPr>
@@ -21915,7 +21670,7 @@
           <p:nvPr>
             <p:extLst>
               <p:ext uri="{386F3935-93C4-4BCD-93E2-E3B085C9AB24}">
-                <p16:designElem xmlns:p16="http://schemas.microsoft.com/office/powerpoint/2015/main" xmlns="" val="1"/>
+                <p16:designElem xmlns:p16="http://schemas.microsoft.com/office/powerpoint/2015/main" val="1"/>
               </p:ext>
             </p:extLst>
           </p:nvPr>
@@ -21962,10 +21717,10 @@
           <p:cNvPr id="14" name="Straight Connector 13">
             <a:extLst>
               <a:ext uri="{FF2B5EF4-FFF2-40B4-BE49-F238E27FC236}">
-                <a16:creationId xmlns:a16="http://schemas.microsoft.com/office/drawing/2014/main" xmlns="" id="{063B6EC6-D752-4EE7-908B-F8F19E8C7FEA}"/>
+                <a16:creationId xmlns:a16="http://schemas.microsoft.com/office/drawing/2014/main" id="{063B6EC6-D752-4EE7-908B-F8F19E8C7FEA}"/>
               </a:ext>
               <a:ext uri="{C183D7F6-B498-43B3-948B-1728B52AA6E4}">
-                <adec:decorative xmlns:adec="http://schemas.microsoft.com/office/drawing/2017/decorative" xmlns="" val="1"/>
+                <adec:decorative xmlns:adec="http://schemas.microsoft.com/office/drawing/2017/decorative" val="1"/>
               </a:ext>
             </a:extLst>
           </p:cNvPr>
@@ -21975,7 +21730,7 @@
           <p:nvPr>
             <p:extLst>
               <p:ext uri="{386F3935-93C4-4BCD-93E2-E3B085C9AB24}">
-                <p16:designElem xmlns:p16="http://schemas.microsoft.com/office/powerpoint/2015/main" xmlns="" val="1"/>
+                <p16:designElem xmlns:p16="http://schemas.microsoft.com/office/powerpoint/2015/main" val="1"/>
               </p:ext>
             </p:extLst>
           </p:nvPr>
@@ -22016,10 +21771,10 @@
           <p:cNvPr id="16" name="Straight Connector 15">
             <a:extLst>
               <a:ext uri="{FF2B5EF4-FFF2-40B4-BE49-F238E27FC236}">
-                <a16:creationId xmlns:a16="http://schemas.microsoft.com/office/drawing/2014/main" xmlns="" id="{EFECD4E8-AD3E-4228-82A2-9461958EA94D}"/>
+                <a16:creationId xmlns:a16="http://schemas.microsoft.com/office/drawing/2014/main" id="{EFECD4E8-AD3E-4228-82A2-9461958EA94D}"/>
               </a:ext>
               <a:ext uri="{C183D7F6-B498-43B3-948B-1728B52AA6E4}">
-                <adec:decorative xmlns:adec="http://schemas.microsoft.com/office/drawing/2017/decorative" xmlns="" val="1"/>
+                <adec:decorative xmlns:adec="http://schemas.microsoft.com/office/drawing/2017/decorative" val="1"/>
               </a:ext>
             </a:extLst>
           </p:cNvPr>
@@ -22029,7 +21784,7 @@
           <p:nvPr>
             <p:extLst>
               <p:ext uri="{386F3935-93C4-4BCD-93E2-E3B085C9AB24}">
-                <p16:designElem xmlns:p16="http://schemas.microsoft.com/office/powerpoint/2015/main" xmlns="" val="1"/>
+                <p16:designElem xmlns:p16="http://schemas.microsoft.com/office/powerpoint/2015/main" val="1"/>
               </p:ext>
             </p:extLst>
           </p:nvPr>
@@ -22072,10 +21827,10 @@
           <p:cNvPr id="18" name="Rectangle 23">
             <a:extLst>
               <a:ext uri="{FF2B5EF4-FFF2-40B4-BE49-F238E27FC236}">
-                <a16:creationId xmlns:a16="http://schemas.microsoft.com/office/drawing/2014/main" xmlns="" id="{7E018740-5C2B-4A41-AC1A-7E68D1EC1954}"/>
+                <a16:creationId xmlns:a16="http://schemas.microsoft.com/office/drawing/2014/main" id="{7E018740-5C2B-4A41-AC1A-7E68D1EC1954}"/>
               </a:ext>
               <a:ext uri="{C183D7F6-B498-43B3-948B-1728B52AA6E4}">
-                <adec:decorative xmlns:adec="http://schemas.microsoft.com/office/drawing/2017/decorative" xmlns="" val="1"/>
+                <adec:decorative xmlns:adec="http://schemas.microsoft.com/office/drawing/2017/decorative" val="1"/>
               </a:ext>
             </a:extLst>
           </p:cNvPr>
@@ -22085,7 +21840,7 @@
           <p:nvPr>
             <p:extLst>
               <p:ext uri="{386F3935-93C4-4BCD-93E2-E3B085C9AB24}">
-                <p16:designElem xmlns:p16="http://schemas.microsoft.com/office/powerpoint/2015/main" xmlns="" val="1"/>
+                <p16:designElem xmlns:p16="http://schemas.microsoft.com/office/powerpoint/2015/main" val="1"/>
               </p:ext>
             </p:extLst>
           </p:nvPr>
@@ -22152,10 +21907,10 @@
           <p:cNvPr id="20" name="Rectangle 25">
             <a:extLst>
               <a:ext uri="{FF2B5EF4-FFF2-40B4-BE49-F238E27FC236}">
-                <a16:creationId xmlns:a16="http://schemas.microsoft.com/office/drawing/2014/main" xmlns="" id="{166F75A4-C475-4941-8EE2-B80A06A2C1BB}"/>
+                <a16:creationId xmlns:a16="http://schemas.microsoft.com/office/drawing/2014/main" id="{166F75A4-C475-4941-8EE2-B80A06A2C1BB}"/>
               </a:ext>
               <a:ext uri="{C183D7F6-B498-43B3-948B-1728B52AA6E4}">
-                <adec:decorative xmlns:adec="http://schemas.microsoft.com/office/drawing/2017/decorative" xmlns="" val="1"/>
+                <adec:decorative xmlns:adec="http://schemas.microsoft.com/office/drawing/2017/decorative" val="1"/>
               </a:ext>
             </a:extLst>
           </p:cNvPr>
@@ -22165,7 +21920,7 @@
           <p:nvPr>
             <p:extLst>
               <p:ext uri="{386F3935-93C4-4BCD-93E2-E3B085C9AB24}">
-                <p16:designElem xmlns:p16="http://schemas.microsoft.com/office/powerpoint/2015/main" xmlns="" val="1"/>
+                <p16:designElem xmlns:p16="http://schemas.microsoft.com/office/powerpoint/2015/main" val="1"/>
               </p:ext>
             </p:extLst>
           </p:nvPr>
@@ -22232,10 +21987,10 @@
           <p:cNvPr id="22" name="Isosceles Triangle 21">
             <a:extLst>
               <a:ext uri="{FF2B5EF4-FFF2-40B4-BE49-F238E27FC236}">
-                <a16:creationId xmlns:a16="http://schemas.microsoft.com/office/drawing/2014/main" xmlns="" id="{A032553A-72E8-4B0D-8405-FF9771C9AF05}"/>
+                <a16:creationId xmlns:a16="http://schemas.microsoft.com/office/drawing/2014/main" id="{A032553A-72E8-4B0D-8405-FF9771C9AF05}"/>
               </a:ext>
               <a:ext uri="{C183D7F6-B498-43B3-948B-1728B52AA6E4}">
-                <adec:decorative xmlns:adec="http://schemas.microsoft.com/office/drawing/2017/decorative" xmlns="" val="1"/>
+                <adec:decorative xmlns:adec="http://schemas.microsoft.com/office/drawing/2017/decorative" val="1"/>
               </a:ext>
             </a:extLst>
           </p:cNvPr>
@@ -22245,7 +22000,7 @@
           <p:nvPr>
             <p:extLst>
               <p:ext uri="{386F3935-93C4-4BCD-93E2-E3B085C9AB24}">
-                <p16:designElem xmlns:p16="http://schemas.microsoft.com/office/powerpoint/2015/main" xmlns="" val="1"/>
+                <p16:designElem xmlns:p16="http://schemas.microsoft.com/office/powerpoint/2015/main" val="1"/>
               </p:ext>
             </p:extLst>
           </p:nvPr>
@@ -22290,10 +22045,10 @@
           <p:cNvPr id="24" name="Rectangle 27">
             <a:extLst>
               <a:ext uri="{FF2B5EF4-FFF2-40B4-BE49-F238E27FC236}">
-                <a16:creationId xmlns:a16="http://schemas.microsoft.com/office/drawing/2014/main" xmlns="" id="{765800AC-C3B9-498E-87BC-29FAE4C76B21}"/>
+                <a16:creationId xmlns:a16="http://schemas.microsoft.com/office/drawing/2014/main" id="{765800AC-C3B9-498E-87BC-29FAE4C76B21}"/>
               </a:ext>
               <a:ext uri="{C183D7F6-B498-43B3-948B-1728B52AA6E4}">
-                <adec:decorative xmlns:adec="http://schemas.microsoft.com/office/drawing/2017/decorative" xmlns="" val="1"/>
+                <adec:decorative xmlns:adec="http://schemas.microsoft.com/office/drawing/2017/decorative" val="1"/>
               </a:ext>
             </a:extLst>
           </p:cNvPr>
@@ -22303,7 +22058,7 @@
           <p:nvPr>
             <p:extLst>
               <p:ext uri="{386F3935-93C4-4BCD-93E2-E3B085C9AB24}">
-                <p16:designElem xmlns:p16="http://schemas.microsoft.com/office/powerpoint/2015/main" xmlns="" val="1"/>
+                <p16:designElem xmlns:p16="http://schemas.microsoft.com/office/powerpoint/2015/main" val="1"/>
               </p:ext>
             </p:extLst>
           </p:nvPr>
@@ -22371,10 +22126,10 @@
           <p:cNvPr id="26" name="Isosceles Triangle 25">
             <a:extLst>
               <a:ext uri="{FF2B5EF4-FFF2-40B4-BE49-F238E27FC236}">
-                <a16:creationId xmlns:a16="http://schemas.microsoft.com/office/drawing/2014/main" xmlns="" id="{1F9D6ACB-2FF4-49F9-978A-E0D5327FC635}"/>
+                <a16:creationId xmlns:a16="http://schemas.microsoft.com/office/drawing/2014/main" id="{1F9D6ACB-2FF4-49F9-978A-E0D5327FC635}"/>
               </a:ext>
               <a:ext uri="{C183D7F6-B498-43B3-948B-1728B52AA6E4}">
-                <adec:decorative xmlns:adec="http://schemas.microsoft.com/office/drawing/2017/decorative" xmlns="" val="1"/>
+                <adec:decorative xmlns:adec="http://schemas.microsoft.com/office/drawing/2017/decorative" val="1"/>
               </a:ext>
             </a:extLst>
           </p:cNvPr>
@@ -22384,7 +22139,7 @@
           <p:nvPr>
             <p:extLst>
               <p:ext uri="{386F3935-93C4-4BCD-93E2-E3B085C9AB24}">
-                <p16:designElem xmlns:p16="http://schemas.microsoft.com/office/powerpoint/2015/main" xmlns="" val="1"/>
+                <p16:designElem xmlns:p16="http://schemas.microsoft.com/office/powerpoint/2015/main" val="1"/>
               </p:ext>
             </p:extLst>
           </p:nvPr>
@@ -22429,10 +22184,10 @@
           <p:cNvPr id="28" name="Freeform: Shape 27">
             <a:extLst>
               <a:ext uri="{FF2B5EF4-FFF2-40B4-BE49-F238E27FC236}">
-                <a16:creationId xmlns:a16="http://schemas.microsoft.com/office/drawing/2014/main" xmlns="" id="{A5EC319D-0FEA-4B95-A3EA-01E35672C95B}"/>
+                <a16:creationId xmlns:a16="http://schemas.microsoft.com/office/drawing/2014/main" id="{A5EC319D-0FEA-4B95-A3EA-01E35672C95B}"/>
               </a:ext>
               <a:ext uri="{C183D7F6-B498-43B3-948B-1728B52AA6E4}">
-                <adec:decorative xmlns:adec="http://schemas.microsoft.com/office/drawing/2017/decorative" xmlns="" val="1"/>
+                <adec:decorative xmlns:adec="http://schemas.microsoft.com/office/drawing/2017/decorative" val="1"/>
               </a:ext>
             </a:extLst>
           </p:cNvPr>
@@ -22442,7 +22197,7 @@
           <p:nvPr>
             <p:extLst>
               <p:ext uri="{386F3935-93C4-4BCD-93E2-E3B085C9AB24}">
-                <p16:designElem xmlns:p16="http://schemas.microsoft.com/office/powerpoint/2015/main" xmlns="" val="1"/>
+                <p16:designElem xmlns:p16="http://schemas.microsoft.com/office/powerpoint/2015/main" val="1"/>
               </p:ext>
             </p:extLst>
           </p:nvPr>
@@ -22563,7 +22318,7 @@
           <p:cNvPr id="2" name="Title 1">
             <a:extLst>
               <a:ext uri="{FF2B5EF4-FFF2-40B4-BE49-F238E27FC236}">
-                <a16:creationId xmlns:a16="http://schemas.microsoft.com/office/drawing/2014/main" xmlns="" id="{F8B55763-03D8-4A3D-A801-C102DB9495A5}"/>
+                <a16:creationId xmlns:a16="http://schemas.microsoft.com/office/drawing/2014/main" id="{F8B55763-03D8-4A3D-A801-C102DB9495A5}"/>
               </a:ext>
             </a:extLst>
           </p:cNvPr>
@@ -22610,7 +22365,7 @@
           <p:cNvPr id="5" name="Picture 4" descr="A screenshot of a cell phone&#10;&#10;Description automatically generated">
             <a:extLst>
               <a:ext uri="{FF2B5EF4-FFF2-40B4-BE49-F238E27FC236}">
-                <a16:creationId xmlns:a16="http://schemas.microsoft.com/office/drawing/2014/main" xmlns="" id="{ED1BD8B9-9BB4-42DD-853D-854D7A697F1F}"/>
+                <a16:creationId xmlns:a16="http://schemas.microsoft.com/office/drawing/2014/main" id="{ED1BD8B9-9BB4-42DD-853D-854D7A697F1F}"/>
               </a:ext>
             </a:extLst>
           </p:cNvPr>
@@ -22646,7 +22401,7 @@
           <p:cNvPr id="3" name="Content Placeholder 2">
             <a:extLst>
               <a:ext uri="{FF2B5EF4-FFF2-40B4-BE49-F238E27FC236}">
-                <a16:creationId xmlns:a16="http://schemas.microsoft.com/office/drawing/2014/main" xmlns="" id="{23794222-F3D8-4963-8BE5-62E700D4B400}"/>
+                <a16:creationId xmlns:a16="http://schemas.microsoft.com/office/drawing/2014/main" id="{23794222-F3D8-4963-8BE5-62E700D4B400}"/>
               </a:ext>
             </a:extLst>
           </p:cNvPr>
@@ -22690,13 +22445,6 @@
   <p:clrMapOvr>
     <a:masterClrMapping/>
   </p:clrMapOvr>
-  <p:timing>
-    <p:tnLst>
-      <p:par>
-        <p:cTn id="1" dur="indefinite" restart="never" nodeType="tmRoot"/>
-      </p:par>
-    </p:tnLst>
-  </p:timing>
 </p:sld>
 </file>
 
@@ -22730,7 +22478,7 @@
           <p:cNvPr id="2" name="Title 1">
             <a:extLst>
               <a:ext uri="{FF2B5EF4-FFF2-40B4-BE49-F238E27FC236}">
-                <a16:creationId xmlns:a16="http://schemas.microsoft.com/office/drawing/2014/main" xmlns="" id="{FEC8FBC6-B44F-4B2C-B9EE-F2964F5A63DA}"/>
+                <a16:creationId xmlns:a16="http://schemas.microsoft.com/office/drawing/2014/main" id="{FEC8FBC6-B44F-4B2C-B9EE-F2964F5A63DA}"/>
               </a:ext>
             </a:extLst>
           </p:cNvPr>
@@ -22769,7 +22517,7 @@
           <p:cNvPr id="5" name="Picture 4" descr="A close up of a computer screen&#10;&#10;Description automatically generated">
             <a:extLst>
               <a:ext uri="{FF2B5EF4-FFF2-40B4-BE49-F238E27FC236}">
-                <a16:creationId xmlns:a16="http://schemas.microsoft.com/office/drawing/2014/main" xmlns="" id="{5DAB9CB2-C404-41A8-8D7D-F305789FD315}"/>
+                <a16:creationId xmlns:a16="http://schemas.microsoft.com/office/drawing/2014/main" id="{5DAB9CB2-C404-41A8-8D7D-F305789FD315}"/>
               </a:ext>
             </a:extLst>
           </p:cNvPr>
@@ -22831,10 +22579,10 @@
           <p:cNvPr id="12" name="Isosceles Triangle 9">
             <a:extLst>
               <a:ext uri="{FF2B5EF4-FFF2-40B4-BE49-F238E27FC236}">
-                <a16:creationId xmlns:a16="http://schemas.microsoft.com/office/drawing/2014/main" xmlns="" id="{EB6743CF-E74B-4A3C-A785-599069DB89DF}"/>
+                <a16:creationId xmlns:a16="http://schemas.microsoft.com/office/drawing/2014/main" id="{EB6743CF-E74B-4A3C-A785-599069DB89DF}"/>
               </a:ext>
               <a:ext uri="{C183D7F6-B498-43B3-948B-1728B52AA6E4}">
-                <adec:decorative xmlns:adec="http://schemas.microsoft.com/office/drawing/2017/decorative" xmlns="" val="1"/>
+                <adec:decorative xmlns:adec="http://schemas.microsoft.com/office/drawing/2017/decorative" val="1"/>
               </a:ext>
             </a:extLst>
           </p:cNvPr>
@@ -22844,7 +22592,7 @@
           <p:nvPr>
             <p:extLst>
               <p:ext uri="{386F3935-93C4-4BCD-93E2-E3B085C9AB24}">
-                <p16:designElem xmlns:p16="http://schemas.microsoft.com/office/powerpoint/2015/main" xmlns="" val="1"/>
+                <p16:designElem xmlns:p16="http://schemas.microsoft.com/office/powerpoint/2015/main" val="1"/>
               </p:ext>
             </p:extLst>
           </p:nvPr>
@@ -22887,7 +22635,7 @@
           <p:cNvPr id="3" name="Content Placeholder 2">
             <a:extLst>
               <a:ext uri="{FF2B5EF4-FFF2-40B4-BE49-F238E27FC236}">
-                <a16:creationId xmlns:a16="http://schemas.microsoft.com/office/drawing/2014/main" xmlns="" id="{731E05F7-FA0F-4836-BE38-BE7F10BA5A11}"/>
+                <a16:creationId xmlns:a16="http://schemas.microsoft.com/office/drawing/2014/main" id="{731E05F7-FA0F-4836-BE38-BE7F10BA5A11}"/>
               </a:ext>
             </a:extLst>
           </p:cNvPr>
@@ -22912,15 +22660,7 @@
           <a:p>
             <a:r>
               <a:rPr lang="en-AU" dirty="0"/>
-              <a:t>To create </a:t>
-            </a:r>
-            <a:r>
-              <a:rPr lang="en-AU" dirty="0" smtClean="0"/>
-              <a:t>a location, </a:t>
-            </a:r>
-            <a:r>
-              <a:rPr lang="en-AU" dirty="0"/>
-              <a:t>users:</a:t>
+              <a:t>To create a location, users:</a:t>
             </a:r>
           </a:p>
           <a:p>
@@ -22929,7 +22669,7 @@
               <a:buAutoNum type="arabicPeriod"/>
             </a:pPr>
             <a:r>
-              <a:rPr lang="en-AU" dirty="0" smtClean="0"/>
+              <a:rPr lang="en-AU" dirty="0"/>
               <a:t>Take a photo using the in-app camera.</a:t>
             </a:r>
           </a:p>
@@ -22939,38 +22679,14 @@
               <a:buAutoNum type="arabicPeriod"/>
             </a:pPr>
             <a:r>
-              <a:rPr lang="en-AU" dirty="0" smtClean="0"/>
-              <a:t>Enter </a:t>
+              <a:rPr lang="en-AU" dirty="0"/>
+              <a:t>Enter a location name and short description.</a:t>
             </a:r>
+          </a:p>
+          <a:p>
             <a:r>
               <a:rPr lang="en-AU" dirty="0"/>
-              <a:t>a </a:t>
-            </a:r>
-            <a:r>
-              <a:rPr lang="en-AU" dirty="0" smtClean="0"/>
-              <a:t>location </a:t>
-            </a:r>
-            <a:r>
-              <a:rPr lang="en-AU" dirty="0"/>
-              <a:t>name and short description.</a:t>
-            </a:r>
-          </a:p>
-          <a:p>
-            <a:r>
-              <a:rPr lang="en-AU" dirty="0" smtClean="0"/>
-              <a:t>The </a:t>
-            </a:r>
-            <a:r>
-              <a:rPr lang="en-AU" dirty="0"/>
-              <a:t>created </a:t>
-            </a:r>
-            <a:r>
-              <a:rPr lang="en-AU" dirty="0" smtClean="0"/>
-              <a:t>location and the photo are </a:t>
-            </a:r>
-            <a:r>
-              <a:rPr lang="en-AU" dirty="0"/>
-              <a:t>stored in the cloud database</a:t>
+              <a:t>The created location and the photo are stored in the cloud database</a:t>
             </a:r>
           </a:p>
           <a:p>
@@ -22992,13 +22708,6 @@
   <p:clrMapOvr>
     <a:masterClrMapping/>
   </p:clrMapOvr>
-  <p:timing>
-    <p:tnLst>
-      <p:par>
-        <p:cTn id="1" dur="indefinite" restart="never" nodeType="tmRoot"/>
-      </p:par>
-    </p:tnLst>
-  </p:timing>
 </p:sld>
 </file>
 
@@ -23032,10 +22741,10 @@
           <p:cNvPr id="30" name="Rectangle 9">
             <a:extLst>
               <a:ext uri="{FF2B5EF4-FFF2-40B4-BE49-F238E27FC236}">
-                <a16:creationId xmlns:a16="http://schemas.microsoft.com/office/drawing/2014/main" xmlns="" id="{9F4444CE-BC8D-4D61-B303-4C05614E62AB}"/>
+                <a16:creationId xmlns:a16="http://schemas.microsoft.com/office/drawing/2014/main" id="{9F4444CE-BC8D-4D61-B303-4C05614E62AB}"/>
               </a:ext>
               <a:ext uri="{C183D7F6-B498-43B3-948B-1728B52AA6E4}">
-                <adec:decorative xmlns:adec="http://schemas.microsoft.com/office/drawing/2017/decorative" xmlns="" val="1"/>
+                <adec:decorative xmlns:adec="http://schemas.microsoft.com/office/drawing/2017/decorative" val="1"/>
               </a:ext>
             </a:extLst>
           </p:cNvPr>
@@ -23045,7 +22754,7 @@
           <p:nvPr>
             <p:extLst>
               <p:ext uri="{386F3935-93C4-4BCD-93E2-E3B085C9AB24}">
-                <p16:designElem xmlns:p16="http://schemas.microsoft.com/office/powerpoint/2015/main" xmlns="" val="1"/>
+                <p16:designElem xmlns:p16="http://schemas.microsoft.com/office/powerpoint/2015/main" val="1"/>
               </p:ext>
             </p:extLst>
           </p:nvPr>
@@ -23092,10 +22801,10 @@
           <p:cNvPr id="31" name="Rectangle 11">
             <a:extLst>
               <a:ext uri="{FF2B5EF4-FFF2-40B4-BE49-F238E27FC236}">
-                <a16:creationId xmlns:a16="http://schemas.microsoft.com/office/drawing/2014/main" xmlns="" id="{62423CA5-E2E1-4789-B759-9906C1C94063}"/>
+                <a16:creationId xmlns:a16="http://schemas.microsoft.com/office/drawing/2014/main" id="{62423CA5-E2E1-4789-B759-9906C1C94063}"/>
               </a:ext>
               <a:ext uri="{C183D7F6-B498-43B3-948B-1728B52AA6E4}">
-                <adec:decorative xmlns:adec="http://schemas.microsoft.com/office/drawing/2017/decorative" xmlns="" val="1"/>
+                <adec:decorative xmlns:adec="http://schemas.microsoft.com/office/drawing/2017/decorative" val="1"/>
               </a:ext>
             </a:extLst>
           </p:cNvPr>
@@ -23105,7 +22814,7 @@
           <p:nvPr>
             <p:extLst>
               <p:ext uri="{386F3935-93C4-4BCD-93E2-E3B085C9AB24}">
-                <p16:designElem xmlns:p16="http://schemas.microsoft.com/office/powerpoint/2015/main" xmlns="" val="1"/>
+                <p16:designElem xmlns:p16="http://schemas.microsoft.com/office/powerpoint/2015/main" val="1"/>
               </p:ext>
             </p:extLst>
           </p:nvPr>
@@ -23153,10 +22862,10 @@
           <p:cNvPr id="32" name="Isosceles Triangle 13">
             <a:extLst>
               <a:ext uri="{FF2B5EF4-FFF2-40B4-BE49-F238E27FC236}">
-                <a16:creationId xmlns:a16="http://schemas.microsoft.com/office/drawing/2014/main" xmlns="" id="{73772B81-181F-48B7-8826-4D9686D15DF5}"/>
+                <a16:creationId xmlns:a16="http://schemas.microsoft.com/office/drawing/2014/main" id="{73772B81-181F-48B7-8826-4D9686D15DF5}"/>
               </a:ext>
               <a:ext uri="{C183D7F6-B498-43B3-948B-1728B52AA6E4}">
-                <adec:decorative xmlns:adec="http://schemas.microsoft.com/office/drawing/2017/decorative" xmlns="" val="1"/>
+                <adec:decorative xmlns:adec="http://schemas.microsoft.com/office/drawing/2017/decorative" val="1"/>
               </a:ext>
             </a:extLst>
           </p:cNvPr>
@@ -23166,7 +22875,7 @@
           <p:nvPr>
             <p:extLst>
               <p:ext uri="{386F3935-93C4-4BCD-93E2-E3B085C9AB24}">
-                <p16:designElem xmlns:p16="http://schemas.microsoft.com/office/powerpoint/2015/main" xmlns="" val="1"/>
+                <p16:designElem xmlns:p16="http://schemas.microsoft.com/office/powerpoint/2015/main" val="1"/>
               </p:ext>
             </p:extLst>
           </p:nvPr>
@@ -23216,7 +22925,7 @@
           <p:cNvPr id="2" name="Title 1">
             <a:extLst>
               <a:ext uri="{FF2B5EF4-FFF2-40B4-BE49-F238E27FC236}">
-                <a16:creationId xmlns:a16="http://schemas.microsoft.com/office/drawing/2014/main" xmlns="" id="{55EAE16E-9581-4876-9B8B-F06D393B5483}"/>
+                <a16:creationId xmlns:a16="http://schemas.microsoft.com/office/drawing/2014/main" id="{55EAE16E-9581-4876-9B8B-F06D393B5483}"/>
               </a:ext>
             </a:extLst>
           </p:cNvPr>
@@ -23255,7 +22964,7 @@
           <p:cNvPr id="3" name="Content Placeholder 2">
             <a:extLst>
               <a:ext uri="{FF2B5EF4-FFF2-40B4-BE49-F238E27FC236}">
-                <a16:creationId xmlns:a16="http://schemas.microsoft.com/office/drawing/2014/main" xmlns="" id="{78CEA26B-1A98-4436-8B76-2D35D22AEE72}"/>
+                <a16:creationId xmlns:a16="http://schemas.microsoft.com/office/drawing/2014/main" id="{78CEA26B-1A98-4436-8B76-2D35D22AEE72}"/>
               </a:ext>
             </a:extLst>
           </p:cNvPr>
@@ -23349,23 +23058,7 @@
                   <a:schemeClr val="bg1"/>
                 </a:solidFill>
               </a:rPr>
-              <a:t>users can request a hint if they are stuck, and will be provided a </a:t>
-            </a:r>
-            <a:r>
-              <a:rPr lang="en-AU" dirty="0" smtClean="0">
-                <a:solidFill>
-                  <a:schemeClr val="bg1"/>
-                </a:solidFill>
-              </a:rPr>
-              <a:t>marker </a:t>
-            </a:r>
-            <a:r>
-              <a:rPr lang="en-AU" dirty="0">
-                <a:solidFill>
-                  <a:schemeClr val="bg1"/>
-                </a:solidFill>
-              </a:rPr>
-              <a:t>on the map</a:t>
+              <a:t>users can request a hint if they are stuck, and will be provided a marker on the map</a:t>
             </a:r>
           </a:p>
           <a:p>
@@ -23380,23 +23073,7 @@
                   <a:schemeClr val="bg1"/>
                 </a:solidFill>
               </a:rPr>
-              <a:t>O</a:t>
-            </a:r>
-            <a:r>
-              <a:rPr lang="en-AU" sz="1400" dirty="0" smtClean="0">
-                <a:solidFill>
-                  <a:schemeClr val="bg1"/>
-                </a:solidFill>
-              </a:rPr>
-              <a:t>nce </a:t>
-            </a:r>
-            <a:r>
-              <a:rPr lang="en-AU" sz="1400" dirty="0">
-                <a:solidFill>
-                  <a:schemeClr val="bg1"/>
-                </a:solidFill>
-              </a:rPr>
-              <a:t>they proceed to the correct location, the GPS will trigger an alert telling the user they have reached their destination, and will be given the next location on the hunt, or end the hunt if it was the final location</a:t>
+              <a:t>Once they proceed to the correct location, the GPS will trigger an alert telling the user they have reached their destination, and will be given the next location on the hunt, or end the hunt if it was the final location</a:t>
             </a:r>
           </a:p>
         </p:txBody>
@@ -23406,7 +23083,7 @@
           <p:cNvPr id="5" name="Picture 4" descr="A screenshot of a cell phone&#10;&#10;Description automatically generated">
             <a:extLst>
               <a:ext uri="{FF2B5EF4-FFF2-40B4-BE49-F238E27FC236}">
-                <a16:creationId xmlns:a16="http://schemas.microsoft.com/office/drawing/2014/main" xmlns="" id="{7D01E313-D35C-4E7F-AD02-3290A1F1A4AC}"/>
+                <a16:creationId xmlns:a16="http://schemas.microsoft.com/office/drawing/2014/main" id="{7D01E313-D35C-4E7F-AD02-3290A1F1A4AC}"/>
               </a:ext>
             </a:extLst>
           </p:cNvPr>
@@ -23442,10 +23119,10 @@
           <p:cNvPr id="33" name="Isosceles Triangle 15">
             <a:extLst>
               <a:ext uri="{FF2B5EF4-FFF2-40B4-BE49-F238E27FC236}">
-                <a16:creationId xmlns:a16="http://schemas.microsoft.com/office/drawing/2014/main" xmlns="" id="{B2205F6E-03C6-4E92-877C-E2482F6599AA}"/>
+                <a16:creationId xmlns:a16="http://schemas.microsoft.com/office/drawing/2014/main" id="{B2205F6E-03C6-4E92-877C-E2482F6599AA}"/>
               </a:ext>
               <a:ext uri="{C183D7F6-B498-43B3-948B-1728B52AA6E4}">
-                <adec:decorative xmlns:adec="http://schemas.microsoft.com/office/drawing/2017/decorative" xmlns="" val="1"/>
+                <adec:decorative xmlns:adec="http://schemas.microsoft.com/office/drawing/2017/decorative" val="1"/>
               </a:ext>
             </a:extLst>
           </p:cNvPr>
@@ -23455,7 +23132,7 @@
           <p:nvPr>
             <p:extLst>
               <p:ext uri="{386F3935-93C4-4BCD-93E2-E3B085C9AB24}">
-                <p16:designElem xmlns:p16="http://schemas.microsoft.com/office/powerpoint/2015/main" xmlns="" val="1"/>
+                <p16:designElem xmlns:p16="http://schemas.microsoft.com/office/powerpoint/2015/main" val="1"/>
               </p:ext>
             </p:extLst>
           </p:nvPr>
@@ -23512,13 +23189,6 @@
   <p:clrMapOvr>
     <a:masterClrMapping/>
   </p:clrMapOvr>
-  <p:timing>
-    <p:tnLst>
-      <p:par>
-        <p:cTn id="1" dur="indefinite" restart="never" nodeType="tmRoot"/>
-      </p:par>
-    </p:tnLst>
-  </p:timing>
 </p:sld>
 </file>
 
@@ -23552,7 +23222,7 @@
           <p:cNvPr id="2" name="Title 1">
             <a:extLst>
               <a:ext uri="{FF2B5EF4-FFF2-40B4-BE49-F238E27FC236}">
-                <a16:creationId xmlns:a16="http://schemas.microsoft.com/office/drawing/2014/main" xmlns="" id="{FE788B41-4DF4-4223-A3A3-6EA3E8107337}"/>
+                <a16:creationId xmlns:a16="http://schemas.microsoft.com/office/drawing/2014/main" id="{FE788B41-4DF4-4223-A3A3-6EA3E8107337}"/>
               </a:ext>
             </a:extLst>
           </p:cNvPr>
@@ -23592,7 +23262,7 @@
           <p:cNvPr id="3" name="Content Placeholder 2">
             <a:extLst>
               <a:ext uri="{FF2B5EF4-FFF2-40B4-BE49-F238E27FC236}">
-                <a16:creationId xmlns:a16="http://schemas.microsoft.com/office/drawing/2014/main" xmlns="" id="{3A21B798-DBC9-436D-B33F-366B5970432A}"/>
+                <a16:creationId xmlns:a16="http://schemas.microsoft.com/office/drawing/2014/main" id="{3A21B798-DBC9-436D-B33F-366B5970432A}"/>
               </a:ext>
             </a:extLst>
           </p:cNvPr>
@@ -23633,7 +23303,7 @@
           <p:cNvPr id="5" name="Picture 4" descr="A screenshot of a social media post&#10;&#10;Description automatically generated">
             <a:extLst>
               <a:ext uri="{FF2B5EF4-FFF2-40B4-BE49-F238E27FC236}">
-                <a16:creationId xmlns:a16="http://schemas.microsoft.com/office/drawing/2014/main" xmlns="" id="{C5286A5F-1F4B-434E-A598-2EEDF7D1BDAA}"/>
+                <a16:creationId xmlns:a16="http://schemas.microsoft.com/office/drawing/2014/main" id="{C5286A5F-1F4B-434E-A598-2EEDF7D1BDAA}"/>
               </a:ext>
             </a:extLst>
           </p:cNvPr>
@@ -23695,10 +23365,10 @@
           <p:cNvPr id="21" name="Isosceles Triangle 20">
             <a:extLst>
               <a:ext uri="{FF2B5EF4-FFF2-40B4-BE49-F238E27FC236}">
-                <a16:creationId xmlns:a16="http://schemas.microsoft.com/office/drawing/2014/main" xmlns="" id="{3BCB5F6A-9EB0-40B0-9D13-3023E9A20508}"/>
+                <a16:creationId xmlns:a16="http://schemas.microsoft.com/office/drawing/2014/main" id="{3BCB5F6A-9EB0-40B0-9D13-3023E9A20508}"/>
               </a:ext>
               <a:ext uri="{C183D7F6-B498-43B3-948B-1728B52AA6E4}">
-                <adec:decorative xmlns:adec="http://schemas.microsoft.com/office/drawing/2017/decorative" xmlns="" val="1"/>
+                <adec:decorative xmlns:adec="http://schemas.microsoft.com/office/drawing/2017/decorative" val="1"/>
               </a:ext>
             </a:extLst>
           </p:cNvPr>
@@ -23708,7 +23378,7 @@
           <p:nvPr>
             <p:extLst>
               <p:ext uri="{386F3935-93C4-4BCD-93E2-E3B085C9AB24}">
-                <p16:designElem xmlns:p16="http://schemas.microsoft.com/office/powerpoint/2015/main" xmlns="" val="1"/>
+                <p16:designElem xmlns:p16="http://schemas.microsoft.com/office/powerpoint/2015/main" val="1"/>
               </p:ext>
             </p:extLst>
           </p:nvPr>
@@ -23756,13 +23426,6 @@
   <p:clrMapOvr>
     <a:overrideClrMapping bg1="dk1" tx1="lt1" bg2="dk2" tx2="lt2" accent1="accent1" accent2="accent2" accent3="accent3" accent4="accent4" accent5="accent5" accent6="accent6" hlink="hlink" folHlink="folHlink"/>
   </p:clrMapOvr>
-  <p:timing>
-    <p:tnLst>
-      <p:par>
-        <p:cTn id="1" dur="indefinite" restart="never" nodeType="tmRoot"/>
-      </p:par>
-    </p:tnLst>
-  </p:timing>
 </p:sld>
 </file>
 
@@ -23791,72 +23454,12 @@
           <a:chExt cx="0" cy="0"/>
         </a:xfrm>
       </p:grpSpPr>
-      <p:sp useBgFill="1">
-        <p:nvSpPr>
-          <p:cNvPr id="8" name="Rectangle 7">
-            <a:extLst>
-              <a:ext uri="{FF2B5EF4-FFF2-40B4-BE49-F238E27FC236}">
-                <a16:creationId xmlns:a16="http://schemas.microsoft.com/office/drawing/2014/main" xmlns="" id="{603AE127-802C-459A-A612-DB85B67F0DC0}"/>
-              </a:ext>
-              <a:ext uri="{C183D7F6-B498-43B3-948B-1728B52AA6E4}">
-                <adec:decorative xmlns:adec="http://schemas.microsoft.com/office/drawing/2017/decorative" xmlns="" val="1"/>
-              </a:ext>
-            </a:extLst>
-          </p:cNvPr>
-          <p:cNvSpPr>
-            <a:spLocks noGrp="1" noRot="1" noChangeAspect="1" noMove="1" noResize="1" noEditPoints="1" noAdjustHandles="1" noChangeArrowheads="1" noChangeShapeType="1" noTextEdit="1"/>
-          </p:cNvSpPr>
-          <p:nvPr>
-            <p:extLst>
-              <p:ext uri="{386F3935-93C4-4BCD-93E2-E3B085C9AB24}">
-                <p16:designElem xmlns:p16="http://schemas.microsoft.com/office/powerpoint/2015/main" xmlns="" val="1"/>
-              </p:ext>
-            </p:extLst>
-          </p:nvPr>
-        </p:nvSpPr>
-        <p:spPr>
-          <a:xfrm>
-            <a:off x="0" y="0"/>
-            <a:ext cx="12192000" cy="6858000"/>
-          </a:xfrm>
-          <a:prstGeom prst="rect">
-            <a:avLst/>
-          </a:prstGeom>
-          <a:ln>
-            <a:noFill/>
-          </a:ln>
-        </p:spPr>
-        <p:style>
-          <a:lnRef idx="2">
-            <a:schemeClr val="accent1">
-              <a:shade val="50000"/>
-            </a:schemeClr>
-          </a:lnRef>
-          <a:fillRef idx="1">
-            <a:schemeClr val="accent1"/>
-          </a:fillRef>
-          <a:effectRef idx="0">
-            <a:schemeClr val="accent1"/>
-          </a:effectRef>
-          <a:fontRef idx="minor">
-            <a:schemeClr val="lt1"/>
-          </a:fontRef>
-        </p:style>
-        <p:txBody>
-          <a:bodyPr rtlCol="0" anchor="ctr"/>
-          <a:lstStyle/>
-          <a:p>
-            <a:pPr algn="ctr"/>
-            <a:endParaRPr lang="en-US"/>
-          </a:p>
-        </p:txBody>
-      </p:sp>
       <p:sp>
         <p:nvSpPr>
           <p:cNvPr id="2" name="Title 1">
             <a:extLst>
               <a:ext uri="{FF2B5EF4-FFF2-40B4-BE49-F238E27FC236}">
-                <a16:creationId xmlns:a16="http://schemas.microsoft.com/office/drawing/2014/main" xmlns="" id="{705E7B8A-8DF2-4887-A103-928CD3A09ADE}"/>
+                <a16:creationId xmlns:a16="http://schemas.microsoft.com/office/drawing/2014/main" id="{077682EF-1B04-4272-AB0B-6D6050B3DE31}"/>
               </a:ext>
             </a:extLst>
           </p:cNvPr>
@@ -23869,12 +23472,12 @@
         </p:nvSpPr>
         <p:spPr>
           <a:xfrm>
-            <a:off x="1043950" y="1179151"/>
-            <a:ext cx="3300646" cy="4463889"/>
+            <a:off x="4056462" y="609600"/>
+            <a:ext cx="5217540" cy="1320800"/>
           </a:xfrm>
         </p:spPr>
         <p:txBody>
-          <a:bodyPr anchor="ctr">
+          <a:bodyPr>
             <a:normAutofit/>
           </a:bodyPr>
           <a:lstStyle/>
@@ -23886,171 +23489,12 @@
           </a:p>
         </p:txBody>
       </p:sp>
-      <p:sp>
-        <p:nvSpPr>
-          <p:cNvPr id="10" name="Isosceles Triangle 9">
+      <p:pic>
+        <p:nvPicPr>
+          <p:cNvPr id="4" name="Picture 3">
             <a:extLst>
               <a:ext uri="{FF2B5EF4-FFF2-40B4-BE49-F238E27FC236}">
-                <a16:creationId xmlns:a16="http://schemas.microsoft.com/office/drawing/2014/main" xmlns="" id="{9323D83D-50D6-4040-A58B-FCEA340F886A}"/>
-              </a:ext>
-              <a:ext uri="{C183D7F6-B498-43B3-948B-1728B52AA6E4}">
-                <adec:decorative xmlns:adec="http://schemas.microsoft.com/office/drawing/2017/decorative" xmlns="" val="1"/>
-              </a:ext>
-            </a:extLst>
-          </p:cNvPr>
-          <p:cNvSpPr>
-            <a:spLocks noGrp="1" noRot="1" noChangeAspect="1" noMove="1" noResize="1" noEditPoints="1" noAdjustHandles="1" noChangeArrowheads="1" noChangeShapeType="1" noTextEdit="1"/>
-          </p:cNvSpPr>
-          <p:nvPr>
-            <p:extLst>
-              <p:ext uri="{386F3935-93C4-4BCD-93E2-E3B085C9AB24}">
-                <p16:designElem xmlns:p16="http://schemas.microsoft.com/office/powerpoint/2015/main" xmlns="" val="1"/>
-              </p:ext>
-            </p:extLst>
-          </p:nvPr>
-        </p:nvSpPr>
-        <p:spPr>
-          <a:xfrm>
-            <a:off x="0" y="4013200"/>
-            <a:ext cx="448733" cy="2844800"/>
-          </a:xfrm>
-          <a:prstGeom prst="triangle">
-            <a:avLst>
-              <a:gd name="adj" fmla="val 0"/>
-            </a:avLst>
-          </a:prstGeom>
-          <a:solidFill>
-            <a:schemeClr val="accent1"/>
-          </a:solidFill>
-          <a:ln>
-            <a:noFill/>
-          </a:ln>
-          <a:effectLst/>
-        </p:spPr>
-        <p:style>
-          <a:lnRef idx="1">
-            <a:schemeClr val="accent1"/>
-          </a:lnRef>
-          <a:fillRef idx="3">
-            <a:schemeClr val="accent1"/>
-          </a:fillRef>
-          <a:effectRef idx="2">
-            <a:schemeClr val="accent1"/>
-          </a:effectRef>
-          <a:fontRef idx="minor">
-            <a:schemeClr val="lt1"/>
-          </a:fontRef>
-        </p:style>
-      </p:sp>
-      <p:cxnSp>
-        <p:nvCxnSpPr>
-          <p:cNvPr id="12" name="Straight Connector 11">
-            <a:extLst>
-              <a:ext uri="{FF2B5EF4-FFF2-40B4-BE49-F238E27FC236}">
-                <a16:creationId xmlns:a16="http://schemas.microsoft.com/office/drawing/2014/main" xmlns="" id="{1A1FE6BB-DFB2-4080-9B5E-076EF5DDE67B}"/>
-              </a:ext>
-              <a:ext uri="{C183D7F6-B498-43B3-948B-1728B52AA6E4}">
-                <adec:decorative xmlns:adec="http://schemas.microsoft.com/office/drawing/2017/decorative" xmlns="" val="1"/>
-              </a:ext>
-            </a:extLst>
-          </p:cNvPr>
-          <p:cNvCxnSpPr>
-            <a:cxnSpLocks noGrp="1" noRot="1" noChangeAspect="1" noMove="1" noResize="1" noEditPoints="1" noAdjustHandles="1" noChangeArrowheads="1" noChangeShapeType="1"/>
-          </p:cNvCxnSpPr>
-          <p:nvPr>
-            <p:extLst>
-              <p:ext uri="{386F3935-93C4-4BCD-93E2-E3B085C9AB24}">
-                <p16:designElem xmlns:p16="http://schemas.microsoft.com/office/powerpoint/2015/main" xmlns="" val="1"/>
-              </p:ext>
-            </p:extLst>
-          </p:nvPr>
-        </p:nvCxnSpPr>
-        <p:spPr>
-          <a:xfrm>
-            <a:off x="4656670" y="1442595"/>
-            <a:ext cx="0" cy="3937000"/>
-          </a:xfrm>
-          <a:prstGeom prst="line">
-            <a:avLst/>
-          </a:prstGeom>
-        </p:spPr>
-        <p:style>
-          <a:lnRef idx="1">
-            <a:schemeClr val="accent1"/>
-          </a:lnRef>
-          <a:fillRef idx="0">
-            <a:schemeClr val="accent1"/>
-          </a:fillRef>
-          <a:effectRef idx="0">
-            <a:schemeClr val="accent1"/>
-          </a:effectRef>
-          <a:fontRef idx="minor">
-            <a:schemeClr val="tx1"/>
-          </a:fontRef>
-        </p:style>
-      </p:cxnSp>
-      <p:sp>
-        <p:nvSpPr>
-          <p:cNvPr id="14" name="Isosceles Triangle 13">
-            <a:extLst>
-              <a:ext uri="{FF2B5EF4-FFF2-40B4-BE49-F238E27FC236}">
-                <a16:creationId xmlns:a16="http://schemas.microsoft.com/office/drawing/2014/main" xmlns="" id="{F10FD715-4DCE-4779-B634-EC78315EA213}"/>
-              </a:ext>
-              <a:ext uri="{C183D7F6-B498-43B3-948B-1728B52AA6E4}">
-                <adec:decorative xmlns:adec="http://schemas.microsoft.com/office/drawing/2017/decorative" xmlns="" val="1"/>
-              </a:ext>
-            </a:extLst>
-          </p:cNvPr>
-          <p:cNvSpPr>
-            <a:spLocks noGrp="1" noRot="1" noChangeAspect="1" noMove="1" noResize="1" noEditPoints="1" noAdjustHandles="1" noChangeArrowheads="1" noChangeShapeType="1" noTextEdit="1"/>
-          </p:cNvSpPr>
-          <p:nvPr>
-            <p:extLst>
-              <p:ext uri="{386F3935-93C4-4BCD-93E2-E3B085C9AB24}">
-                <p16:designElem xmlns:p16="http://schemas.microsoft.com/office/powerpoint/2015/main" xmlns="" val="1"/>
-              </p:ext>
-            </p:extLst>
-          </p:nvPr>
-        </p:nvSpPr>
-        <p:spPr>
-          <a:xfrm rot="10800000" flipH="1">
-            <a:off x="11364139" y="0"/>
-            <a:ext cx="842596" cy="4616289"/>
-          </a:xfrm>
-          <a:prstGeom prst="triangle">
-            <a:avLst>
-              <a:gd name="adj" fmla="val 100000"/>
-            </a:avLst>
-          </a:prstGeom>
-          <a:solidFill>
-            <a:schemeClr val="accent2"/>
-          </a:solidFill>
-          <a:ln>
-            <a:noFill/>
-          </a:ln>
-          <a:effectLst/>
-        </p:spPr>
-        <p:style>
-          <a:lnRef idx="1">
-            <a:schemeClr val="accent1"/>
-          </a:lnRef>
-          <a:fillRef idx="3">
-            <a:schemeClr val="accent1"/>
-          </a:fillRef>
-          <a:effectRef idx="2">
-            <a:schemeClr val="accent1"/>
-          </a:effectRef>
-          <a:fontRef idx="minor">
-            <a:schemeClr val="lt1"/>
-          </a:fontRef>
-        </p:style>
-      </p:sp>
-      <p:pic>
-        <p:nvPicPr>
-          <p:cNvPr id="6" name="Picture 5">
-            <a:extLst>
-              <a:ext uri="{FF2B5EF4-FFF2-40B4-BE49-F238E27FC236}">
-                <a16:creationId xmlns:a16="http://schemas.microsoft.com/office/drawing/2014/main" xmlns="" id="{D2730577-53EC-4435-B343-006D7A36B6CE}"/>
+                <a16:creationId xmlns:a16="http://schemas.microsoft.com/office/drawing/2014/main" id="{DA0945E5-8C4D-43B0-9DCF-611B75A44FAB}"/>
               </a:ext>
             </a:extLst>
           </p:cNvPr>
@@ -24067,20 +23511,98 @@
         </p:blipFill>
         <p:spPr>
           <a:xfrm>
-            <a:off x="5073717" y="952178"/>
-            <a:ext cx="6389162" cy="1914310"/>
+            <a:off x="80581" y="1849120"/>
+            <a:ext cx="3975881" cy="1192763"/>
           </a:xfrm>
           <a:prstGeom prst="rect">
             <a:avLst/>
           </a:prstGeom>
         </p:spPr>
       </p:pic>
+      <p:sp>
+        <p:nvSpPr>
+          <p:cNvPr id="3" name="Content Placeholder 2">
+            <a:extLst>
+              <a:ext uri="{FF2B5EF4-FFF2-40B4-BE49-F238E27FC236}">
+                <a16:creationId xmlns:a16="http://schemas.microsoft.com/office/drawing/2014/main" id="{7D7DE6E5-F13C-450D-A65E-F4AA91C9A460}"/>
+              </a:ext>
+            </a:extLst>
+          </p:cNvPr>
+          <p:cNvSpPr>
+            <a:spLocks noGrp="1"/>
+          </p:cNvSpPr>
+          <p:nvPr>
+            <p:ph idx="1"/>
+          </p:nvPr>
+        </p:nvSpPr>
+        <p:spPr>
+          <a:xfrm>
+            <a:off x="4056462" y="2160589"/>
+            <a:ext cx="5217539" cy="3880773"/>
+          </a:xfrm>
+        </p:spPr>
+        <p:txBody>
+          <a:bodyPr>
+            <a:normAutofit/>
+          </a:bodyPr>
+          <a:lstStyle/>
+          <a:p>
+            <a:r>
+              <a:rPr lang="en-GB" dirty="0"/>
+              <a:t>Familiarity with the </a:t>
+            </a:r>
+            <a:r>
+              <a:rPr lang="en-GB" dirty="0" err="1"/>
+              <a:t>Firestore</a:t>
+            </a:r>
+            <a:r>
+              <a:rPr lang="en-GB" dirty="0"/>
+              <a:t> platform from previously using Firebase</a:t>
+            </a:r>
+          </a:p>
+          <a:p>
+            <a:r>
+              <a:rPr lang="en-GB" dirty="0"/>
+              <a:t>Easy scalability</a:t>
+            </a:r>
+          </a:p>
+          <a:p>
+            <a:r>
+              <a:rPr lang="en-GB" dirty="0"/>
+              <a:t>In-built security with automatic data encryption and decryption</a:t>
+            </a:r>
+          </a:p>
+          <a:p>
+            <a:r>
+              <a:rPr lang="en-GB" dirty="0"/>
+              <a:t>Support for indexed queries</a:t>
+            </a:r>
+          </a:p>
+          <a:p>
+            <a:r>
+              <a:rPr lang="en-GB" dirty="0"/>
+              <a:t>Reduced cost when compared with </a:t>
+            </a:r>
+            <a:r>
+              <a:rPr lang="en-GB" dirty="0" err="1"/>
+              <a:t>BigTable</a:t>
+            </a:r>
+            <a:r>
+              <a:rPr lang="en-GB" dirty="0"/>
+              <a:t> (and free trial use)</a:t>
+            </a:r>
+          </a:p>
+          <a:p>
+            <a:endParaRPr lang="en-AU" dirty="0"/>
+          </a:p>
+        </p:txBody>
+      </p:sp>
       <p:pic>
         <p:nvPicPr>
-          <p:cNvPr id="7" name="Picture 6">
+          <p:cNvPr id="5" name="Picture 4">
             <a:extLst>
               <a:ext uri="{FF2B5EF4-FFF2-40B4-BE49-F238E27FC236}">
-                <a16:creationId xmlns:a16="http://schemas.microsoft.com/office/drawing/2014/main" xmlns="" id="{E5CB018D-16BA-4099-90EF-078A16BA9FE1}"/>
+                <a16:creationId xmlns:a16="http://schemas.microsoft.com/office/drawing/2014/main" id="{9A0541D0-39BE-4130-91FC-E67049ABCE77}"/>
               </a:ext>
             </a:extLst>
           </p:cNvPr>
@@ -24097,8 +23619,8 @@
         </p:blipFill>
         <p:spPr>
           <a:xfrm>
-            <a:off x="6561103" y="3193889"/>
-            <a:ext cx="3823904" cy="2844800"/>
+            <a:off x="493257" y="3371989"/>
+            <a:ext cx="3150527" cy="2339266"/>
           </a:xfrm>
           <a:prstGeom prst="rect">
             <a:avLst/>
@@ -24108,20 +23630,13 @@
     </p:spTree>
     <p:extLst>
       <p:ext uri="{BB962C8B-B14F-4D97-AF65-F5344CB8AC3E}">
-        <p14:creationId xmlns:p14="http://schemas.microsoft.com/office/powerpoint/2010/main" val="3175874892"/>
+        <p14:creationId xmlns:p14="http://schemas.microsoft.com/office/powerpoint/2010/main" val="298246439"/>
       </p:ext>
     </p:extLst>
   </p:cSld>
   <p:clrMapOvr>
     <a:masterClrMapping/>
   </p:clrMapOvr>
-  <p:timing>
-    <p:tnLst>
-      <p:par>
-        <p:cTn id="1" dur="indefinite" restart="never" nodeType="tmRoot"/>
-      </p:par>
-    </p:tnLst>
-  </p:timing>
 </p:sld>
 </file>
 
@@ -24376,7 +23891,7 @@
   <a:extraClrSchemeLst/>
   <a:extLst>
     <a:ext uri="{05A4C25C-085E-4340-85A3-A5531E510DB2}">
-      <thm15:themeFamily xmlns:thm15="http://schemas.microsoft.com/office/thememl/2012/main" xmlns="" name="Facet" id="{C0C680CD-088A-49FC-A102-D699147F32B2}" vid="{CFBC31BA-B70F-4F30-BCAA-4F3011E16C4D}"/>
+      <thm15:themeFamily xmlns:thm15="http://schemas.microsoft.com/office/thememl/2012/main" name="Facet" id="{C0C680CD-088A-49FC-A102-D699147F32B2}" vid="{CFBC31BA-B70F-4F30-BCAA-4F3011E16C4D}"/>
     </a:ext>
   </a:extLst>
 </a:theme>
